--- a/Tiny Package/MOS Edge/MOS Edge Manual.pptx
+++ b/Tiny Package/MOS Edge/MOS Edge Manual.pptx
@@ -5390,7 +5390,7 @@
           <a:p>
             <a:fld id="{116A6C1D-3507-446A-A044-82BB28480E38}" type="datetimeFigureOut">
               <a:rPr lang="ko-KR" altLang="en-US" smtClean="0"/>
-              <a:t>2023-08-18</a:t>
+              <a:t>2023-08-22</a:t>
             </a:fld>
             <a:endParaRPr lang="ko-KR" altLang="en-US"/>
           </a:p>
@@ -5701,7 +5701,7 @@
           <a:bodyPr/>
           <a:lstStyle/>
           <a:p>
-            <a:endParaRPr lang="ko-KR" altLang="en-US" dirty="0"/>
+            <a:endParaRPr lang="ko-KR" altLang="en-US"/>
           </a:p>
         </p:txBody>
       </p:sp>
@@ -5722,7 +5722,7 @@
           <a:p>
             <a:fld id="{4C227AAA-AF55-453E-934F-A729A097A742}" type="slidenum">
               <a:rPr lang="ko-KR" altLang="en-US" smtClean="0"/>
-              <a:t>7</a:t>
+              <a:t>5</a:t>
             </a:fld>
             <a:endParaRPr lang="ko-KR" altLang="en-US"/>
           </a:p>
@@ -5731,7 +5731,7 @@
     </p:spTree>
     <p:extLst>
       <p:ext uri="{BB962C8B-B14F-4D97-AF65-F5344CB8AC3E}">
-        <p14:creationId xmlns:p14="http://schemas.microsoft.com/office/powerpoint/2010/main" val="3339458653"/>
+        <p14:creationId xmlns:p14="http://schemas.microsoft.com/office/powerpoint/2010/main" val="522163191"/>
       </p:ext>
     </p:extLst>
   </p:cSld>
@@ -5806,7 +5806,7 @@
           <a:p>
             <a:fld id="{4C227AAA-AF55-453E-934F-A729A097A742}" type="slidenum">
               <a:rPr lang="ko-KR" altLang="en-US" smtClean="0"/>
-              <a:t>10</a:t>
+              <a:t>7</a:t>
             </a:fld>
             <a:endParaRPr lang="ko-KR" altLang="en-US"/>
           </a:p>
@@ -5815,7 +5815,7 @@
     </p:spTree>
     <p:extLst>
       <p:ext uri="{BB962C8B-B14F-4D97-AF65-F5344CB8AC3E}">
-        <p14:creationId xmlns:p14="http://schemas.microsoft.com/office/powerpoint/2010/main" val="3819456488"/>
+        <p14:creationId xmlns:p14="http://schemas.microsoft.com/office/powerpoint/2010/main" val="3339458653"/>
       </p:ext>
     </p:extLst>
   </p:cSld>
@@ -5890,6 +5890,90 @@
           <a:p>
             <a:fld id="{4C227AAA-AF55-453E-934F-A729A097A742}" type="slidenum">
               <a:rPr lang="ko-KR" altLang="en-US" smtClean="0"/>
+              <a:t>10</a:t>
+            </a:fld>
+            <a:endParaRPr lang="ko-KR" altLang="en-US"/>
+          </a:p>
+        </p:txBody>
+      </p:sp>
+    </p:spTree>
+    <p:extLst>
+      <p:ext uri="{BB962C8B-B14F-4D97-AF65-F5344CB8AC3E}">
+        <p14:creationId xmlns:p14="http://schemas.microsoft.com/office/powerpoint/2010/main" val="3819456488"/>
+      </p:ext>
+    </p:extLst>
+  </p:cSld>
+  <p:clrMapOvr>
+    <a:masterClrMapping/>
+  </p:clrMapOvr>
+</p:notes>
+</file>
+
+<file path=ppt/notesSlides/notesSlide4.xml><?xml version="1.0" encoding="utf-8"?>
+<p:notes xmlns:a="http://schemas.openxmlformats.org/drawingml/2006/main" xmlns:r="http://schemas.openxmlformats.org/officeDocument/2006/relationships" xmlns:p="http://schemas.openxmlformats.org/presentationml/2006/main">
+  <p:cSld>
+    <p:spTree>
+      <p:nvGrpSpPr>
+        <p:cNvPr id="1" name=""/>
+        <p:cNvGrpSpPr/>
+        <p:nvPr/>
+      </p:nvGrpSpPr>
+      <p:grpSpPr>
+        <a:xfrm>
+          <a:off x="0" y="0"/>
+          <a:ext cx="0" cy="0"/>
+          <a:chOff x="0" y="0"/>
+          <a:chExt cx="0" cy="0"/>
+        </a:xfrm>
+      </p:grpSpPr>
+      <p:sp>
+        <p:nvSpPr>
+          <p:cNvPr id="2" name="슬라이드 이미지 개체 틀 1"/>
+          <p:cNvSpPr>
+            <a:spLocks noGrp="1" noRot="1" noChangeAspect="1"/>
+          </p:cNvSpPr>
+          <p:nvPr>
+            <p:ph type="sldImg"/>
+          </p:nvPr>
+        </p:nvSpPr>
+        <p:spPr/>
+      </p:sp>
+      <p:sp>
+        <p:nvSpPr>
+          <p:cNvPr id="3" name="슬라이드 노트 개체 틀 2"/>
+          <p:cNvSpPr>
+            <a:spLocks noGrp="1"/>
+          </p:cNvSpPr>
+          <p:nvPr>
+            <p:ph type="body" idx="1"/>
+          </p:nvPr>
+        </p:nvSpPr>
+        <p:spPr/>
+        <p:txBody>
+          <a:bodyPr/>
+          <a:lstStyle/>
+          <a:p>
+            <a:endParaRPr lang="ko-KR" altLang="en-US" dirty="0"/>
+          </a:p>
+        </p:txBody>
+      </p:sp>
+      <p:sp>
+        <p:nvSpPr>
+          <p:cNvPr id="4" name="슬라이드 번호 개체 틀 3"/>
+          <p:cNvSpPr>
+            <a:spLocks noGrp="1"/>
+          </p:cNvSpPr>
+          <p:nvPr>
+            <p:ph type="sldNum" sz="quarter" idx="5"/>
+          </p:nvPr>
+        </p:nvSpPr>
+        <p:spPr/>
+        <p:txBody>
+          <a:bodyPr/>
+          <a:lstStyle/>
+          <a:p>
+            <a:fld id="{4C227AAA-AF55-453E-934F-A729A097A742}" type="slidenum">
+              <a:rPr lang="ko-KR" altLang="en-US" smtClean="0"/>
               <a:t>11</a:t>
             </a:fld>
             <a:endParaRPr lang="ko-KR" altLang="en-US"/>
@@ -5909,7 +5993,7 @@
 </p:notes>
 </file>
 
-<file path=ppt/notesSlides/notesSlide4.xml><?xml version="1.0" encoding="utf-8"?>
+<file path=ppt/notesSlides/notesSlide5.xml><?xml version="1.0" encoding="utf-8"?>
 <p:notes xmlns:a="http://schemas.openxmlformats.org/drawingml/2006/main" xmlns:r="http://schemas.openxmlformats.org/officeDocument/2006/relationships" xmlns:p="http://schemas.openxmlformats.org/presentationml/2006/main">
   <p:cSld>
     <p:spTree>
@@ -6140,7 +6224,7 @@
           <a:p>
             <a:fld id="{69B43524-BEFA-488C-BC05-69222E5CFA9D}" type="datetime1">
               <a:rPr lang="ko-KR" altLang="en-US" smtClean="0"/>
-              <a:t>2023-08-18</a:t>
+              <a:t>2023-08-22</a:t>
             </a:fld>
             <a:endParaRPr lang="ko-KR" altLang="en-US"/>
           </a:p>
@@ -6338,7 +6422,7 @@
           <a:p>
             <a:fld id="{1A6A7683-8D67-43F2-9710-48F6BAA9E150}" type="datetime1">
               <a:rPr lang="ko-KR" altLang="en-US" smtClean="0"/>
-              <a:t>2023-08-18</a:t>
+              <a:t>2023-08-22</a:t>
             </a:fld>
             <a:endParaRPr lang="ko-KR" altLang="en-US"/>
           </a:p>
@@ -6546,7 +6630,7 @@
           <a:p>
             <a:fld id="{063EE130-85DB-4C9D-8DB6-AF11FA2D20B0}" type="datetime1">
               <a:rPr lang="ko-KR" altLang="en-US" smtClean="0"/>
-              <a:t>2023-08-18</a:t>
+              <a:t>2023-08-22</a:t>
             </a:fld>
             <a:endParaRPr lang="ko-KR" altLang="en-US"/>
           </a:p>
@@ -6833,7 +6917,7 @@
           <a:p>
             <a:fld id="{E391AB19-BDFC-4D04-81EB-1143E3C084CC}" type="datetime1">
               <a:rPr lang="ko-KR" altLang="en-US" smtClean="0"/>
-              <a:t>2023-08-18</a:t>
+              <a:t>2023-08-22</a:t>
             </a:fld>
             <a:endParaRPr lang="ko-KR" altLang="en-US"/>
           </a:p>
@@ -7108,7 +7192,7 @@
           <a:p>
             <a:fld id="{BB9C80D9-7FC2-421F-A72A-01794B91D6C9}" type="datetime1">
               <a:rPr lang="ko-KR" altLang="en-US" smtClean="0"/>
-              <a:t>2023-08-18</a:t>
+              <a:t>2023-08-22</a:t>
             </a:fld>
             <a:endParaRPr lang="ko-KR" altLang="en-US"/>
           </a:p>
@@ -7373,7 +7457,7 @@
           <a:p>
             <a:fld id="{EF981FE9-F83A-4675-BAE2-DB3D8C4739C6}" type="datetime1">
               <a:rPr lang="ko-KR" altLang="en-US" smtClean="0"/>
-              <a:t>2023-08-18</a:t>
+              <a:t>2023-08-22</a:t>
             </a:fld>
             <a:endParaRPr lang="ko-KR" altLang="en-US"/>
           </a:p>
@@ -7785,7 +7869,7 @@
           <a:p>
             <a:fld id="{9CA449A2-2CCB-4A63-8426-8EBDA18360F8}" type="datetime1">
               <a:rPr lang="ko-KR" altLang="en-US" smtClean="0"/>
-              <a:t>2023-08-18</a:t>
+              <a:t>2023-08-22</a:t>
             </a:fld>
             <a:endParaRPr lang="ko-KR" altLang="en-US"/>
           </a:p>
@@ -8318,7 +8402,7 @@
           <a:p>
             <a:fld id="{06C5C5E9-02C4-4F49-BDCF-497A97F23B5C}" type="datetime1">
               <a:rPr lang="ko-KR" altLang="en-US" smtClean="0"/>
-              <a:t>2023-08-18</a:t>
+              <a:t>2023-08-22</a:t>
             </a:fld>
             <a:endParaRPr lang="ko-KR" altLang="en-US"/>
           </a:p>
@@ -8606,7 +8690,7 @@
           <a:p>
             <a:fld id="{ECE0EF8B-2319-43DC-A4D8-567609C80A1B}" type="datetime1">
               <a:rPr lang="ko-KR" altLang="en-US" smtClean="0"/>
-              <a:t>2023-08-18</a:t>
+              <a:t>2023-08-22</a:t>
             </a:fld>
             <a:endParaRPr lang="ko-KR" altLang="en-US"/>
           </a:p>
@@ -8847,7 +8931,7 @@
           <a:p>
             <a:fld id="{F977298A-8F51-4C66-941B-5A66725A87B4}" type="datetime1">
               <a:rPr lang="ko-KR" altLang="en-US" smtClean="0"/>
-              <a:t>2023-08-18</a:t>
+              <a:t>2023-08-22</a:t>
             </a:fld>
             <a:endParaRPr lang="ko-KR" altLang="en-US"/>
           </a:p>
@@ -11631,7 +11715,7 @@
         </p:blipFill>
         <p:spPr bwMode="auto">
           <a:xfrm>
-            <a:off x="609600" y="1172003"/>
+            <a:off x="609600" y="1165125"/>
             <a:ext cx="3505200" cy="895350"/>
           </a:xfrm>
           <a:prstGeom prst="rect">
@@ -13010,7 +13094,7 @@
         <p:spPr>
           <a:xfrm>
             <a:off x="394629" y="846886"/>
-            <a:ext cx="11402741" cy="5234703"/>
+            <a:ext cx="11402741" cy="6465809"/>
           </a:xfrm>
           <a:prstGeom prst="rect">
             <a:avLst/>
@@ -13088,13 +13172,56 @@
               <a:t> admin </a:t>
             </a:r>
             <a:r>
-              <a:rPr lang="ko-KR" altLang="en-US" sz="1400" dirty="0">
-                <a:latin typeface="에스코어 드림 3 Light" panose="020B0303030302020204" pitchFamily="34" charset="-127"/>
-                <a:ea typeface="에스코어 드림 3 Light" panose="020B0303030302020204" pitchFamily="34" charset="-127"/>
-              </a:rPr>
-              <a:t>계정 생성</a:t>
-            </a:r>
-            <a:endParaRPr lang="en-US" altLang="ko-KR" sz="1400" dirty="0">
+              <a:rPr lang="ko-KR" altLang="en-US" sz="1400">
+                <a:latin typeface="에스코어 드림 3 Light" panose="020B0303030302020204" pitchFamily="34" charset="-127"/>
+                <a:ea typeface="에스코어 드림 3 Light" panose="020B0303030302020204" pitchFamily="34" charset="-127"/>
+              </a:rPr>
+              <a:t>계정 생성 </a:t>
+            </a:r>
+            <a:r>
+              <a:rPr lang="en-US" altLang="ko-KR" sz="1100" b="1">
+                <a:solidFill>
+                  <a:srgbClr val="FF0000"/>
+                </a:solidFill>
+                <a:latin typeface="에스코어 드림 3 Light" panose="020B0303030302020204" pitchFamily="34" charset="-127"/>
+                <a:ea typeface="에스코어 드림 3 Light" panose="020B0303030302020204" pitchFamily="34" charset="-127"/>
+              </a:rPr>
+              <a:t>※ </a:t>
+            </a:r>
+            <a:r>
+              <a:rPr lang="ko-KR" altLang="en-US" sz="1100" b="1">
+                <a:solidFill>
+                  <a:srgbClr val="FF0000"/>
+                </a:solidFill>
+                <a:latin typeface="에스코어 드림 3 Light" panose="020B0303030302020204" pitchFamily="34" charset="-127"/>
+                <a:ea typeface="에스코어 드림 3 Light" panose="020B0303030302020204" pitchFamily="34" charset="-127"/>
+              </a:rPr>
+              <a:t>모든 설치 및 동작은 </a:t>
+            </a:r>
+            <a:r>
+              <a:rPr lang="en-US" altLang="ko-KR" sz="1100" b="1">
+                <a:solidFill>
+                  <a:srgbClr val="FF0000"/>
+                </a:solidFill>
+                <a:latin typeface="에스코어 드림 3 Light" panose="020B0303030302020204" pitchFamily="34" charset="-127"/>
+                <a:ea typeface="에스코어 드림 3 Light" panose="020B0303030302020204" pitchFamily="34" charset="-127"/>
+              </a:rPr>
+              <a:t>admin </a:t>
+            </a:r>
+            <a:r>
+              <a:rPr lang="ko-KR" altLang="en-US" sz="1100" b="1">
+                <a:solidFill>
+                  <a:srgbClr val="FF0000"/>
+                </a:solidFill>
+                <a:latin typeface="에스코어 드림 3 Light" panose="020B0303030302020204" pitchFamily="34" charset="-127"/>
+                <a:ea typeface="에스코어 드림 3 Light" panose="020B0303030302020204" pitchFamily="34" charset="-127"/>
+              </a:rPr>
+              <a:t>계정으로 진행됩니다</a:t>
+            </a:r>
+            <a:endParaRPr lang="en-US" altLang="ko-KR" sz="1100" b="1" dirty="0">
+              <a:solidFill>
+                <a:srgbClr val="FF0000"/>
+              </a:solidFill>
               <a:latin typeface="에스코어 드림 3 Light" panose="020B0303030302020204" pitchFamily="34" charset="-127"/>
               <a:ea typeface="에스코어 드림 3 Light" panose="020B0303030302020204" pitchFamily="34" charset="-127"/>
             </a:endParaRPr>
@@ -13448,53 +13575,47 @@
             </a:endParaRPr>
           </a:p>
           <a:p>
+            <a:r>
+              <a:rPr lang="ko-KR" altLang="en-US" sz="1400">
+                <a:latin typeface="에스코어 드림 3 Light" panose="020B0303030302020204" pitchFamily="34" charset="-127"/>
+                <a:ea typeface="에스코어 드림 3 Light" panose="020B0303030302020204" pitchFamily="34" charset="-127"/>
+              </a:rPr>
+              <a:t> </a:t>
+            </a:r>
+            <a:r>
+              <a:rPr lang="en-US" altLang="ko-KR" sz="1400" dirty="0">
+                <a:latin typeface="에스코어 드림 3 Light" panose="020B0303030302020204" pitchFamily="34" charset="-127"/>
+                <a:ea typeface="에스코어 드림 3 Light" panose="020B0303030302020204" pitchFamily="34" charset="-127"/>
+              </a:rPr>
+              <a:t>OS </a:t>
+            </a:r>
+            <a:r>
+              <a:rPr lang="ko-KR" altLang="en-US" sz="1400" dirty="0">
+                <a:latin typeface="에스코어 드림 3 Light" panose="020B0303030302020204" pitchFamily="34" charset="-127"/>
+                <a:ea typeface="에스코어 드림 3 Light" panose="020B0303030302020204" pitchFamily="34" charset="-127"/>
+              </a:rPr>
+              <a:t>설치 시 호스트 이름을 </a:t>
+            </a:r>
+            <a:r>
+              <a:rPr lang="en-US" altLang="ko-KR" sz="1400" dirty="0">
+                <a:latin typeface="에스코어 드림 3 Light" panose="020B0303030302020204" pitchFamily="34" charset="-127"/>
+                <a:ea typeface="에스코어 드림 3 Light" panose="020B0303030302020204" pitchFamily="34" charset="-127"/>
+              </a:rPr>
+              <a:t>gateway</a:t>
+            </a:r>
+            <a:r>
+              <a:rPr lang="ko-KR" altLang="en-US" sz="1400" dirty="0">
+                <a:latin typeface="에스코어 드림 3 Light" panose="020B0303030302020204" pitchFamily="34" charset="-127"/>
+                <a:ea typeface="에스코어 드림 3 Light" panose="020B0303030302020204" pitchFamily="34" charset="-127"/>
+              </a:rPr>
+              <a:t>로 설정하지 않았으면 호스트 이름 변경</a:t>
+            </a:r>
             <a:endParaRPr lang="en-US" altLang="ko-KR" sz="1400" dirty="0">
               <a:latin typeface="에스코어 드림 3 Light" panose="020B0303030302020204" pitchFamily="34" charset="-127"/>
               <a:ea typeface="에스코어 드림 3 Light" panose="020B0303030302020204" pitchFamily="34" charset="-127"/>
             </a:endParaRPr>
           </a:p>
           <a:p>
-            <a:r>
-              <a:rPr lang="ko-KR" altLang="en-US" sz="1400" dirty="0">
-                <a:latin typeface="에스코어 드림 3 Light" panose="020B0303030302020204" pitchFamily="34" charset="-127"/>
-                <a:ea typeface="에스코어 드림 3 Light" panose="020B0303030302020204" pitchFamily="34" charset="-127"/>
-              </a:rPr>
-              <a:t> </a:t>
-            </a:r>
-            <a:r>
-              <a:rPr lang="en-US" altLang="ko-KR" sz="1400" dirty="0">
-                <a:latin typeface="에스코어 드림 3 Light" panose="020B0303030302020204" pitchFamily="34" charset="-127"/>
-                <a:ea typeface="에스코어 드림 3 Light" panose="020B0303030302020204" pitchFamily="34" charset="-127"/>
-              </a:rPr>
-              <a:t>OS </a:t>
-            </a:r>
-            <a:r>
-              <a:rPr lang="ko-KR" altLang="en-US" sz="1400" dirty="0">
-                <a:latin typeface="에스코어 드림 3 Light" panose="020B0303030302020204" pitchFamily="34" charset="-127"/>
-                <a:ea typeface="에스코어 드림 3 Light" panose="020B0303030302020204" pitchFamily="34" charset="-127"/>
-              </a:rPr>
-              <a:t>설치 시 호스트 이름을 </a:t>
-            </a:r>
-            <a:r>
-              <a:rPr lang="en-US" altLang="ko-KR" sz="1400" dirty="0">
-                <a:latin typeface="에스코어 드림 3 Light" panose="020B0303030302020204" pitchFamily="34" charset="-127"/>
-                <a:ea typeface="에스코어 드림 3 Light" panose="020B0303030302020204" pitchFamily="34" charset="-127"/>
-              </a:rPr>
-              <a:t>gateway</a:t>
-            </a:r>
-            <a:r>
-              <a:rPr lang="ko-KR" altLang="en-US" sz="1400" dirty="0">
-                <a:latin typeface="에스코어 드림 3 Light" panose="020B0303030302020204" pitchFamily="34" charset="-127"/>
-                <a:ea typeface="에스코어 드림 3 Light" panose="020B0303030302020204" pitchFamily="34" charset="-127"/>
-              </a:rPr>
-              <a:t>로 설정하지 않았으면 호스트 이름 변경</a:t>
-            </a:r>
-            <a:endParaRPr lang="en-US" altLang="ko-KR" sz="1400" dirty="0">
-              <a:latin typeface="에스코어 드림 3 Light" panose="020B0303030302020204" pitchFamily="34" charset="-127"/>
-              <a:ea typeface="에스코어 드림 3 Light" panose="020B0303030302020204" pitchFamily="34" charset="-127"/>
-            </a:endParaRPr>
-          </a:p>
-          <a:p>
             <a:pPr marL="0" indent="0">
               <a:buNone/>
             </a:pPr>
@@ -13553,7 +13674,67 @@
                 <a:latin typeface="에스코어 드림 3 Light" panose="020B0303030302020204" pitchFamily="34" charset="-127"/>
                 <a:ea typeface="에스코어 드림 3 Light" panose="020B0303030302020204" pitchFamily="34" charset="-127"/>
               </a:rPr>
-              <a:t>입력 후 호스트 이름 설정</a:t>
+              <a:t>입력 후 호스트 </a:t>
+            </a:r>
+            <a:r>
+              <a:rPr lang="ko-KR" altLang="en-US" sz="1400">
+                <a:solidFill>
+                  <a:srgbClr val="000000"/>
+                </a:solidFill>
+                <a:latin typeface="에스코어 드림 3 Light" panose="020B0303030302020204" pitchFamily="34" charset="-127"/>
+                <a:ea typeface="에스코어 드림 3 Light" panose="020B0303030302020204" pitchFamily="34" charset="-127"/>
+              </a:rPr>
+              <a:t>이름 설정 </a:t>
+            </a:r>
+            <a:r>
+              <a:rPr lang="en-US" altLang="ko-KR" sz="1400">
+                <a:solidFill>
+                  <a:srgbClr val="000000"/>
+                </a:solidFill>
+                <a:latin typeface="에스코어 드림 3 Light" panose="020B0303030302020204" pitchFamily="34" charset="-127"/>
+                <a:ea typeface="에스코어 드림 3 Light" panose="020B0303030302020204" pitchFamily="34" charset="-127"/>
+              </a:rPr>
+              <a:t>(</a:t>
+            </a:r>
+            <a:r>
+              <a:rPr lang="ko-KR" altLang="en-US" sz="1400">
+                <a:solidFill>
+                  <a:srgbClr val="000000"/>
+                </a:solidFill>
+                <a:latin typeface="에스코어 드림 3 Light" panose="020B0303030302020204" pitchFamily="34" charset="-127"/>
+                <a:ea typeface="에스코어 드림 3 Light" panose="020B0303030302020204" pitchFamily="34" charset="-127"/>
+              </a:rPr>
+              <a:t>기존 내용 삭제 후 </a:t>
+            </a:r>
+            <a:r>
+              <a:rPr lang="en-US" altLang="ko-KR" sz="1400">
+                <a:solidFill>
+                  <a:srgbClr val="000000"/>
+                </a:solidFill>
+                <a:latin typeface="에스코어 드림 3 Light" panose="020B0303030302020204" pitchFamily="34" charset="-127"/>
+                <a:ea typeface="에스코어 드림 3 Light" panose="020B0303030302020204" pitchFamily="34" charset="-127"/>
+              </a:rPr>
+              <a:t>gateway </a:t>
+            </a:r>
+            <a:r>
+              <a:rPr lang="ko-KR" altLang="en-US" sz="1400">
+                <a:solidFill>
+                  <a:srgbClr val="000000"/>
+                </a:solidFill>
+                <a:latin typeface="에스코어 드림 3 Light" panose="020B0303030302020204" pitchFamily="34" charset="-127"/>
+                <a:ea typeface="에스코어 드림 3 Light" panose="020B0303030302020204" pitchFamily="34" charset="-127"/>
+              </a:rPr>
+              <a:t>입력</a:t>
+            </a:r>
+            <a:r>
+              <a:rPr lang="en-US" altLang="ko-KR" sz="1400">
+                <a:solidFill>
+                  <a:srgbClr val="000000"/>
+                </a:solidFill>
+                <a:latin typeface="에스코어 드림 3 Light" panose="020B0303030302020204" pitchFamily="34" charset="-127"/>
+                <a:ea typeface="에스코어 드림 3 Light" panose="020B0303030302020204" pitchFamily="34" charset="-127"/>
+              </a:rPr>
+              <a:t>)</a:t>
             </a:r>
             <a:endParaRPr lang="en-US" altLang="ko-KR" sz="1400" dirty="0">
               <a:solidFill>
@@ -13692,9 +13873,19 @@
                 <a:latin typeface="에스코어 드림 3 Light" panose="020B0303030302020204" pitchFamily="34" charset="-127"/>
                 <a:ea typeface="에스코어 드림 3 Light" panose="020B0303030302020204" pitchFamily="34" charset="-127"/>
               </a:rPr>
-              <a:t> 입력 후 호스트 이름 설정</a:t>
-            </a:r>
-            <a:endParaRPr lang="en-US" altLang="ko-KR" sz="1400" dirty="0">
+              <a:t> 입력 후 호스트 </a:t>
+            </a:r>
+            <a:r>
+              <a:rPr lang="ko-KR" altLang="en-US" sz="1400">
+                <a:solidFill>
+                  <a:srgbClr val="000000"/>
+                </a:solidFill>
+                <a:latin typeface="에스코어 드림 3 Light" panose="020B0303030302020204" pitchFamily="34" charset="-127"/>
+                <a:ea typeface="에스코어 드림 3 Light" panose="020B0303030302020204" pitchFamily="34" charset="-127"/>
+              </a:rPr>
+              <a:t>이름 설정</a:t>
+            </a:r>
+            <a:endParaRPr lang="en-US" altLang="ko-KR" sz="1400">
               <a:solidFill>
                 <a:srgbClr val="000000"/>
               </a:solidFill>
@@ -13706,9 +13897,113 @@
             <a:pPr marL="0" indent="0">
               <a:buNone/>
             </a:pPr>
-            <a:endParaRPr lang="en-US" altLang="ko-KR" sz="1400" dirty="0">
+            <a:endParaRPr lang="en-US" altLang="ko-KR">
               <a:solidFill>
                 <a:srgbClr val="000000"/>
+              </a:solidFill>
+              <a:latin typeface="에스코어 드림 3 Light" panose="020B0303030302020204" pitchFamily="34" charset="-127"/>
+              <a:ea typeface="에스코어 드림 3 Light" panose="020B0303030302020204" pitchFamily="34" charset="-127"/>
+            </a:endParaRPr>
+          </a:p>
+          <a:p>
+            <a:pPr marL="0" indent="0">
+              <a:buNone/>
+            </a:pPr>
+            <a:endParaRPr lang="en-US" altLang="ko-KR" sz="1400">
+              <a:solidFill>
+                <a:srgbClr val="000000"/>
+              </a:solidFill>
+              <a:latin typeface="에스코어 드림 3 Light" panose="020B0303030302020204" pitchFamily="34" charset="-127"/>
+              <a:ea typeface="에스코어 드림 3 Light" panose="020B0303030302020204" pitchFamily="34" charset="-127"/>
+            </a:endParaRPr>
+          </a:p>
+          <a:p>
+            <a:pPr marL="0" indent="0">
+              <a:buNone/>
+            </a:pPr>
+            <a:endParaRPr lang="en-US" altLang="ko-KR">
+              <a:solidFill>
+                <a:srgbClr val="000000"/>
+              </a:solidFill>
+              <a:latin typeface="에스코어 드림 3 Light" panose="020B0303030302020204" pitchFamily="34" charset="-127"/>
+              <a:ea typeface="에스코어 드림 3 Light" panose="020B0303030302020204" pitchFamily="34" charset="-127"/>
+            </a:endParaRPr>
+          </a:p>
+          <a:p>
+            <a:pPr marL="0" indent="0">
+              <a:buNone/>
+            </a:pPr>
+            <a:endParaRPr lang="en-US" altLang="ko-KR" sz="1400">
+              <a:solidFill>
+                <a:srgbClr val="000000"/>
+              </a:solidFill>
+              <a:latin typeface="에스코어 드림 3 Light" panose="020B0303030302020204" pitchFamily="34" charset="-127"/>
+              <a:ea typeface="에스코어 드림 3 Light" panose="020B0303030302020204" pitchFamily="34" charset="-127"/>
+            </a:endParaRPr>
+          </a:p>
+          <a:p>
+            <a:pPr marL="0" indent="0">
+              <a:buNone/>
+            </a:pPr>
+            <a:endParaRPr lang="en-US" altLang="ko-KR">
+              <a:solidFill>
+                <a:srgbClr val="000000"/>
+              </a:solidFill>
+              <a:latin typeface="에스코어 드림 3 Light" panose="020B0303030302020204" pitchFamily="34" charset="-127"/>
+              <a:ea typeface="에스코어 드림 3 Light" panose="020B0303030302020204" pitchFamily="34" charset="-127"/>
+            </a:endParaRPr>
+          </a:p>
+          <a:p>
+            <a:pPr marL="0" indent="0">
+              <a:buNone/>
+            </a:pPr>
+            <a:r>
+              <a:rPr lang="en-US" altLang="ko-KR">
+                <a:latin typeface="에스코어 드림 3 Light" panose="020B0303030302020204" pitchFamily="34" charset="-127"/>
+                <a:ea typeface="에스코어 드림 3 Light" panose="020B0303030302020204" pitchFamily="34" charset="-127"/>
+              </a:rPr>
+              <a:t>  </a:t>
+            </a:r>
+            <a:r>
+              <a:rPr lang="en" altLang="ko-Kore-KR" sz="1400">
+                <a:latin typeface="에스코어 드림 3 Light" panose="020B0303030302020204" pitchFamily="34" charset="-127"/>
+                <a:ea typeface="에스코어 드림 3 Light" panose="020B0303030302020204" pitchFamily="34" charset="-127"/>
+              </a:rPr>
+              <a:t> - </a:t>
+            </a:r>
+            <a:r>
+              <a:rPr lang="ko-KR" altLang="en-US" sz="1400" b="1">
+                <a:solidFill>
+                  <a:schemeClr val="accent1"/>
+                </a:solidFill>
+                <a:latin typeface="에스코어 드림 3 Light" panose="020B0303030302020204" pitchFamily="34" charset="-127"/>
+                <a:ea typeface="에스코어 드림 3 Light" panose="020B0303030302020204" pitchFamily="34" charset="-127"/>
+              </a:rPr>
+              <a:t>이후 재로그인 또는 재부팅을 통해 설정 정보 반영 및 </a:t>
+            </a:r>
+            <a:r>
+              <a:rPr lang="en-US" altLang="ko-KR" sz="1400" b="1">
+                <a:solidFill>
+                  <a:schemeClr val="accent1"/>
+                </a:solidFill>
+                <a:latin typeface="에스코어 드림 3 Light" panose="020B0303030302020204" pitchFamily="34" charset="-127"/>
+                <a:ea typeface="에스코어 드림 3 Light" panose="020B0303030302020204" pitchFamily="34" charset="-127"/>
+              </a:rPr>
+              <a:t>admin </a:t>
+            </a:r>
+            <a:r>
+              <a:rPr lang="ko-KR" altLang="en-US" sz="1400" b="1">
+                <a:solidFill>
+                  <a:schemeClr val="accent1"/>
+                </a:solidFill>
+                <a:latin typeface="에스코어 드림 3 Light" panose="020B0303030302020204" pitchFamily="34" charset="-127"/>
+                <a:ea typeface="에스코어 드림 3 Light" panose="020B0303030302020204" pitchFamily="34" charset="-127"/>
+              </a:rPr>
+              <a:t>계정으로 로그인하여 이후 과정 진행</a:t>
+            </a:r>
+            <a:endParaRPr lang="en-US" altLang="ko-KR" sz="1400" b="1" dirty="0">
+              <a:solidFill>
+                <a:schemeClr val="accent1"/>
               </a:solidFill>
               <a:latin typeface="에스코어 드림 3 Light" panose="020B0303030302020204" pitchFamily="34" charset="-127"/>
               <a:ea typeface="에스코어 드림 3 Light" panose="020B0303030302020204" pitchFamily="34" charset="-127"/>
@@ -13743,7 +14038,7 @@
           <p:nvPr/>
         </p:nvPicPr>
         <p:blipFill rotWithShape="1">
-          <a:blip r:embed="rId2"/>
+          <a:blip r:embed="rId3"/>
           <a:srcRect t="36201" r="20027" b="21805"/>
           <a:stretch/>
         </p:blipFill>
@@ -13772,14 +14067,14 @@
           <p:nvPr/>
         </p:nvPicPr>
         <p:blipFill>
-          <a:blip r:embed="rId3"/>
+          <a:blip r:embed="rId4"/>
           <a:stretch>
             <a:fillRect/>
           </a:stretch>
         </p:blipFill>
         <p:spPr>
           <a:xfrm>
-            <a:off x="634014" y="5158270"/>
+            <a:off x="634014" y="4835136"/>
             <a:ext cx="3960515" cy="1409700"/>
           </a:xfrm>
           <a:prstGeom prst="rect">
@@ -13807,13 +14102,13 @@
           <p:nvPr/>
         </p:nvPicPr>
         <p:blipFill rotWithShape="1">
-          <a:blip r:embed="rId4"/>
+          <a:blip r:embed="rId5"/>
           <a:srcRect r="16110"/>
           <a:stretch/>
         </p:blipFill>
         <p:spPr>
           <a:xfrm>
-            <a:off x="4833914" y="5158270"/>
+            <a:off x="4833914" y="4835136"/>
             <a:ext cx="3484176" cy="1406517"/>
           </a:xfrm>
           <a:prstGeom prst="rect">
@@ -14243,7 +14538,7 @@
         <p:spPr>
           <a:xfrm>
             <a:off x="394629" y="846886"/>
-            <a:ext cx="13567177" cy="5770811"/>
+            <a:ext cx="13567177" cy="6386364"/>
           </a:xfrm>
           <a:prstGeom prst="rect">
             <a:avLst/>
@@ -14488,7 +14783,14 @@
                 <a:latin typeface="에스코어 드림 3 Light" panose="020B0303030302020204" pitchFamily="34" charset="-127"/>
                 <a:ea typeface="에스코어 드림 3 Light" panose="020B0303030302020204" pitchFamily="34" charset="-127"/>
               </a:rPr>
-              <a:t>cd /home/admin</a:t>
+              <a:t>cd /home</a:t>
+            </a:r>
+            <a:r>
+              <a:rPr lang="en-US" altLang="ko-KR">
+                <a:latin typeface="에스코어 드림 3 Light" panose="020B0303030302020204" pitchFamily="34" charset="-127"/>
+                <a:ea typeface="에스코어 드림 3 Light" panose="020B0303030302020204" pitchFamily="34" charset="-127"/>
+              </a:rPr>
+              <a:t>/admin</a:t>
             </a:r>
           </a:p>
           <a:p>
@@ -14496,6 +14798,69 @@
               <a:buNone/>
             </a:pPr>
             <a:r>
+              <a:rPr lang="en" altLang="ko-Kore-KR" b="1">
+                <a:latin typeface="에스코어 드림 3 Light" panose="020B0303030302020204" pitchFamily="34" charset="-127"/>
+                <a:ea typeface="에스코어 드림 3 Light" panose="020B0303030302020204" pitchFamily="34" charset="-127"/>
+              </a:rPr>
+              <a:t> - </a:t>
+            </a:r>
+            <a:r>
+              <a:rPr lang="en" altLang="ko-Kore-KR" sz="1400" b="1">
+                <a:latin typeface="에스코어 드림 3 Light" panose="020B0303030302020204" pitchFamily="34" charset="-127"/>
+                <a:ea typeface="에스코어 드림 3 Light" panose="020B0303030302020204" pitchFamily="34" charset="-127"/>
+              </a:rPr>
+              <a:t> </a:t>
+            </a:r>
+            <a:r>
+              <a:rPr lang="en" altLang="ko-Kore-KR" sz="1400" b="1">
+                <a:solidFill>
+                  <a:srgbClr val="34BC26"/>
+                </a:solidFill>
+                <a:latin typeface="에스코어 드림 3 Light" panose="020B0303030302020204" pitchFamily="34" charset="-127"/>
+                <a:ea typeface="에스코어 드림 3 Light" panose="020B0303030302020204" pitchFamily="34" charset="-127"/>
+              </a:rPr>
+              <a:t>admin@gateway</a:t>
+            </a:r>
+            <a:r>
+              <a:rPr lang="en" altLang="ko-Kore-KR" sz="1400">
+                <a:solidFill>
+                  <a:srgbClr val="000000"/>
+                </a:solidFill>
+                <a:latin typeface="에스코어 드림 3 Light" panose="020B0303030302020204" pitchFamily="34" charset="-127"/>
+                <a:ea typeface="에스코어 드림 3 Light" panose="020B0303030302020204" pitchFamily="34" charset="-127"/>
+              </a:rPr>
+              <a:t>:</a:t>
+            </a:r>
+            <a:r>
+              <a:rPr lang="en" altLang="ko-Kore-KR" sz="1400" b="1">
+                <a:solidFill>
+                  <a:srgbClr val="5230E1"/>
+                </a:solidFill>
+                <a:latin typeface="에스코어 드림 3 Light" panose="020B0303030302020204" pitchFamily="34" charset="-127"/>
+                <a:ea typeface="에스코어 드림 3 Light" panose="020B0303030302020204" pitchFamily="34" charset="-127"/>
+              </a:rPr>
+              <a:t>~</a:t>
+            </a:r>
+            <a:r>
+              <a:rPr lang="en" altLang="ko-Kore-KR" sz="1400">
+                <a:solidFill>
+                  <a:srgbClr val="000000"/>
+                </a:solidFill>
+                <a:latin typeface="에스코어 드림 3 Light" panose="020B0303030302020204" pitchFamily="34" charset="-127"/>
+                <a:ea typeface="에스코어 드림 3 Light" panose="020B0303030302020204" pitchFamily="34" charset="-127"/>
+              </a:rPr>
+              <a:t>$ sudo apt-get install curl</a:t>
+            </a:r>
+            <a:endParaRPr lang="en-US" altLang="ko-KR" dirty="0">
+              <a:latin typeface="에스코어 드림 3 Light" panose="020B0303030302020204" pitchFamily="34" charset="-127"/>
+              <a:ea typeface="에스코어 드림 3 Light" panose="020B0303030302020204" pitchFamily="34" charset="-127"/>
+            </a:endParaRPr>
+          </a:p>
+          <a:p>
+            <a:pPr marL="0" indent="0">
+              <a:buNone/>
+            </a:pPr>
+            <a:r>
               <a:rPr lang="en" altLang="ko-Kore-KR" b="1" dirty="0">
                 <a:latin typeface="에스코어 드림 3 Light" panose="020B0303030302020204" pitchFamily="34" charset="-127"/>
                 <a:ea typeface="에스코어 드림 3 Light" panose="020B0303030302020204" pitchFamily="34" charset="-127"/>
@@ -14550,20 +14915,37 @@
               <a:t>$ </a:t>
             </a:r>
             <a:r>
+              <a:rPr lang="en-US" altLang="ko-KR" spc="-100">
+                <a:latin typeface="에스코어 드림 3 Light" panose="020B0303030302020204" pitchFamily="34" charset="-127"/>
+                <a:ea typeface="에스코어 드림 3 Light" panose="020B0303030302020204" pitchFamily="34" charset="-127"/>
+              </a:rPr>
+              <a:t>curl –LO </a:t>
+            </a:r>
+            <a:r>
               <a:rPr lang="en-US" altLang="ko-KR" spc="-100" dirty="0">
                 <a:latin typeface="에스코어 드림 3 Light" panose="020B0303030302020204" pitchFamily="34" charset="-127"/>
                 <a:ea typeface="에스코어 드림 3 Light" panose="020B0303030302020204" pitchFamily="34" charset="-127"/>
-              </a:rPr>
-              <a:t>curl -LO </a:t>
-            </a:r>
-            <a:r>
-              <a:rPr lang="en-US" altLang="ko-KR" spc="-100" dirty="0">
-                <a:latin typeface="에스코어 드림 3 Light" panose="020B0303030302020204" pitchFamily="34" charset="-127"/>
-                <a:ea typeface="에스코어 드림 3 Light" panose="020B0303030302020204" pitchFamily="34" charset="-127"/>
                 <a:hlinkClick r:id="rId3"/>
               </a:rPr>
-              <a:t>https://github.com/auto-mos/MOS-Packages/raw/main/Tiny%20Package/MOS%20Edge/edgeInstallPackage_v2.tar</a:t>
-            </a:r>
+              <a:t>https://github.com/auto-mos/MOS-Packages/raw/main/Tiny%20Package/MOS%20Edge/edgeInstallPackage_v2</a:t>
+            </a:r>
+            <a:r>
+              <a:rPr lang="en-US" altLang="ko-KR" spc="-100">
+                <a:latin typeface="에스코어 드림 3 Light" panose="020B0303030302020204" pitchFamily="34" charset="-127"/>
+                <a:ea typeface="에스코어 드림 3 Light" panose="020B0303030302020204" pitchFamily="34" charset="-127"/>
+                <a:hlinkClick r:id="rId3"/>
+              </a:rPr>
+              <a:t>.tar</a:t>
+            </a:r>
+            <a:endParaRPr lang="en-US" altLang="ko-KR" spc="-100">
+              <a:latin typeface="에스코어 드림 3 Light" panose="020B0303030302020204" pitchFamily="34" charset="-127"/>
+              <a:ea typeface="에스코어 드림 3 Light" panose="020B0303030302020204" pitchFamily="34" charset="-127"/>
+            </a:endParaRPr>
+          </a:p>
+          <a:p>
+            <a:pPr marL="0" indent="0">
+              <a:buNone/>
+            </a:pPr>
             <a:endParaRPr lang="en-US" altLang="ko-KR" spc="-100" dirty="0">
               <a:latin typeface="에스코어 드림 3 Light" panose="020B0303030302020204" pitchFamily="34" charset="-127"/>
               <a:ea typeface="에스코어 드림 3 Light" panose="020B0303030302020204" pitchFamily="34" charset="-127"/>
@@ -14648,6 +15030,16 @@
               <a:t>$ </a:t>
             </a:r>
             <a:r>
+              <a:rPr lang="en-US" altLang="ko-KR" sz="1400">
+                <a:solidFill>
+                  <a:srgbClr val="000000"/>
+                </a:solidFill>
+                <a:latin typeface="에스코어 드림 3 Light" panose="020B0303030302020204" pitchFamily="34" charset="-127"/>
+                <a:ea typeface="에스코어 드림 3 Light" panose="020B0303030302020204" pitchFamily="34" charset="-127"/>
+              </a:rPr>
+              <a:t>tar –xvf </a:t>
+            </a:r>
+            <a:r>
               <a:rPr lang="en-US" altLang="ko-KR" sz="1400" dirty="0">
                 <a:solidFill>
                   <a:srgbClr val="000000"/>
@@ -14655,27 +15047,7 @@
                 <a:latin typeface="에스코어 드림 3 Light" panose="020B0303030302020204" pitchFamily="34" charset="-127"/>
                 <a:ea typeface="에스코어 드림 3 Light" panose="020B0303030302020204" pitchFamily="34" charset="-127"/>
               </a:rPr>
-              <a:t>tar -</a:t>
-            </a:r>
-            <a:r>
-              <a:rPr lang="en-US" altLang="ko-KR" sz="1400" dirty="0" err="1">
-                <a:solidFill>
-                  <a:srgbClr val="000000"/>
-                </a:solidFill>
-                <a:latin typeface="에스코어 드림 3 Light" panose="020B0303030302020204" pitchFamily="34" charset="-127"/>
-                <a:ea typeface="에스코어 드림 3 Light" panose="020B0303030302020204" pitchFamily="34" charset="-127"/>
-              </a:rPr>
-              <a:t>xvf</a:t>
-            </a:r>
-            <a:r>
-              <a:rPr lang="en-US" altLang="ko-KR" sz="1400" dirty="0">
-                <a:solidFill>
-                  <a:srgbClr val="000000"/>
-                </a:solidFill>
-                <a:latin typeface="에스코어 드림 3 Light" panose="020B0303030302020204" pitchFamily="34" charset="-127"/>
-                <a:ea typeface="에스코어 드림 3 Light" panose="020B0303030302020204" pitchFamily="34" charset="-127"/>
-              </a:rPr>
-              <a:t> edgeInstallPackage_v2.tar</a:t>
+              <a:t>edgeInstallPackage_v2.tar</a:t>
             </a:r>
             <a:endParaRPr lang="en-US" altLang="ko-KR" dirty="0">
               <a:latin typeface="에스코어 드림 3 Light" panose="020B0303030302020204" pitchFamily="34" charset="-127"/>
@@ -14724,7 +15096,7 @@
               <a:t>admin@gateway</a:t>
             </a:r>
             <a:r>
-              <a:rPr lang="en" altLang="ko-Kore-KR" sz="1400" dirty="0">
+              <a:rPr lang="en" altLang="ko-Kore-KR" sz="1400">
                 <a:solidFill>
                   <a:srgbClr val="000000"/>
                 </a:solidFill>
@@ -14734,7 +15106,7 @@
               <a:t>:</a:t>
             </a:r>
             <a:r>
-              <a:rPr lang="en" altLang="ko-Kore-KR" sz="1400" b="1" dirty="0">
+              <a:rPr lang="en" altLang="ko-Kore-KR" sz="1400" b="1">
                 <a:solidFill>
                   <a:srgbClr val="5230E1"/>
                 </a:solidFill>
@@ -14744,7 +15116,7 @@
               <a:t>~</a:t>
             </a:r>
             <a:r>
-              <a:rPr lang="en" altLang="ko-Kore-KR" sz="1400" dirty="0">
+              <a:rPr lang="en" altLang="ko-Kore-KR" sz="1400">
                 <a:solidFill>
                   <a:srgbClr val="000000"/>
                 </a:solidFill>
@@ -14754,6 +15126,16 @@
               <a:t>$ </a:t>
             </a:r>
             <a:r>
+              <a:rPr lang="en-US" altLang="ko-Kore-KR" sz="1400">
+                <a:solidFill>
+                  <a:srgbClr val="000000"/>
+                </a:solidFill>
+                <a:latin typeface="에스코어 드림 3 Light" panose="020B0303030302020204" pitchFamily="34" charset="-127"/>
+                <a:ea typeface="에스코어 드림 3 Light" panose="020B0303030302020204" pitchFamily="34" charset="-127"/>
+              </a:rPr>
+              <a:t>./install_</a:t>
+            </a:r>
+            <a:r>
               <a:rPr lang="en-US" altLang="ko-Kore-KR" sz="1400" dirty="0">
                 <a:solidFill>
                   <a:srgbClr val="000000"/>
@@ -14761,7 +15143,7 @@
                 <a:latin typeface="에스코어 드림 3 Light" panose="020B0303030302020204" pitchFamily="34" charset="-127"/>
                 <a:ea typeface="에스코어 드림 3 Light" panose="020B0303030302020204" pitchFamily="34" charset="-127"/>
               </a:rPr>
-              <a:t>./edgeInstallPackage_v2/install_Edge.sh</a:t>
+              <a:t>Edge.sh</a:t>
             </a:r>
             <a:endParaRPr lang="en-US" altLang="ko-KR" dirty="0">
               <a:latin typeface="에스코어 드림 3 Light" panose="020B0303030302020204" pitchFamily="34" charset="-127"/>
@@ -15072,18 +15454,15 @@
             </a:endParaRPr>
           </a:p>
           <a:p>
-            <a:pPr marL="0" indent="0">
-              <a:buNone/>
-            </a:pPr>
-            <a:r>
-              <a:rPr lang="en-US" altLang="ko-KR" dirty="0">
-                <a:latin typeface="에스코어 드림 3 Light" panose="020B0303030302020204" pitchFamily="34" charset="-127"/>
-                <a:ea typeface="에스코어 드림 3 Light" panose="020B0303030302020204" pitchFamily="34" charset="-127"/>
-              </a:rPr>
-              <a:t>Web </a:t>
-            </a:r>
-            <a:r>
-              <a:rPr lang="ko-KR" altLang="en-US" dirty="0">
+            <a:r>
+              <a:rPr lang="en-US" altLang="ko-KR">
+                <a:latin typeface="에스코어 드림 3 Light" panose="020B0303030302020204" pitchFamily="34" charset="-127"/>
+                <a:ea typeface="에스코어 드림 3 Light" panose="020B0303030302020204" pitchFamily="34" charset="-127"/>
+              </a:rPr>
+              <a:t> Web </a:t>
+            </a:r>
+            <a:r>
+              <a:rPr lang="ko-KR" altLang="en-US">
                 <a:latin typeface="에스코어 드림 3 Light" panose="020B0303030302020204" pitchFamily="34" charset="-127"/>
                 <a:ea typeface="에스코어 드림 3 Light" panose="020B0303030302020204" pitchFamily="34" charset="-127"/>
               </a:rPr>
@@ -15264,7 +15643,7 @@
         </p:blipFill>
         <p:spPr>
           <a:xfrm>
-            <a:off x="8051992" y="3281808"/>
+            <a:off x="8051992" y="3536191"/>
             <a:ext cx="2948686" cy="2241820"/>
           </a:xfrm>
           <a:prstGeom prst="rect">
@@ -15291,7 +15670,7 @@
         </p:nvSpPr>
         <p:spPr>
           <a:xfrm>
-            <a:off x="8717738" y="4118238"/>
+            <a:off x="8717738" y="4372621"/>
             <a:ext cx="1732548" cy="302508"/>
           </a:xfrm>
           <a:prstGeom prst="rect">
@@ -15339,14 +15718,15 @@
             </a:extLst>
           </p:cNvPr>
           <p:cNvCxnSpPr>
+            <a:cxnSpLocks/>
             <a:endCxn id="3" idx="1"/>
           </p:cNvCxnSpPr>
           <p:nvPr/>
         </p:nvCxnSpPr>
         <p:spPr>
           <a:xfrm flipV="1">
-            <a:off x="5603278" y="4269492"/>
-            <a:ext cx="3114460" cy="419386"/>
+            <a:off x="5582653" y="4523875"/>
+            <a:ext cx="3135085" cy="735644"/>
           </a:xfrm>
           <a:prstGeom prst="bentConnector3">
             <a:avLst/>
@@ -15387,7 +15767,7 @@
         </p:nvSpPr>
         <p:spPr>
           <a:xfrm>
-            <a:off x="6937637" y="5571671"/>
+            <a:off x="6937637" y="5826054"/>
             <a:ext cx="5292749" cy="246221"/>
           </a:xfrm>
           <a:prstGeom prst="rect">

--- a/Tiny Package/MOS Edge/MOS Edge Manual.pptx
+++ b/Tiny Package/MOS Edge/MOS Edge Manual.pptx
@@ -5390,7 +5390,7 @@
           <a:p>
             <a:fld id="{116A6C1D-3507-446A-A044-82BB28480E38}" type="datetimeFigureOut">
               <a:rPr lang="ko-KR" altLang="en-US" smtClean="0"/>
-              <a:t>2023-08-22</a:t>
+              <a:t>2023-08-23</a:t>
             </a:fld>
             <a:endParaRPr lang="ko-KR" altLang="en-US"/>
           </a:p>
@@ -6224,7 +6224,7 @@
           <a:p>
             <a:fld id="{69B43524-BEFA-488C-BC05-69222E5CFA9D}" type="datetime1">
               <a:rPr lang="ko-KR" altLang="en-US" smtClean="0"/>
-              <a:t>2023-08-22</a:t>
+              <a:t>2023-08-23</a:t>
             </a:fld>
             <a:endParaRPr lang="ko-KR" altLang="en-US"/>
           </a:p>
@@ -6422,7 +6422,7 @@
           <a:p>
             <a:fld id="{1A6A7683-8D67-43F2-9710-48F6BAA9E150}" type="datetime1">
               <a:rPr lang="ko-KR" altLang="en-US" smtClean="0"/>
-              <a:t>2023-08-22</a:t>
+              <a:t>2023-08-23</a:t>
             </a:fld>
             <a:endParaRPr lang="ko-KR" altLang="en-US"/>
           </a:p>
@@ -6630,7 +6630,7 @@
           <a:p>
             <a:fld id="{063EE130-85DB-4C9D-8DB6-AF11FA2D20B0}" type="datetime1">
               <a:rPr lang="ko-KR" altLang="en-US" smtClean="0"/>
-              <a:t>2023-08-22</a:t>
+              <a:t>2023-08-23</a:t>
             </a:fld>
             <a:endParaRPr lang="ko-KR" altLang="en-US"/>
           </a:p>
@@ -6917,7 +6917,7 @@
           <a:p>
             <a:fld id="{E391AB19-BDFC-4D04-81EB-1143E3C084CC}" type="datetime1">
               <a:rPr lang="ko-KR" altLang="en-US" smtClean="0"/>
-              <a:t>2023-08-22</a:t>
+              <a:t>2023-08-23</a:t>
             </a:fld>
             <a:endParaRPr lang="ko-KR" altLang="en-US"/>
           </a:p>
@@ -7192,7 +7192,7 @@
           <a:p>
             <a:fld id="{BB9C80D9-7FC2-421F-A72A-01794B91D6C9}" type="datetime1">
               <a:rPr lang="ko-KR" altLang="en-US" smtClean="0"/>
-              <a:t>2023-08-22</a:t>
+              <a:t>2023-08-23</a:t>
             </a:fld>
             <a:endParaRPr lang="ko-KR" altLang="en-US"/>
           </a:p>
@@ -7457,7 +7457,7 @@
           <a:p>
             <a:fld id="{EF981FE9-F83A-4675-BAE2-DB3D8C4739C6}" type="datetime1">
               <a:rPr lang="ko-KR" altLang="en-US" smtClean="0"/>
-              <a:t>2023-08-22</a:t>
+              <a:t>2023-08-23</a:t>
             </a:fld>
             <a:endParaRPr lang="ko-KR" altLang="en-US"/>
           </a:p>
@@ -7869,7 +7869,7 @@
           <a:p>
             <a:fld id="{9CA449A2-2CCB-4A63-8426-8EBDA18360F8}" type="datetime1">
               <a:rPr lang="ko-KR" altLang="en-US" smtClean="0"/>
-              <a:t>2023-08-22</a:t>
+              <a:t>2023-08-23</a:t>
             </a:fld>
             <a:endParaRPr lang="ko-KR" altLang="en-US"/>
           </a:p>
@@ -8402,7 +8402,7 @@
           <a:p>
             <a:fld id="{06C5C5E9-02C4-4F49-BDCF-497A97F23B5C}" type="datetime1">
               <a:rPr lang="ko-KR" altLang="en-US" smtClean="0"/>
-              <a:t>2023-08-22</a:t>
+              <a:t>2023-08-23</a:t>
             </a:fld>
             <a:endParaRPr lang="ko-KR" altLang="en-US"/>
           </a:p>
@@ -8690,7 +8690,7 @@
           <a:p>
             <a:fld id="{ECE0EF8B-2319-43DC-A4D8-567609C80A1B}" type="datetime1">
               <a:rPr lang="ko-KR" altLang="en-US" smtClean="0"/>
-              <a:t>2023-08-22</a:t>
+              <a:t>2023-08-23</a:t>
             </a:fld>
             <a:endParaRPr lang="ko-KR" altLang="en-US"/>
           </a:p>
@@ -8931,7 +8931,7 @@
           <a:p>
             <a:fld id="{F977298A-8F51-4C66-941B-5A66725A87B4}" type="datetime1">
               <a:rPr lang="ko-KR" altLang="en-US" smtClean="0"/>
-              <a:t>2023-08-22</a:t>
+              <a:t>2023-08-23</a:t>
             </a:fld>
             <a:endParaRPr lang="ko-KR" altLang="en-US"/>
           </a:p>
@@ -14919,7 +14919,7 @@
                 <a:latin typeface="에스코어 드림 3 Light" panose="020B0303030302020204" pitchFamily="34" charset="-127"/>
                 <a:ea typeface="에스코어 드림 3 Light" panose="020B0303030302020204" pitchFamily="34" charset="-127"/>
               </a:rPr>
-              <a:t>curl –LO </a:t>
+              <a:t>curl -LO </a:t>
             </a:r>
             <a:r>
               <a:rPr lang="en-US" altLang="ko-KR" spc="-100" dirty="0">

--- a/Tiny Package/MOS Edge/MOS Edge Manual.pptx
+++ b/Tiny Package/MOS Edge/MOS Edge Manual.pptx
@@ -5,50 +5,52 @@
     <p:sldMasterId id="2147483648" r:id="rId1"/>
   </p:sldMasterIdLst>
   <p:notesMasterIdLst>
-    <p:notesMasterId r:id="rId14"/>
+    <p:notesMasterId r:id="rId13"/>
   </p:notesMasterIdLst>
   <p:sldIdLst>
     <p:sldId id="256" r:id="rId2"/>
     <p:sldId id="257" r:id="rId3"/>
-    <p:sldId id="259" r:id="rId4"/>
-    <p:sldId id="284" r:id="rId5"/>
-    <p:sldId id="318" r:id="rId6"/>
-    <p:sldId id="301" r:id="rId7"/>
-    <p:sldId id="319" r:id="rId8"/>
-    <p:sldId id="300" r:id="rId9"/>
-    <p:sldId id="320" r:id="rId10"/>
-    <p:sldId id="315" r:id="rId11"/>
-    <p:sldId id="322" r:id="rId12"/>
-    <p:sldId id="321" r:id="rId13"/>
+    <p:sldId id="336" r:id="rId4"/>
+    <p:sldId id="259" r:id="rId5"/>
+    <p:sldId id="284" r:id="rId6"/>
+    <p:sldId id="318" r:id="rId7"/>
+    <p:sldId id="301" r:id="rId8"/>
+    <p:sldId id="319" r:id="rId9"/>
+    <p:sldId id="300" r:id="rId10"/>
+    <p:sldId id="320" r:id="rId11"/>
+    <p:sldId id="321" r:id="rId12"/>
   </p:sldIdLst>
   <p:sldSz cx="12192000" cy="6858000"/>
   <p:notesSz cx="6858000" cy="9144000"/>
   <p:embeddedFontLst>
     <p:embeddedFont>
-      <p:font typeface="맑은 고딕" panose="020B0503020000020004" pitchFamily="50" charset="-127"/>
-      <p:regular r:id="rId15"/>
-      <p:bold r:id="rId16"/>
+      <p:font typeface="Consolas" panose="020B0609020204030204" pitchFamily="49" charset="0"/>
+      <p:regular r:id="rId14"/>
+      <p:bold r:id="rId15"/>
+      <p:italic r:id="rId16"/>
+      <p:boldItalic r:id="rId17"/>
     </p:embeddedFont>
     <p:embeddedFont>
-      <p:font typeface="에스코어 드림 3 Light" panose="020B0303030302020204" pitchFamily="34" charset="-127"/>
-      <p:regular r:id="rId17"/>
+      <p:font typeface="맑은 고딕" panose="020B0503020000020004" pitchFamily="50" charset="-127"/>
+      <p:regular r:id="rId18"/>
+      <p:bold r:id="rId19"/>
     </p:embeddedFont>
     <p:embeddedFont>
       <p:font typeface="에스코어 드림 4 Regular" panose="020B0503030302020204" pitchFamily="34" charset="-127"/>
-      <p:regular r:id="rId18"/>
+      <p:regular r:id="rId20"/>
     </p:embeddedFont>
     <p:embeddedFont>
       <p:font typeface="에스코어 드림 5 Medium" panose="020B0503030302020204" pitchFamily="34" charset="-127"/>
-      <p:regular r:id="rId19"/>
+      <p:regular r:id="rId21"/>
     </p:embeddedFont>
     <p:embeddedFont>
       <p:font typeface="에스코어 드림 6 Bold" panose="020B0703030302020204" pitchFamily="34" charset="-127"/>
-      <p:regular r:id="rId20"/>
-      <p:bold r:id="rId21"/>
+      <p:regular r:id="rId22"/>
+      <p:bold r:id="rId23"/>
     </p:embeddedFont>
     <p:embeddedFont>
       <p:font typeface="에스코어 드림 8 Heavy" panose="020B0903030302020204" pitchFamily="34" charset="-127"/>
-      <p:bold r:id="rId22"/>
+      <p:bold r:id="rId24"/>
     </p:embeddedFont>
   </p:embeddedFontLst>
   <p:defaultTextStyle>
@@ -5390,7 +5392,7 @@
           <a:p>
             <a:fld id="{116A6C1D-3507-446A-A044-82BB28480E38}" type="datetimeFigureOut">
               <a:rPr lang="ko-KR" altLang="en-US" smtClean="0"/>
-              <a:t>2023-08-23</a:t>
+              <a:t>2023-09-12</a:t>
             </a:fld>
             <a:endParaRPr lang="ko-KR" altLang="en-US"/>
           </a:p>
@@ -5722,7 +5724,7 @@
           <a:p>
             <a:fld id="{4C227AAA-AF55-453E-934F-A729A097A742}" type="slidenum">
               <a:rPr lang="ko-KR" altLang="en-US" smtClean="0"/>
-              <a:t>5</a:t>
+              <a:t>6</a:t>
             </a:fld>
             <a:endParaRPr lang="ko-KR" altLang="en-US"/>
           </a:p>
@@ -5806,7 +5808,7 @@
           <a:p>
             <a:fld id="{4C227AAA-AF55-453E-934F-A729A097A742}" type="slidenum">
               <a:rPr lang="ko-KR" altLang="en-US" smtClean="0"/>
-              <a:t>7</a:t>
+              <a:t>8</a:t>
             </a:fld>
             <a:endParaRPr lang="ko-KR" altLang="en-US"/>
           </a:p>
@@ -5890,175 +5892,7 @@
           <a:p>
             <a:fld id="{4C227AAA-AF55-453E-934F-A729A097A742}" type="slidenum">
               <a:rPr lang="ko-KR" altLang="en-US" smtClean="0"/>
-              <a:t>10</a:t>
-            </a:fld>
-            <a:endParaRPr lang="ko-KR" altLang="en-US"/>
-          </a:p>
-        </p:txBody>
-      </p:sp>
-    </p:spTree>
-    <p:extLst>
-      <p:ext uri="{BB962C8B-B14F-4D97-AF65-F5344CB8AC3E}">
-        <p14:creationId xmlns:p14="http://schemas.microsoft.com/office/powerpoint/2010/main" val="3819456488"/>
-      </p:ext>
-    </p:extLst>
-  </p:cSld>
-  <p:clrMapOvr>
-    <a:masterClrMapping/>
-  </p:clrMapOvr>
-</p:notes>
-</file>
-
-<file path=ppt/notesSlides/notesSlide4.xml><?xml version="1.0" encoding="utf-8"?>
-<p:notes xmlns:a="http://schemas.openxmlformats.org/drawingml/2006/main" xmlns:r="http://schemas.openxmlformats.org/officeDocument/2006/relationships" xmlns:p="http://schemas.openxmlformats.org/presentationml/2006/main">
-  <p:cSld>
-    <p:spTree>
-      <p:nvGrpSpPr>
-        <p:cNvPr id="1" name=""/>
-        <p:cNvGrpSpPr/>
-        <p:nvPr/>
-      </p:nvGrpSpPr>
-      <p:grpSpPr>
-        <a:xfrm>
-          <a:off x="0" y="0"/>
-          <a:ext cx="0" cy="0"/>
-          <a:chOff x="0" y="0"/>
-          <a:chExt cx="0" cy="0"/>
-        </a:xfrm>
-      </p:grpSpPr>
-      <p:sp>
-        <p:nvSpPr>
-          <p:cNvPr id="2" name="슬라이드 이미지 개체 틀 1"/>
-          <p:cNvSpPr>
-            <a:spLocks noGrp="1" noRot="1" noChangeAspect="1"/>
-          </p:cNvSpPr>
-          <p:nvPr>
-            <p:ph type="sldImg"/>
-          </p:nvPr>
-        </p:nvSpPr>
-        <p:spPr/>
-      </p:sp>
-      <p:sp>
-        <p:nvSpPr>
-          <p:cNvPr id="3" name="슬라이드 노트 개체 틀 2"/>
-          <p:cNvSpPr>
-            <a:spLocks noGrp="1"/>
-          </p:cNvSpPr>
-          <p:nvPr>
-            <p:ph type="body" idx="1"/>
-          </p:nvPr>
-        </p:nvSpPr>
-        <p:spPr/>
-        <p:txBody>
-          <a:bodyPr/>
-          <a:lstStyle/>
-          <a:p>
-            <a:endParaRPr lang="ko-KR" altLang="en-US" dirty="0"/>
-          </a:p>
-        </p:txBody>
-      </p:sp>
-      <p:sp>
-        <p:nvSpPr>
-          <p:cNvPr id="4" name="슬라이드 번호 개체 틀 3"/>
-          <p:cNvSpPr>
-            <a:spLocks noGrp="1"/>
-          </p:cNvSpPr>
-          <p:nvPr>
-            <p:ph type="sldNum" sz="quarter" idx="5"/>
-          </p:nvPr>
-        </p:nvSpPr>
-        <p:spPr/>
-        <p:txBody>
-          <a:bodyPr/>
-          <a:lstStyle/>
-          <a:p>
-            <a:fld id="{4C227AAA-AF55-453E-934F-A729A097A742}" type="slidenum">
-              <a:rPr lang="ko-KR" altLang="en-US" smtClean="0"/>
               <a:t>11</a:t>
-            </a:fld>
-            <a:endParaRPr lang="ko-KR" altLang="en-US"/>
-          </a:p>
-        </p:txBody>
-      </p:sp>
-    </p:spTree>
-    <p:extLst>
-      <p:ext uri="{BB962C8B-B14F-4D97-AF65-F5344CB8AC3E}">
-        <p14:creationId xmlns:p14="http://schemas.microsoft.com/office/powerpoint/2010/main" val="3567508445"/>
-      </p:ext>
-    </p:extLst>
-  </p:cSld>
-  <p:clrMapOvr>
-    <a:masterClrMapping/>
-  </p:clrMapOvr>
-</p:notes>
-</file>
-
-<file path=ppt/notesSlides/notesSlide5.xml><?xml version="1.0" encoding="utf-8"?>
-<p:notes xmlns:a="http://schemas.openxmlformats.org/drawingml/2006/main" xmlns:r="http://schemas.openxmlformats.org/officeDocument/2006/relationships" xmlns:p="http://schemas.openxmlformats.org/presentationml/2006/main">
-  <p:cSld>
-    <p:spTree>
-      <p:nvGrpSpPr>
-        <p:cNvPr id="1" name=""/>
-        <p:cNvGrpSpPr/>
-        <p:nvPr/>
-      </p:nvGrpSpPr>
-      <p:grpSpPr>
-        <a:xfrm>
-          <a:off x="0" y="0"/>
-          <a:ext cx="0" cy="0"/>
-          <a:chOff x="0" y="0"/>
-          <a:chExt cx="0" cy="0"/>
-        </a:xfrm>
-      </p:grpSpPr>
-      <p:sp>
-        <p:nvSpPr>
-          <p:cNvPr id="2" name="슬라이드 이미지 개체 틀 1"/>
-          <p:cNvSpPr>
-            <a:spLocks noGrp="1" noRot="1" noChangeAspect="1"/>
-          </p:cNvSpPr>
-          <p:nvPr>
-            <p:ph type="sldImg"/>
-          </p:nvPr>
-        </p:nvSpPr>
-        <p:spPr/>
-      </p:sp>
-      <p:sp>
-        <p:nvSpPr>
-          <p:cNvPr id="3" name="슬라이드 노트 개체 틀 2"/>
-          <p:cNvSpPr>
-            <a:spLocks noGrp="1"/>
-          </p:cNvSpPr>
-          <p:nvPr>
-            <p:ph type="body" idx="1"/>
-          </p:nvPr>
-        </p:nvSpPr>
-        <p:spPr/>
-        <p:txBody>
-          <a:bodyPr/>
-          <a:lstStyle/>
-          <a:p>
-            <a:endParaRPr lang="ko-KR" altLang="en-US" dirty="0"/>
-          </a:p>
-        </p:txBody>
-      </p:sp>
-      <p:sp>
-        <p:nvSpPr>
-          <p:cNvPr id="4" name="슬라이드 번호 개체 틀 3"/>
-          <p:cNvSpPr>
-            <a:spLocks noGrp="1"/>
-          </p:cNvSpPr>
-          <p:nvPr>
-            <p:ph type="sldNum" sz="quarter" idx="5"/>
-          </p:nvPr>
-        </p:nvSpPr>
-        <p:spPr/>
-        <p:txBody>
-          <a:bodyPr/>
-          <a:lstStyle/>
-          <a:p>
-            <a:fld id="{4C227AAA-AF55-453E-934F-A729A097A742}" type="slidenum">
-              <a:rPr lang="ko-KR" altLang="en-US" smtClean="0"/>
-              <a:t>12</a:t>
             </a:fld>
             <a:endParaRPr lang="ko-KR" altLang="en-US"/>
           </a:p>
@@ -6224,7 +6058,7 @@
           <a:p>
             <a:fld id="{69B43524-BEFA-488C-BC05-69222E5CFA9D}" type="datetime1">
               <a:rPr lang="ko-KR" altLang="en-US" smtClean="0"/>
-              <a:t>2023-08-23</a:t>
+              <a:t>2023-09-12</a:t>
             </a:fld>
             <a:endParaRPr lang="ko-KR" altLang="en-US"/>
           </a:p>
@@ -6422,7 +6256,7 @@
           <a:p>
             <a:fld id="{1A6A7683-8D67-43F2-9710-48F6BAA9E150}" type="datetime1">
               <a:rPr lang="ko-KR" altLang="en-US" smtClean="0"/>
-              <a:t>2023-08-23</a:t>
+              <a:t>2023-09-12</a:t>
             </a:fld>
             <a:endParaRPr lang="ko-KR" altLang="en-US"/>
           </a:p>
@@ -6630,7 +6464,7 @@
           <a:p>
             <a:fld id="{063EE130-85DB-4C9D-8DB6-AF11FA2D20B0}" type="datetime1">
               <a:rPr lang="ko-KR" altLang="en-US" smtClean="0"/>
-              <a:t>2023-08-23</a:t>
+              <a:t>2023-09-12</a:t>
             </a:fld>
             <a:endParaRPr lang="ko-KR" altLang="en-US"/>
           </a:p>
@@ -6917,7 +6751,7 @@
           <a:p>
             <a:fld id="{E391AB19-BDFC-4D04-81EB-1143E3C084CC}" type="datetime1">
               <a:rPr lang="ko-KR" altLang="en-US" smtClean="0"/>
-              <a:t>2023-08-23</a:t>
+              <a:t>2023-09-12</a:t>
             </a:fld>
             <a:endParaRPr lang="ko-KR" altLang="en-US"/>
           </a:p>
@@ -7192,7 +7026,7 @@
           <a:p>
             <a:fld id="{BB9C80D9-7FC2-421F-A72A-01794B91D6C9}" type="datetime1">
               <a:rPr lang="ko-KR" altLang="en-US" smtClean="0"/>
-              <a:t>2023-08-23</a:t>
+              <a:t>2023-09-12</a:t>
             </a:fld>
             <a:endParaRPr lang="ko-KR" altLang="en-US"/>
           </a:p>
@@ -7457,7 +7291,7 @@
           <a:p>
             <a:fld id="{EF981FE9-F83A-4675-BAE2-DB3D8C4739C6}" type="datetime1">
               <a:rPr lang="ko-KR" altLang="en-US" smtClean="0"/>
-              <a:t>2023-08-23</a:t>
+              <a:t>2023-09-12</a:t>
             </a:fld>
             <a:endParaRPr lang="ko-KR" altLang="en-US"/>
           </a:p>
@@ -7869,7 +7703,7 @@
           <a:p>
             <a:fld id="{9CA449A2-2CCB-4A63-8426-8EBDA18360F8}" type="datetime1">
               <a:rPr lang="ko-KR" altLang="en-US" smtClean="0"/>
-              <a:t>2023-08-23</a:t>
+              <a:t>2023-09-12</a:t>
             </a:fld>
             <a:endParaRPr lang="ko-KR" altLang="en-US"/>
           </a:p>
@@ -8402,7 +8236,7 @@
           <a:p>
             <a:fld id="{06C5C5E9-02C4-4F49-BDCF-497A97F23B5C}" type="datetime1">
               <a:rPr lang="ko-KR" altLang="en-US" smtClean="0"/>
-              <a:t>2023-08-23</a:t>
+              <a:t>2023-09-12</a:t>
             </a:fld>
             <a:endParaRPr lang="ko-KR" altLang="en-US"/>
           </a:p>
@@ -8690,7 +8524,7 @@
           <a:p>
             <a:fld id="{ECE0EF8B-2319-43DC-A4D8-567609C80A1B}" type="datetime1">
               <a:rPr lang="ko-KR" altLang="en-US" smtClean="0"/>
-              <a:t>2023-08-23</a:t>
+              <a:t>2023-09-12</a:t>
             </a:fld>
             <a:endParaRPr lang="ko-KR" altLang="en-US"/>
           </a:p>
@@ -8931,7 +8765,7 @@
           <a:p>
             <a:fld id="{F977298A-8F51-4C66-941B-5A66725A87B4}" type="datetime1">
               <a:rPr lang="ko-KR" altLang="en-US" smtClean="0"/>
-              <a:t>2023-08-23</a:t>
+              <a:t>2023-09-12</a:t>
             </a:fld>
             <a:endParaRPr lang="ko-KR" altLang="en-US"/>
           </a:p>
@@ -9841,170 +9675,152 @@
           <a:chExt cx="0" cy="0"/>
         </a:xfrm>
       </p:grpSpPr>
-      <p:sp>
-        <p:nvSpPr>
-          <p:cNvPr id="5" name="TextBox 4">
+      <p:grpSp>
+        <p:nvGrpSpPr>
+          <p:cNvPr id="9" name="그룹 8">
             <a:extLst>
               <a:ext uri="{FF2B5EF4-FFF2-40B4-BE49-F238E27FC236}">
-                <a16:creationId xmlns:a16="http://schemas.microsoft.com/office/drawing/2014/main" id="{AEE86A50-5F8F-2B12-0C7C-1CBCC65F9913}"/>
+                <a16:creationId xmlns:a16="http://schemas.microsoft.com/office/drawing/2014/main" id="{7327504C-30A0-5CFA-0AEB-48FD8E1A6877}"/>
               </a:ext>
             </a:extLst>
           </p:cNvPr>
-          <p:cNvSpPr txBox="1"/>
+          <p:cNvGrpSpPr/>
           <p:nvPr/>
-        </p:nvSpPr>
-        <p:spPr>
+        </p:nvGrpSpPr>
+        <p:grpSpPr>
           <a:xfrm>
-            <a:off x="387532" y="292038"/>
-            <a:ext cx="6165668" cy="400110"/>
+            <a:off x="4347366" y="5763105"/>
+            <a:ext cx="3404067" cy="732528"/>
+            <a:chOff x="4347366" y="5763105"/>
+            <a:chExt cx="3404067" cy="732528"/>
           </a:xfrm>
-          <a:prstGeom prst="rect">
-            <a:avLst/>
-          </a:prstGeom>
-          <a:noFill/>
-        </p:spPr>
-        <p:txBody>
-          <a:bodyPr wrap="square">
-            <a:spAutoFit/>
-          </a:bodyPr>
-          <a:lstStyle/>
-          <a:p>
-            <a:r>
-              <a:rPr kumimoji="1" lang="en-US" altLang="ko-KR" sz="2000" b="1" dirty="0">
-                <a:solidFill>
-                  <a:schemeClr val="bg1"/>
-                </a:solidFill>
-                <a:latin typeface="에스코어 드림 6 Bold" panose="020B0703030302020204" pitchFamily="34" charset="-127"/>
-                <a:ea typeface="에스코어 드림 6 Bold" panose="020B0703030302020204" pitchFamily="34" charset="-127"/>
-              </a:rPr>
-              <a:t>Data Acquisition Settings</a:t>
-            </a:r>
-            <a:endParaRPr lang="ko-KR" altLang="en-US" sz="2000" b="1" dirty="0">
-              <a:solidFill>
-                <a:schemeClr val="bg1"/>
-              </a:solidFill>
-              <a:latin typeface="에스코어 드림 6 Bold" panose="020B0703030302020204" pitchFamily="34" charset="-127"/>
-              <a:ea typeface="에스코어 드림 6 Bold" panose="020B0703030302020204" pitchFamily="34" charset="-127"/>
-            </a:endParaRPr>
-          </a:p>
-        </p:txBody>
-      </p:sp>
-      <p:sp>
-        <p:nvSpPr>
-          <p:cNvPr id="10" name="TextBox 9">
+        </p:grpSpPr>
+        <p:pic>
+          <p:nvPicPr>
+            <p:cNvPr id="4" name="그림 3" descr="텍스트, 표지판이(가) 표시된 사진&#10;&#10;자동 생성된 설명">
+              <a:extLst>
+                <a:ext uri="{FF2B5EF4-FFF2-40B4-BE49-F238E27FC236}">
+                  <a16:creationId xmlns:a16="http://schemas.microsoft.com/office/drawing/2014/main" id="{023F7C91-A0F2-CD06-F4DB-98081DC9910A}"/>
+                </a:ext>
+              </a:extLst>
+            </p:cNvPr>
+            <p:cNvPicPr>
+              <a:picLocks noChangeAspect="1"/>
+            </p:cNvPicPr>
+            <p:nvPr/>
+          </p:nvPicPr>
+          <p:blipFill rotWithShape="1">
+            <a:blip r:embed="rId2" cstate="print">
+              <a:extLst>
+                <a:ext uri="{28A0092B-C50C-407E-A947-70E740481C1C}">
+                  <a14:useLocalDpi xmlns:a14="http://schemas.microsoft.com/office/drawing/2010/main" val="0"/>
+                </a:ext>
+              </a:extLst>
+            </a:blip>
+            <a:srcRect l="-1" r="-4713"/>
+            <a:stretch/>
+          </p:blipFill>
+          <p:spPr>
+            <a:xfrm>
+              <a:off x="4347366" y="5763105"/>
+              <a:ext cx="2120745" cy="685486"/>
+            </a:xfrm>
+            <a:prstGeom prst="rect">
+              <a:avLst/>
+            </a:prstGeom>
+          </p:spPr>
+        </p:pic>
+        <p:sp>
+          <p:nvSpPr>
+            <p:cNvPr id="5" name="제목 1">
+              <a:extLst>
+                <a:ext uri="{FF2B5EF4-FFF2-40B4-BE49-F238E27FC236}">
+                  <a16:creationId xmlns:a16="http://schemas.microsoft.com/office/drawing/2014/main" id="{A104D384-5925-8342-2C06-AFFEF63A812B}"/>
+                </a:ext>
+              </a:extLst>
+            </p:cNvPr>
+            <p:cNvSpPr txBox="1">
+              <a:spLocks/>
+            </p:cNvSpPr>
+            <p:nvPr/>
+          </p:nvSpPr>
+          <p:spPr>
+            <a:xfrm>
+              <a:off x="6060077" y="6048958"/>
+              <a:ext cx="1691356" cy="446675"/>
+            </a:xfrm>
+            <a:prstGeom prst="rect">
+              <a:avLst/>
+            </a:prstGeom>
+            <a:effectLst/>
+          </p:spPr>
+          <p:txBody>
+            <a:bodyPr anchor="ctr"/>
+            <a:lstStyle>
+              <a:lvl1pPr algn="l" defTabSz="914400" rtl="0" eaLnBrk="1" latinLnBrk="1" hangingPunct="1">
+                <a:spcBef>
+                  <a:spcPct val="0"/>
+                </a:spcBef>
+                <a:buNone/>
+                <a:defRPr sz="2800" kern="1200">
+                  <a:solidFill>
+                    <a:schemeClr val="accent1"/>
+                  </a:solidFill>
+                  <a:effectLst/>
+                  <a:latin typeface="빛고을광주_Bold" panose="02020603020101020101" pitchFamily="18" charset="-127"/>
+                  <a:ea typeface="빛고을광주_Bold" panose="02020603020101020101" pitchFamily="18" charset="-127"/>
+                  <a:cs typeface="+mj-cs"/>
+                </a:defRPr>
+              </a:lvl1pPr>
+            </a:lstStyle>
+            <a:p>
+              <a:pPr algn="ctr"/>
+              <a:r>
+                <a:rPr lang="ko-KR" altLang="en-US" sz="1200" dirty="0" err="1">
+                  <a:solidFill>
+                    <a:schemeClr val="tx1">
+                      <a:lumMod val="50000"/>
+                      <a:lumOff val="50000"/>
+                    </a:schemeClr>
+                  </a:solidFill>
+                  <a:latin typeface="에스코어 드림 5 Medium" panose="020B0503030302020204" pitchFamily="34" charset="-127"/>
+                  <a:ea typeface="에스코어 드림 5 Medium" panose="020B0503030302020204" pitchFamily="34" charset="-127"/>
+                </a:rPr>
+                <a:t>네스트필드</a:t>
+              </a:r>
+              <a:r>
+                <a:rPr lang="ko-KR" altLang="en-US" sz="1200" dirty="0">
+                  <a:solidFill>
+                    <a:schemeClr val="tx1">
+                      <a:lumMod val="50000"/>
+                      <a:lumOff val="50000"/>
+                    </a:schemeClr>
+                  </a:solidFill>
+                  <a:latin typeface="에스코어 드림 5 Medium" panose="020B0503030302020204" pitchFamily="34" charset="-127"/>
+                  <a:ea typeface="에스코어 드림 5 Medium" panose="020B0503030302020204" pitchFamily="34" charset="-127"/>
+                </a:rPr>
+                <a:t>㈜</a:t>
+              </a:r>
+              <a:endParaRPr lang="en-US" altLang="ko-KR" sz="1200" dirty="0">
+                <a:solidFill>
+                  <a:schemeClr val="tx1">
+                    <a:lumMod val="50000"/>
+                    <a:lumOff val="50000"/>
+                  </a:schemeClr>
+                </a:solidFill>
+                <a:latin typeface="에스코어 드림 5 Medium" panose="020B0503030302020204" pitchFamily="34" charset="-127"/>
+                <a:ea typeface="에스코어 드림 5 Medium" panose="020B0503030302020204" pitchFamily="34" charset="-127"/>
+              </a:endParaRPr>
+            </a:p>
+          </p:txBody>
+        </p:sp>
+      </p:grpSp>
+      <p:pic>
+        <p:nvPicPr>
+          <p:cNvPr id="6" name="그림 5">
             <a:extLst>
               <a:ext uri="{FF2B5EF4-FFF2-40B4-BE49-F238E27FC236}">
-                <a16:creationId xmlns:a16="http://schemas.microsoft.com/office/drawing/2014/main" id="{AF7FFEEC-C37D-8319-6039-8462C607966D}"/>
-              </a:ext>
-            </a:extLst>
-          </p:cNvPr>
-          <p:cNvSpPr txBox="1"/>
-          <p:nvPr/>
-        </p:nvSpPr>
-        <p:spPr>
-          <a:xfrm>
-            <a:off x="394629" y="846886"/>
-            <a:ext cx="11402741" cy="907941"/>
-          </a:xfrm>
-          <a:prstGeom prst="rect">
-            <a:avLst/>
-          </a:prstGeom>
-          <a:noFill/>
-        </p:spPr>
-        <p:txBody>
-          <a:bodyPr wrap="square">
-            <a:spAutoFit/>
-          </a:bodyPr>
-          <a:lstStyle>
-            <a:defPPr>
-              <a:defRPr lang="ko-KR"/>
-            </a:defPPr>
-            <a:lvl1pPr marL="66675" marR="0" lvl="0" indent="-66675" fontAlgn="auto">
-              <a:lnSpc>
-                <a:spcPts val="1750"/>
-              </a:lnSpc>
-              <a:spcBef>
-                <a:spcPts val="600"/>
-              </a:spcBef>
-              <a:spcAft>
-                <a:spcPts val="0"/>
-              </a:spcAft>
-              <a:buClrTx/>
-              <a:buSzTx/>
-              <a:buFont typeface="Wingdings" panose="05000000000000000000" pitchFamily="2" charset="2"/>
-              <a:buChar char="§"/>
-              <a:tabLst/>
-              <a:defRPr kumimoji="0" sz="1400" b="0" i="0" u="none" strike="noStrike" cap="none" spc="0" normalizeH="0" baseline="0">
-                <a:ln>
-                  <a:noFill/>
-                </a:ln>
-                <a:effectLst/>
-                <a:uLnTx/>
-                <a:uFillTx/>
-                <a:latin typeface="에스코어 드림 4 Regular" panose="020B0503030302020204" pitchFamily="34" charset="-127"/>
-                <a:ea typeface="에스코어 드림 4 Regular" panose="020B0503030302020204" pitchFamily="34" charset="-127"/>
-              </a:defRPr>
-            </a:lvl1pPr>
-          </a:lstStyle>
-          <a:p>
-            <a:r>
-              <a:rPr lang="ko-KR" altLang="en-US" dirty="0"/>
-              <a:t> </a:t>
-            </a:r>
-            <a:r>
-              <a:rPr lang="en-US" altLang="ko-KR" dirty="0"/>
-              <a:t>/home/admin/</a:t>
-            </a:r>
-            <a:r>
-              <a:rPr lang="en-US" altLang="ko-KR" dirty="0" err="1"/>
-              <a:t>sharedFolder</a:t>
-            </a:r>
-            <a:r>
-              <a:rPr lang="en-US" altLang="ko-KR" dirty="0"/>
-              <a:t> </a:t>
-            </a:r>
-            <a:r>
-              <a:rPr lang="ko-KR" altLang="en-US" dirty="0"/>
-              <a:t>디렉토리 아래에 있는 </a:t>
-            </a:r>
-            <a:r>
-              <a:rPr lang="en-US" altLang="ko-KR" dirty="0" err="1"/>
-              <a:t>gateway.config</a:t>
-            </a:r>
-            <a:r>
-              <a:rPr lang="en-US" altLang="ko-KR" dirty="0"/>
-              <a:t> </a:t>
-            </a:r>
-            <a:r>
-              <a:rPr lang="ko-KR" altLang="en-US" dirty="0"/>
-              <a:t>파일을 수정합니다</a:t>
-            </a:r>
-            <a:r>
-              <a:rPr lang="en-US" altLang="ko-KR" dirty="0"/>
-              <a:t>.</a:t>
-            </a:r>
-          </a:p>
-          <a:p>
-            <a:endParaRPr lang="en-US" altLang="ko-KR" sz="1200" dirty="0">
-              <a:latin typeface="에스코어 드림 4 Regular" panose="020B0503030302020204" pitchFamily="34" charset="-127"/>
-              <a:ea typeface="에스코어 드림 4 Regular" panose="020B0503030302020204" pitchFamily="34" charset="-127"/>
-            </a:endParaRPr>
-          </a:p>
-          <a:p>
-            <a:pPr marL="742950" lvl="1" indent="-285750">
-              <a:buFontTx/>
-              <a:buChar char="-"/>
-            </a:pPr>
-            <a:endParaRPr lang="en-US" altLang="ko-KR" dirty="0"/>
-          </a:p>
-        </p:txBody>
-      </p:sp>
-      <p:pic>
-        <p:nvPicPr>
-          <p:cNvPr id="9" name="그림 8">
-            <a:extLst>
-              <a:ext uri="{FF2B5EF4-FFF2-40B4-BE49-F238E27FC236}">
-                <a16:creationId xmlns:a16="http://schemas.microsoft.com/office/drawing/2014/main" id="{206E2667-AD3D-BB9E-6F40-BDDACEA312B3}"/>
+                <a16:creationId xmlns:a16="http://schemas.microsoft.com/office/drawing/2014/main" id="{443E1DEC-7654-E3A8-2202-12BDDC08E606}"/>
               </a:ext>
             </a:extLst>
           </p:cNvPr>
@@ -10013,16 +9829,21 @@
           </p:cNvPicPr>
           <p:nvPr/>
         </p:nvPicPr>
-        <p:blipFill>
-          <a:blip r:embed="rId3"/>
-          <a:stretch>
-            <a:fillRect/>
-          </a:stretch>
+        <p:blipFill rotWithShape="1">
+          <a:blip r:embed="rId3">
+            <a:extLst>
+              <a:ext uri="{28A0092B-C50C-407E-A947-70E740481C1C}">
+                <a14:useLocalDpi xmlns:a14="http://schemas.microsoft.com/office/drawing/2010/main" val="0"/>
+              </a:ext>
+            </a:extLst>
+          </a:blip>
+          <a:srcRect b="21760"/>
+          <a:stretch/>
         </p:blipFill>
         <p:spPr>
           <a:xfrm>
-            <a:off x="552681" y="1263650"/>
-            <a:ext cx="3165064" cy="5156200"/>
+            <a:off x="12700" y="6350"/>
+            <a:ext cx="12166600" cy="5355769"/>
           </a:xfrm>
           <a:prstGeom prst="rect">
             <a:avLst/>
@@ -10031,256 +9852,119 @@
       </p:pic>
       <p:sp>
         <p:nvSpPr>
-          <p:cNvPr id="11" name="직사각형 10">
+          <p:cNvPr id="7" name="제목 1">
             <a:extLst>
               <a:ext uri="{FF2B5EF4-FFF2-40B4-BE49-F238E27FC236}">
-                <a16:creationId xmlns:a16="http://schemas.microsoft.com/office/drawing/2014/main" id="{5A175C9C-B8B5-B6B6-CFBD-817FC972AB43}"/>
+                <a16:creationId xmlns:a16="http://schemas.microsoft.com/office/drawing/2014/main" id="{0868739D-7F30-8ABF-EA9C-698E9E6777BD}"/>
               </a:ext>
             </a:extLst>
           </p:cNvPr>
-          <p:cNvSpPr/>
+          <p:cNvSpPr txBox="1">
+            <a:spLocks/>
+          </p:cNvSpPr>
           <p:nvPr/>
         </p:nvSpPr>
         <p:spPr>
           <a:xfrm>
-            <a:off x="762000" y="1346200"/>
-            <a:ext cx="1511300" cy="234950"/>
+            <a:off x="587389" y="1619726"/>
+            <a:ext cx="11017224" cy="1487458"/>
           </a:xfrm>
           <a:prstGeom prst="rect">
             <a:avLst/>
           </a:prstGeom>
-          <a:noFill/>
-          <a:ln w="28575">
-            <a:solidFill>
-              <a:srgbClr val="FF0000"/>
-            </a:solidFill>
-            <a:prstDash val="sysDot"/>
-          </a:ln>
-        </p:spPr>
-        <p:style>
-          <a:lnRef idx="2">
-            <a:schemeClr val="accent1">
-              <a:shade val="15000"/>
-            </a:schemeClr>
-          </a:lnRef>
-          <a:fillRef idx="1">
-            <a:schemeClr val="accent1"/>
-          </a:fillRef>
-          <a:effectRef idx="0">
-            <a:schemeClr val="accent1"/>
-          </a:effectRef>
-          <a:fontRef idx="minor">
-            <a:schemeClr val="lt1"/>
-          </a:fontRef>
-        </p:style>
-        <p:txBody>
-          <a:bodyPr rtlCol="0" anchor="ctr"/>
-          <a:lstStyle/>
-          <a:p>
-            <a:pPr algn="ctr"/>
-            <a:endParaRPr lang="ko-KR" altLang="en-US"/>
-          </a:p>
-        </p:txBody>
-      </p:sp>
-      <p:sp>
-        <p:nvSpPr>
-          <p:cNvPr id="12" name="TextBox 11">
-            <a:extLst>
-              <a:ext uri="{FF2B5EF4-FFF2-40B4-BE49-F238E27FC236}">
-                <a16:creationId xmlns:a16="http://schemas.microsoft.com/office/drawing/2014/main" id="{AB3E725D-2031-D8F7-942F-962E2ADCDDDF}"/>
-              </a:ext>
-            </a:extLst>
-          </p:cNvPr>
-          <p:cNvSpPr txBox="1"/>
-          <p:nvPr/>
-        </p:nvSpPr>
-        <p:spPr>
-          <a:xfrm>
-            <a:off x="3755845" y="1300856"/>
-            <a:ext cx="4273550" cy="307777"/>
-          </a:xfrm>
-          <a:prstGeom prst="rect">
-            <a:avLst/>
-          </a:prstGeom>
-          <a:noFill/>
+          <a:effectLst/>
         </p:spPr>
         <p:txBody>
-          <a:bodyPr wrap="square" rtlCol="0">
+          <a:bodyPr anchor="ctr">
             <a:spAutoFit/>
           </a:bodyPr>
-          <a:lstStyle/>
-          <a:p>
-            <a:r>
-              <a:rPr lang="en-US" altLang="ko-KR" sz="1400" dirty="0">
-                <a:solidFill>
-                  <a:srgbClr val="FF0000"/>
-                </a:solidFill>
-              </a:rPr>
-              <a:t>AAS </a:t>
-            </a:r>
-            <a:r>
-              <a:rPr lang="ko-KR" altLang="en-US" sz="1400" dirty="0">
-                <a:solidFill>
-                  <a:srgbClr val="FF0000"/>
-                </a:solidFill>
-              </a:rPr>
-              <a:t>및 </a:t>
-            </a:r>
-            <a:r>
-              <a:rPr lang="en-US" altLang="ko-KR" sz="1400" dirty="0" err="1">
-                <a:solidFill>
-                  <a:srgbClr val="FF0000"/>
-                </a:solidFill>
-              </a:rPr>
-              <a:t>syscfg.json</a:t>
-            </a:r>
-            <a:r>
-              <a:rPr lang="en-US" altLang="ko-KR" sz="1400" dirty="0">
-                <a:solidFill>
-                  <a:srgbClr val="FF0000"/>
-                </a:solidFill>
-              </a:rPr>
-              <a:t> </a:t>
-            </a:r>
-            <a:r>
-              <a:rPr lang="ko-KR" altLang="en-US" sz="1400" dirty="0">
-                <a:solidFill>
-                  <a:srgbClr val="FF0000"/>
-                </a:solidFill>
-              </a:rPr>
-              <a:t>파일에 정의된 게이트웨이 이름</a:t>
-            </a:r>
-          </a:p>
-        </p:txBody>
-      </p:sp>
-      <p:sp>
-        <p:nvSpPr>
-          <p:cNvPr id="13" name="직사각형 12">
-            <a:extLst>
-              <a:ext uri="{FF2B5EF4-FFF2-40B4-BE49-F238E27FC236}">
-                <a16:creationId xmlns:a16="http://schemas.microsoft.com/office/drawing/2014/main" id="{C2D3FFB9-E2AD-3522-2A6E-4913187FFC40}"/>
-              </a:ext>
-            </a:extLst>
-          </p:cNvPr>
-          <p:cNvSpPr/>
-          <p:nvPr/>
-        </p:nvSpPr>
-        <p:spPr>
-          <a:xfrm>
-            <a:off x="762000" y="4692650"/>
-            <a:ext cx="2692400" cy="1073150"/>
-          </a:xfrm>
-          <a:prstGeom prst="rect">
-            <a:avLst/>
-          </a:prstGeom>
-          <a:noFill/>
-          <a:ln w="28575">
-            <a:solidFill>
-              <a:srgbClr val="FF0000"/>
-            </a:solidFill>
-            <a:prstDash val="sysDot"/>
-          </a:ln>
-        </p:spPr>
-        <p:style>
-          <a:lnRef idx="2">
-            <a:schemeClr val="accent1">
-              <a:shade val="15000"/>
-            </a:schemeClr>
-          </a:lnRef>
-          <a:fillRef idx="1">
-            <a:schemeClr val="accent1"/>
-          </a:fillRef>
-          <a:effectRef idx="0">
-            <a:schemeClr val="accent1"/>
-          </a:effectRef>
-          <a:fontRef idx="minor">
-            <a:schemeClr val="lt1"/>
-          </a:fontRef>
-        </p:style>
-        <p:txBody>
-          <a:bodyPr rtlCol="0" anchor="ctr"/>
-          <a:lstStyle/>
-          <a:p>
-            <a:pPr algn="ctr"/>
-            <a:endParaRPr lang="ko-KR" altLang="en-US"/>
-          </a:p>
-        </p:txBody>
-      </p:sp>
-      <p:sp>
-        <p:nvSpPr>
-          <p:cNvPr id="14" name="TextBox 13">
-            <a:extLst>
-              <a:ext uri="{FF2B5EF4-FFF2-40B4-BE49-F238E27FC236}">
-                <a16:creationId xmlns:a16="http://schemas.microsoft.com/office/drawing/2014/main" id="{C8E1C14B-0A5B-DD9F-A483-B4F9C42560C5}"/>
-              </a:ext>
-            </a:extLst>
-          </p:cNvPr>
-          <p:cNvSpPr txBox="1"/>
-          <p:nvPr/>
-        </p:nvSpPr>
-        <p:spPr>
-          <a:xfrm>
-            <a:off x="3755845" y="5119998"/>
-            <a:ext cx="4273550" cy="307777"/>
-          </a:xfrm>
-          <a:prstGeom prst="rect">
-            <a:avLst/>
-          </a:prstGeom>
-          <a:noFill/>
-        </p:spPr>
-        <p:txBody>
-          <a:bodyPr wrap="square" rtlCol="0">
-            <a:spAutoFit/>
-          </a:bodyPr>
-          <a:lstStyle/>
-          <a:p>
-            <a:r>
-              <a:rPr lang="en-US" altLang="ko-KR" sz="1400" dirty="0">
-                <a:solidFill>
-                  <a:srgbClr val="FF0000"/>
-                </a:solidFill>
-              </a:rPr>
-              <a:t>(Option) MOS Cloud </a:t>
-            </a:r>
-            <a:r>
-              <a:rPr lang="ko-KR" altLang="en-US" sz="1400" dirty="0">
-                <a:solidFill>
-                  <a:srgbClr val="FF0000"/>
-                </a:solidFill>
-              </a:rPr>
-              <a:t>서버 </a:t>
-            </a:r>
-            <a:r>
-              <a:rPr lang="en-US" altLang="ko-KR" sz="1400" dirty="0">
-                <a:solidFill>
-                  <a:srgbClr val="FF0000"/>
-                </a:solidFill>
-              </a:rPr>
-              <a:t>IP </a:t>
-            </a:r>
-            <a:r>
-              <a:rPr lang="ko-KR" altLang="en-US" sz="1400" dirty="0">
-                <a:solidFill>
-                  <a:srgbClr val="FF0000"/>
-                </a:solidFill>
-              </a:rPr>
-              <a:t>및</a:t>
-            </a:r>
-            <a:r>
-              <a:rPr lang="en-US" altLang="ko-KR" sz="1400" dirty="0">
-                <a:solidFill>
-                  <a:srgbClr val="FF0000"/>
-                </a:solidFill>
-              </a:rPr>
-              <a:t> AMQP </a:t>
-            </a:r>
-            <a:r>
-              <a:rPr lang="ko-KR" altLang="en-US" sz="1400" dirty="0">
-                <a:solidFill>
-                  <a:srgbClr val="FF0000"/>
-                </a:solidFill>
-              </a:rPr>
-              <a:t>정보</a:t>
+          <a:lstStyle>
+            <a:lvl1pPr algn="ctr" defTabSz="914400" rtl="0" eaLnBrk="1" latinLnBrk="1" hangingPunct="1">
+              <a:spcBef>
+                <a:spcPct val="0"/>
+              </a:spcBef>
+              <a:buNone/>
+              <a:defRPr sz="3200" b="1" kern="1200">
+                <a:solidFill>
+                  <a:srgbClr val="0678A6"/>
+                </a:solidFill>
+                <a:effectLst/>
+                <a:latin typeface="Arial" panose="020B0604020202020204" pitchFamily="34" charset="0"/>
+                <a:ea typeface="+mj-ea"/>
+                <a:cs typeface="Arial" panose="020B0604020202020204" pitchFamily="34" charset="0"/>
+              </a:defRPr>
+            </a:lvl1pPr>
+          </a:lstStyle>
+          <a:p>
+            <a:pPr marL="0" marR="0" lvl="0" indent="0" algn="ctr" defTabSz="914400" rtl="0" eaLnBrk="1" fontAlgn="auto" latinLnBrk="1" hangingPunct="1">
+              <a:lnSpc>
+                <a:spcPct val="150000"/>
+              </a:lnSpc>
+              <a:spcBef>
+                <a:spcPct val="0"/>
+              </a:spcBef>
+              <a:spcAft>
+                <a:spcPts val="0"/>
+              </a:spcAft>
+              <a:buClrTx/>
+              <a:buSzTx/>
+              <a:buFontTx/>
+              <a:buNone/>
+              <a:tabLst/>
+              <a:defRPr/>
+            </a:pPr>
+            <a:r>
+              <a:rPr lang="en-US" altLang="ko-KR" dirty="0">
+                <a:solidFill>
+                  <a:sysClr val="window" lastClr="FFFFFF"/>
+                </a:solidFill>
+                <a:effectLst>
+                  <a:glow rad="533400">
+                    <a:srgbClr val="151A21">
+                      <a:alpha val="35000"/>
+                    </a:srgbClr>
+                  </a:glow>
+                </a:effectLst>
+                <a:latin typeface="에스코어 드림 8 Heavy" panose="020B0903030302020204" pitchFamily="34" charset="-127"/>
+                <a:ea typeface="에스코어 드림 8 Heavy" panose="020B0903030302020204" pitchFamily="34" charset="-127"/>
+              </a:rPr>
+              <a:t>Part 03</a:t>
+            </a:r>
+          </a:p>
+          <a:p>
+            <a:pPr marL="0" marR="0" lvl="0" indent="0" algn="ctr" defTabSz="914400" rtl="0" eaLnBrk="1" fontAlgn="auto" latinLnBrk="1" hangingPunct="1">
+              <a:lnSpc>
+                <a:spcPct val="150000"/>
+              </a:lnSpc>
+              <a:spcBef>
+                <a:spcPct val="0"/>
+              </a:spcBef>
+              <a:spcAft>
+                <a:spcPts val="0"/>
+              </a:spcAft>
+              <a:buClrTx/>
+              <a:buSzTx/>
+              <a:buFontTx/>
+              <a:buNone/>
+              <a:tabLst/>
+              <a:defRPr/>
+            </a:pPr>
+            <a:r>
+              <a:rPr lang="en-US" altLang="ko-KR" dirty="0">
+                <a:solidFill>
+                  <a:sysClr val="window" lastClr="FFFFFF"/>
+                </a:solidFill>
+                <a:effectLst>
+                  <a:glow rad="533400">
+                    <a:srgbClr val="151A21">
+                      <a:alpha val="35000"/>
+                    </a:srgbClr>
+                  </a:glow>
+                </a:effectLst>
+                <a:latin typeface="에스코어 드림 8 Heavy" panose="020B0903030302020204" pitchFamily="34" charset="-127"/>
+                <a:ea typeface="에스코어 드림 8 Heavy" panose="020B0903030302020204" pitchFamily="34" charset="-127"/>
+              </a:rPr>
+              <a:t>MOS Edge Operation</a:t>
             </a:r>
           </a:p>
         </p:txBody>
@@ -10288,7 +9972,7 @@
     </p:spTree>
     <p:extLst>
       <p:ext uri="{BB962C8B-B14F-4D97-AF65-F5344CB8AC3E}">
-        <p14:creationId xmlns:p14="http://schemas.microsoft.com/office/powerpoint/2010/main" val="449656472"/>
+        <p14:creationId xmlns:p14="http://schemas.microsoft.com/office/powerpoint/2010/main" val="25580363"/>
       </p:ext>
     </p:extLst>
   </p:cSld>
@@ -10351,7 +10035,7 @@
                 <a:latin typeface="에스코어 드림 6 Bold" panose="020B0703030302020204" pitchFamily="34" charset="-127"/>
                 <a:ea typeface="에스코어 드림 6 Bold" panose="020B0703030302020204" pitchFamily="34" charset="-127"/>
               </a:rPr>
-              <a:t>Data Acquisition Settings</a:t>
+              <a:t>Operation Manual</a:t>
             </a:r>
             <a:endParaRPr lang="ko-KR" altLang="en-US" sz="2000" b="1" dirty="0">
               <a:solidFill>
@@ -10377,8 +10061,8 @@
         </p:nvSpPr>
         <p:spPr>
           <a:xfrm>
-            <a:off x="394629" y="846886"/>
-            <a:ext cx="11402741" cy="4909036"/>
+            <a:off x="400979" y="846886"/>
+            <a:ext cx="11402741" cy="2156937"/>
           </a:xfrm>
           <a:prstGeom prst="rect">
             <a:avLst/>
@@ -10422,679 +10106,336 @@
           </a:lstStyle>
           <a:p>
             <a:r>
-              <a:rPr lang="ko-KR" altLang="en-US" dirty="0"/>
+              <a:rPr lang="en-US" altLang="ko-KR"/>
               <a:t> </a:t>
             </a:r>
             <a:r>
-              <a:rPr lang="en-US" altLang="ko-KR" dirty="0"/>
-              <a:t>AAS</a:t>
-            </a:r>
-            <a:r>
-              <a:rPr lang="ko-KR" altLang="en-US" dirty="0"/>
-              <a:t>로부터 변환한 설정파일 </a:t>
-            </a:r>
-            <a:r>
-              <a:rPr lang="en-US" altLang="ko-KR" dirty="0"/>
-              <a:t>3</a:t>
-            </a:r>
-            <a:r>
-              <a:rPr lang="ko-KR" altLang="en-US" dirty="0"/>
-              <a:t>가지</a:t>
-            </a:r>
-            <a:r>
-              <a:rPr lang="en-US" altLang="ko-KR" dirty="0"/>
-              <a:t>(nodeset.xml, </a:t>
-            </a:r>
-            <a:r>
-              <a:rPr lang="en-US" altLang="ko-KR" dirty="0" err="1"/>
-              <a:t>syscfg.json</a:t>
-            </a:r>
-            <a:r>
-              <a:rPr lang="en-US" altLang="ko-KR" dirty="0"/>
-              <a:t>, engineering.csv)</a:t>
-            </a:r>
-            <a:r>
-              <a:rPr lang="ko-KR" altLang="en-US" dirty="0"/>
-              <a:t>를 </a:t>
-            </a:r>
-            <a:r>
-              <a:rPr lang="en-US" altLang="ko-KR" dirty="0"/>
-              <a:t>docker OPCUA </a:t>
-            </a:r>
-            <a:r>
-              <a:rPr lang="ko-KR" altLang="en-US" dirty="0"/>
-              <a:t>모듈 내 복사</a:t>
-            </a:r>
-            <a:endParaRPr lang="en-US" altLang="ko-KR" dirty="0"/>
+              <a:rPr lang="ko-KR" altLang="en-US"/>
+              <a:t>웹 인터페이스 실행 전 </a:t>
+            </a:r>
+            <a:r>
+              <a:rPr lang="en-US" altLang="ko-KR"/>
+              <a:t>auxiliary </a:t>
+            </a:r>
+            <a:r>
+              <a:rPr lang="ko-KR" altLang="en-US"/>
+              <a:t>설치 및 웹 서비스 재시작 명령어 입력</a:t>
+            </a:r>
+            <a:endParaRPr lang="en-US" altLang="ko-KR"/>
           </a:p>
           <a:p>
             <a:pPr marL="0" indent="0">
               <a:buNone/>
             </a:pPr>
             <a:r>
-              <a:rPr lang="en" altLang="ko-Kore-KR" b="1" dirty="0">
-                <a:latin typeface="에스코어 드림 3 Light" panose="020B0303030302020204" pitchFamily="34" charset="-127"/>
-                <a:ea typeface="에스코어 드림 3 Light" panose="020B0303030302020204" pitchFamily="34" charset="-127"/>
-              </a:rPr>
+              <a:rPr lang="en" altLang="ko-Kore-KR" b="1"/>
               <a:t>  - </a:t>
             </a:r>
             <a:r>
-              <a:rPr lang="en" altLang="ko-Kore-KR" sz="1400" b="1" dirty="0">
-                <a:latin typeface="에스코어 드림 3 Light" panose="020B0303030302020204" pitchFamily="34" charset="-127"/>
-                <a:ea typeface="에스코어 드림 3 Light" panose="020B0303030302020204" pitchFamily="34" charset="-127"/>
-              </a:rPr>
+              <a:rPr lang="en" altLang="ko-Kore-KR" sz="1400" b="1"/>
               <a:t> </a:t>
             </a:r>
             <a:r>
-              <a:rPr lang="en" altLang="ko-Kore-KR" sz="1400" b="1" dirty="0">
+              <a:rPr lang="en" altLang="ko-Kore-KR" sz="1400" b="1">
                 <a:solidFill>
                   <a:srgbClr val="34BC26"/>
                 </a:solidFill>
-                <a:latin typeface="에스코어 드림 3 Light" panose="020B0303030302020204" pitchFamily="34" charset="-127"/>
-                <a:ea typeface="에스코어 드림 3 Light" panose="020B0303030302020204" pitchFamily="34" charset="-127"/>
               </a:rPr>
               <a:t>admin@gateway</a:t>
             </a:r>
             <a:r>
-              <a:rPr lang="en" altLang="ko-Kore-KR" sz="1400" dirty="0">
+              <a:rPr lang="en" altLang="ko-Kore-KR" sz="1400">
                 <a:solidFill>
                   <a:srgbClr val="000000"/>
                 </a:solidFill>
-                <a:latin typeface="에스코어 드림 3 Light" panose="020B0303030302020204" pitchFamily="34" charset="-127"/>
-                <a:ea typeface="에스코어 드림 3 Light" panose="020B0303030302020204" pitchFamily="34" charset="-127"/>
               </a:rPr>
               <a:t>:</a:t>
             </a:r>
             <a:r>
-              <a:rPr lang="en" altLang="ko-Kore-KR" sz="1400" b="1" dirty="0">
+              <a:rPr lang="en" altLang="ko-Kore-KR" sz="1400" b="1">
                 <a:solidFill>
                   <a:srgbClr val="5230E1"/>
                 </a:solidFill>
-                <a:latin typeface="에스코어 드림 3 Light" panose="020B0303030302020204" pitchFamily="34" charset="-127"/>
-                <a:ea typeface="에스코어 드림 3 Light" panose="020B0303030302020204" pitchFamily="34" charset="-127"/>
               </a:rPr>
               <a:t>~</a:t>
             </a:r>
             <a:r>
-              <a:rPr lang="en" altLang="ko-Kore-KR" sz="1400" dirty="0">
+              <a:rPr lang="en" altLang="ko-Kore-KR" sz="1400">
                 <a:solidFill>
                   <a:srgbClr val="000000"/>
                 </a:solidFill>
-                <a:latin typeface="에스코어 드림 3 Light" panose="020B0303030302020204" pitchFamily="34" charset="-127"/>
-                <a:ea typeface="에스코어 드림 3 Light" panose="020B0303030302020204" pitchFamily="34" charset="-127"/>
-              </a:rPr>
-              <a:t>$ ./copyToOPC.sh [engineering.csv / syscfg.json / nodeset.xml]</a:t>
+              </a:rPr>
+              <a:t>$ </a:t>
+            </a:r>
+            <a:r>
+              <a:rPr lang="en" altLang="ko-Kore-KR" sz="1400">
+                <a:solidFill>
+                  <a:srgbClr val="000000"/>
+                </a:solidFill>
+                <a:highlight>
+                  <a:srgbClr val="C0C0C0"/>
+                </a:highlight>
+                <a:latin typeface="Consolas" panose="020B0609020204030204" pitchFamily="49" charset="0"/>
+              </a:rPr>
+              <a:t>./</a:t>
+            </a:r>
+            <a:r>
+              <a:rPr lang="en-US" altLang="ko-Kore-KR">
+                <a:solidFill>
+                  <a:srgbClr val="000000"/>
+                </a:solidFill>
+                <a:highlight>
+                  <a:srgbClr val="C0C0C0"/>
+                </a:highlight>
+                <a:latin typeface="Consolas" panose="020B0609020204030204" pitchFamily="49" charset="0"/>
+              </a:rPr>
+              <a:t>auxiliaryInstall.sh</a:t>
             </a:r>
           </a:p>
           <a:p>
             <a:pPr marL="0" indent="0">
               <a:buNone/>
             </a:pPr>
-            <a:endParaRPr lang="en" altLang="ko-Kore-KR" dirty="0">
+            <a:r>
+              <a:rPr lang="en" altLang="ko-Kore-KR" b="1"/>
+              <a:t>  </a:t>
+            </a:r>
+            <a:r>
+              <a:rPr lang="en" altLang="ko-Kore-KR" b="1" dirty="0"/>
+              <a:t>- </a:t>
+            </a:r>
+            <a:r>
+              <a:rPr lang="en" altLang="ko-Kore-KR" sz="1100" b="1" dirty="0"/>
+              <a:t> </a:t>
+            </a:r>
+            <a:r>
+              <a:rPr lang="en" altLang="ko-Kore-KR" b="1" dirty="0">
+                <a:solidFill>
+                  <a:srgbClr val="34BC26"/>
+                </a:solidFill>
+              </a:rPr>
+              <a:t>admin@gateway</a:t>
+            </a:r>
+            <a:r>
+              <a:rPr lang="en" altLang="ko-Kore-KR" dirty="0">
+                <a:solidFill>
+                  <a:srgbClr val="000000"/>
+                </a:solidFill>
+              </a:rPr>
+              <a:t>:</a:t>
+            </a:r>
+            <a:r>
+              <a:rPr lang="en" altLang="ko-Kore-KR" b="1" dirty="0">
+                <a:solidFill>
+                  <a:srgbClr val="5230E1"/>
+                </a:solidFill>
+              </a:rPr>
+              <a:t>~</a:t>
+            </a:r>
+            <a:r>
+              <a:rPr lang="en" altLang="ko-Kore-KR" dirty="0">
+                <a:solidFill>
+                  <a:srgbClr val="000000"/>
+                </a:solidFill>
+              </a:rPr>
+              <a:t>$ </a:t>
+            </a:r>
+            <a:r>
+              <a:rPr lang="en-US" altLang="ko-Kore-KR" dirty="0" err="1">
+                <a:solidFill>
+                  <a:srgbClr val="000000"/>
+                </a:solidFill>
+                <a:highlight>
+                  <a:srgbClr val="C0C0C0"/>
+                </a:highlight>
+                <a:latin typeface="Consolas" panose="020B0609020204030204" pitchFamily="49" charset="0"/>
+              </a:rPr>
+              <a:t>sudo</a:t>
+            </a:r>
+            <a:r>
+              <a:rPr lang="en-US" altLang="ko-Kore-KR" dirty="0">
+                <a:solidFill>
+                  <a:srgbClr val="000000"/>
+                </a:solidFill>
+                <a:highlight>
+                  <a:srgbClr val="C0C0C0"/>
+                </a:highlight>
+                <a:latin typeface="Consolas" panose="020B0609020204030204" pitchFamily="49" charset="0"/>
+              </a:rPr>
+              <a:t> </a:t>
+            </a:r>
+            <a:r>
+              <a:rPr lang="en-US" altLang="ko-Kore-KR" dirty="0" err="1">
+                <a:solidFill>
+                  <a:srgbClr val="000000"/>
+                </a:solidFill>
+                <a:highlight>
+                  <a:srgbClr val="C0C0C0"/>
+                </a:highlight>
+                <a:latin typeface="Consolas" panose="020B0609020204030204" pitchFamily="49" charset="0"/>
+              </a:rPr>
+              <a:t>systemctl</a:t>
+            </a:r>
+            <a:r>
+              <a:rPr lang="en-US" altLang="ko-Kore-KR" dirty="0">
+                <a:solidFill>
+                  <a:srgbClr val="000000"/>
+                </a:solidFill>
+                <a:highlight>
+                  <a:srgbClr val="C0C0C0"/>
+                </a:highlight>
+                <a:latin typeface="Consolas" panose="020B0609020204030204" pitchFamily="49" charset="0"/>
+              </a:rPr>
+              <a:t> restart </a:t>
+            </a:r>
+            <a:r>
+              <a:rPr lang="en-US" altLang="ko-Kore-KR" dirty="0" err="1">
+                <a:solidFill>
+                  <a:srgbClr val="000000"/>
+                </a:solidFill>
+                <a:highlight>
+                  <a:srgbClr val="C0C0C0"/>
+                </a:highlight>
+                <a:latin typeface="Consolas" panose="020B0609020204030204" pitchFamily="49" charset="0"/>
+              </a:rPr>
+              <a:t>gatewayWeb</a:t>
+            </a:r>
+            <a:r>
+              <a:rPr lang="en-US" altLang="ko-Kore-KR" err="1">
+                <a:solidFill>
+                  <a:srgbClr val="000000"/>
+                </a:solidFill>
+                <a:highlight>
+                  <a:srgbClr val="C0C0C0"/>
+                </a:highlight>
+                <a:latin typeface="Consolas" panose="020B0609020204030204" pitchFamily="49" charset="0"/>
+              </a:rPr>
+              <a:t>.</a:t>
+            </a:r>
+            <a:r>
+              <a:rPr lang="en-US" altLang="ko-Kore-KR">
+                <a:solidFill>
+                  <a:srgbClr val="000000"/>
+                </a:solidFill>
+                <a:highlight>
+                  <a:srgbClr val="C0C0C0"/>
+                </a:highlight>
+                <a:latin typeface="Consolas" panose="020B0609020204030204" pitchFamily="49" charset="0"/>
+              </a:rPr>
+              <a:t>service</a:t>
+            </a:r>
+          </a:p>
+          <a:p>
+            <a:r>
+              <a:rPr lang="en-US" altLang="ko-Kore-KR">
+                <a:solidFill>
+                  <a:srgbClr val="000000"/>
+                </a:solidFill>
+              </a:rPr>
+              <a:t> </a:t>
+            </a:r>
+            <a:r>
+              <a:rPr lang="ko-KR" altLang="en-US">
+                <a:solidFill>
+                  <a:srgbClr val="000000"/>
+                </a:solidFill>
+              </a:rPr>
+              <a:t>웹 브라우저 실행 후 주소창에 </a:t>
+            </a:r>
+            <a:r>
+              <a:rPr lang="en-US" altLang="ko-KR">
+                <a:solidFill>
+                  <a:srgbClr val="000000"/>
+                </a:solidFill>
+              </a:rPr>
+              <a:t>127.0.0.1:5000 </a:t>
+            </a:r>
+            <a:r>
+              <a:rPr lang="ko-KR" altLang="en-US">
+                <a:solidFill>
+                  <a:srgbClr val="000000"/>
+                </a:solidFill>
+              </a:rPr>
+              <a:t>입력</a:t>
+            </a:r>
+            <a:r>
+              <a:rPr lang="en-US" altLang="ko-KR">
+                <a:solidFill>
+                  <a:srgbClr val="000000"/>
+                </a:solidFill>
+              </a:rPr>
+              <a:t>,</a:t>
+            </a:r>
+            <a:r>
+              <a:rPr lang="ko-KR" altLang="en-US">
+                <a:solidFill>
+                  <a:srgbClr val="000000"/>
+                </a:solidFill>
+              </a:rPr>
+              <a:t> 웹 인터페이스 동작 확인</a:t>
+            </a:r>
+            <a:endParaRPr lang="en-US" altLang="ko-Kore-KR" dirty="0">
               <a:solidFill>
                 <a:srgbClr val="000000"/>
               </a:solidFill>
-              <a:latin typeface="에스코어 드림 3 Light" panose="020B0303030302020204" pitchFamily="34" charset="-127"/>
-              <a:ea typeface="에스코어 드림 3 Light" panose="020B0303030302020204" pitchFamily="34" charset="-127"/>
+            </a:endParaRPr>
+          </a:p>
+          <a:p>
+            <a:r>
+              <a:rPr lang="en-US" altLang="ko-Kore-KR" dirty="0">
+                <a:solidFill>
+                  <a:srgbClr val="000000"/>
+                </a:solidFill>
+              </a:rPr>
+              <a:t> </a:t>
+            </a:r>
+            <a:r>
+              <a:rPr lang="ko-KR" altLang="en-US" dirty="0">
+                <a:solidFill>
+                  <a:srgbClr val="000000"/>
+                </a:solidFill>
+              </a:rPr>
+              <a:t>필요 </a:t>
+            </a:r>
+            <a:r>
+              <a:rPr lang="ko-KR" altLang="en-US">
+                <a:solidFill>
+                  <a:srgbClr val="000000"/>
+                </a:solidFill>
+              </a:rPr>
+              <a:t>시 웹 인터페이스의</a:t>
+            </a:r>
+            <a:r>
+              <a:rPr lang="en-US" altLang="ko-Kore-KR">
+                <a:solidFill>
+                  <a:srgbClr val="000000"/>
+                </a:solidFill>
+              </a:rPr>
+              <a:t> </a:t>
+            </a:r>
+            <a:r>
+              <a:rPr lang="ko-KR" altLang="en-US" dirty="0">
+                <a:solidFill>
+                  <a:srgbClr val="000000"/>
+                </a:solidFill>
+              </a:rPr>
+              <a:t>초기화 버튼을 통해 설정 및 동작 초기화</a:t>
+            </a:r>
+            <a:endParaRPr lang="en-US" altLang="ko-Kore-KR" dirty="0">
+              <a:solidFill>
+                <a:srgbClr val="000000"/>
+              </a:solidFill>
             </a:endParaRPr>
           </a:p>
           <a:p>
             <a:pPr marL="0" indent="0">
               <a:buNone/>
             </a:pPr>
-            <a:r>
-              <a:rPr lang="en" altLang="ko-Kore-KR" b="1" dirty="0">
-                <a:latin typeface="에스코어 드림 3 Light" panose="020B0303030302020204" pitchFamily="34" charset="-127"/>
-                <a:ea typeface="에스코어 드림 3 Light" panose="020B0303030302020204" pitchFamily="34" charset="-127"/>
-              </a:rPr>
-              <a:t> -  AAS </a:t>
-            </a:r>
-            <a:r>
-              <a:rPr lang="ko-KR" altLang="en-US" b="1" dirty="0">
-                <a:latin typeface="에스코어 드림 3 Light" panose="020B0303030302020204" pitchFamily="34" charset="-127"/>
-                <a:ea typeface="에스코어 드림 3 Light" panose="020B0303030302020204" pitchFamily="34" charset="-127"/>
-              </a:rPr>
-              <a:t>설정파일 변환은 </a:t>
-            </a:r>
-            <a:r>
-              <a:rPr lang="en-US" altLang="ko-KR" b="1" dirty="0">
-                <a:latin typeface="에스코어 드림 3 Light" panose="020B0303030302020204" pitchFamily="34" charset="-127"/>
-                <a:ea typeface="에스코어 드림 3 Light" panose="020B0303030302020204" pitchFamily="34" charset="-127"/>
-                <a:hlinkClick r:id="rId3"/>
-              </a:rPr>
-              <a:t>[</a:t>
-            </a:r>
-            <a:r>
-              <a:rPr lang="ko-KR" altLang="en-US" b="1" dirty="0">
-                <a:latin typeface="에스코어 드림 3 Light" panose="020B0303030302020204" pitchFamily="34" charset="-127"/>
-                <a:ea typeface="에스코어 드림 3 Light" panose="020B0303030302020204" pitchFamily="34" charset="-127"/>
-                <a:hlinkClick r:id="rId3"/>
-              </a:rPr>
-              <a:t>링크</a:t>
-            </a:r>
-            <a:r>
-              <a:rPr lang="en-US" altLang="ko-KR" b="1" dirty="0">
-                <a:latin typeface="에스코어 드림 3 Light" panose="020B0303030302020204" pitchFamily="34" charset="-127"/>
-                <a:ea typeface="에스코어 드림 3 Light" panose="020B0303030302020204" pitchFamily="34" charset="-127"/>
-                <a:hlinkClick r:id="rId3"/>
-              </a:rPr>
-              <a:t>]</a:t>
-            </a:r>
-            <a:r>
-              <a:rPr lang="ko-KR" altLang="en-US" b="1" dirty="0">
-                <a:latin typeface="에스코어 드림 3 Light" panose="020B0303030302020204" pitchFamily="34" charset="-127"/>
-                <a:ea typeface="에스코어 드림 3 Light" panose="020B0303030302020204" pitchFamily="34" charset="-127"/>
-              </a:rPr>
-              <a:t>를 참고바랍니다</a:t>
-            </a:r>
-            <a:r>
-              <a:rPr lang="en-US" altLang="ko-KR" b="1" dirty="0">
-                <a:latin typeface="에스코어 드림 3 Light" panose="020B0303030302020204" pitchFamily="34" charset="-127"/>
-                <a:ea typeface="에스코어 드림 3 Light" panose="020B0303030302020204" pitchFamily="34" charset="-127"/>
-              </a:rPr>
-              <a:t>.</a:t>
-            </a:r>
-          </a:p>
-          <a:p>
-            <a:r>
-              <a:rPr lang="en" altLang="ko-Kore-KR" dirty="0">
-                <a:solidFill>
-                  <a:srgbClr val="000000"/>
-                </a:solidFill>
-                <a:latin typeface="에스코어 드림 3 Light" panose="020B0303030302020204" pitchFamily="34" charset="-127"/>
-                <a:ea typeface="에스코어 드림 3 Light" panose="020B0303030302020204" pitchFamily="34" charset="-127"/>
-              </a:rPr>
-              <a:t> </a:t>
-            </a:r>
-            <a:r>
-              <a:rPr lang="ko-KR" altLang="en-US" dirty="0">
-                <a:solidFill>
-                  <a:srgbClr val="000000"/>
-                </a:solidFill>
-                <a:latin typeface="에스코어 드림 3 Light" panose="020B0303030302020204" pitchFamily="34" charset="-127"/>
-                <a:ea typeface="에스코어 드림 3 Light" panose="020B0303030302020204" pitchFamily="34" charset="-127"/>
-              </a:rPr>
-              <a:t>통신을 위한 </a:t>
-            </a:r>
-            <a:r>
-              <a:rPr lang="en-US" altLang="ko-KR" dirty="0">
-                <a:solidFill>
-                  <a:srgbClr val="000000"/>
-                </a:solidFill>
-                <a:latin typeface="에스코어 드림 3 Light" panose="020B0303030302020204" pitchFamily="34" charset="-127"/>
-                <a:ea typeface="에스코어 드림 3 Light" panose="020B0303030302020204" pitchFamily="34" charset="-127"/>
-              </a:rPr>
-              <a:t>OPC UA </a:t>
-            </a:r>
-            <a:r>
-              <a:rPr lang="ko-KR" altLang="en-US" dirty="0">
-                <a:solidFill>
-                  <a:srgbClr val="000000"/>
-                </a:solidFill>
-                <a:latin typeface="에스코어 드림 3 Light" panose="020B0303030302020204" pitchFamily="34" charset="-127"/>
-                <a:ea typeface="에스코어 드림 3 Light" panose="020B0303030302020204" pitchFamily="34" charset="-127"/>
-              </a:rPr>
-              <a:t>서버 인증서 생성</a:t>
-            </a:r>
-            <a:endParaRPr lang="en" altLang="ko-Kore-KR" dirty="0">
-              <a:solidFill>
-                <a:srgbClr val="000000"/>
-              </a:solidFill>
-              <a:latin typeface="에스코어 드림 3 Light" panose="020B0303030302020204" pitchFamily="34" charset="-127"/>
-              <a:ea typeface="에스코어 드림 3 Light" panose="020B0303030302020204" pitchFamily="34" charset="-127"/>
-            </a:endParaRPr>
+            <a:endParaRPr lang="en-US" altLang="ko-KR" dirty="0"/>
           </a:p>
           <a:p>
             <a:pPr marL="0" indent="0">
               <a:buNone/>
-            </a:pPr>
-            <a:r>
-              <a:rPr lang="en" altLang="ko-Kore-KR" dirty="0">
-                <a:latin typeface="에스코어 드림 3 Light" panose="020B0303030302020204" pitchFamily="34" charset="-127"/>
-                <a:ea typeface="에스코어 드림 3 Light" panose="020B0303030302020204" pitchFamily="34" charset="-127"/>
-              </a:rPr>
-              <a:t> -  MOS Edge </a:t>
-            </a:r>
-            <a:r>
-              <a:rPr lang="en-US" altLang="ko-KR" dirty="0">
-                <a:latin typeface="에스코어 드림 3 Light" panose="020B0303030302020204" pitchFamily="34" charset="-127"/>
-                <a:ea typeface="에스코어 드림 3 Light" panose="020B0303030302020204" pitchFamily="34" charset="-127"/>
-              </a:rPr>
-              <a:t>Web </a:t>
-            </a:r>
-            <a:r>
-              <a:rPr lang="ko-KR" altLang="en-US" dirty="0">
-                <a:latin typeface="에스코어 드림 3 Light" panose="020B0303030302020204" pitchFamily="34" charset="-127"/>
-                <a:ea typeface="에스코어 드림 3 Light" panose="020B0303030302020204" pitchFamily="34" charset="-127"/>
-              </a:rPr>
-              <a:t>인터페이스</a:t>
-            </a:r>
-            <a:r>
-              <a:rPr lang="en-US" altLang="ko-KR" dirty="0">
-                <a:solidFill>
-                  <a:srgbClr val="000000"/>
-                </a:solidFill>
-                <a:latin typeface="에스코어 드림 3 Light" panose="020B0303030302020204" pitchFamily="34" charset="-127"/>
-                <a:ea typeface="에스코어 드림 3 Light" panose="020B0303030302020204" pitchFamily="34" charset="-127"/>
-              </a:rPr>
-              <a:t> (</a:t>
-            </a:r>
-            <a:r>
-              <a:rPr lang="en-US" altLang="ko-KR" dirty="0">
-                <a:solidFill>
-                  <a:srgbClr val="000000"/>
-                </a:solidFill>
-                <a:latin typeface="에스코어 드림 3 Light" panose="020B0303030302020204" pitchFamily="34" charset="-127"/>
-                <a:ea typeface="에스코어 드림 3 Light" panose="020B0303030302020204" pitchFamily="34" charset="-127"/>
-                <a:hlinkClick r:id="rId4"/>
-              </a:rPr>
-              <a:t>http://XXX.XXX.XXX.XXX:5000</a:t>
-            </a:r>
-            <a:r>
-              <a:rPr lang="en-US" altLang="ko-KR" dirty="0">
-                <a:solidFill>
-                  <a:srgbClr val="000000"/>
-                </a:solidFill>
-                <a:latin typeface="에스코어 드림 3 Light" panose="020B0303030302020204" pitchFamily="34" charset="-127"/>
-                <a:ea typeface="에스코어 드림 3 Light" panose="020B0303030302020204" pitchFamily="34" charset="-127"/>
-              </a:rPr>
-              <a:t>)</a:t>
-            </a:r>
-            <a:r>
-              <a:rPr lang="ko-KR" altLang="en-US" dirty="0">
-                <a:latin typeface="에스코어 드림 3 Light" panose="020B0303030302020204" pitchFamily="34" charset="-127"/>
-                <a:ea typeface="에스코어 드림 3 Light" panose="020B0303030302020204" pitchFamily="34" charset="-127"/>
-              </a:rPr>
-              <a:t> 좌측 하단 </a:t>
-            </a:r>
-            <a:r>
-              <a:rPr lang="en-US" altLang="ko-KR" dirty="0">
-                <a:latin typeface="에스코어 드림 3 Light" panose="020B0303030302020204" pitchFamily="34" charset="-127"/>
-                <a:ea typeface="에스코어 드림 3 Light" panose="020B0303030302020204" pitchFamily="34" charset="-127"/>
-              </a:rPr>
-              <a:t>&lt;</a:t>
-            </a:r>
-            <a:r>
-              <a:rPr lang="ko-KR" altLang="en-US" dirty="0">
-                <a:latin typeface="에스코어 드림 3 Light" panose="020B0303030302020204" pitchFamily="34" charset="-127"/>
-                <a:ea typeface="에스코어 드림 3 Light" panose="020B0303030302020204" pitchFamily="34" charset="-127"/>
-              </a:rPr>
-              <a:t>인증서</a:t>
-            </a:r>
-            <a:r>
-              <a:rPr lang="en-US" altLang="ko-KR" dirty="0">
-                <a:latin typeface="에스코어 드림 3 Light" panose="020B0303030302020204" pitchFamily="34" charset="-127"/>
-                <a:ea typeface="에스코어 드림 3 Light" panose="020B0303030302020204" pitchFamily="34" charset="-127"/>
-              </a:rPr>
-              <a:t>&gt; </a:t>
-            </a:r>
-            <a:r>
-              <a:rPr lang="ko-KR" altLang="en-US" dirty="0">
-                <a:latin typeface="에스코어 드림 3 Light" panose="020B0303030302020204" pitchFamily="34" charset="-127"/>
-                <a:ea typeface="에스코어 드림 3 Light" panose="020B0303030302020204" pitchFamily="34" charset="-127"/>
-              </a:rPr>
-              <a:t>버튼 클릭</a:t>
-            </a:r>
-            <a:endParaRPr lang="en" altLang="ko-Kore-KR" dirty="0">
-              <a:solidFill>
-                <a:srgbClr val="000000"/>
-              </a:solidFill>
-              <a:latin typeface="에스코어 드림 3 Light" panose="020B0303030302020204" pitchFamily="34" charset="-127"/>
-              <a:ea typeface="에스코어 드림 3 Light" panose="020B0303030302020204" pitchFamily="34" charset="-127"/>
-            </a:endParaRPr>
-          </a:p>
-          <a:p>
-            <a:r>
-              <a:rPr lang="en" altLang="ko-Kore-KR" dirty="0">
-                <a:solidFill>
-                  <a:srgbClr val="000000"/>
-                </a:solidFill>
-                <a:latin typeface="에스코어 드림 3 Light" panose="020B0303030302020204" pitchFamily="34" charset="-127"/>
-                <a:ea typeface="에스코어 드림 3 Light" panose="020B0303030302020204" pitchFamily="34" charset="-127"/>
-              </a:rPr>
-              <a:t> </a:t>
-            </a:r>
-            <a:r>
-              <a:rPr lang="ko-KR" altLang="en-US" dirty="0">
-                <a:solidFill>
-                  <a:srgbClr val="000000"/>
-                </a:solidFill>
-                <a:latin typeface="에스코어 드림 3 Light" panose="020B0303030302020204" pitchFamily="34" charset="-127"/>
-                <a:ea typeface="에스코어 드림 3 Light" panose="020B0303030302020204" pitchFamily="34" charset="-127"/>
-              </a:rPr>
-              <a:t>이후 </a:t>
-            </a:r>
-            <a:r>
-              <a:rPr lang="en-US" altLang="ko-KR" dirty="0">
-                <a:solidFill>
-                  <a:srgbClr val="000000"/>
-                </a:solidFill>
-                <a:latin typeface="에스코어 드림 3 Light" panose="020B0303030302020204" pitchFamily="34" charset="-127"/>
-                <a:ea typeface="에스코어 드림 3 Light" panose="020B0303030302020204" pitchFamily="34" charset="-127"/>
-              </a:rPr>
-              <a:t>OPCUA </a:t>
-            </a:r>
-            <a:r>
-              <a:rPr lang="ko-KR" altLang="en-US" dirty="0">
-                <a:solidFill>
-                  <a:srgbClr val="000000"/>
-                </a:solidFill>
-                <a:latin typeface="에스코어 드림 3 Light" panose="020B0303030302020204" pitchFamily="34" charset="-127"/>
-                <a:ea typeface="에스코어 드림 3 Light" panose="020B0303030302020204" pitchFamily="34" charset="-127"/>
-              </a:rPr>
-              <a:t>모듈 재시작</a:t>
-            </a:r>
-            <a:endParaRPr lang="en" altLang="ko-Kore-KR" dirty="0">
-              <a:solidFill>
-                <a:srgbClr val="000000"/>
-              </a:solidFill>
-              <a:latin typeface="에스코어 드림 3 Light" panose="020B0303030302020204" pitchFamily="34" charset="-127"/>
-              <a:ea typeface="에스코어 드림 3 Light" panose="020B0303030302020204" pitchFamily="34" charset="-127"/>
-            </a:endParaRPr>
-          </a:p>
-          <a:p>
-            <a:pPr marL="0" indent="0">
-              <a:buNone/>
-            </a:pPr>
-            <a:r>
-              <a:rPr lang="en" altLang="ko-Kore-KR" b="1" dirty="0">
-                <a:latin typeface="에스코어 드림 3 Light" panose="020B0303030302020204" pitchFamily="34" charset="-127"/>
-                <a:ea typeface="에스코어 드림 3 Light" panose="020B0303030302020204" pitchFamily="34" charset="-127"/>
-              </a:rPr>
-              <a:t> - </a:t>
-            </a:r>
-            <a:r>
-              <a:rPr lang="en" altLang="ko-Kore-KR" sz="1400" b="1" dirty="0">
-                <a:latin typeface="에스코어 드림 3 Light" panose="020B0303030302020204" pitchFamily="34" charset="-127"/>
-                <a:ea typeface="에스코어 드림 3 Light" panose="020B0303030302020204" pitchFamily="34" charset="-127"/>
-              </a:rPr>
-              <a:t> </a:t>
-            </a:r>
-            <a:r>
-              <a:rPr lang="en" altLang="ko-Kore-KR" sz="1400" b="1" dirty="0">
-                <a:solidFill>
-                  <a:srgbClr val="34BC26"/>
-                </a:solidFill>
-                <a:latin typeface="에스코어 드림 3 Light" panose="020B0303030302020204" pitchFamily="34" charset="-127"/>
-                <a:ea typeface="에스코어 드림 3 Light" panose="020B0303030302020204" pitchFamily="34" charset="-127"/>
-              </a:rPr>
-              <a:t>admin@gateway</a:t>
-            </a:r>
-            <a:r>
-              <a:rPr lang="en" altLang="ko-Kore-KR" sz="1400" dirty="0">
-                <a:solidFill>
-                  <a:srgbClr val="000000"/>
-                </a:solidFill>
-                <a:latin typeface="에스코어 드림 3 Light" panose="020B0303030302020204" pitchFamily="34" charset="-127"/>
-                <a:ea typeface="에스코어 드림 3 Light" panose="020B0303030302020204" pitchFamily="34" charset="-127"/>
-              </a:rPr>
-              <a:t>:</a:t>
-            </a:r>
-            <a:r>
-              <a:rPr lang="en" altLang="ko-Kore-KR" sz="1400" b="1" dirty="0">
-                <a:solidFill>
-                  <a:srgbClr val="5230E1"/>
-                </a:solidFill>
-                <a:latin typeface="에스코어 드림 3 Light" panose="020B0303030302020204" pitchFamily="34" charset="-127"/>
-                <a:ea typeface="에스코어 드림 3 Light" panose="020B0303030302020204" pitchFamily="34" charset="-127"/>
-              </a:rPr>
-              <a:t>~</a:t>
-            </a:r>
-            <a:r>
-              <a:rPr lang="en" altLang="ko-Kore-KR" sz="1400" dirty="0">
-                <a:solidFill>
-                  <a:srgbClr val="000000"/>
-                </a:solidFill>
-                <a:latin typeface="에스코어 드림 3 Light" panose="020B0303030302020204" pitchFamily="34" charset="-127"/>
-                <a:ea typeface="에스코어 드림 3 Light" panose="020B0303030302020204" pitchFamily="34" charset="-127"/>
-              </a:rPr>
-              <a:t>$ docker restart opcuaModule</a:t>
-            </a:r>
-          </a:p>
-          <a:p>
-            <a:r>
-              <a:rPr lang="en" altLang="ko-Kore-KR" dirty="0">
-                <a:solidFill>
-                  <a:srgbClr val="000000"/>
-                </a:solidFill>
-                <a:latin typeface="에스코어 드림 3 Light" panose="020B0303030302020204" pitchFamily="34" charset="-127"/>
-                <a:ea typeface="에스코어 드림 3 Light" panose="020B0303030302020204" pitchFamily="34" charset="-127"/>
-              </a:rPr>
-              <a:t> </a:t>
-            </a:r>
-            <a:r>
-              <a:rPr lang="en-US" altLang="ko-Kore-KR" dirty="0">
-                <a:solidFill>
-                  <a:srgbClr val="000000"/>
-                </a:solidFill>
-                <a:latin typeface="에스코어 드림 3 Light" panose="020B0303030302020204" pitchFamily="34" charset="-127"/>
-                <a:ea typeface="에스코어 드림 3 Light" panose="020B0303030302020204" pitchFamily="34" charset="-127"/>
-              </a:rPr>
-              <a:t>Web</a:t>
-            </a:r>
-            <a:r>
-              <a:rPr lang="ko-KR" altLang="en-US" dirty="0">
-                <a:solidFill>
-                  <a:srgbClr val="000000"/>
-                </a:solidFill>
-                <a:latin typeface="에스코어 드림 3 Light" panose="020B0303030302020204" pitchFamily="34" charset="-127"/>
-                <a:ea typeface="에스코어 드림 3 Light" panose="020B0303030302020204" pitchFamily="34" charset="-127"/>
-              </a:rPr>
-              <a:t> 인터페이스 접속</a:t>
-            </a:r>
-            <a:r>
-              <a:rPr lang="en-US" altLang="ko-KR" dirty="0">
-                <a:solidFill>
-                  <a:srgbClr val="000000"/>
-                </a:solidFill>
-                <a:latin typeface="에스코어 드림 3 Light" panose="020B0303030302020204" pitchFamily="34" charset="-127"/>
-                <a:ea typeface="에스코어 드림 3 Light" panose="020B0303030302020204" pitchFamily="34" charset="-127"/>
-              </a:rPr>
-              <a:t> </a:t>
-            </a:r>
-            <a:r>
-              <a:rPr lang="ko-KR" altLang="en-US" dirty="0">
-                <a:solidFill>
-                  <a:srgbClr val="000000"/>
-                </a:solidFill>
-                <a:latin typeface="에스코어 드림 3 Light" panose="020B0303030302020204" pitchFamily="34" charset="-127"/>
-                <a:ea typeface="에스코어 드림 3 Light" panose="020B0303030302020204" pitchFamily="34" charset="-127"/>
-              </a:rPr>
-              <a:t>후 </a:t>
-            </a:r>
-            <a:r>
-              <a:rPr lang="en-US" altLang="ko-KR" dirty="0">
-                <a:solidFill>
-                  <a:srgbClr val="000000"/>
-                </a:solidFill>
-                <a:latin typeface="에스코어 드림 3 Light" panose="020B0303030302020204" pitchFamily="34" charset="-127"/>
-                <a:ea typeface="에스코어 드림 3 Light" panose="020B0303030302020204" pitchFamily="34" charset="-127"/>
-              </a:rPr>
-              <a:t>Data </a:t>
-            </a:r>
-            <a:r>
-              <a:rPr lang="en-US" altLang="ko-KR" dirty="0" err="1">
-                <a:solidFill>
-                  <a:srgbClr val="000000"/>
-                </a:solidFill>
-                <a:latin typeface="에스코어 드림 3 Light" panose="020B0303030302020204" pitchFamily="34" charset="-127"/>
-                <a:ea typeface="에스코어 드림 3 Light" panose="020B0303030302020204" pitchFamily="34" charset="-127"/>
-              </a:rPr>
-              <a:t>rcv</a:t>
-            </a:r>
-            <a:r>
-              <a:rPr lang="en-US" altLang="ko-KR" dirty="0">
-                <a:solidFill>
-                  <a:srgbClr val="000000"/>
-                </a:solidFill>
-                <a:latin typeface="에스코어 드림 3 Light" panose="020B0303030302020204" pitchFamily="34" charset="-127"/>
-                <a:ea typeface="에스코어 드림 3 Light" panose="020B0303030302020204" pitchFamily="34" charset="-127"/>
-              </a:rPr>
-              <a:t> rate </a:t>
-            </a:r>
-            <a:r>
-              <a:rPr lang="ko-KR" altLang="en-US" dirty="0">
-                <a:solidFill>
-                  <a:srgbClr val="000000"/>
-                </a:solidFill>
-                <a:latin typeface="에스코어 드림 3 Light" panose="020B0303030302020204" pitchFamily="34" charset="-127"/>
-                <a:ea typeface="에스코어 드림 3 Light" panose="020B0303030302020204" pitchFamily="34" charset="-127"/>
-              </a:rPr>
-              <a:t>항목을 통해 데이터 수집 확인</a:t>
-            </a:r>
-            <a:endParaRPr lang="en-US" altLang="ko-KR" dirty="0">
-              <a:solidFill>
-                <a:srgbClr val="000000"/>
-              </a:solidFill>
-              <a:latin typeface="에스코어 드림 3 Light" panose="020B0303030302020204" pitchFamily="34" charset="-127"/>
-              <a:ea typeface="에스코어 드림 3 Light" panose="020B0303030302020204" pitchFamily="34" charset="-127"/>
-            </a:endParaRPr>
-          </a:p>
-          <a:p>
-            <a:r>
-              <a:rPr lang="en-US" altLang="ko-Kore-KR" sz="1400" dirty="0">
-                <a:solidFill>
-                  <a:srgbClr val="000000"/>
-                </a:solidFill>
-                <a:latin typeface="에스코어 드림 3 Light" panose="020B0303030302020204" pitchFamily="34" charset="-127"/>
-                <a:ea typeface="에스코어 드림 3 Light" panose="020B0303030302020204" pitchFamily="34" charset="-127"/>
-              </a:rPr>
-              <a:t> </a:t>
-            </a:r>
-            <a:r>
-              <a:rPr lang="ko-KR" altLang="en-US" dirty="0">
-                <a:solidFill>
-                  <a:srgbClr val="000000"/>
-                </a:solidFill>
-                <a:latin typeface="에스코어 드림 3 Light" panose="020B0303030302020204" pitchFamily="34" charset="-127"/>
-                <a:ea typeface="에스코어 드림 3 Light" panose="020B0303030302020204" pitchFamily="34" charset="-127"/>
-              </a:rPr>
-              <a:t>데이터 수집 이상 시 </a:t>
-            </a:r>
-            <a:r>
-              <a:rPr lang="en-US" altLang="ko-KR" dirty="0">
-                <a:solidFill>
-                  <a:srgbClr val="000000"/>
-                </a:solidFill>
-                <a:latin typeface="에스코어 드림 3 Light" panose="020B0303030302020204" pitchFamily="34" charset="-127"/>
-                <a:ea typeface="에스코어 드림 3 Light" panose="020B0303030302020204" pitchFamily="34" charset="-127"/>
-              </a:rPr>
-              <a:t>OPCUA </a:t>
-            </a:r>
-            <a:r>
-              <a:rPr lang="ko-KR" altLang="en-US" dirty="0">
-                <a:solidFill>
-                  <a:srgbClr val="000000"/>
-                </a:solidFill>
-                <a:latin typeface="에스코어 드림 3 Light" panose="020B0303030302020204" pitchFamily="34" charset="-127"/>
-                <a:ea typeface="에스코어 드림 3 Light" panose="020B0303030302020204" pitchFamily="34" charset="-127"/>
-              </a:rPr>
-              <a:t>모듈 접속하여 서버 로그 확인</a:t>
-            </a:r>
-            <a:endParaRPr lang="en-US" altLang="ko-KR" dirty="0">
-              <a:solidFill>
-                <a:srgbClr val="000000"/>
-              </a:solidFill>
-              <a:latin typeface="에스코어 드림 3 Light" panose="020B0303030302020204" pitchFamily="34" charset="-127"/>
-              <a:ea typeface="에스코어 드림 3 Light" panose="020B0303030302020204" pitchFamily="34" charset="-127"/>
-            </a:endParaRPr>
-          </a:p>
-          <a:p>
-            <a:pPr marL="0" indent="0">
-              <a:buNone/>
-            </a:pPr>
-            <a:r>
-              <a:rPr lang="en" altLang="ko-Kore-KR" b="1" dirty="0">
-                <a:latin typeface="에스코어 드림 3 Light" panose="020B0303030302020204" pitchFamily="34" charset="-127"/>
-                <a:ea typeface="에스코어 드림 3 Light" panose="020B0303030302020204" pitchFamily="34" charset="-127"/>
-              </a:rPr>
-              <a:t> - </a:t>
-            </a:r>
-            <a:r>
-              <a:rPr lang="en" altLang="ko-Kore-KR" sz="1400" b="1" dirty="0">
-                <a:latin typeface="에스코어 드림 3 Light" panose="020B0303030302020204" pitchFamily="34" charset="-127"/>
-                <a:ea typeface="에스코어 드림 3 Light" panose="020B0303030302020204" pitchFamily="34" charset="-127"/>
-              </a:rPr>
-              <a:t> </a:t>
-            </a:r>
-            <a:r>
-              <a:rPr lang="en" altLang="ko-Kore-KR" sz="1400" b="1" dirty="0">
-                <a:solidFill>
-                  <a:srgbClr val="34BC26"/>
-                </a:solidFill>
-                <a:latin typeface="에스코어 드림 3 Light" panose="020B0303030302020204" pitchFamily="34" charset="-127"/>
-                <a:ea typeface="에스코어 드림 3 Light" panose="020B0303030302020204" pitchFamily="34" charset="-127"/>
-              </a:rPr>
-              <a:t>admin@gateway</a:t>
-            </a:r>
-            <a:r>
-              <a:rPr lang="en" altLang="ko-Kore-KR" sz="1400" dirty="0">
-                <a:solidFill>
-                  <a:srgbClr val="000000"/>
-                </a:solidFill>
-                <a:latin typeface="에스코어 드림 3 Light" panose="020B0303030302020204" pitchFamily="34" charset="-127"/>
-                <a:ea typeface="에스코어 드림 3 Light" panose="020B0303030302020204" pitchFamily="34" charset="-127"/>
-              </a:rPr>
-              <a:t>:</a:t>
-            </a:r>
-            <a:r>
-              <a:rPr lang="en" altLang="ko-Kore-KR" sz="1400" b="1" dirty="0">
-                <a:solidFill>
-                  <a:srgbClr val="5230E1"/>
-                </a:solidFill>
-                <a:latin typeface="에스코어 드림 3 Light" panose="020B0303030302020204" pitchFamily="34" charset="-127"/>
-                <a:ea typeface="에스코어 드림 3 Light" panose="020B0303030302020204" pitchFamily="34" charset="-127"/>
-              </a:rPr>
-              <a:t>~</a:t>
-            </a:r>
-            <a:r>
-              <a:rPr lang="en" altLang="ko-Kore-KR" sz="1400" dirty="0">
-                <a:solidFill>
-                  <a:srgbClr val="000000"/>
-                </a:solidFill>
-                <a:latin typeface="에스코어 드림 3 Light" panose="020B0303030302020204" pitchFamily="34" charset="-127"/>
-                <a:ea typeface="에스코어 드림 3 Light" panose="020B0303030302020204" pitchFamily="34" charset="-127"/>
-              </a:rPr>
-              <a:t>$ docker exec -it opcuaModule bash</a:t>
-            </a:r>
-          </a:p>
-          <a:p>
-            <a:pPr marL="0" indent="0">
-              <a:buNone/>
-            </a:pPr>
-            <a:r>
-              <a:rPr lang="en" altLang="ko-Kore-KR" sz="1400" dirty="0">
-                <a:solidFill>
-                  <a:srgbClr val="000000"/>
-                </a:solidFill>
-                <a:latin typeface="에스코어 드림 3 Light" panose="020B0303030302020204" pitchFamily="34" charset="-127"/>
-                <a:ea typeface="에스코어 드림 3 Light" panose="020B0303030302020204" pitchFamily="34" charset="-127"/>
-              </a:rPr>
-              <a:t> -  root@opcuamodule:~$ cd /workspace/aggr/build/log/</a:t>
-            </a:r>
-          </a:p>
-          <a:p>
-            <a:endParaRPr lang="en" altLang="ko-Kore-KR" sz="1400" dirty="0">
-              <a:solidFill>
-                <a:srgbClr val="000000"/>
-              </a:solidFill>
-              <a:latin typeface="에스코어 드림 3 Light" panose="020B0303030302020204" pitchFamily="34" charset="-127"/>
-              <a:ea typeface="에스코어 드림 3 Light" panose="020B0303030302020204" pitchFamily="34" charset="-127"/>
-            </a:endParaRPr>
-          </a:p>
-          <a:p>
-            <a:endParaRPr lang="en-US" altLang="ko-KR" dirty="0"/>
-          </a:p>
-          <a:p>
-            <a:endParaRPr lang="en-US" altLang="ko-KR" sz="1200" dirty="0">
-              <a:latin typeface="에스코어 드림 4 Regular" panose="020B0503030302020204" pitchFamily="34" charset="-127"/>
-              <a:ea typeface="에스코어 드림 4 Regular" panose="020B0503030302020204" pitchFamily="34" charset="-127"/>
-            </a:endParaRPr>
-          </a:p>
-          <a:p>
-            <a:pPr marL="742950" lvl="1" indent="-285750">
-              <a:buFontTx/>
-              <a:buChar char="-"/>
             </a:pPr>
             <a:endParaRPr lang="en-US" altLang="ko-KR" dirty="0"/>
           </a:p>
@@ -11102,601 +10443,15 @@
       </p:sp>
       <p:pic>
         <p:nvPicPr>
-          <p:cNvPr id="2050" name="Picture 2" descr="image">
+          <p:cNvPr id="3" name="그림 2" descr="텍스트, 스크린샷, 폰트, 번호이(가) 표시된 사진&#10;&#10;자동 생성된 설명">
             <a:extLst>
               <a:ext uri="{FF2B5EF4-FFF2-40B4-BE49-F238E27FC236}">
-                <a16:creationId xmlns:a16="http://schemas.microsoft.com/office/drawing/2014/main" id="{C678A406-1BBD-A7B2-48E5-065E265FB32E}"/>
-              </a:ext>
-            </a:extLst>
-          </p:cNvPr>
-          <p:cNvPicPr>
-            <a:picLocks noChangeAspect="1" noChangeArrowheads="1"/>
-          </p:cNvPicPr>
-          <p:nvPr/>
-        </p:nvPicPr>
-        <p:blipFill>
-          <a:blip r:embed="rId5">
-            <a:extLst>
-              <a:ext uri="{28A0092B-C50C-407E-A947-70E740481C1C}">
-                <a14:useLocalDpi xmlns:a14="http://schemas.microsoft.com/office/drawing/2010/main" val="0"/>
-              </a:ext>
-            </a:extLst>
-          </a:blip>
-          <a:srcRect/>
-          <a:stretch>
-            <a:fillRect/>
-          </a:stretch>
-        </p:blipFill>
-        <p:spPr bwMode="auto">
-          <a:xfrm>
-            <a:off x="730250" y="1455738"/>
-            <a:ext cx="8115300" cy="314325"/>
-          </a:xfrm>
-          <a:prstGeom prst="rect">
-            <a:avLst/>
-          </a:prstGeom>
-          <a:noFill/>
-          <a:extLst>
-            <a:ext uri="{909E8E84-426E-40DD-AFC4-6F175D3DCCD1}">
-              <a14:hiddenFill xmlns:a14="http://schemas.microsoft.com/office/drawing/2010/main">
-                <a:solidFill>
-                  <a:srgbClr val="FFFFFF"/>
-                </a:solidFill>
-              </a14:hiddenFill>
-            </a:ext>
-          </a:extLst>
-        </p:spPr>
-      </p:pic>
-      <p:pic>
-        <p:nvPicPr>
-          <p:cNvPr id="6" name="그림 5">
-            <a:extLst>
-              <a:ext uri="{FF2B5EF4-FFF2-40B4-BE49-F238E27FC236}">
-                <a16:creationId xmlns:a16="http://schemas.microsoft.com/office/drawing/2014/main" id="{6274379F-4DAF-FB6F-CC61-29E7E617A318}"/>
+                <a16:creationId xmlns:a16="http://schemas.microsoft.com/office/drawing/2014/main" id="{BD1FFA1F-D2EF-176F-845D-728BAF3F1509}"/>
               </a:ext>
             </a:extLst>
           </p:cNvPr>
           <p:cNvPicPr>
             <a:picLocks noChangeAspect="1"/>
-          </p:cNvPicPr>
-          <p:nvPr/>
-        </p:nvPicPr>
-        <p:blipFill>
-          <a:blip r:embed="rId6"/>
-          <a:stretch>
-            <a:fillRect/>
-          </a:stretch>
-        </p:blipFill>
-        <p:spPr>
-          <a:xfrm>
-            <a:off x="8901366" y="2933700"/>
-            <a:ext cx="2896004" cy="3315163"/>
-          </a:xfrm>
-          <a:prstGeom prst="rect">
-            <a:avLst/>
-          </a:prstGeom>
-          <a:ln>
-            <a:solidFill>
-              <a:schemeClr val="tx1"/>
-            </a:solidFill>
-          </a:ln>
-        </p:spPr>
-      </p:pic>
-      <p:pic>
-        <p:nvPicPr>
-          <p:cNvPr id="7" name="그림 6">
-            <a:extLst>
-              <a:ext uri="{FF2B5EF4-FFF2-40B4-BE49-F238E27FC236}">
-                <a16:creationId xmlns:a16="http://schemas.microsoft.com/office/drawing/2014/main" id="{1BB66BAC-054F-BA65-725E-DC6B9DB752D3}"/>
-              </a:ext>
-            </a:extLst>
-          </p:cNvPr>
-          <p:cNvPicPr>
-            <a:picLocks noChangeAspect="1"/>
-          </p:cNvPicPr>
-          <p:nvPr/>
-        </p:nvPicPr>
-        <p:blipFill>
-          <a:blip r:embed="rId7"/>
-          <a:stretch>
-            <a:fillRect/>
-          </a:stretch>
-        </p:blipFill>
-        <p:spPr>
-          <a:xfrm>
-            <a:off x="10255908" y="1187063"/>
-            <a:ext cx="1541462" cy="1500574"/>
-          </a:xfrm>
-          <a:prstGeom prst="rect">
-            <a:avLst/>
-          </a:prstGeom>
-          <a:ln>
-            <a:solidFill>
-              <a:schemeClr val="tx1"/>
-            </a:solidFill>
-          </a:ln>
-        </p:spPr>
-      </p:pic>
-    </p:spTree>
-    <p:extLst>
-      <p:ext uri="{BB962C8B-B14F-4D97-AF65-F5344CB8AC3E}">
-        <p14:creationId xmlns:p14="http://schemas.microsoft.com/office/powerpoint/2010/main" val="172815020"/>
-      </p:ext>
-    </p:extLst>
-  </p:cSld>
-  <p:clrMapOvr>
-    <a:masterClrMapping/>
-  </p:clrMapOvr>
-</p:sld>
-</file>
-
-<file path=ppt/slides/slide12.xml><?xml version="1.0" encoding="utf-8"?>
-<p:sld xmlns:a="http://schemas.openxmlformats.org/drawingml/2006/main" xmlns:r="http://schemas.openxmlformats.org/officeDocument/2006/relationships" xmlns:p="http://schemas.openxmlformats.org/presentationml/2006/main">
-  <p:cSld>
-    <p:spTree>
-      <p:nvGrpSpPr>
-        <p:cNvPr id="1" name=""/>
-        <p:cNvGrpSpPr/>
-        <p:nvPr/>
-      </p:nvGrpSpPr>
-      <p:grpSpPr>
-        <a:xfrm>
-          <a:off x="0" y="0"/>
-          <a:ext cx="0" cy="0"/>
-          <a:chOff x="0" y="0"/>
-          <a:chExt cx="0" cy="0"/>
-        </a:xfrm>
-      </p:grpSpPr>
-      <p:sp>
-        <p:nvSpPr>
-          <p:cNvPr id="5" name="TextBox 4">
-            <a:extLst>
-              <a:ext uri="{FF2B5EF4-FFF2-40B4-BE49-F238E27FC236}">
-                <a16:creationId xmlns:a16="http://schemas.microsoft.com/office/drawing/2014/main" id="{AEE86A50-5F8F-2B12-0C7C-1CBCC65F9913}"/>
-              </a:ext>
-            </a:extLst>
-          </p:cNvPr>
-          <p:cNvSpPr txBox="1"/>
-          <p:nvPr/>
-        </p:nvSpPr>
-        <p:spPr>
-          <a:xfrm>
-            <a:off x="387532" y="292038"/>
-            <a:ext cx="6165668" cy="400110"/>
-          </a:xfrm>
-          <a:prstGeom prst="rect">
-            <a:avLst/>
-          </a:prstGeom>
-          <a:noFill/>
-        </p:spPr>
-        <p:txBody>
-          <a:bodyPr wrap="square">
-            <a:spAutoFit/>
-          </a:bodyPr>
-          <a:lstStyle/>
-          <a:p>
-            <a:r>
-              <a:rPr kumimoji="1" lang="en-US" altLang="ko-KR" sz="2000" b="1" dirty="0">
-                <a:solidFill>
-                  <a:schemeClr val="bg1"/>
-                </a:solidFill>
-                <a:latin typeface="에스코어 드림 6 Bold" panose="020B0703030302020204" pitchFamily="34" charset="-127"/>
-                <a:ea typeface="에스코어 드림 6 Bold" panose="020B0703030302020204" pitchFamily="34" charset="-127"/>
-              </a:rPr>
-              <a:t>Operation Manual</a:t>
-            </a:r>
-            <a:endParaRPr lang="ko-KR" altLang="en-US" sz="2000" b="1" dirty="0">
-              <a:solidFill>
-                <a:schemeClr val="bg1"/>
-              </a:solidFill>
-              <a:latin typeface="에스코어 드림 6 Bold" panose="020B0703030302020204" pitchFamily="34" charset="-127"/>
-              <a:ea typeface="에스코어 드림 6 Bold" panose="020B0703030302020204" pitchFamily="34" charset="-127"/>
-            </a:endParaRPr>
-          </a:p>
-        </p:txBody>
-      </p:sp>
-      <p:sp>
-        <p:nvSpPr>
-          <p:cNvPr id="10" name="TextBox 9">
-            <a:extLst>
-              <a:ext uri="{FF2B5EF4-FFF2-40B4-BE49-F238E27FC236}">
-                <a16:creationId xmlns:a16="http://schemas.microsoft.com/office/drawing/2014/main" id="{AF7FFEEC-C37D-8319-6039-8462C607966D}"/>
-              </a:ext>
-            </a:extLst>
-          </p:cNvPr>
-          <p:cNvSpPr txBox="1"/>
-          <p:nvPr/>
-        </p:nvSpPr>
-        <p:spPr>
-          <a:xfrm>
-            <a:off x="400979" y="846886"/>
-            <a:ext cx="11402741" cy="3388043"/>
-          </a:xfrm>
-          <a:prstGeom prst="rect">
-            <a:avLst/>
-          </a:prstGeom>
-          <a:noFill/>
-        </p:spPr>
-        <p:txBody>
-          <a:bodyPr wrap="square">
-            <a:spAutoFit/>
-          </a:bodyPr>
-          <a:lstStyle>
-            <a:defPPr>
-              <a:defRPr lang="ko-KR"/>
-            </a:defPPr>
-            <a:lvl1pPr marL="66675" marR="0" lvl="0" indent="-66675" fontAlgn="auto">
-              <a:lnSpc>
-                <a:spcPts val="1750"/>
-              </a:lnSpc>
-              <a:spcBef>
-                <a:spcPts val="600"/>
-              </a:spcBef>
-              <a:spcAft>
-                <a:spcPts val="0"/>
-              </a:spcAft>
-              <a:buClrTx/>
-              <a:buSzTx/>
-              <a:buFont typeface="Wingdings" panose="05000000000000000000" pitchFamily="2" charset="2"/>
-              <a:buChar char="§"/>
-              <a:tabLst/>
-              <a:defRPr kumimoji="0" sz="1400" b="0" i="0" u="none" strike="noStrike" cap="none" spc="0" normalizeH="0" baseline="0">
-                <a:ln>
-                  <a:noFill/>
-                </a:ln>
-                <a:effectLst/>
-                <a:uLnTx/>
-                <a:uFillTx/>
-                <a:latin typeface="에스코어 드림 4 Regular" panose="020B0503030302020204" pitchFamily="34" charset="-127"/>
-                <a:ea typeface="에스코어 드림 4 Regular" panose="020B0503030302020204" pitchFamily="34" charset="-127"/>
-              </a:defRPr>
-            </a:lvl1pPr>
-          </a:lstStyle>
-          <a:p>
-            <a:r>
-              <a:rPr lang="en-US" altLang="ko-KR" dirty="0"/>
-              <a:t> copyFromOPC.sh </a:t>
-            </a:r>
-            <a:r>
-              <a:rPr lang="ko-KR" altLang="en-US" dirty="0"/>
-              <a:t>파일을 이용해 </a:t>
-            </a:r>
-            <a:r>
-              <a:rPr lang="en-US" altLang="ko-KR" dirty="0" err="1"/>
-              <a:t>opcuaModule</a:t>
-            </a:r>
-            <a:r>
-              <a:rPr lang="en-US" altLang="ko-KR" dirty="0"/>
-              <a:t> </a:t>
-            </a:r>
-            <a:r>
-              <a:rPr lang="ko-KR" altLang="en-US" dirty="0"/>
-              <a:t>내 </a:t>
-            </a:r>
-            <a:r>
-              <a:rPr lang="en-US" altLang="ko-KR" dirty="0" err="1"/>
-              <a:t>syscfg.json</a:t>
-            </a:r>
-            <a:r>
-              <a:rPr lang="en-US" altLang="ko-KR" dirty="0"/>
-              <a:t>, nodeset.xml, engineering.csv </a:t>
-            </a:r>
-            <a:r>
-              <a:rPr lang="ko-KR" altLang="en-US" dirty="0"/>
-              <a:t>파일을 홈 디렉토리에 복사</a:t>
-            </a:r>
-            <a:endParaRPr lang="en-US" altLang="ko-KR" dirty="0"/>
-          </a:p>
-          <a:p>
-            <a:endParaRPr lang="en-US" altLang="ko-KR" dirty="0"/>
-          </a:p>
-          <a:p>
-            <a:endParaRPr lang="en-US" altLang="ko-KR" dirty="0"/>
-          </a:p>
-          <a:p>
-            <a:endParaRPr lang="en-US" altLang="ko-KR" dirty="0"/>
-          </a:p>
-          <a:p>
-            <a:endParaRPr lang="en-US" altLang="ko-KR" dirty="0"/>
-          </a:p>
-          <a:p>
-            <a:r>
-              <a:rPr lang="en-US" altLang="ko-KR" dirty="0"/>
-              <a:t> Web</a:t>
-            </a:r>
-            <a:r>
-              <a:rPr lang="ko-KR" altLang="en-US" dirty="0"/>
-              <a:t> 인터페이스 정상 실행이 되지 않으면 </a:t>
-            </a:r>
-            <a:r>
-              <a:rPr lang="en-US" altLang="ko-KR" dirty="0"/>
-              <a:t>auxiliaryInstall.sh </a:t>
-            </a:r>
-            <a:r>
-              <a:rPr lang="ko-KR" altLang="en-US" dirty="0"/>
-              <a:t>실행 후 서비스 재실행</a:t>
-            </a:r>
-            <a:endParaRPr lang="en-US" altLang="ko-KR" dirty="0"/>
-          </a:p>
-          <a:p>
-            <a:pPr marL="0" indent="0">
-              <a:buNone/>
-            </a:pPr>
-            <a:r>
-              <a:rPr lang="en" altLang="ko-Kore-KR" b="1" dirty="0">
-                <a:latin typeface="에스코어 드림 3 Light" panose="020B0303030302020204" pitchFamily="34" charset="-127"/>
-                <a:ea typeface="에스코어 드림 3 Light" panose="020B0303030302020204" pitchFamily="34" charset="-127"/>
-              </a:rPr>
-              <a:t>  - </a:t>
-            </a:r>
-            <a:r>
-              <a:rPr lang="en" altLang="ko-Kore-KR" sz="1400" b="1" dirty="0">
-                <a:latin typeface="에스코어 드림 3 Light" panose="020B0303030302020204" pitchFamily="34" charset="-127"/>
-                <a:ea typeface="에스코어 드림 3 Light" panose="020B0303030302020204" pitchFamily="34" charset="-127"/>
-              </a:rPr>
-              <a:t> </a:t>
-            </a:r>
-            <a:r>
-              <a:rPr lang="en" altLang="ko-Kore-KR" sz="1400" b="1" dirty="0">
-                <a:solidFill>
-                  <a:srgbClr val="34BC26"/>
-                </a:solidFill>
-                <a:latin typeface="에스코어 드림 3 Light" panose="020B0303030302020204" pitchFamily="34" charset="-127"/>
-                <a:ea typeface="에스코어 드림 3 Light" panose="020B0303030302020204" pitchFamily="34" charset="-127"/>
-              </a:rPr>
-              <a:t>admin@gateway</a:t>
-            </a:r>
-            <a:r>
-              <a:rPr lang="en" altLang="ko-Kore-KR" sz="1400" dirty="0">
-                <a:solidFill>
-                  <a:srgbClr val="000000"/>
-                </a:solidFill>
-                <a:latin typeface="에스코어 드림 3 Light" panose="020B0303030302020204" pitchFamily="34" charset="-127"/>
-                <a:ea typeface="에스코어 드림 3 Light" panose="020B0303030302020204" pitchFamily="34" charset="-127"/>
-              </a:rPr>
-              <a:t>:</a:t>
-            </a:r>
-            <a:r>
-              <a:rPr lang="en" altLang="ko-Kore-KR" sz="1400" b="1" dirty="0">
-                <a:solidFill>
-                  <a:srgbClr val="5230E1"/>
-                </a:solidFill>
-                <a:latin typeface="에스코어 드림 3 Light" panose="020B0303030302020204" pitchFamily="34" charset="-127"/>
-                <a:ea typeface="에스코어 드림 3 Light" panose="020B0303030302020204" pitchFamily="34" charset="-127"/>
-              </a:rPr>
-              <a:t>~</a:t>
-            </a:r>
-            <a:r>
-              <a:rPr lang="en" altLang="ko-Kore-KR" sz="1400" dirty="0">
-                <a:solidFill>
-                  <a:srgbClr val="000000"/>
-                </a:solidFill>
-                <a:latin typeface="에스코어 드림 3 Light" panose="020B0303030302020204" pitchFamily="34" charset="-127"/>
-                <a:ea typeface="에스코어 드림 3 Light" panose="020B0303030302020204" pitchFamily="34" charset="-127"/>
-              </a:rPr>
-              <a:t>$ ./</a:t>
-            </a:r>
-            <a:r>
-              <a:rPr lang="en-US" altLang="ko-Kore-KR" dirty="0">
-                <a:solidFill>
-                  <a:srgbClr val="000000"/>
-                </a:solidFill>
-                <a:latin typeface="에스코어 드림 3 Light" panose="020B0303030302020204" pitchFamily="34" charset="-127"/>
-                <a:ea typeface="에스코어 드림 3 Light" panose="020B0303030302020204" pitchFamily="34" charset="-127"/>
-              </a:rPr>
-              <a:t>auxiliaryInstall.sh</a:t>
-            </a:r>
-          </a:p>
-          <a:p>
-            <a:pPr marL="0" indent="0">
-              <a:buNone/>
-            </a:pPr>
-            <a:r>
-              <a:rPr lang="en" altLang="ko-Kore-KR" b="1" dirty="0">
-                <a:latin typeface="에스코어 드림 3 Light" panose="020B0303030302020204" pitchFamily="34" charset="-127"/>
-                <a:ea typeface="에스코어 드림 3 Light" panose="020B0303030302020204" pitchFamily="34" charset="-127"/>
-              </a:rPr>
-              <a:t>  - </a:t>
-            </a:r>
-            <a:r>
-              <a:rPr lang="en" altLang="ko-Kore-KR" sz="1100" b="1" dirty="0">
-                <a:latin typeface="에스코어 드림 3 Light" panose="020B0303030302020204" pitchFamily="34" charset="-127"/>
-                <a:ea typeface="에스코어 드림 3 Light" panose="020B0303030302020204" pitchFamily="34" charset="-127"/>
-              </a:rPr>
-              <a:t> </a:t>
-            </a:r>
-            <a:r>
-              <a:rPr lang="en" altLang="ko-Kore-KR" b="1" dirty="0">
-                <a:solidFill>
-                  <a:srgbClr val="34BC26"/>
-                </a:solidFill>
-                <a:latin typeface="에스코어 드림 3 Light" panose="020B0303030302020204" pitchFamily="34" charset="-127"/>
-                <a:ea typeface="에스코어 드림 3 Light" panose="020B0303030302020204" pitchFamily="34" charset="-127"/>
-              </a:rPr>
-              <a:t>admin@gateway</a:t>
-            </a:r>
-            <a:r>
-              <a:rPr lang="en" altLang="ko-Kore-KR" dirty="0">
-                <a:solidFill>
-                  <a:srgbClr val="000000"/>
-                </a:solidFill>
-                <a:latin typeface="에스코어 드림 3 Light" panose="020B0303030302020204" pitchFamily="34" charset="-127"/>
-                <a:ea typeface="에스코어 드림 3 Light" panose="020B0303030302020204" pitchFamily="34" charset="-127"/>
-              </a:rPr>
-              <a:t>:</a:t>
-            </a:r>
-            <a:r>
-              <a:rPr lang="en" altLang="ko-Kore-KR" b="1" dirty="0">
-                <a:solidFill>
-                  <a:srgbClr val="5230E1"/>
-                </a:solidFill>
-                <a:latin typeface="에스코어 드림 3 Light" panose="020B0303030302020204" pitchFamily="34" charset="-127"/>
-                <a:ea typeface="에스코어 드림 3 Light" panose="020B0303030302020204" pitchFamily="34" charset="-127"/>
-              </a:rPr>
-              <a:t>~</a:t>
-            </a:r>
-            <a:r>
-              <a:rPr lang="en" altLang="ko-Kore-KR" dirty="0">
-                <a:solidFill>
-                  <a:srgbClr val="000000"/>
-                </a:solidFill>
-                <a:latin typeface="에스코어 드림 3 Light" panose="020B0303030302020204" pitchFamily="34" charset="-127"/>
-                <a:ea typeface="에스코어 드림 3 Light" panose="020B0303030302020204" pitchFamily="34" charset="-127"/>
-              </a:rPr>
-              <a:t>$ </a:t>
-            </a:r>
-            <a:r>
-              <a:rPr lang="en-US" altLang="ko-Kore-KR" dirty="0" err="1">
-                <a:solidFill>
-                  <a:srgbClr val="000000"/>
-                </a:solidFill>
-                <a:latin typeface="에스코어 드림 3 Light" panose="020B0303030302020204" pitchFamily="34" charset="-127"/>
-                <a:ea typeface="에스코어 드림 3 Light" panose="020B0303030302020204" pitchFamily="34" charset="-127"/>
-              </a:rPr>
-              <a:t>sudo</a:t>
-            </a:r>
-            <a:r>
-              <a:rPr lang="en-US" altLang="ko-Kore-KR" dirty="0">
-                <a:solidFill>
-                  <a:srgbClr val="000000"/>
-                </a:solidFill>
-                <a:latin typeface="에스코어 드림 3 Light" panose="020B0303030302020204" pitchFamily="34" charset="-127"/>
-                <a:ea typeface="에스코어 드림 3 Light" panose="020B0303030302020204" pitchFamily="34" charset="-127"/>
-              </a:rPr>
-              <a:t> </a:t>
-            </a:r>
-            <a:r>
-              <a:rPr lang="en-US" altLang="ko-Kore-KR" dirty="0" err="1">
-                <a:solidFill>
-                  <a:srgbClr val="000000"/>
-                </a:solidFill>
-                <a:latin typeface="에스코어 드림 3 Light" panose="020B0303030302020204" pitchFamily="34" charset="-127"/>
-                <a:ea typeface="에스코어 드림 3 Light" panose="020B0303030302020204" pitchFamily="34" charset="-127"/>
-              </a:rPr>
-              <a:t>systemctl</a:t>
-            </a:r>
-            <a:r>
-              <a:rPr lang="en-US" altLang="ko-Kore-KR" dirty="0">
-                <a:solidFill>
-                  <a:srgbClr val="000000"/>
-                </a:solidFill>
-                <a:latin typeface="에스코어 드림 3 Light" panose="020B0303030302020204" pitchFamily="34" charset="-127"/>
-                <a:ea typeface="에스코어 드림 3 Light" panose="020B0303030302020204" pitchFamily="34" charset="-127"/>
-              </a:rPr>
-              <a:t> restart </a:t>
-            </a:r>
-            <a:r>
-              <a:rPr lang="en-US" altLang="ko-Kore-KR" dirty="0" err="1">
-                <a:solidFill>
-                  <a:srgbClr val="000000"/>
-                </a:solidFill>
-                <a:latin typeface="에스코어 드림 3 Light" panose="020B0303030302020204" pitchFamily="34" charset="-127"/>
-                <a:ea typeface="에스코어 드림 3 Light" panose="020B0303030302020204" pitchFamily="34" charset="-127"/>
-              </a:rPr>
-              <a:t>gatewayWeb.service</a:t>
-            </a:r>
-            <a:endParaRPr lang="en-US" altLang="ko-Kore-KR" dirty="0">
-              <a:solidFill>
-                <a:srgbClr val="000000"/>
-              </a:solidFill>
-              <a:latin typeface="에스코어 드림 3 Light" panose="020B0303030302020204" pitchFamily="34" charset="-127"/>
-              <a:ea typeface="에스코어 드림 3 Light" panose="020B0303030302020204" pitchFamily="34" charset="-127"/>
-            </a:endParaRPr>
-          </a:p>
-          <a:p>
-            <a:r>
-              <a:rPr lang="en-US" altLang="ko-Kore-KR" dirty="0">
-                <a:solidFill>
-                  <a:srgbClr val="000000"/>
-                </a:solidFill>
-                <a:latin typeface="에스코어 드림 3 Light" panose="020B0303030302020204" pitchFamily="34" charset="-127"/>
-                <a:ea typeface="에스코어 드림 3 Light" panose="020B0303030302020204" pitchFamily="34" charset="-127"/>
-              </a:rPr>
-              <a:t> </a:t>
-            </a:r>
-            <a:r>
-              <a:rPr lang="ko-KR" altLang="en-US" dirty="0">
-                <a:solidFill>
-                  <a:srgbClr val="000000"/>
-                </a:solidFill>
-                <a:latin typeface="에스코어 드림 3 Light" panose="020B0303030302020204" pitchFamily="34" charset="-127"/>
-                <a:ea typeface="에스코어 드림 3 Light" panose="020B0303030302020204" pitchFamily="34" charset="-127"/>
-              </a:rPr>
-              <a:t>필요 시 </a:t>
-            </a:r>
-            <a:r>
-              <a:rPr lang="en-US" altLang="ko-Kore-KR" dirty="0">
-                <a:solidFill>
-                  <a:srgbClr val="000000"/>
-                </a:solidFill>
-                <a:latin typeface="에스코어 드림 3 Light" panose="020B0303030302020204" pitchFamily="34" charset="-127"/>
-                <a:ea typeface="에스코어 드림 3 Light" panose="020B0303030302020204" pitchFamily="34" charset="-127"/>
-              </a:rPr>
-              <a:t>Web </a:t>
-            </a:r>
-            <a:r>
-              <a:rPr lang="ko-KR" altLang="en-US" dirty="0">
-                <a:solidFill>
-                  <a:srgbClr val="000000"/>
-                </a:solidFill>
-                <a:latin typeface="에스코어 드림 3 Light" panose="020B0303030302020204" pitchFamily="34" charset="-127"/>
-                <a:ea typeface="에스코어 드림 3 Light" panose="020B0303030302020204" pitchFamily="34" charset="-127"/>
-              </a:rPr>
-              <a:t>인터페이스</a:t>
-            </a:r>
-            <a:r>
-              <a:rPr lang="en-US" altLang="ko-Kore-KR" dirty="0">
-                <a:solidFill>
-                  <a:srgbClr val="000000"/>
-                </a:solidFill>
-                <a:latin typeface="에스코어 드림 3 Light" panose="020B0303030302020204" pitchFamily="34" charset="-127"/>
-                <a:ea typeface="에스코어 드림 3 Light" panose="020B0303030302020204" pitchFamily="34" charset="-127"/>
-              </a:rPr>
-              <a:t> </a:t>
-            </a:r>
-            <a:r>
-              <a:rPr lang="ko-KR" altLang="en-US" dirty="0">
-                <a:solidFill>
-                  <a:srgbClr val="000000"/>
-                </a:solidFill>
-                <a:latin typeface="에스코어 드림 3 Light" panose="020B0303030302020204" pitchFamily="34" charset="-127"/>
-                <a:ea typeface="에스코어 드림 3 Light" panose="020B0303030302020204" pitchFamily="34" charset="-127"/>
-              </a:rPr>
-              <a:t>초기화 버튼을 통해 설정 및 동작 초기화</a:t>
-            </a:r>
-            <a:endParaRPr lang="en-US" altLang="ko-Kore-KR" dirty="0">
-              <a:solidFill>
-                <a:srgbClr val="000000"/>
-              </a:solidFill>
-              <a:latin typeface="에스코어 드림 3 Light" panose="020B0303030302020204" pitchFamily="34" charset="-127"/>
-              <a:ea typeface="에스코어 드림 3 Light" panose="020B0303030302020204" pitchFamily="34" charset="-127"/>
-            </a:endParaRPr>
-          </a:p>
-          <a:p>
-            <a:pPr marL="0" indent="0">
-              <a:buNone/>
-            </a:pPr>
-            <a:endParaRPr lang="en-US" altLang="ko-KR" dirty="0"/>
-          </a:p>
-          <a:p>
-            <a:pPr marL="0" indent="0">
-              <a:buNone/>
-            </a:pPr>
-            <a:endParaRPr lang="en-US" altLang="ko-KR" dirty="0"/>
-          </a:p>
-        </p:txBody>
-      </p:sp>
-      <p:pic>
-        <p:nvPicPr>
-          <p:cNvPr id="3074" name="Picture 2" descr="image">
-            <a:extLst>
-              <a:ext uri="{FF2B5EF4-FFF2-40B4-BE49-F238E27FC236}">
-                <a16:creationId xmlns:a16="http://schemas.microsoft.com/office/drawing/2014/main" id="{77F7CCFD-E2E9-F0A5-0664-EAD4F84B2485}"/>
-              </a:ext>
-            </a:extLst>
-          </p:cNvPr>
-          <p:cNvPicPr>
-            <a:picLocks noChangeAspect="1" noChangeArrowheads="1"/>
           </p:cNvPicPr>
           <p:nvPr/>
         </p:nvPicPr>
@@ -11708,83 +10463,124 @@
               </a:ext>
             </a:extLst>
           </a:blip>
-          <a:srcRect/>
           <a:stretch>
             <a:fillRect/>
           </a:stretch>
         </p:blipFill>
-        <p:spPr bwMode="auto">
+        <p:spPr>
           <a:xfrm>
-            <a:off x="609600" y="1165125"/>
-            <a:ext cx="3505200" cy="895350"/>
+            <a:off x="2611678" y="2618038"/>
+            <a:ext cx="6056334" cy="4069907"/>
+          </a:xfrm>
+          <a:prstGeom prst="rect">
+            <a:avLst/>
+          </a:prstGeom>
+        </p:spPr>
+      </p:pic>
+      <p:sp>
+        <p:nvSpPr>
+          <p:cNvPr id="4" name="직사각형 3">
+            <a:extLst>
+              <a:ext uri="{FF2B5EF4-FFF2-40B4-BE49-F238E27FC236}">
+                <a16:creationId xmlns:a16="http://schemas.microsoft.com/office/drawing/2014/main" id="{B15A828C-2D0D-D21D-6F03-90BDBAE75BE2}"/>
+              </a:ext>
+            </a:extLst>
+          </p:cNvPr>
+          <p:cNvSpPr/>
+          <p:nvPr/>
+        </p:nvSpPr>
+        <p:spPr>
+          <a:xfrm>
+            <a:off x="8211256" y="3797810"/>
+            <a:ext cx="262602" cy="150313"/>
           </a:xfrm>
           <a:prstGeom prst="rect">
             <a:avLst/>
           </a:prstGeom>
           <a:noFill/>
-          <a:extLst>
-            <a:ext uri="{909E8E84-426E-40DD-AFC4-6F175D3DCCD1}">
-              <a14:hiddenFill xmlns:a14="http://schemas.microsoft.com/office/drawing/2010/main">
-                <a:solidFill>
-                  <a:srgbClr val="FFFFFF"/>
-                </a:solidFill>
-              </a14:hiddenFill>
-            </a:ext>
-          </a:extLst>
+          <a:ln w="19050">
+            <a:solidFill>
+              <a:srgbClr val="FF0000"/>
+            </a:solidFill>
+          </a:ln>
         </p:spPr>
-      </p:pic>
-      <p:pic>
-        <p:nvPicPr>
-          <p:cNvPr id="3076" name="Picture 4" descr="image">
+        <p:style>
+          <a:lnRef idx="2">
+            <a:schemeClr val="accent1">
+              <a:shade val="15000"/>
+            </a:schemeClr>
+          </a:lnRef>
+          <a:fillRef idx="1">
+            <a:schemeClr val="accent1"/>
+          </a:fillRef>
+          <a:effectRef idx="0">
+            <a:schemeClr val="accent1"/>
+          </a:effectRef>
+          <a:fontRef idx="minor">
+            <a:schemeClr val="lt1"/>
+          </a:fontRef>
+        </p:style>
+        <p:txBody>
+          <a:bodyPr rtlCol="0" anchor="ctr"/>
+          <a:lstStyle/>
+          <a:p>
+            <a:pPr algn="ctr"/>
+            <a:endParaRPr lang="ko-KR" altLang="en-US"/>
+          </a:p>
+        </p:txBody>
+      </p:sp>
+      <p:sp>
+        <p:nvSpPr>
+          <p:cNvPr id="6" name="직사각형 5">
             <a:extLst>
               <a:ext uri="{FF2B5EF4-FFF2-40B4-BE49-F238E27FC236}">
-                <a16:creationId xmlns:a16="http://schemas.microsoft.com/office/drawing/2014/main" id="{43E61C9D-6C78-7EA7-3774-CD1CB7F7D94D}"/>
+                <a16:creationId xmlns:a16="http://schemas.microsoft.com/office/drawing/2014/main" id="{50FE94A9-70B7-5D2A-C3BE-513BB5BF1AD9}"/>
               </a:ext>
             </a:extLst>
           </p:cNvPr>
-          <p:cNvPicPr>
-            <a:picLocks noChangeAspect="1" noChangeArrowheads="1"/>
-          </p:cNvPicPr>
+          <p:cNvSpPr/>
           <p:nvPr/>
-        </p:nvPicPr>
-        <p:blipFill>
-          <a:blip r:embed="rId4">
-            <a:extLst>
-              <a:ext uri="{28A0092B-C50C-407E-A947-70E740481C1C}">
-                <a14:useLocalDpi xmlns:a14="http://schemas.microsoft.com/office/drawing/2010/main" val="0"/>
-              </a:ext>
-            </a:extLst>
-          </a:blip>
-          <a:srcRect/>
-          <a:stretch>
-            <a:fillRect/>
-          </a:stretch>
-        </p:blipFill>
-        <p:spPr bwMode="auto">
+        </p:nvSpPr>
+        <p:spPr>
           <a:xfrm>
-            <a:off x="609600" y="3752329"/>
-            <a:ext cx="5473700" cy="2444919"/>
+            <a:off x="3296045" y="3685766"/>
+            <a:ext cx="848354" cy="336824"/>
           </a:xfrm>
           <a:prstGeom prst="rect">
             <a:avLst/>
           </a:prstGeom>
-          <a:noFill/>
+          <a:solidFill>
+            <a:schemeClr val="bg1"/>
+          </a:solidFill>
           <a:ln>
-            <a:solidFill>
-              <a:schemeClr val="tx1"/>
-            </a:solidFill>
+            <a:noFill/>
           </a:ln>
-          <a:extLst>
-            <a:ext uri="{909E8E84-426E-40DD-AFC4-6F175D3DCCD1}">
-              <a14:hiddenFill xmlns:a14="http://schemas.microsoft.com/office/drawing/2010/main">
-                <a:solidFill>
-                  <a:srgbClr val="FFFFFF"/>
-                </a:solidFill>
-              </a14:hiddenFill>
-            </a:ext>
-          </a:extLst>
         </p:spPr>
-      </p:pic>
+        <p:style>
+          <a:lnRef idx="2">
+            <a:schemeClr val="accent1">
+              <a:shade val="15000"/>
+            </a:schemeClr>
+          </a:lnRef>
+          <a:fillRef idx="1">
+            <a:schemeClr val="accent1"/>
+          </a:fillRef>
+          <a:effectRef idx="0">
+            <a:schemeClr val="accent1"/>
+          </a:effectRef>
+          <a:fontRef idx="minor">
+            <a:schemeClr val="lt1"/>
+          </a:fontRef>
+        </p:style>
+        <p:txBody>
+          <a:bodyPr rtlCol="0" anchor="ctr"/>
+          <a:lstStyle/>
+          <a:p>
+            <a:pPr algn="ctr"/>
+            <a:endParaRPr lang="ko-KR" altLang="en-US"/>
+          </a:p>
+        </p:txBody>
+      </p:sp>
     </p:spTree>
     <p:extLst>
       <p:ext uri="{BB962C8B-B14F-4D97-AF65-F5344CB8AC3E}">
@@ -12245,330 +11041,6 @@
           <a:chExt cx="0" cy="0"/>
         </a:xfrm>
       </p:grpSpPr>
-      <p:grpSp>
-        <p:nvGrpSpPr>
-          <p:cNvPr id="9" name="그룹 8">
-            <a:extLst>
-              <a:ext uri="{FF2B5EF4-FFF2-40B4-BE49-F238E27FC236}">
-                <a16:creationId xmlns:a16="http://schemas.microsoft.com/office/drawing/2014/main" id="{7327504C-30A0-5CFA-0AEB-48FD8E1A6877}"/>
-              </a:ext>
-            </a:extLst>
-          </p:cNvPr>
-          <p:cNvGrpSpPr/>
-          <p:nvPr/>
-        </p:nvGrpSpPr>
-        <p:grpSpPr>
-          <a:xfrm>
-            <a:off x="4347366" y="5763105"/>
-            <a:ext cx="3404067" cy="732528"/>
-            <a:chOff x="4347366" y="5763105"/>
-            <a:chExt cx="3404067" cy="732528"/>
-          </a:xfrm>
-        </p:grpSpPr>
-        <p:pic>
-          <p:nvPicPr>
-            <p:cNvPr id="4" name="그림 3" descr="텍스트, 표지판이(가) 표시된 사진&#10;&#10;자동 생성된 설명">
-              <a:extLst>
-                <a:ext uri="{FF2B5EF4-FFF2-40B4-BE49-F238E27FC236}">
-                  <a16:creationId xmlns:a16="http://schemas.microsoft.com/office/drawing/2014/main" id="{023F7C91-A0F2-CD06-F4DB-98081DC9910A}"/>
-                </a:ext>
-              </a:extLst>
-            </p:cNvPr>
-            <p:cNvPicPr>
-              <a:picLocks noChangeAspect="1"/>
-            </p:cNvPicPr>
-            <p:nvPr/>
-          </p:nvPicPr>
-          <p:blipFill rotWithShape="1">
-            <a:blip r:embed="rId2" cstate="print">
-              <a:extLst>
-                <a:ext uri="{28A0092B-C50C-407E-A947-70E740481C1C}">
-                  <a14:useLocalDpi xmlns:a14="http://schemas.microsoft.com/office/drawing/2010/main" val="0"/>
-                </a:ext>
-              </a:extLst>
-            </a:blip>
-            <a:srcRect l="-1" r="-4713"/>
-            <a:stretch/>
-          </p:blipFill>
-          <p:spPr>
-            <a:xfrm>
-              <a:off x="4347366" y="5763105"/>
-              <a:ext cx="2120745" cy="685486"/>
-            </a:xfrm>
-            <a:prstGeom prst="rect">
-              <a:avLst/>
-            </a:prstGeom>
-          </p:spPr>
-        </p:pic>
-        <p:sp>
-          <p:nvSpPr>
-            <p:cNvPr id="5" name="제목 1">
-              <a:extLst>
-                <a:ext uri="{FF2B5EF4-FFF2-40B4-BE49-F238E27FC236}">
-                  <a16:creationId xmlns:a16="http://schemas.microsoft.com/office/drawing/2014/main" id="{A104D384-5925-8342-2C06-AFFEF63A812B}"/>
-                </a:ext>
-              </a:extLst>
-            </p:cNvPr>
-            <p:cNvSpPr txBox="1">
-              <a:spLocks/>
-            </p:cNvSpPr>
-            <p:nvPr/>
-          </p:nvSpPr>
-          <p:spPr>
-            <a:xfrm>
-              <a:off x="6060077" y="6048958"/>
-              <a:ext cx="1691356" cy="446675"/>
-            </a:xfrm>
-            <a:prstGeom prst="rect">
-              <a:avLst/>
-            </a:prstGeom>
-            <a:effectLst/>
-          </p:spPr>
-          <p:txBody>
-            <a:bodyPr anchor="ctr"/>
-            <a:lstStyle>
-              <a:lvl1pPr algn="l" defTabSz="914400" rtl="0" eaLnBrk="1" latinLnBrk="1" hangingPunct="1">
-                <a:spcBef>
-                  <a:spcPct val="0"/>
-                </a:spcBef>
-                <a:buNone/>
-                <a:defRPr sz="2800" kern="1200">
-                  <a:solidFill>
-                    <a:schemeClr val="accent1"/>
-                  </a:solidFill>
-                  <a:effectLst/>
-                  <a:latin typeface="빛고을광주_Bold" panose="02020603020101020101" pitchFamily="18" charset="-127"/>
-                  <a:ea typeface="빛고을광주_Bold" panose="02020603020101020101" pitchFamily="18" charset="-127"/>
-                  <a:cs typeface="+mj-cs"/>
-                </a:defRPr>
-              </a:lvl1pPr>
-            </a:lstStyle>
-            <a:p>
-              <a:pPr algn="ctr"/>
-              <a:r>
-                <a:rPr lang="ko-KR" altLang="en-US" sz="1200" dirty="0" err="1">
-                  <a:solidFill>
-                    <a:schemeClr val="tx1">
-                      <a:lumMod val="50000"/>
-                      <a:lumOff val="50000"/>
-                    </a:schemeClr>
-                  </a:solidFill>
-                  <a:latin typeface="에스코어 드림 5 Medium" panose="020B0503030302020204" pitchFamily="34" charset="-127"/>
-                  <a:ea typeface="에스코어 드림 5 Medium" panose="020B0503030302020204" pitchFamily="34" charset="-127"/>
-                </a:rPr>
-                <a:t>네스트필드</a:t>
-              </a:r>
-              <a:r>
-                <a:rPr lang="ko-KR" altLang="en-US" sz="1200" dirty="0">
-                  <a:solidFill>
-                    <a:schemeClr val="tx1">
-                      <a:lumMod val="50000"/>
-                      <a:lumOff val="50000"/>
-                    </a:schemeClr>
-                  </a:solidFill>
-                  <a:latin typeface="에스코어 드림 5 Medium" panose="020B0503030302020204" pitchFamily="34" charset="-127"/>
-                  <a:ea typeface="에스코어 드림 5 Medium" panose="020B0503030302020204" pitchFamily="34" charset="-127"/>
-                </a:rPr>
-                <a:t>㈜</a:t>
-              </a:r>
-              <a:endParaRPr lang="en-US" altLang="ko-KR" sz="1200" dirty="0">
-                <a:solidFill>
-                  <a:schemeClr val="tx1">
-                    <a:lumMod val="50000"/>
-                    <a:lumOff val="50000"/>
-                  </a:schemeClr>
-                </a:solidFill>
-                <a:latin typeface="에스코어 드림 5 Medium" panose="020B0503030302020204" pitchFamily="34" charset="-127"/>
-                <a:ea typeface="에스코어 드림 5 Medium" panose="020B0503030302020204" pitchFamily="34" charset="-127"/>
-              </a:endParaRPr>
-            </a:p>
-          </p:txBody>
-        </p:sp>
-      </p:grpSp>
-      <p:pic>
-        <p:nvPicPr>
-          <p:cNvPr id="6" name="그림 5">
-            <a:extLst>
-              <a:ext uri="{FF2B5EF4-FFF2-40B4-BE49-F238E27FC236}">
-                <a16:creationId xmlns:a16="http://schemas.microsoft.com/office/drawing/2014/main" id="{443E1DEC-7654-E3A8-2202-12BDDC08E606}"/>
-              </a:ext>
-            </a:extLst>
-          </p:cNvPr>
-          <p:cNvPicPr>
-            <a:picLocks noChangeAspect="1"/>
-          </p:cNvPicPr>
-          <p:nvPr/>
-        </p:nvPicPr>
-        <p:blipFill rotWithShape="1">
-          <a:blip r:embed="rId3">
-            <a:extLst>
-              <a:ext uri="{28A0092B-C50C-407E-A947-70E740481C1C}">
-                <a14:useLocalDpi xmlns:a14="http://schemas.microsoft.com/office/drawing/2010/main" val="0"/>
-              </a:ext>
-            </a:extLst>
-          </a:blip>
-          <a:srcRect b="21760"/>
-          <a:stretch/>
-        </p:blipFill>
-        <p:spPr>
-          <a:xfrm>
-            <a:off x="12700" y="6350"/>
-            <a:ext cx="12166600" cy="5355769"/>
-          </a:xfrm>
-          <a:prstGeom prst="rect">
-            <a:avLst/>
-          </a:prstGeom>
-        </p:spPr>
-      </p:pic>
-      <p:sp>
-        <p:nvSpPr>
-          <p:cNvPr id="7" name="제목 1">
-            <a:extLst>
-              <a:ext uri="{FF2B5EF4-FFF2-40B4-BE49-F238E27FC236}">
-                <a16:creationId xmlns:a16="http://schemas.microsoft.com/office/drawing/2014/main" id="{0868739D-7F30-8ABF-EA9C-698E9E6777BD}"/>
-              </a:ext>
-            </a:extLst>
-          </p:cNvPr>
-          <p:cNvSpPr txBox="1">
-            <a:spLocks/>
-          </p:cNvSpPr>
-          <p:nvPr/>
-        </p:nvSpPr>
-        <p:spPr>
-          <a:xfrm>
-            <a:off x="587389" y="1619726"/>
-            <a:ext cx="11017224" cy="1487458"/>
-          </a:xfrm>
-          <a:prstGeom prst="rect">
-            <a:avLst/>
-          </a:prstGeom>
-          <a:effectLst/>
-        </p:spPr>
-        <p:txBody>
-          <a:bodyPr anchor="ctr">
-            <a:spAutoFit/>
-          </a:bodyPr>
-          <a:lstStyle>
-            <a:lvl1pPr algn="ctr" defTabSz="914400" rtl="0" eaLnBrk="1" latinLnBrk="1" hangingPunct="1">
-              <a:spcBef>
-                <a:spcPct val="0"/>
-              </a:spcBef>
-              <a:buNone/>
-              <a:defRPr sz="3200" b="1" kern="1200">
-                <a:solidFill>
-                  <a:srgbClr val="0678A6"/>
-                </a:solidFill>
-                <a:effectLst/>
-                <a:latin typeface="Arial" panose="020B0604020202020204" pitchFamily="34" charset="0"/>
-                <a:ea typeface="+mj-ea"/>
-                <a:cs typeface="Arial" panose="020B0604020202020204" pitchFamily="34" charset="0"/>
-              </a:defRPr>
-            </a:lvl1pPr>
-          </a:lstStyle>
-          <a:p>
-            <a:pPr marL="0" marR="0" lvl="0" indent="0" algn="ctr" defTabSz="914400" rtl="0" eaLnBrk="1" fontAlgn="auto" latinLnBrk="1" hangingPunct="1">
-              <a:lnSpc>
-                <a:spcPct val="150000"/>
-              </a:lnSpc>
-              <a:spcBef>
-                <a:spcPct val="0"/>
-              </a:spcBef>
-              <a:spcAft>
-                <a:spcPts val="0"/>
-              </a:spcAft>
-              <a:buClrTx/>
-              <a:buSzTx/>
-              <a:buFontTx/>
-              <a:buNone/>
-              <a:tabLst/>
-              <a:defRPr/>
-            </a:pPr>
-            <a:r>
-              <a:rPr lang="en-US" altLang="ko-KR" dirty="0">
-                <a:solidFill>
-                  <a:sysClr val="window" lastClr="FFFFFF"/>
-                </a:solidFill>
-                <a:effectLst>
-                  <a:glow rad="533400">
-                    <a:srgbClr val="151A21">
-                      <a:alpha val="35000"/>
-                    </a:srgbClr>
-                  </a:glow>
-                </a:effectLst>
-                <a:latin typeface="에스코어 드림 8 Heavy" panose="020B0903030302020204" pitchFamily="34" charset="-127"/>
-                <a:ea typeface="에스코어 드림 8 Heavy" panose="020B0903030302020204" pitchFamily="34" charset="-127"/>
-              </a:rPr>
-              <a:t>Part 01</a:t>
-            </a:r>
-          </a:p>
-          <a:p>
-            <a:pPr marL="0" marR="0" lvl="0" indent="0" algn="ctr" defTabSz="914400" rtl="0" eaLnBrk="1" fontAlgn="auto" latinLnBrk="1" hangingPunct="1">
-              <a:lnSpc>
-                <a:spcPct val="150000"/>
-              </a:lnSpc>
-              <a:spcBef>
-                <a:spcPct val="0"/>
-              </a:spcBef>
-              <a:spcAft>
-                <a:spcPts val="0"/>
-              </a:spcAft>
-              <a:buClrTx/>
-              <a:buSzTx/>
-              <a:buFontTx/>
-              <a:buNone/>
-              <a:tabLst/>
-              <a:defRPr/>
-            </a:pPr>
-            <a:r>
-              <a:rPr lang="en-US" altLang="ko-KR" dirty="0">
-                <a:solidFill>
-                  <a:sysClr val="window" lastClr="FFFFFF"/>
-                </a:solidFill>
-                <a:effectLst>
-                  <a:glow rad="533400">
-                    <a:srgbClr val="151A21">
-                      <a:alpha val="35000"/>
-                    </a:srgbClr>
-                  </a:glow>
-                </a:effectLst>
-                <a:latin typeface="에스코어 드림 8 Heavy" panose="020B0903030302020204" pitchFamily="34" charset="-127"/>
-                <a:ea typeface="에스코어 드림 8 Heavy" panose="020B0903030302020204" pitchFamily="34" charset="-127"/>
-              </a:rPr>
-              <a:t>MOS Edge Settings</a:t>
-            </a:r>
-          </a:p>
-        </p:txBody>
-      </p:sp>
-    </p:spTree>
-    <p:extLst>
-      <p:ext uri="{BB962C8B-B14F-4D97-AF65-F5344CB8AC3E}">
-        <p14:creationId xmlns:p14="http://schemas.microsoft.com/office/powerpoint/2010/main" val="968395086"/>
-      </p:ext>
-    </p:extLst>
-  </p:cSld>
-  <p:clrMapOvr>
-    <a:masterClrMapping/>
-  </p:clrMapOvr>
-</p:sld>
-</file>
-
-<file path=ppt/slides/slide4.xml><?xml version="1.0" encoding="utf-8"?>
-<p:sld xmlns:a="http://schemas.openxmlformats.org/drawingml/2006/main" xmlns:r="http://schemas.openxmlformats.org/officeDocument/2006/relationships" xmlns:p="http://schemas.openxmlformats.org/presentationml/2006/main">
-  <p:cSld>
-    <p:spTree>
-      <p:nvGrpSpPr>
-        <p:cNvPr id="1" name=""/>
-        <p:cNvGrpSpPr/>
-        <p:nvPr/>
-      </p:nvGrpSpPr>
-      <p:grpSpPr>
-        <a:xfrm>
-          <a:off x="0" y="0"/>
-          <a:ext cx="0" cy="0"/>
-          <a:chOff x="0" y="0"/>
-          <a:chExt cx="0" cy="0"/>
-        </a:xfrm>
-      </p:grpSpPr>
       <p:sp>
         <p:nvSpPr>
           <p:cNvPr id="5" name="TextBox 4">
@@ -12598,14 +11070,14 @@
           <a:lstStyle/>
           <a:p>
             <a:r>
-              <a:rPr kumimoji="1" lang="en-US" altLang="ko-KR" sz="2000" b="1" dirty="0">
+              <a:rPr lang="en-US" altLang="ko-KR" sz="2000" b="1">
                 <a:solidFill>
                   <a:schemeClr val="bg1"/>
                 </a:solidFill>
                 <a:latin typeface="에스코어 드림 6 Bold" panose="020B0703030302020204" pitchFamily="34" charset="-127"/>
                 <a:ea typeface="에스코어 드림 6 Bold" panose="020B0703030302020204" pitchFamily="34" charset="-127"/>
               </a:rPr>
-              <a:t>Environment Settings</a:t>
+              <a:t>Notification</a:t>
             </a:r>
             <a:endParaRPr lang="ko-KR" altLang="en-US" sz="2000" b="1" dirty="0">
               <a:solidFill>
@@ -12632,7 +11104,7 @@
         <p:spPr>
           <a:xfrm>
             <a:off x="394629" y="846886"/>
-            <a:ext cx="11402741" cy="3811236"/>
+            <a:ext cx="11797371" cy="5855449"/>
           </a:xfrm>
           <a:prstGeom prst="rect">
             <a:avLst/>
@@ -12676,335 +11148,490 @@
           </a:lstStyle>
           <a:p>
             <a:r>
-              <a:rPr lang="ko-KR" altLang="en-US" dirty="0"/>
+              <a:rPr lang="ko-KR" altLang="en-US" sz="1400">
+                <a:latin typeface="에스코어 드림 4 Regular" panose="020B0503030302020204" pitchFamily="34" charset="-127"/>
+                <a:ea typeface="에스코어 드림 4 Regular" panose="020B0503030302020204" pitchFamily="34" charset="-127"/>
+              </a:rPr>
               <a:t> </a:t>
             </a:r>
             <a:r>
-              <a:rPr lang="en-US" altLang="ko-KR" dirty="0"/>
-              <a:t>Ubuntu 18.04 /</a:t>
-            </a:r>
-            <a:r>
-              <a:rPr lang="ko-KR" altLang="en-US" dirty="0"/>
+              <a:rPr lang="ko-KR" altLang="en-US"/>
+              <a:t>본 매뉴얼의 </a:t>
+            </a:r>
+            <a:r>
+              <a:rPr lang="en-US" altLang="ko-KR"/>
+              <a:t>MOS Edge</a:t>
+            </a:r>
+            <a:r>
+              <a:rPr lang="ko-KR" altLang="en-US"/>
+              <a:t>는 </a:t>
+            </a:r>
+            <a:r>
+              <a:rPr lang="en-US" altLang="ko-KR"/>
+              <a:t>Ubuntu 20.04</a:t>
+            </a:r>
+            <a:r>
+              <a:rPr lang="ko-KR" altLang="en-US"/>
+              <a:t>에 최적화되어 있습니다</a:t>
+            </a:r>
+            <a:r>
+              <a:rPr lang="en-US" altLang="ko-KR"/>
+              <a:t>. </a:t>
+            </a:r>
+          </a:p>
+          <a:p>
+            <a:endParaRPr lang="en-US" altLang="ko-KR" sz="1400">
+              <a:latin typeface="에스코어 드림 4 Regular" panose="020B0503030302020204" pitchFamily="34" charset="-127"/>
+              <a:ea typeface="에스코어 드림 4 Regular" panose="020B0503030302020204" pitchFamily="34" charset="-127"/>
+            </a:endParaRPr>
+          </a:p>
+          <a:p>
+            <a:r>
+              <a:rPr lang="ko-KR" altLang="en-US" sz="1400">
+                <a:latin typeface="에스코어 드림 4 Regular" panose="020B0503030302020204" pitchFamily="34" charset="-127"/>
+                <a:ea typeface="에스코어 드림 4 Regular" panose="020B0503030302020204" pitchFamily="34" charset="-127"/>
+              </a:rPr>
+              <a:t> 매뉴얼을 보면서 따라해 보실 수 있도록 가이드영상이 깃허브에 업로드되어 있습니다</a:t>
+            </a:r>
+            <a:r>
+              <a:rPr lang="en-US" altLang="ko-KR" sz="1400">
+                <a:latin typeface="에스코어 드림 4 Regular" panose="020B0503030302020204" pitchFamily="34" charset="-127"/>
+                <a:ea typeface="에스코어 드림 4 Regular" panose="020B0503030302020204" pitchFamily="34" charset="-127"/>
+              </a:rPr>
+              <a:t>. </a:t>
+            </a:r>
+            <a:r>
+              <a:rPr lang="ko-KR" altLang="en-US" sz="1400">
+                <a:latin typeface="에스코어 드림 4 Regular" panose="020B0503030302020204" pitchFamily="34" charset="-127"/>
+                <a:ea typeface="에스코어 드림 4 Regular" panose="020B0503030302020204" pitchFamily="34" charset="-127"/>
+              </a:rPr>
+              <a:t>참고하시기 바랍니다</a:t>
+            </a:r>
+            <a:r>
+              <a:rPr lang="en-US" altLang="ko-KR" sz="1400">
+                <a:latin typeface="에스코어 드림 4 Regular" panose="020B0503030302020204" pitchFamily="34" charset="-127"/>
+                <a:ea typeface="에스코어 드림 4 Regular" panose="020B0503030302020204" pitchFamily="34" charset="-127"/>
+              </a:rPr>
+              <a:t>.</a:t>
+            </a:r>
+          </a:p>
+          <a:p>
+            <a:pPr marL="0" indent="0">
+              <a:buNone/>
+            </a:pPr>
+            <a:r>
+              <a:rPr lang="en-US" altLang="ko-KR"/>
+              <a:t>    - </a:t>
+            </a:r>
+            <a:r>
+              <a:rPr lang="en-US" altLang="ko-KR">
+                <a:hlinkClick r:id="rId2"/>
+              </a:rPr>
+              <a:t>https://github.com/auto-mos/MOS-Packages/tree/main/Tiny%20Package/</a:t>
+            </a:r>
+            <a:r>
+              <a:rPr lang="ko-KR" altLang="en-US">
+                <a:hlinkClick r:id="rId2"/>
+              </a:rPr>
+              <a:t>동영상</a:t>
+            </a:r>
+            <a:r>
+              <a:rPr lang="en-US" altLang="ko-KR">
+                <a:hlinkClick r:id="rId2"/>
+              </a:rPr>
+              <a:t>%20</a:t>
+            </a:r>
+            <a:r>
+              <a:rPr lang="ko-KR" altLang="en-US">
+                <a:hlinkClick r:id="rId2"/>
+              </a:rPr>
+              <a:t>참고자료</a:t>
+            </a:r>
+            <a:endParaRPr lang="en-US" altLang="ko-KR"/>
+          </a:p>
+          <a:p>
+            <a:pPr marL="0" indent="0">
+              <a:buNone/>
+            </a:pPr>
+            <a:endParaRPr lang="en-US" altLang="ko-KR"/>
+          </a:p>
+          <a:p>
+            <a:r>
+              <a:rPr lang="ko-KR" altLang="en-US"/>
+              <a:t> 설치와 기능동작 점검까지 총 </a:t>
+            </a:r>
+            <a:r>
+              <a:rPr lang="en-US" altLang="ko-KR"/>
+              <a:t>4</a:t>
+            </a:r>
+            <a:r>
+              <a:rPr lang="ko-KR" altLang="en-US"/>
+              <a:t>단계로 분류되어 있으며 </a:t>
+            </a:r>
+            <a:r>
+              <a:rPr lang="ko-KR" altLang="en-US" b="1">
+                <a:solidFill>
+                  <a:srgbClr val="FF0000"/>
+                </a:solidFill>
+              </a:rPr>
+              <a:t>반드시 순서를 지켜 시행</a:t>
+            </a:r>
+            <a:r>
+              <a:rPr lang="ko-KR" altLang="en-US"/>
+              <a:t>해주셔야</a:t>
+            </a:r>
+            <a:r>
+              <a:rPr lang="ko-KR" altLang="en-US" b="1"/>
               <a:t> </a:t>
             </a:r>
             <a:r>
-              <a:rPr lang="en-US" altLang="ko-KR" dirty="0"/>
-              <a:t>20.04 LTS </a:t>
-            </a:r>
-            <a:r>
-              <a:rPr lang="ko-KR" altLang="en-US" dirty="0"/>
-              <a:t>또는</a:t>
-            </a:r>
-            <a:r>
-              <a:rPr lang="en-US" altLang="ko-KR" dirty="0"/>
-              <a:t> Debian 10</a:t>
-            </a:r>
-            <a:r>
-              <a:rPr lang="ko-KR" altLang="en-US" dirty="0"/>
+              <a:rPr lang="ko-KR" altLang="en-US"/>
+              <a:t>합니다</a:t>
+            </a:r>
+            <a:r>
+              <a:rPr lang="en-US" altLang="ko-KR"/>
+              <a:t>.</a:t>
+            </a:r>
+          </a:p>
+          <a:p>
+            <a:pPr marL="0" indent="0">
+              <a:buNone/>
+            </a:pPr>
+            <a:r>
+              <a:rPr lang="en-US" altLang="ko-KR" sz="1400">
+                <a:latin typeface="에스코어 드림 4 Regular" panose="020B0503030302020204" pitchFamily="34" charset="-127"/>
+                <a:ea typeface="에스코어 드림 4 Regular" panose="020B0503030302020204" pitchFamily="34" charset="-127"/>
+              </a:rPr>
+              <a:t>    - 1. Cloud </a:t>
+            </a:r>
+            <a:r>
+              <a:rPr lang="ko-KR" altLang="en-US" sz="1400">
+                <a:latin typeface="에스코어 드림 4 Regular" panose="020B0503030302020204" pitchFamily="34" charset="-127"/>
+                <a:ea typeface="에스코어 드림 4 Regular" panose="020B0503030302020204" pitchFamily="34" charset="-127"/>
+              </a:rPr>
+              <a:t>설치</a:t>
+            </a:r>
+            <a:r>
+              <a:rPr lang="en-US" altLang="ko-KR" sz="1400">
+                <a:latin typeface="에스코어 드림 4 Regular" panose="020B0503030302020204" pitchFamily="34" charset="-127"/>
+                <a:ea typeface="에스코어 드림 4 Regular" panose="020B0503030302020204" pitchFamily="34" charset="-127"/>
+              </a:rPr>
+              <a:t> &gt; </a:t>
+            </a:r>
+            <a:r>
+              <a:rPr lang="en-US" altLang="ko-KR" sz="1400" b="1">
+                <a:latin typeface="에스코어 드림 4 Regular" panose="020B0503030302020204" pitchFamily="34" charset="-127"/>
+                <a:ea typeface="에스코어 드림 4 Regular" panose="020B0503030302020204" pitchFamily="34" charset="-127"/>
+              </a:rPr>
+              <a:t>2. Edge </a:t>
+            </a:r>
+            <a:r>
+              <a:rPr lang="ko-KR" altLang="en-US" sz="1400" b="1">
+                <a:latin typeface="에스코어 드림 4 Regular" panose="020B0503030302020204" pitchFamily="34" charset="-127"/>
+                <a:ea typeface="에스코어 드림 4 Regular" panose="020B0503030302020204" pitchFamily="34" charset="-127"/>
+              </a:rPr>
+              <a:t>설치</a:t>
+            </a:r>
+            <a:r>
+              <a:rPr lang="en-US" altLang="ko-KR" sz="1400" b="1">
+                <a:latin typeface="에스코어 드림 4 Regular" panose="020B0503030302020204" pitchFamily="34" charset="-127"/>
+                <a:ea typeface="에스코어 드림 4 Regular" panose="020B0503030302020204" pitchFamily="34" charset="-127"/>
+              </a:rPr>
               <a:t> </a:t>
             </a:r>
             <a:r>
-              <a:rPr lang="en-US" altLang="ko-KR" dirty="0"/>
-              <a:t>OS </a:t>
-            </a:r>
-            <a:r>
-              <a:rPr lang="ko-KR" altLang="en-US" dirty="0"/>
-              <a:t>설치</a:t>
-            </a:r>
+              <a:rPr lang="en-US" altLang="ko-KR" sz="1400">
+                <a:latin typeface="에스코어 드림 4 Regular" panose="020B0503030302020204" pitchFamily="34" charset="-127"/>
+                <a:ea typeface="에스코어 드림 4 Regular" panose="020B0503030302020204" pitchFamily="34" charset="-127"/>
+              </a:rPr>
+              <a:t>&gt; 3. Edge </a:t>
+            </a:r>
+            <a:r>
+              <a:rPr lang="ko-KR" altLang="en-US" sz="1400">
+                <a:latin typeface="에스코어 드림 4 Regular" panose="020B0503030302020204" pitchFamily="34" charset="-127"/>
+                <a:ea typeface="에스코어 드림 4 Regular" panose="020B0503030302020204" pitchFamily="34" charset="-127"/>
+              </a:rPr>
+              <a:t>점검</a:t>
+            </a:r>
+            <a:r>
+              <a:rPr lang="en-US" altLang="ko-KR" sz="1400">
+                <a:latin typeface="에스코어 드림 4 Regular" panose="020B0503030302020204" pitchFamily="34" charset="-127"/>
+                <a:ea typeface="에스코어 드림 4 Regular" panose="020B0503030302020204" pitchFamily="34" charset="-127"/>
+              </a:rPr>
+              <a:t> &gt; 4. Cloud </a:t>
+            </a:r>
+            <a:r>
+              <a:rPr lang="ko-KR" altLang="en-US" sz="1400">
+                <a:latin typeface="에스코어 드림 4 Regular" panose="020B0503030302020204" pitchFamily="34" charset="-127"/>
+                <a:ea typeface="에스코어 드림 4 Regular" panose="020B0503030302020204" pitchFamily="34" charset="-127"/>
+              </a:rPr>
+              <a:t>점검</a:t>
+            </a:r>
+            <a:endParaRPr lang="en-US" altLang="ko-KR" sz="1400">
+              <a:latin typeface="에스코어 드림 4 Regular" panose="020B0503030302020204" pitchFamily="34" charset="-127"/>
+              <a:ea typeface="에스코어 드림 4 Regular" panose="020B0503030302020204" pitchFamily="34" charset="-127"/>
+            </a:endParaRPr>
+          </a:p>
+          <a:p>
+            <a:pPr marL="0" indent="0">
+              <a:buNone/>
+            </a:pPr>
+            <a:endParaRPr lang="en-US" altLang="ko-KR">
+              <a:solidFill>
+                <a:srgbClr val="FF0000"/>
+              </a:solidFill>
+            </a:endParaRPr>
+          </a:p>
+          <a:p>
+            <a:r>
+              <a:rPr lang="en-US" altLang="ko-KR" sz="1400">
+                <a:latin typeface="에스코어 드림 4 Regular" panose="020B0503030302020204" pitchFamily="34" charset="-127"/>
+                <a:ea typeface="에스코어 드림 4 Regular" panose="020B0503030302020204" pitchFamily="34" charset="-127"/>
+              </a:rPr>
+              <a:t> </a:t>
+            </a:r>
+            <a:r>
+              <a:rPr lang="ko-KR" altLang="en-US" sz="1400">
+                <a:latin typeface="에스코어 드림 4 Regular" panose="020B0503030302020204" pitchFamily="34" charset="-127"/>
+                <a:ea typeface="에스코어 드림 4 Regular" panose="020B0503030302020204" pitchFamily="34" charset="-127"/>
+              </a:rPr>
+              <a:t>매뉴얼 내의 명령어는 </a:t>
+            </a:r>
+            <a:r>
+              <a:rPr lang="ko-KR" altLang="en-US" sz="1400">
+                <a:highlight>
+                  <a:srgbClr val="C0C0C0"/>
+                </a:highlight>
+                <a:latin typeface="에스코어 드림 4 Regular" panose="020B0503030302020204" pitchFamily="34" charset="-127"/>
+                <a:ea typeface="에스코어 드림 4 Regular" panose="020B0503030302020204" pitchFamily="34" charset="-127"/>
+              </a:rPr>
+              <a:t>회색 바탕 서식</a:t>
+            </a:r>
+            <a:r>
+              <a:rPr lang="ko-KR" altLang="en-US" sz="1400">
+                <a:latin typeface="에스코어 드림 4 Regular" panose="020B0503030302020204" pitchFamily="34" charset="-127"/>
+                <a:ea typeface="에스코어 드림 4 Regular" panose="020B0503030302020204" pitchFamily="34" charset="-127"/>
+              </a:rPr>
+              <a:t>을 적용하였습니다</a:t>
+            </a:r>
+            <a:r>
+              <a:rPr lang="en-US" altLang="ko-KR" sz="1400">
+                <a:latin typeface="에스코어 드림 4 Regular" panose="020B0503030302020204" pitchFamily="34" charset="-127"/>
+                <a:ea typeface="에스코어 드림 4 Regular" panose="020B0503030302020204" pitchFamily="34" charset="-127"/>
+              </a:rPr>
+              <a:t>. </a:t>
+            </a:r>
+            <a:r>
+              <a:rPr lang="ko-KR" altLang="en-US" sz="1400">
+                <a:latin typeface="에스코어 드림 4 Regular" panose="020B0503030302020204" pitchFamily="34" charset="-127"/>
+                <a:ea typeface="에스코어 드림 4 Regular" panose="020B0503030302020204" pitchFamily="34" charset="-127"/>
+              </a:rPr>
+              <a:t>복잡한 명령어의 경우 </a:t>
+            </a:r>
+            <a:r>
+              <a:rPr lang="en-US" altLang="ko-KR" sz="1400">
+                <a:latin typeface="에스코어 드림 4 Regular" panose="020B0503030302020204" pitchFamily="34" charset="-127"/>
+                <a:ea typeface="에스코어 드림 4 Regular" panose="020B0503030302020204" pitchFamily="34" charset="-127"/>
+              </a:rPr>
+              <a:t>ppt</a:t>
+            </a:r>
+            <a:r>
+              <a:rPr lang="ko-KR" altLang="en-US" sz="1400">
+                <a:latin typeface="에스코어 드림 4 Regular" panose="020B0503030302020204" pitchFamily="34" charset="-127"/>
+                <a:ea typeface="에스코어 드림 4 Regular" panose="020B0503030302020204" pitchFamily="34" charset="-127"/>
+              </a:rPr>
+              <a:t>파일에서 직접 복사</a:t>
+            </a:r>
+            <a:r>
+              <a:rPr lang="en-US" altLang="ko-KR" sz="1400">
+                <a:latin typeface="에스코어 드림 4 Regular" panose="020B0503030302020204" pitchFamily="34" charset="-127"/>
+                <a:ea typeface="에스코어 드림 4 Regular" panose="020B0503030302020204" pitchFamily="34" charset="-127"/>
+              </a:rPr>
+              <a:t>&amp;</a:t>
+            </a:r>
+            <a:r>
+              <a:rPr lang="ko-KR" altLang="en-US"/>
+              <a:t>붙여넣기 하는 것을 권장합니다</a:t>
+            </a:r>
+            <a:r>
+              <a:rPr lang="en-US" altLang="ko-KR"/>
+              <a:t>.</a:t>
+            </a:r>
+          </a:p>
+          <a:p>
+            <a:pPr marL="0" indent="0">
+              <a:buNone/>
+            </a:pPr>
+            <a:endParaRPr lang="en-US" altLang="ko-KR" sz="1400">
+              <a:solidFill>
+                <a:srgbClr val="FF0000"/>
+              </a:solidFill>
+              <a:highlight>
+                <a:srgbClr val="C0C0C0"/>
+              </a:highlight>
+              <a:latin typeface="에스코어 드림 4 Regular" panose="020B0503030302020204" pitchFamily="34" charset="-127"/>
+              <a:ea typeface="에스코어 드림 4 Regular" panose="020B0503030302020204" pitchFamily="34" charset="-127"/>
+            </a:endParaRPr>
+          </a:p>
+          <a:p>
+            <a:r>
+              <a:rPr lang="ko-KR" altLang="en-US" sz="1400">
+                <a:latin typeface="에스코어 드림 4 Regular" panose="020B0503030302020204" pitchFamily="34" charset="-127"/>
+                <a:ea typeface="에스코어 드림 4 Regular" panose="020B0503030302020204" pitchFamily="34" charset="-127"/>
+              </a:rPr>
+              <a:t> 매뉴얼은 </a:t>
+            </a:r>
+            <a:r>
+              <a:rPr lang="ko-KR" altLang="en-US" sz="1400" b="1">
+                <a:latin typeface="에스코어 드림 4 Regular" panose="020B0503030302020204" pitchFamily="34" charset="-127"/>
+                <a:ea typeface="에스코어 드림 4 Regular" panose="020B0503030302020204" pitchFamily="34" charset="-127"/>
+              </a:rPr>
+              <a:t>위에서 아래로 순서대로 빠짐없이 </a:t>
+            </a:r>
+            <a:r>
+              <a:rPr lang="ko-KR" altLang="en-US" sz="1400">
+                <a:latin typeface="에스코어 드림 4 Regular" panose="020B0503030302020204" pitchFamily="34" charset="-127"/>
+                <a:ea typeface="에스코어 드림 4 Regular" panose="020B0503030302020204" pitchFamily="34" charset="-127"/>
+              </a:rPr>
+              <a:t>진행해 주시고 명령어에 </a:t>
+            </a:r>
+            <a:r>
+              <a:rPr lang="ko-KR" altLang="en-US" sz="1400" b="1">
+                <a:latin typeface="에스코어 드림 4 Regular" panose="020B0503030302020204" pitchFamily="34" charset="-127"/>
+                <a:ea typeface="에스코어 드림 4 Regular" panose="020B0503030302020204" pitchFamily="34" charset="-127"/>
+              </a:rPr>
+              <a:t>오탈자가 발생하지 않도록 주의</a:t>
+            </a:r>
+            <a:r>
+              <a:rPr lang="ko-KR" altLang="en-US" sz="1400">
+                <a:latin typeface="에스코어 드림 4 Regular" panose="020B0503030302020204" pitchFamily="34" charset="-127"/>
+                <a:ea typeface="에스코어 드림 4 Regular" panose="020B0503030302020204" pitchFamily="34" charset="-127"/>
+              </a:rPr>
+              <a:t>해주시기</a:t>
+            </a:r>
+            <a:r>
+              <a:rPr lang="ko-KR" altLang="en-US" sz="1400" b="1">
+                <a:latin typeface="에스코어 드림 4 Regular" panose="020B0503030302020204" pitchFamily="34" charset="-127"/>
+                <a:ea typeface="에스코어 드림 4 Regular" panose="020B0503030302020204" pitchFamily="34" charset="-127"/>
+              </a:rPr>
+              <a:t> </a:t>
+            </a:r>
+            <a:r>
+              <a:rPr lang="ko-KR" altLang="en-US" sz="1400">
+                <a:latin typeface="에스코어 드림 4 Regular" panose="020B0503030302020204" pitchFamily="34" charset="-127"/>
+                <a:ea typeface="에스코어 드림 4 Regular" panose="020B0503030302020204" pitchFamily="34" charset="-127"/>
+              </a:rPr>
+              <a:t>바랍니다</a:t>
+            </a:r>
+            <a:r>
+              <a:rPr lang="en-US" altLang="ko-KR" sz="1400">
+                <a:latin typeface="에스코어 드림 4 Regular" panose="020B0503030302020204" pitchFamily="34" charset="-127"/>
+                <a:ea typeface="에스코어 드림 4 Regular" panose="020B0503030302020204" pitchFamily="34" charset="-127"/>
+              </a:rPr>
+              <a:t>.</a:t>
+            </a:r>
+          </a:p>
+          <a:p>
+            <a:endParaRPr lang="en-US" altLang="ko-KR"/>
+          </a:p>
+          <a:p>
+            <a:r>
+              <a:rPr lang="en-US" altLang="ko-KR"/>
+              <a:t> </a:t>
+            </a:r>
+            <a:r>
+              <a:rPr lang="ko-KR" altLang="en-US"/>
+              <a:t>매뉴얼의 파일 수정은 </a:t>
+            </a:r>
+            <a:r>
+              <a:rPr lang="en-US" altLang="ko-KR"/>
+              <a:t>vim</a:t>
+            </a:r>
+            <a:r>
+              <a:rPr lang="ko-KR" altLang="en-US"/>
+              <a:t>에디터 혹은 </a:t>
+            </a:r>
+            <a:r>
+              <a:rPr lang="en-US" altLang="ko-KR"/>
+              <a:t>nano</a:t>
+            </a:r>
+            <a:r>
+              <a:rPr lang="ko-KR" altLang="en-US"/>
+              <a:t>에디터를 이용하여 수정합니다</a:t>
+            </a:r>
+            <a:r>
+              <a:rPr lang="en-US" altLang="ko-KR"/>
+              <a:t>.</a:t>
+            </a:r>
+            <a:r>
+              <a:rPr lang="ko-KR" altLang="en-US"/>
+              <a:t> </a:t>
+            </a:r>
+            <a:r>
+              <a:rPr lang="en-US" altLang="ko-KR"/>
+              <a:t>(</a:t>
+            </a:r>
+            <a:r>
+              <a:rPr lang="ko-KR" altLang="en-US"/>
+              <a:t>사용법 사전 숙지 필요</a:t>
+            </a:r>
+            <a:r>
+              <a:rPr lang="en-US" altLang="ko-KR"/>
+              <a:t>)</a:t>
+            </a:r>
+          </a:p>
+          <a:p>
+            <a:pPr marL="742950" lvl="1" indent="-285750">
+              <a:buFontTx/>
+              <a:buChar char="-"/>
+            </a:pPr>
+            <a:endParaRPr lang="en-US" altLang="ko-KR" sz="1400" dirty="0">
+              <a:latin typeface="에스코어 드림 4 Regular" panose="020B0503030302020204" pitchFamily="34" charset="-127"/>
+              <a:ea typeface="에스코어 드림 4 Regular" panose="020B0503030302020204" pitchFamily="34" charset="-127"/>
+            </a:endParaRPr>
+          </a:p>
+          <a:p>
+            <a:pPr marL="742950" lvl="1" indent="-285750">
+              <a:buFontTx/>
+              <a:buChar char="-"/>
+            </a:pPr>
+            <a:endParaRPr lang="en-US" altLang="ko-KR" sz="1400">
+              <a:latin typeface="에스코어 드림 4 Regular" panose="020B0503030302020204" pitchFamily="34" charset="-127"/>
+              <a:ea typeface="에스코어 드림 4 Regular" panose="020B0503030302020204" pitchFamily="34" charset="-127"/>
+            </a:endParaRPr>
+          </a:p>
+          <a:p>
+            <a:pPr marL="742950" lvl="1" indent="-285750">
+              <a:buFontTx/>
+              <a:buChar char="-"/>
+            </a:pPr>
+            <a:endParaRPr lang="en-US" altLang="ko-KR" sz="1400" dirty="0">
+              <a:latin typeface="에스코어 드림 4 Regular" panose="020B0503030302020204" pitchFamily="34" charset="-127"/>
+              <a:ea typeface="에스코어 드림 4 Regular" panose="020B0503030302020204" pitchFamily="34" charset="-127"/>
+            </a:endParaRPr>
+          </a:p>
+          <a:p>
+            <a:pPr marL="0" indent="0">
+              <a:buNone/>
+            </a:pPr>
             <a:endParaRPr lang="en-US" altLang="ko-KR" dirty="0"/>
           </a:p>
           <a:p>
-            <a:r>
-              <a:rPr lang="ko-KR" altLang="en-US" dirty="0"/>
-              <a:t> </a:t>
-            </a:r>
-            <a:r>
-              <a:rPr lang="en-US" altLang="ko-KR" dirty="0"/>
-              <a:t>PC </a:t>
-            </a:r>
-            <a:r>
-              <a:rPr lang="ko-KR" altLang="en-US" dirty="0"/>
-              <a:t>권장사양은 아래와 같음</a:t>
-            </a:r>
             <a:endParaRPr lang="en-US" altLang="ko-KR" dirty="0"/>
           </a:p>
           <a:p>
-            <a:pPr lvl="1">
-              <a:lnSpc>
-                <a:spcPct val="150000"/>
-              </a:lnSpc>
-            </a:pPr>
-            <a:r>
-              <a:rPr lang="en-US" altLang="ko-KR" sz="1400" dirty="0">
-                <a:latin typeface="에스코어 드림 3 Light" panose="020B0303030302020204" pitchFamily="34" charset="-127"/>
-                <a:ea typeface="에스코어 드림 3 Light" panose="020B0303030302020204" pitchFamily="34" charset="-127"/>
-              </a:rPr>
-              <a:t>- Processor : i5 </a:t>
-            </a:r>
-            <a:r>
-              <a:rPr lang="ko-KR" altLang="en-US" sz="1400" dirty="0">
-                <a:latin typeface="에스코어 드림 3 Light" panose="020B0303030302020204" pitchFamily="34" charset="-127"/>
-                <a:ea typeface="에스코어 드림 3 Light" panose="020B0303030302020204" pitchFamily="34" charset="-127"/>
-              </a:rPr>
-              <a:t>이상의 멀티코어 </a:t>
-            </a:r>
-            <a:r>
-              <a:rPr lang="en-US" altLang="ko-KR" sz="1400" dirty="0">
-                <a:latin typeface="에스코어 드림 3 Light" panose="020B0303030302020204" pitchFamily="34" charset="-127"/>
-                <a:ea typeface="에스코어 드림 3 Light" panose="020B0303030302020204" pitchFamily="34" charset="-127"/>
-              </a:rPr>
-              <a:t>CPU</a:t>
-            </a:r>
-          </a:p>
-          <a:p>
-            <a:pPr lvl="1">
-              <a:lnSpc>
-                <a:spcPct val="150000"/>
-              </a:lnSpc>
-            </a:pPr>
-            <a:r>
-              <a:rPr lang="en-US" altLang="ko-KR" sz="1400" dirty="0">
-                <a:latin typeface="에스코어 드림 3 Light" panose="020B0303030302020204" pitchFamily="34" charset="-127"/>
-                <a:ea typeface="에스코어 드림 3 Light" panose="020B0303030302020204" pitchFamily="34" charset="-127"/>
-              </a:rPr>
-              <a:t>- Memory : 16GB DRAM</a:t>
-            </a:r>
-          </a:p>
-          <a:p>
-            <a:pPr lvl="1">
-              <a:lnSpc>
-                <a:spcPct val="150000"/>
-              </a:lnSpc>
-            </a:pPr>
-            <a:r>
-              <a:rPr lang="en-US" altLang="ko-KR" sz="1400" dirty="0">
-                <a:latin typeface="에스코어 드림 3 Light" panose="020B0303030302020204" pitchFamily="34" charset="-127"/>
-                <a:ea typeface="에스코어 드림 3 Light" panose="020B0303030302020204" pitchFamily="34" charset="-127"/>
-              </a:rPr>
-              <a:t>- Disk : 128GB </a:t>
-            </a:r>
-            <a:r>
-              <a:rPr lang="ko-KR" altLang="en-US" sz="1400" dirty="0">
-                <a:latin typeface="에스코어 드림 3 Light" panose="020B0303030302020204" pitchFamily="34" charset="-127"/>
-                <a:ea typeface="에스코어 드림 3 Light" panose="020B0303030302020204" pitchFamily="34" charset="-127"/>
-              </a:rPr>
-              <a:t>이상의 </a:t>
-            </a:r>
-            <a:r>
-              <a:rPr lang="en-US" altLang="ko-KR" sz="1400" dirty="0">
-                <a:latin typeface="에스코어 드림 3 Light" panose="020B0303030302020204" pitchFamily="34" charset="-127"/>
-                <a:ea typeface="에스코어 드림 3 Light" panose="020B0303030302020204" pitchFamily="34" charset="-127"/>
-              </a:rPr>
-              <a:t>SSD </a:t>
-            </a:r>
-            <a:r>
-              <a:rPr lang="ko-KR" altLang="en-US" sz="1400" dirty="0">
-                <a:latin typeface="에스코어 드림 3 Light" panose="020B0303030302020204" pitchFamily="34" charset="-127"/>
-                <a:ea typeface="에스코어 드림 3 Light" panose="020B0303030302020204" pitchFamily="34" charset="-127"/>
-              </a:rPr>
-              <a:t>디스크</a:t>
-            </a:r>
-          </a:p>
-          <a:p>
-            <a:pPr lvl="1">
-              <a:lnSpc>
-                <a:spcPct val="150000"/>
-              </a:lnSpc>
-            </a:pPr>
-            <a:r>
-              <a:rPr lang="en-US" altLang="ko-KR" sz="1400" dirty="0">
-                <a:latin typeface="에스코어 드림 3 Light" panose="020B0303030302020204" pitchFamily="34" charset="-127"/>
-                <a:ea typeface="에스코어 드림 3 Light" panose="020B0303030302020204" pitchFamily="34" charset="-127"/>
-              </a:rPr>
-              <a:t>- Network : 2</a:t>
-            </a:r>
-            <a:r>
-              <a:rPr lang="ko-KR" altLang="en-US" sz="1400" dirty="0">
-                <a:latin typeface="에스코어 드림 3 Light" panose="020B0303030302020204" pitchFamily="34" charset="-127"/>
-                <a:ea typeface="에스코어 드림 3 Light" panose="020B0303030302020204" pitchFamily="34" charset="-127"/>
-              </a:rPr>
-              <a:t>개 이상의 이더넷</a:t>
-            </a:r>
-            <a:r>
-              <a:rPr lang="en-US" altLang="ko-KR" sz="1400" dirty="0">
-                <a:latin typeface="에스코어 드림 3 Light" panose="020B0303030302020204" pitchFamily="34" charset="-127"/>
-                <a:ea typeface="에스코어 드림 3 Light" panose="020B0303030302020204" pitchFamily="34" charset="-127"/>
-              </a:rPr>
-              <a:t> </a:t>
-            </a:r>
-            <a:r>
-              <a:rPr lang="ko-KR" altLang="en-US" sz="1400" dirty="0">
-                <a:latin typeface="에스코어 드림 3 Light" panose="020B0303030302020204" pitchFamily="34" charset="-127"/>
-                <a:ea typeface="에스코어 드림 3 Light" panose="020B0303030302020204" pitchFamily="34" charset="-127"/>
-              </a:rPr>
-              <a:t>포트 </a:t>
-            </a:r>
-            <a:r>
-              <a:rPr lang="en-US" altLang="ko-KR" sz="1400" dirty="0">
-                <a:latin typeface="에스코어 드림 3 Light" panose="020B0303030302020204" pitchFamily="34" charset="-127"/>
-                <a:ea typeface="에스코어 드림 3 Light" panose="020B0303030302020204" pitchFamily="34" charset="-127"/>
-              </a:rPr>
-              <a:t>(</a:t>
-            </a:r>
-            <a:r>
-              <a:rPr lang="ko-KR" altLang="en-US" sz="1400" dirty="0">
-                <a:latin typeface="에스코어 드림 3 Light" panose="020B0303030302020204" pitchFamily="34" charset="-127"/>
-                <a:ea typeface="에스코어 드림 3 Light" panose="020B0303030302020204" pitchFamily="34" charset="-127"/>
-              </a:rPr>
-              <a:t>필드 장비 ↔ </a:t>
-            </a:r>
-            <a:r>
-              <a:rPr lang="en-US" altLang="ko-KR" sz="1400" dirty="0">
-                <a:latin typeface="에스코어 드림 3 Light" panose="020B0303030302020204" pitchFamily="34" charset="-127"/>
-                <a:ea typeface="에스코어 드림 3 Light" panose="020B0303030302020204" pitchFamily="34" charset="-127"/>
-              </a:rPr>
-              <a:t>Edge , Cloud </a:t>
-            </a:r>
-            <a:r>
-              <a:rPr lang="ko-KR" altLang="en-US" sz="1400" dirty="0">
-                <a:latin typeface="에스코어 드림 3 Light" panose="020B0303030302020204" pitchFamily="34" charset="-127"/>
-                <a:ea typeface="에스코어 드림 3 Light" panose="020B0303030302020204" pitchFamily="34" charset="-127"/>
-              </a:rPr>
-              <a:t>↔ </a:t>
-            </a:r>
-            <a:r>
-              <a:rPr lang="en-US" altLang="ko-KR" sz="1400" dirty="0">
-                <a:latin typeface="에스코어 드림 3 Light" panose="020B0303030302020204" pitchFamily="34" charset="-127"/>
-                <a:ea typeface="에스코어 드림 3 Light" panose="020B0303030302020204" pitchFamily="34" charset="-127"/>
-              </a:rPr>
-              <a:t>Edge)</a:t>
-            </a:r>
-            <a:endParaRPr lang="ko-KR" altLang="en-US" sz="1400" dirty="0">
-              <a:latin typeface="에스코어 드림 3 Light" panose="020B0303030302020204" pitchFamily="34" charset="-127"/>
-              <a:ea typeface="에스코어 드림 3 Light" panose="020B0303030302020204" pitchFamily="34" charset="-127"/>
-            </a:endParaRPr>
-          </a:p>
-          <a:p>
-            <a:pPr lvl="1">
-              <a:lnSpc>
-                <a:spcPct val="150000"/>
-              </a:lnSpc>
-            </a:pPr>
-            <a:r>
-              <a:rPr lang="en-US" altLang="ko-KR" sz="1400" dirty="0">
-                <a:latin typeface="에스코어 드림 3 Light" panose="020B0303030302020204" pitchFamily="34" charset="-127"/>
-                <a:ea typeface="에스코어 드림 3 Light" panose="020B0303030302020204" pitchFamily="34" charset="-127"/>
-              </a:rPr>
-              <a:t>- Python 3.6 </a:t>
-            </a:r>
-            <a:r>
-              <a:rPr lang="ko-KR" altLang="en-US" sz="1400" dirty="0">
-                <a:latin typeface="에스코어 드림 3 Light" panose="020B0303030302020204" pitchFamily="34" charset="-127"/>
-                <a:ea typeface="에스코어 드림 3 Light" panose="020B0303030302020204" pitchFamily="34" charset="-127"/>
-              </a:rPr>
-              <a:t>또는 </a:t>
-            </a:r>
-            <a:r>
-              <a:rPr lang="en-US" altLang="ko-KR" sz="1400" dirty="0">
-                <a:latin typeface="에스코어 드림 3 Light" panose="020B0303030302020204" pitchFamily="34" charset="-127"/>
-                <a:ea typeface="에스코어 드림 3 Light" panose="020B0303030302020204" pitchFamily="34" charset="-127"/>
-              </a:rPr>
-              <a:t>3.7 </a:t>
-            </a:r>
-            <a:r>
-              <a:rPr lang="ko-KR" altLang="en-US" sz="1400" dirty="0">
-                <a:latin typeface="에스코어 드림 3 Light" panose="020B0303030302020204" pitchFamily="34" charset="-127"/>
-                <a:ea typeface="에스코어 드림 3 Light" panose="020B0303030302020204" pitchFamily="34" charset="-127"/>
-              </a:rPr>
-              <a:t>버전 설치</a:t>
-            </a:r>
-            <a:endParaRPr lang="en-US" altLang="ko-KR" sz="1400" dirty="0">
-              <a:latin typeface="에스코어 드림 3 Light" panose="020B0303030302020204" pitchFamily="34" charset="-127"/>
-              <a:ea typeface="에스코어 드림 3 Light" panose="020B0303030302020204" pitchFamily="34" charset="-127"/>
-            </a:endParaRPr>
-          </a:p>
-          <a:p>
-            <a:r>
-              <a:rPr lang="en-US" altLang="ko-KR" dirty="0"/>
-              <a:t> </a:t>
-            </a:r>
-            <a:r>
-              <a:rPr lang="ko-KR" altLang="en-US" dirty="0"/>
-              <a:t>네트워크 정책 설정 필요</a:t>
-            </a:r>
             <a:endParaRPr lang="en-US" altLang="ko-KR" dirty="0"/>
           </a:p>
           <a:p>
-            <a:pPr lvl="1">
-              <a:lnSpc>
-                <a:spcPct val="150000"/>
-              </a:lnSpc>
-            </a:pPr>
-            <a:r>
-              <a:rPr lang="en-US" altLang="ko-KR" sz="1400" dirty="0">
-                <a:latin typeface="에스코어 드림 3 Light" panose="020B0303030302020204" pitchFamily="34" charset="-127"/>
-                <a:ea typeface="에스코어 드림 3 Light" panose="020B0303030302020204" pitchFamily="34" charset="-127"/>
-              </a:rPr>
-              <a:t>- inbound </a:t>
-            </a:r>
-            <a:r>
-              <a:rPr lang="ko-KR" altLang="en-US" sz="1400" dirty="0">
-                <a:latin typeface="에스코어 드림 3 Light" panose="020B0303030302020204" pitchFamily="34" charset="-127"/>
-                <a:ea typeface="에스코어 드림 3 Light" panose="020B0303030302020204" pitchFamily="34" charset="-127"/>
-              </a:rPr>
-              <a:t>포트 허용 정책</a:t>
-            </a:r>
-          </a:p>
-          <a:p>
-            <a:pPr lvl="1">
-              <a:lnSpc>
-                <a:spcPct val="150000"/>
-              </a:lnSpc>
-            </a:pPr>
-            <a:r>
-              <a:rPr lang="en-US" altLang="ko-KR" sz="1400" dirty="0">
-                <a:latin typeface="에스코어 드림 3 Light" panose="020B0303030302020204" pitchFamily="34" charset="-127"/>
-                <a:ea typeface="에스코어 드림 3 Light" panose="020B0303030302020204" pitchFamily="34" charset="-127"/>
-              </a:rPr>
-              <a:t>	OPCUA(4840), Gateway Web(5000), SSH(22)</a:t>
-            </a:r>
-          </a:p>
-          <a:p>
-            <a:pPr lvl="1">
-              <a:lnSpc>
-                <a:spcPct val="150000"/>
-              </a:lnSpc>
-            </a:pPr>
-            <a:r>
-              <a:rPr lang="en-US" altLang="ko-KR" sz="1400" dirty="0">
-                <a:latin typeface="에스코어 드림 3 Light" panose="020B0303030302020204" pitchFamily="34" charset="-127"/>
-                <a:ea typeface="에스코어 드림 3 Light" panose="020B0303030302020204" pitchFamily="34" charset="-127"/>
-              </a:rPr>
-              <a:t>-Outbound </a:t>
-            </a:r>
-            <a:r>
-              <a:rPr lang="ko-KR" altLang="en-US" sz="1400" dirty="0">
-                <a:latin typeface="에스코어 드림 3 Light" panose="020B0303030302020204" pitchFamily="34" charset="-127"/>
-                <a:ea typeface="에스코어 드림 3 Light" panose="020B0303030302020204" pitchFamily="34" charset="-127"/>
-              </a:rPr>
-              <a:t>허용 정책</a:t>
-            </a:r>
-          </a:p>
-          <a:p>
-            <a:pPr lvl="1">
-              <a:lnSpc>
-                <a:spcPct val="150000"/>
-              </a:lnSpc>
-            </a:pPr>
-            <a:r>
-              <a:rPr lang="en-US" altLang="ko-KR" sz="1400" dirty="0">
-                <a:latin typeface="에스코어 드림 3 Light" panose="020B0303030302020204" pitchFamily="34" charset="-127"/>
-                <a:ea typeface="에스코어 드림 3 Light" panose="020B0303030302020204" pitchFamily="34" charset="-127"/>
-              </a:rPr>
-              <a:t>	REST http(80), MQTT(1883), https(443), AMQP(5672)</a:t>
-            </a:r>
+            <a:pPr marL="238125" indent="-171450"/>
+            <a:endParaRPr lang="en-US" altLang="ko-KR" sz="600" dirty="0"/>
           </a:p>
         </p:txBody>
       </p:sp>
     </p:spTree>
     <p:extLst>
       <p:ext uri="{BB962C8B-B14F-4D97-AF65-F5344CB8AC3E}">
-        <p14:creationId xmlns:p14="http://schemas.microsoft.com/office/powerpoint/2010/main" val="1917774355"/>
+        <p14:creationId xmlns:p14="http://schemas.microsoft.com/office/powerpoint/2010/main" val="964151073"/>
       </p:ext>
     </p:extLst>
   </p:cSld>
@@ -13014,1127 +11641,7 @@
 </p:sld>
 </file>
 
-<file path=ppt/slides/slide5.xml><?xml version="1.0" encoding="utf-8"?>
-<p:sld xmlns:a="http://schemas.openxmlformats.org/drawingml/2006/main" xmlns:r="http://schemas.openxmlformats.org/officeDocument/2006/relationships" xmlns:p="http://schemas.openxmlformats.org/presentationml/2006/main">
-  <p:cSld>
-    <p:spTree>
-      <p:nvGrpSpPr>
-        <p:cNvPr id="1" name=""/>
-        <p:cNvGrpSpPr/>
-        <p:nvPr/>
-      </p:nvGrpSpPr>
-      <p:grpSpPr>
-        <a:xfrm>
-          <a:off x="0" y="0"/>
-          <a:ext cx="0" cy="0"/>
-          <a:chOff x="0" y="0"/>
-          <a:chExt cx="0" cy="0"/>
-        </a:xfrm>
-      </p:grpSpPr>
-      <p:sp>
-        <p:nvSpPr>
-          <p:cNvPr id="5" name="TextBox 4">
-            <a:extLst>
-              <a:ext uri="{FF2B5EF4-FFF2-40B4-BE49-F238E27FC236}">
-                <a16:creationId xmlns:a16="http://schemas.microsoft.com/office/drawing/2014/main" id="{AEE86A50-5F8F-2B12-0C7C-1CBCC65F9913}"/>
-              </a:ext>
-            </a:extLst>
-          </p:cNvPr>
-          <p:cNvSpPr txBox="1"/>
-          <p:nvPr/>
-        </p:nvSpPr>
-        <p:spPr>
-          <a:xfrm>
-            <a:off x="387532" y="292038"/>
-            <a:ext cx="6165668" cy="400110"/>
-          </a:xfrm>
-          <a:prstGeom prst="rect">
-            <a:avLst/>
-          </a:prstGeom>
-          <a:noFill/>
-        </p:spPr>
-        <p:txBody>
-          <a:bodyPr wrap="square">
-            <a:spAutoFit/>
-          </a:bodyPr>
-          <a:lstStyle/>
-          <a:p>
-            <a:r>
-              <a:rPr kumimoji="1" lang="en-US" altLang="ko-KR" sz="2000" b="1" dirty="0">
-                <a:solidFill>
-                  <a:schemeClr val="bg1"/>
-                </a:solidFill>
-                <a:latin typeface="에스코어 드림 6 Bold" panose="020B0703030302020204" pitchFamily="34" charset="-127"/>
-                <a:ea typeface="에스코어 드림 6 Bold" panose="020B0703030302020204" pitchFamily="34" charset="-127"/>
-              </a:rPr>
-              <a:t>Environment Settings</a:t>
-            </a:r>
-            <a:endParaRPr lang="ko-KR" altLang="en-US" sz="2000" b="1" dirty="0">
-              <a:solidFill>
-                <a:schemeClr val="bg1"/>
-              </a:solidFill>
-              <a:latin typeface="에스코어 드림 6 Bold" panose="020B0703030302020204" pitchFamily="34" charset="-127"/>
-              <a:ea typeface="에스코어 드림 6 Bold" panose="020B0703030302020204" pitchFamily="34" charset="-127"/>
-            </a:endParaRPr>
-          </a:p>
-        </p:txBody>
-      </p:sp>
-      <p:sp>
-        <p:nvSpPr>
-          <p:cNvPr id="10" name="TextBox 9">
-            <a:extLst>
-              <a:ext uri="{FF2B5EF4-FFF2-40B4-BE49-F238E27FC236}">
-                <a16:creationId xmlns:a16="http://schemas.microsoft.com/office/drawing/2014/main" id="{AF7FFEEC-C37D-8319-6039-8462C607966D}"/>
-              </a:ext>
-            </a:extLst>
-          </p:cNvPr>
-          <p:cNvSpPr txBox="1"/>
-          <p:nvPr/>
-        </p:nvSpPr>
-        <p:spPr>
-          <a:xfrm>
-            <a:off x="394629" y="846886"/>
-            <a:ext cx="11402741" cy="6465809"/>
-          </a:xfrm>
-          <a:prstGeom prst="rect">
-            <a:avLst/>
-          </a:prstGeom>
-          <a:noFill/>
-        </p:spPr>
-        <p:txBody>
-          <a:bodyPr wrap="square">
-            <a:spAutoFit/>
-          </a:bodyPr>
-          <a:lstStyle>
-            <a:defPPr>
-              <a:defRPr lang="ko-KR"/>
-            </a:defPPr>
-            <a:lvl1pPr marL="66675" marR="0" lvl="0" indent="-66675" fontAlgn="auto">
-              <a:lnSpc>
-                <a:spcPts val="1750"/>
-              </a:lnSpc>
-              <a:spcBef>
-                <a:spcPts val="600"/>
-              </a:spcBef>
-              <a:spcAft>
-                <a:spcPts val="0"/>
-              </a:spcAft>
-              <a:buClrTx/>
-              <a:buSzTx/>
-              <a:buFont typeface="Wingdings" panose="05000000000000000000" pitchFamily="2" charset="2"/>
-              <a:buChar char="§"/>
-              <a:tabLst/>
-              <a:defRPr kumimoji="0" sz="1400" b="0" i="0" u="none" strike="noStrike" cap="none" spc="0" normalizeH="0" baseline="0">
-                <a:ln>
-                  <a:noFill/>
-                </a:ln>
-                <a:effectLst/>
-                <a:uLnTx/>
-                <a:uFillTx/>
-                <a:latin typeface="에스코어 드림 4 Regular" panose="020B0503030302020204" pitchFamily="34" charset="-127"/>
-                <a:ea typeface="에스코어 드림 4 Regular" panose="020B0503030302020204" pitchFamily="34" charset="-127"/>
-              </a:defRPr>
-            </a:lvl1pPr>
-          </a:lstStyle>
-          <a:p>
-            <a:r>
-              <a:rPr lang="ko-KR" altLang="en-US" dirty="0">
-                <a:latin typeface="에스코어 드림 3 Light" panose="020B0303030302020204" pitchFamily="34" charset="-127"/>
-                <a:ea typeface="에스코어 드림 3 Light" panose="020B0303030302020204" pitchFamily="34" charset="-127"/>
-              </a:rPr>
-              <a:t> 설치된 </a:t>
-            </a:r>
-            <a:r>
-              <a:rPr lang="en-US" altLang="ko-KR" dirty="0">
-                <a:latin typeface="에스코어 드림 3 Light" panose="020B0303030302020204" pitchFamily="34" charset="-127"/>
-                <a:ea typeface="에스코어 드림 3 Light" panose="020B0303030302020204" pitchFamily="34" charset="-127"/>
-              </a:rPr>
-              <a:t>OS</a:t>
-            </a:r>
-            <a:r>
-              <a:rPr lang="ko-KR" altLang="en-US" dirty="0">
-                <a:latin typeface="에스코어 드림 3 Light" panose="020B0303030302020204" pitchFamily="34" charset="-127"/>
-                <a:ea typeface="에스코어 드림 3 Light" panose="020B0303030302020204" pitchFamily="34" charset="-127"/>
-              </a:rPr>
-              <a:t>에서 사용자 계정 등 정보 셋업</a:t>
-            </a:r>
-            <a:endParaRPr lang="en-US" altLang="ko-KR" dirty="0">
-              <a:latin typeface="에스코어 드림 3 Light" panose="020B0303030302020204" pitchFamily="34" charset="-127"/>
-              <a:ea typeface="에스코어 드림 3 Light" panose="020B0303030302020204" pitchFamily="34" charset="-127"/>
-            </a:endParaRPr>
-          </a:p>
-          <a:p>
-            <a:r>
-              <a:rPr lang="en-US" altLang="ko-KR" sz="1400" dirty="0">
-                <a:latin typeface="에스코어 드림 3 Light" panose="020B0303030302020204" pitchFamily="34" charset="-127"/>
-                <a:ea typeface="에스코어 드림 3 Light" panose="020B0303030302020204" pitchFamily="34" charset="-127"/>
-              </a:rPr>
-              <a:t> admin </a:t>
-            </a:r>
-            <a:r>
-              <a:rPr lang="ko-KR" altLang="en-US" sz="1400">
-                <a:latin typeface="에스코어 드림 3 Light" panose="020B0303030302020204" pitchFamily="34" charset="-127"/>
-                <a:ea typeface="에스코어 드림 3 Light" panose="020B0303030302020204" pitchFamily="34" charset="-127"/>
-              </a:rPr>
-              <a:t>계정 생성 </a:t>
-            </a:r>
-            <a:r>
-              <a:rPr lang="en-US" altLang="ko-KR" sz="1100" b="1">
-                <a:solidFill>
-                  <a:srgbClr val="FF0000"/>
-                </a:solidFill>
-                <a:latin typeface="에스코어 드림 3 Light" panose="020B0303030302020204" pitchFamily="34" charset="-127"/>
-                <a:ea typeface="에스코어 드림 3 Light" panose="020B0303030302020204" pitchFamily="34" charset="-127"/>
-              </a:rPr>
-              <a:t>※ </a:t>
-            </a:r>
-            <a:r>
-              <a:rPr lang="ko-KR" altLang="en-US" sz="1100" b="1">
-                <a:solidFill>
-                  <a:srgbClr val="FF0000"/>
-                </a:solidFill>
-                <a:latin typeface="에스코어 드림 3 Light" panose="020B0303030302020204" pitchFamily="34" charset="-127"/>
-                <a:ea typeface="에스코어 드림 3 Light" panose="020B0303030302020204" pitchFamily="34" charset="-127"/>
-              </a:rPr>
-              <a:t>모든 설치 및 동작은 </a:t>
-            </a:r>
-            <a:r>
-              <a:rPr lang="en-US" altLang="ko-KR" sz="1100" b="1">
-                <a:solidFill>
-                  <a:srgbClr val="FF0000"/>
-                </a:solidFill>
-                <a:latin typeface="에스코어 드림 3 Light" panose="020B0303030302020204" pitchFamily="34" charset="-127"/>
-                <a:ea typeface="에스코어 드림 3 Light" panose="020B0303030302020204" pitchFamily="34" charset="-127"/>
-              </a:rPr>
-              <a:t>admin </a:t>
-            </a:r>
-            <a:r>
-              <a:rPr lang="ko-KR" altLang="en-US" sz="1100" b="1">
-                <a:solidFill>
-                  <a:srgbClr val="FF0000"/>
-                </a:solidFill>
-                <a:latin typeface="에스코어 드림 3 Light" panose="020B0303030302020204" pitchFamily="34" charset="-127"/>
-                <a:ea typeface="에스코어 드림 3 Light" panose="020B0303030302020204" pitchFamily="34" charset="-127"/>
-              </a:rPr>
-              <a:t>계정으로 진행됩니다</a:t>
-            </a:r>
-            <a:endParaRPr lang="en-US" altLang="ko-KR" sz="1100" b="1" dirty="0">
-              <a:solidFill>
-                <a:srgbClr val="FF0000"/>
-              </a:solidFill>
-              <a:latin typeface="에스코어 드림 3 Light" panose="020B0303030302020204" pitchFamily="34" charset="-127"/>
-              <a:ea typeface="에스코어 드림 3 Light" panose="020B0303030302020204" pitchFamily="34" charset="-127"/>
-            </a:endParaRPr>
-          </a:p>
-          <a:p>
-            <a:pPr marL="0" indent="0">
-              <a:buNone/>
-            </a:pPr>
-            <a:r>
-              <a:rPr lang="en" altLang="ko-Kore-KR" b="1" dirty="0">
-                <a:latin typeface="에스코어 드림 3 Light" panose="020B0303030302020204" pitchFamily="34" charset="-127"/>
-                <a:ea typeface="에스코어 드림 3 Light" panose="020B0303030302020204" pitchFamily="34" charset="-127"/>
-              </a:rPr>
-              <a:t>    - </a:t>
-            </a:r>
-            <a:r>
-              <a:rPr lang="en" altLang="ko-Kore-KR" sz="1400" b="1" dirty="0">
-                <a:latin typeface="에스코어 드림 3 Light" panose="020B0303030302020204" pitchFamily="34" charset="-127"/>
-                <a:ea typeface="에스코어 드림 3 Light" panose="020B0303030302020204" pitchFamily="34" charset="-127"/>
-              </a:rPr>
-              <a:t> </a:t>
-            </a:r>
-            <a:r>
-              <a:rPr lang="en" altLang="ko-Kore-KR" sz="1400" b="1" dirty="0">
-                <a:solidFill>
-                  <a:srgbClr val="34BC26"/>
-                </a:solidFill>
-                <a:latin typeface="에스코어 드림 3 Light" panose="020B0303030302020204" pitchFamily="34" charset="-127"/>
-                <a:ea typeface="에스코어 드림 3 Light" panose="020B0303030302020204" pitchFamily="34" charset="-127"/>
-              </a:rPr>
-              <a:t>admin@gateway</a:t>
-            </a:r>
-            <a:r>
-              <a:rPr lang="en" altLang="ko-Kore-KR" sz="1400" dirty="0">
-                <a:solidFill>
-                  <a:srgbClr val="000000"/>
-                </a:solidFill>
-                <a:latin typeface="에스코어 드림 3 Light" panose="020B0303030302020204" pitchFamily="34" charset="-127"/>
-                <a:ea typeface="에스코어 드림 3 Light" panose="020B0303030302020204" pitchFamily="34" charset="-127"/>
-              </a:rPr>
-              <a:t>:</a:t>
-            </a:r>
-            <a:r>
-              <a:rPr lang="en" altLang="ko-Kore-KR" sz="1400" b="1" dirty="0">
-                <a:solidFill>
-                  <a:srgbClr val="5230E1"/>
-                </a:solidFill>
-                <a:latin typeface="에스코어 드림 3 Light" panose="020B0303030302020204" pitchFamily="34" charset="-127"/>
-                <a:ea typeface="에스코어 드림 3 Light" panose="020B0303030302020204" pitchFamily="34" charset="-127"/>
-              </a:rPr>
-              <a:t>~</a:t>
-            </a:r>
-            <a:r>
-              <a:rPr lang="en" altLang="ko-Kore-KR" sz="1400" dirty="0">
-                <a:solidFill>
-                  <a:srgbClr val="000000"/>
-                </a:solidFill>
-                <a:latin typeface="에스코어 드림 3 Light" panose="020B0303030302020204" pitchFamily="34" charset="-127"/>
-                <a:ea typeface="에스코어 드림 3 Light" panose="020B0303030302020204" pitchFamily="34" charset="-127"/>
-              </a:rPr>
-              <a:t>$ sudo adduser admin</a:t>
-            </a:r>
-            <a:endParaRPr lang="en-US" altLang="ko-KR" sz="1400" dirty="0">
-              <a:latin typeface="에스코어 드림 3 Light" panose="020B0303030302020204" pitchFamily="34" charset="-127"/>
-              <a:ea typeface="에스코어 드림 3 Light" panose="020B0303030302020204" pitchFamily="34" charset="-127"/>
-            </a:endParaRPr>
-          </a:p>
-          <a:p>
-            <a:r>
-              <a:rPr lang="en-US" altLang="ko-KR" dirty="0">
-                <a:latin typeface="에스코어 드림 3 Light" panose="020B0303030302020204" pitchFamily="34" charset="-127"/>
-                <a:ea typeface="에스코어 드림 3 Light" panose="020B0303030302020204" pitchFamily="34" charset="-127"/>
-              </a:rPr>
-              <a:t> </a:t>
-            </a:r>
-            <a:r>
-              <a:rPr lang="ko-KR" altLang="en-US" dirty="0">
-                <a:latin typeface="에스코어 드림 3 Light" panose="020B0303030302020204" pitchFamily="34" charset="-127"/>
-                <a:ea typeface="에스코어 드림 3 Light" panose="020B0303030302020204" pitchFamily="34" charset="-127"/>
-              </a:rPr>
-              <a:t>유저 권한을 </a:t>
-            </a:r>
-            <a:r>
-              <a:rPr lang="en-US" altLang="ko-KR" dirty="0" err="1">
-                <a:latin typeface="에스코어 드림 3 Light" panose="020B0303030302020204" pitchFamily="34" charset="-127"/>
-                <a:ea typeface="에스코어 드림 3 Light" panose="020B0303030302020204" pitchFamily="34" charset="-127"/>
-              </a:rPr>
-              <a:t>su</a:t>
-            </a:r>
-            <a:r>
-              <a:rPr lang="ko-KR" altLang="en-US" dirty="0">
-                <a:latin typeface="에스코어 드림 3 Light" panose="020B0303030302020204" pitchFamily="34" charset="-127"/>
-                <a:ea typeface="에스코어 드림 3 Light" panose="020B0303030302020204" pitchFamily="34" charset="-127"/>
-              </a:rPr>
-              <a:t>로 설정</a:t>
-            </a:r>
-            <a:endParaRPr lang="en-US" altLang="ko-KR" dirty="0">
-              <a:latin typeface="에스코어 드림 3 Light" panose="020B0303030302020204" pitchFamily="34" charset="-127"/>
-              <a:ea typeface="에스코어 드림 3 Light" panose="020B0303030302020204" pitchFamily="34" charset="-127"/>
-            </a:endParaRPr>
-          </a:p>
-          <a:p>
-            <a:pPr marL="0" indent="0">
-              <a:buNone/>
-            </a:pPr>
-            <a:r>
-              <a:rPr lang="en" altLang="ko-Kore-KR" b="1" dirty="0">
-                <a:latin typeface="에스코어 드림 3 Light" panose="020B0303030302020204" pitchFamily="34" charset="-127"/>
-                <a:ea typeface="에스코어 드림 3 Light" panose="020B0303030302020204" pitchFamily="34" charset="-127"/>
-              </a:rPr>
-              <a:t>    - </a:t>
-            </a:r>
-            <a:r>
-              <a:rPr lang="en" altLang="ko-Kore-KR" sz="1400" b="1" dirty="0">
-                <a:latin typeface="에스코어 드림 3 Light" panose="020B0303030302020204" pitchFamily="34" charset="-127"/>
-                <a:ea typeface="에스코어 드림 3 Light" panose="020B0303030302020204" pitchFamily="34" charset="-127"/>
-              </a:rPr>
-              <a:t> </a:t>
-            </a:r>
-            <a:r>
-              <a:rPr lang="en" altLang="ko-Kore-KR" sz="1400" b="1" dirty="0">
-                <a:solidFill>
-                  <a:srgbClr val="34BC26"/>
-                </a:solidFill>
-                <a:latin typeface="에스코어 드림 3 Light" panose="020B0303030302020204" pitchFamily="34" charset="-127"/>
-                <a:ea typeface="에스코어 드림 3 Light" panose="020B0303030302020204" pitchFamily="34" charset="-127"/>
-              </a:rPr>
-              <a:t>admin@gateway</a:t>
-            </a:r>
-            <a:r>
-              <a:rPr lang="en" altLang="ko-Kore-KR" sz="1400" dirty="0">
-                <a:solidFill>
-                  <a:srgbClr val="000000"/>
-                </a:solidFill>
-                <a:latin typeface="에스코어 드림 3 Light" panose="020B0303030302020204" pitchFamily="34" charset="-127"/>
-                <a:ea typeface="에스코어 드림 3 Light" panose="020B0303030302020204" pitchFamily="34" charset="-127"/>
-              </a:rPr>
-              <a:t>:</a:t>
-            </a:r>
-            <a:r>
-              <a:rPr lang="en" altLang="ko-Kore-KR" sz="1400" b="1" dirty="0">
-                <a:solidFill>
-                  <a:srgbClr val="5230E1"/>
-                </a:solidFill>
-                <a:latin typeface="에스코어 드림 3 Light" panose="020B0303030302020204" pitchFamily="34" charset="-127"/>
-                <a:ea typeface="에스코어 드림 3 Light" panose="020B0303030302020204" pitchFamily="34" charset="-127"/>
-              </a:rPr>
-              <a:t>~</a:t>
-            </a:r>
-            <a:r>
-              <a:rPr lang="en" altLang="ko-Kore-KR" sz="1400" dirty="0">
-                <a:solidFill>
-                  <a:srgbClr val="000000"/>
-                </a:solidFill>
-                <a:latin typeface="에스코어 드림 3 Light" panose="020B0303030302020204" pitchFamily="34" charset="-127"/>
-                <a:ea typeface="에스코어 드림 3 Light" panose="020B0303030302020204" pitchFamily="34" charset="-127"/>
-              </a:rPr>
-              <a:t>$ sudo usermod –aG sudo admin</a:t>
-            </a:r>
-            <a:endParaRPr lang="en-US" altLang="ko-KR" dirty="0">
-              <a:latin typeface="에스코어 드림 3 Light" panose="020B0303030302020204" pitchFamily="34" charset="-127"/>
-              <a:ea typeface="에스코어 드림 3 Light" panose="020B0303030302020204" pitchFamily="34" charset="-127"/>
-            </a:endParaRPr>
-          </a:p>
-          <a:p>
-            <a:r>
-              <a:rPr lang="en-US" altLang="ko-KR" sz="1400" dirty="0">
-                <a:latin typeface="에스코어 드림 3 Light" panose="020B0303030302020204" pitchFamily="34" charset="-127"/>
-                <a:ea typeface="에스코어 드림 3 Light" panose="020B0303030302020204" pitchFamily="34" charset="-127"/>
-              </a:rPr>
-              <a:t> </a:t>
-            </a:r>
-            <a:r>
-              <a:rPr lang="ko-KR" altLang="en-US" sz="1400" dirty="0">
-                <a:latin typeface="에스코어 드림 3 Light" panose="020B0303030302020204" pitchFamily="34" charset="-127"/>
-                <a:ea typeface="에스코어 드림 3 Light" panose="020B0303030302020204" pitchFamily="34" charset="-127"/>
-              </a:rPr>
-              <a:t>암호 입력 없이 </a:t>
-            </a:r>
-            <a:r>
-              <a:rPr lang="en-US" altLang="ko-KR" sz="1400" dirty="0" err="1">
-                <a:latin typeface="에스코어 드림 3 Light" panose="020B0303030302020204" pitchFamily="34" charset="-127"/>
-                <a:ea typeface="에스코어 드림 3 Light" panose="020B0303030302020204" pitchFamily="34" charset="-127"/>
-              </a:rPr>
-              <a:t>sudo</a:t>
-            </a:r>
-            <a:r>
-              <a:rPr lang="en-US" altLang="ko-KR" sz="1400" dirty="0">
-                <a:latin typeface="에스코어 드림 3 Light" panose="020B0303030302020204" pitchFamily="34" charset="-127"/>
-                <a:ea typeface="에스코어 드림 3 Light" panose="020B0303030302020204" pitchFamily="34" charset="-127"/>
-              </a:rPr>
-              <a:t> </a:t>
-            </a:r>
-            <a:r>
-              <a:rPr lang="ko-KR" altLang="en-US" sz="1400" dirty="0">
-                <a:latin typeface="에스코어 드림 3 Light" panose="020B0303030302020204" pitchFamily="34" charset="-127"/>
-                <a:ea typeface="에스코어 드림 3 Light" panose="020B0303030302020204" pitchFamily="34" charset="-127"/>
-              </a:rPr>
-              <a:t>명령어 사용 가능하도록 설정</a:t>
-            </a:r>
-            <a:endParaRPr lang="en-US" altLang="ko-KR" sz="1400" dirty="0">
-              <a:latin typeface="에스코어 드림 3 Light" panose="020B0303030302020204" pitchFamily="34" charset="-127"/>
-              <a:ea typeface="에스코어 드림 3 Light" panose="020B0303030302020204" pitchFamily="34" charset="-127"/>
-            </a:endParaRPr>
-          </a:p>
-          <a:p>
-            <a:pPr marL="0" indent="0">
-              <a:buNone/>
-            </a:pPr>
-            <a:r>
-              <a:rPr lang="en" altLang="ko-Kore-KR" b="1" dirty="0">
-                <a:latin typeface="에스코어 드림 3 Light" panose="020B0303030302020204" pitchFamily="34" charset="-127"/>
-                <a:ea typeface="에스코어 드림 3 Light" panose="020B0303030302020204" pitchFamily="34" charset="-127"/>
-              </a:rPr>
-              <a:t>    - </a:t>
-            </a:r>
-            <a:r>
-              <a:rPr lang="en" altLang="ko-Kore-KR" sz="1400" b="1" dirty="0">
-                <a:latin typeface="에스코어 드림 3 Light" panose="020B0303030302020204" pitchFamily="34" charset="-127"/>
-                <a:ea typeface="에스코어 드림 3 Light" panose="020B0303030302020204" pitchFamily="34" charset="-127"/>
-              </a:rPr>
-              <a:t> </a:t>
-            </a:r>
-            <a:r>
-              <a:rPr lang="en" altLang="ko-Kore-KR" sz="1400" b="1" dirty="0">
-                <a:solidFill>
-                  <a:srgbClr val="34BC26"/>
-                </a:solidFill>
-                <a:latin typeface="에스코어 드림 3 Light" panose="020B0303030302020204" pitchFamily="34" charset="-127"/>
-                <a:ea typeface="에스코어 드림 3 Light" panose="020B0303030302020204" pitchFamily="34" charset="-127"/>
-              </a:rPr>
-              <a:t>admin@gateway</a:t>
-            </a:r>
-            <a:r>
-              <a:rPr lang="en" altLang="ko-Kore-KR" sz="1400" dirty="0">
-                <a:solidFill>
-                  <a:srgbClr val="000000"/>
-                </a:solidFill>
-                <a:latin typeface="에스코어 드림 3 Light" panose="020B0303030302020204" pitchFamily="34" charset="-127"/>
-                <a:ea typeface="에스코어 드림 3 Light" panose="020B0303030302020204" pitchFamily="34" charset="-127"/>
-              </a:rPr>
-              <a:t>:</a:t>
-            </a:r>
-            <a:r>
-              <a:rPr lang="en" altLang="ko-Kore-KR" sz="1400" b="1" dirty="0">
-                <a:solidFill>
-                  <a:srgbClr val="5230E1"/>
-                </a:solidFill>
-                <a:latin typeface="에스코어 드림 3 Light" panose="020B0303030302020204" pitchFamily="34" charset="-127"/>
-                <a:ea typeface="에스코어 드림 3 Light" panose="020B0303030302020204" pitchFamily="34" charset="-127"/>
-              </a:rPr>
-              <a:t>~</a:t>
-            </a:r>
-            <a:r>
-              <a:rPr lang="en" altLang="ko-Kore-KR" sz="1400" dirty="0">
-                <a:solidFill>
-                  <a:srgbClr val="000000"/>
-                </a:solidFill>
-                <a:latin typeface="에스코어 드림 3 Light" panose="020B0303030302020204" pitchFamily="34" charset="-127"/>
-                <a:ea typeface="에스코어 드림 3 Light" panose="020B0303030302020204" pitchFamily="34" charset="-127"/>
-              </a:rPr>
-              <a:t>$ sudo visudo </a:t>
-            </a:r>
-            <a:r>
-              <a:rPr lang="ko-KR" altLang="en-US" dirty="0">
-                <a:solidFill>
-                  <a:srgbClr val="000000"/>
-                </a:solidFill>
-                <a:latin typeface="에스코어 드림 3 Light" panose="020B0303030302020204" pitchFamily="34" charset="-127"/>
-                <a:ea typeface="에스코어 드림 3 Light" panose="020B0303030302020204" pitchFamily="34" charset="-127"/>
-              </a:rPr>
-              <a:t>입력 후</a:t>
-            </a:r>
-            <a:r>
-              <a:rPr lang="en-US" altLang="ko-KR" dirty="0">
-                <a:solidFill>
-                  <a:srgbClr val="000000"/>
-                </a:solidFill>
-                <a:latin typeface="에스코어 드림 3 Light" panose="020B0303030302020204" pitchFamily="34" charset="-127"/>
-                <a:ea typeface="에스코어 드림 3 Light" panose="020B0303030302020204" pitchFamily="34" charset="-127"/>
-              </a:rPr>
-              <a:t> </a:t>
-            </a:r>
-            <a:r>
-              <a:rPr lang="ko-KR" altLang="en-US" dirty="0">
-                <a:solidFill>
-                  <a:srgbClr val="000000"/>
-                </a:solidFill>
-                <a:latin typeface="에스코어 드림 3 Light" panose="020B0303030302020204" pitchFamily="34" charset="-127"/>
-                <a:ea typeface="에스코어 드림 3 Light" panose="020B0303030302020204" pitchFamily="34" charset="-127"/>
-              </a:rPr>
-              <a:t>맨 아랫줄에 </a:t>
-            </a:r>
-            <a:r>
-              <a:rPr lang="en-US" altLang="ko-KR" sz="1400" dirty="0">
-                <a:solidFill>
-                  <a:srgbClr val="000000"/>
-                </a:solidFill>
-                <a:latin typeface="에스코어 드림 3 Light" panose="020B0303030302020204" pitchFamily="34" charset="-127"/>
-                <a:ea typeface="에스코어 드림 3 Light" panose="020B0303030302020204" pitchFamily="34" charset="-127"/>
-              </a:rPr>
-              <a:t>admin ALL=NOPASSWD:ALL</a:t>
-            </a:r>
-            <a:r>
-              <a:rPr lang="en" altLang="ko-KR" dirty="0">
-                <a:solidFill>
-                  <a:srgbClr val="000000"/>
-                </a:solidFill>
-                <a:latin typeface="에스코어 드림 3 Light" panose="020B0303030302020204" pitchFamily="34" charset="-127"/>
-                <a:ea typeface="에스코어 드림 3 Light" panose="020B0303030302020204" pitchFamily="34" charset="-127"/>
-              </a:rPr>
-              <a:t> </a:t>
-            </a:r>
-            <a:r>
-              <a:rPr lang="ko-KR" altLang="en-US" dirty="0">
-                <a:solidFill>
-                  <a:srgbClr val="000000"/>
-                </a:solidFill>
-                <a:latin typeface="에스코어 드림 3 Light" panose="020B0303030302020204" pitchFamily="34" charset="-127"/>
-                <a:ea typeface="에스코어 드림 3 Light" panose="020B0303030302020204" pitchFamily="34" charset="-127"/>
-              </a:rPr>
-              <a:t>추가하여 저장</a:t>
-            </a:r>
-            <a:endParaRPr lang="en-US" altLang="ko-KR" dirty="0">
-              <a:solidFill>
-                <a:srgbClr val="000000"/>
-              </a:solidFill>
-              <a:latin typeface="에스코어 드림 3 Light" panose="020B0303030302020204" pitchFamily="34" charset="-127"/>
-              <a:ea typeface="에스코어 드림 3 Light" panose="020B0303030302020204" pitchFamily="34" charset="-127"/>
-            </a:endParaRPr>
-          </a:p>
-          <a:p>
-            <a:pPr marL="0" indent="0">
-              <a:buNone/>
-            </a:pPr>
-            <a:endParaRPr lang="en-US" altLang="ko-KR" sz="1400" dirty="0">
-              <a:latin typeface="에스코어 드림 3 Light" panose="020B0303030302020204" pitchFamily="34" charset="-127"/>
-              <a:ea typeface="에스코어 드림 3 Light" panose="020B0303030302020204" pitchFamily="34" charset="-127"/>
-            </a:endParaRPr>
-          </a:p>
-          <a:p>
-            <a:endParaRPr lang="en-US" altLang="ko-KR" sz="1400" dirty="0">
-              <a:latin typeface="에스코어 드림 3 Light" panose="020B0303030302020204" pitchFamily="34" charset="-127"/>
-              <a:ea typeface="에스코어 드림 3 Light" panose="020B0303030302020204" pitchFamily="34" charset="-127"/>
-            </a:endParaRPr>
-          </a:p>
-          <a:p>
-            <a:endParaRPr lang="en-US" altLang="ko-KR" dirty="0">
-              <a:latin typeface="에스코어 드림 3 Light" panose="020B0303030302020204" pitchFamily="34" charset="-127"/>
-              <a:ea typeface="에스코어 드림 3 Light" panose="020B0303030302020204" pitchFamily="34" charset="-127"/>
-            </a:endParaRPr>
-          </a:p>
-          <a:p>
-            <a:r>
-              <a:rPr lang="ko-KR" altLang="en-US" sz="1400">
-                <a:latin typeface="에스코어 드림 3 Light" panose="020B0303030302020204" pitchFamily="34" charset="-127"/>
-                <a:ea typeface="에스코어 드림 3 Light" panose="020B0303030302020204" pitchFamily="34" charset="-127"/>
-              </a:rPr>
-              <a:t> </a:t>
-            </a:r>
-            <a:r>
-              <a:rPr lang="en-US" altLang="ko-KR" sz="1400" dirty="0">
-                <a:latin typeface="에스코어 드림 3 Light" panose="020B0303030302020204" pitchFamily="34" charset="-127"/>
-                <a:ea typeface="에스코어 드림 3 Light" panose="020B0303030302020204" pitchFamily="34" charset="-127"/>
-              </a:rPr>
-              <a:t>OS </a:t>
-            </a:r>
-            <a:r>
-              <a:rPr lang="ko-KR" altLang="en-US" sz="1400" dirty="0">
-                <a:latin typeface="에스코어 드림 3 Light" panose="020B0303030302020204" pitchFamily="34" charset="-127"/>
-                <a:ea typeface="에스코어 드림 3 Light" panose="020B0303030302020204" pitchFamily="34" charset="-127"/>
-              </a:rPr>
-              <a:t>설치 시 호스트 이름을 </a:t>
-            </a:r>
-            <a:r>
-              <a:rPr lang="en-US" altLang="ko-KR" sz="1400" dirty="0">
-                <a:latin typeface="에스코어 드림 3 Light" panose="020B0303030302020204" pitchFamily="34" charset="-127"/>
-                <a:ea typeface="에스코어 드림 3 Light" panose="020B0303030302020204" pitchFamily="34" charset="-127"/>
-              </a:rPr>
-              <a:t>gateway</a:t>
-            </a:r>
-            <a:r>
-              <a:rPr lang="ko-KR" altLang="en-US" sz="1400" dirty="0">
-                <a:latin typeface="에스코어 드림 3 Light" panose="020B0303030302020204" pitchFamily="34" charset="-127"/>
-                <a:ea typeface="에스코어 드림 3 Light" panose="020B0303030302020204" pitchFamily="34" charset="-127"/>
-              </a:rPr>
-              <a:t>로 설정하지 않았으면 호스트 이름 변경</a:t>
-            </a:r>
-            <a:endParaRPr lang="en-US" altLang="ko-KR" sz="1400" dirty="0">
-              <a:latin typeface="에스코어 드림 3 Light" panose="020B0303030302020204" pitchFamily="34" charset="-127"/>
-              <a:ea typeface="에스코어 드림 3 Light" panose="020B0303030302020204" pitchFamily="34" charset="-127"/>
-            </a:endParaRPr>
-          </a:p>
-          <a:p>
-            <a:pPr marL="0" indent="0">
-              <a:buNone/>
-            </a:pPr>
-            <a:r>
-              <a:rPr lang="en" altLang="ko-Kore-KR" sz="1400" b="1" dirty="0">
-                <a:latin typeface="에스코어 드림 3 Light" panose="020B0303030302020204" pitchFamily="34" charset="-127"/>
-                <a:ea typeface="에스코어 드림 3 Light" panose="020B0303030302020204" pitchFamily="34" charset="-127"/>
-              </a:rPr>
-              <a:t>    - </a:t>
-            </a:r>
-            <a:r>
-              <a:rPr lang="en" altLang="ko-Kore-KR" sz="1400" b="1" dirty="0">
-                <a:solidFill>
-                  <a:srgbClr val="34BC26"/>
-                </a:solidFill>
-                <a:latin typeface="에스코어 드림 3 Light" panose="020B0303030302020204" pitchFamily="34" charset="-127"/>
-                <a:ea typeface="에스코어 드림 3 Light" panose="020B0303030302020204" pitchFamily="34" charset="-127"/>
-              </a:rPr>
-              <a:t>admin@gateway</a:t>
-            </a:r>
-            <a:r>
-              <a:rPr lang="en" altLang="ko-Kore-KR" sz="1400" dirty="0">
-                <a:solidFill>
-                  <a:srgbClr val="000000"/>
-                </a:solidFill>
-                <a:latin typeface="에스코어 드림 3 Light" panose="020B0303030302020204" pitchFamily="34" charset="-127"/>
-                <a:ea typeface="에스코어 드림 3 Light" panose="020B0303030302020204" pitchFamily="34" charset="-127"/>
-              </a:rPr>
-              <a:t>:</a:t>
-            </a:r>
-            <a:r>
-              <a:rPr lang="en" altLang="ko-Kore-KR" sz="1400" b="1" dirty="0">
-                <a:solidFill>
-                  <a:srgbClr val="5230E1"/>
-                </a:solidFill>
-                <a:latin typeface="에스코어 드림 3 Light" panose="020B0303030302020204" pitchFamily="34" charset="-127"/>
-                <a:ea typeface="에스코어 드림 3 Light" panose="020B0303030302020204" pitchFamily="34" charset="-127"/>
-              </a:rPr>
-              <a:t>~</a:t>
-            </a:r>
-            <a:r>
-              <a:rPr lang="en" altLang="ko-Kore-KR" sz="1400" dirty="0">
-                <a:solidFill>
-                  <a:srgbClr val="000000"/>
-                </a:solidFill>
-                <a:latin typeface="에스코어 드림 3 Light" panose="020B0303030302020204" pitchFamily="34" charset="-127"/>
-                <a:ea typeface="에스코어 드림 3 Light" panose="020B0303030302020204" pitchFamily="34" charset="-127"/>
-              </a:rPr>
-              <a:t>$ sudo vi /etc/hostname </a:t>
-            </a:r>
-            <a:r>
-              <a:rPr lang="ko-KR" altLang="en-US" sz="1400" dirty="0">
-                <a:solidFill>
-                  <a:srgbClr val="000000"/>
-                </a:solidFill>
-                <a:latin typeface="에스코어 드림 3 Light" panose="020B0303030302020204" pitchFamily="34" charset="-127"/>
-                <a:ea typeface="에스코어 드림 3 Light" panose="020B0303030302020204" pitchFamily="34" charset="-127"/>
-              </a:rPr>
-              <a:t>입력 후 호스트 </a:t>
-            </a:r>
-            <a:r>
-              <a:rPr lang="ko-KR" altLang="en-US" sz="1400">
-                <a:solidFill>
-                  <a:srgbClr val="000000"/>
-                </a:solidFill>
-                <a:latin typeface="에스코어 드림 3 Light" panose="020B0303030302020204" pitchFamily="34" charset="-127"/>
-                <a:ea typeface="에스코어 드림 3 Light" panose="020B0303030302020204" pitchFamily="34" charset="-127"/>
-              </a:rPr>
-              <a:t>이름 설정 </a:t>
-            </a:r>
-            <a:r>
-              <a:rPr lang="en-US" altLang="ko-KR" sz="1400">
-                <a:solidFill>
-                  <a:srgbClr val="000000"/>
-                </a:solidFill>
-                <a:latin typeface="에스코어 드림 3 Light" panose="020B0303030302020204" pitchFamily="34" charset="-127"/>
-                <a:ea typeface="에스코어 드림 3 Light" panose="020B0303030302020204" pitchFamily="34" charset="-127"/>
-              </a:rPr>
-              <a:t>(</a:t>
-            </a:r>
-            <a:r>
-              <a:rPr lang="ko-KR" altLang="en-US" sz="1400">
-                <a:solidFill>
-                  <a:srgbClr val="000000"/>
-                </a:solidFill>
-                <a:latin typeface="에스코어 드림 3 Light" panose="020B0303030302020204" pitchFamily="34" charset="-127"/>
-                <a:ea typeface="에스코어 드림 3 Light" panose="020B0303030302020204" pitchFamily="34" charset="-127"/>
-              </a:rPr>
-              <a:t>기존 내용 삭제 후 </a:t>
-            </a:r>
-            <a:r>
-              <a:rPr lang="en-US" altLang="ko-KR" sz="1400">
-                <a:solidFill>
-                  <a:srgbClr val="000000"/>
-                </a:solidFill>
-                <a:latin typeface="에스코어 드림 3 Light" panose="020B0303030302020204" pitchFamily="34" charset="-127"/>
-                <a:ea typeface="에스코어 드림 3 Light" panose="020B0303030302020204" pitchFamily="34" charset="-127"/>
-              </a:rPr>
-              <a:t>gateway </a:t>
-            </a:r>
-            <a:r>
-              <a:rPr lang="ko-KR" altLang="en-US" sz="1400">
-                <a:solidFill>
-                  <a:srgbClr val="000000"/>
-                </a:solidFill>
-                <a:latin typeface="에스코어 드림 3 Light" panose="020B0303030302020204" pitchFamily="34" charset="-127"/>
-                <a:ea typeface="에스코어 드림 3 Light" panose="020B0303030302020204" pitchFamily="34" charset="-127"/>
-              </a:rPr>
-              <a:t>입력</a:t>
-            </a:r>
-            <a:r>
-              <a:rPr lang="en-US" altLang="ko-KR" sz="1400">
-                <a:solidFill>
-                  <a:srgbClr val="000000"/>
-                </a:solidFill>
-                <a:latin typeface="에스코어 드림 3 Light" panose="020B0303030302020204" pitchFamily="34" charset="-127"/>
-                <a:ea typeface="에스코어 드림 3 Light" panose="020B0303030302020204" pitchFamily="34" charset="-127"/>
-              </a:rPr>
-              <a:t>)</a:t>
-            </a:r>
-            <a:endParaRPr lang="en-US" altLang="ko-KR" sz="1400" dirty="0">
-              <a:solidFill>
-                <a:srgbClr val="000000"/>
-              </a:solidFill>
-              <a:latin typeface="에스코어 드림 3 Light" panose="020B0303030302020204" pitchFamily="34" charset="-127"/>
-              <a:ea typeface="에스코어 드림 3 Light" panose="020B0303030302020204" pitchFamily="34" charset="-127"/>
-            </a:endParaRPr>
-          </a:p>
-          <a:p>
-            <a:pPr marL="0" indent="0">
-              <a:buNone/>
-            </a:pPr>
-            <a:r>
-              <a:rPr lang="en" altLang="ko-Kore-KR" sz="1400" b="1" dirty="0">
-                <a:latin typeface="에스코어 드림 3 Light" panose="020B0303030302020204" pitchFamily="34" charset="-127"/>
-                <a:ea typeface="에스코어 드림 3 Light" panose="020B0303030302020204" pitchFamily="34" charset="-127"/>
-              </a:rPr>
-              <a:t>    - </a:t>
-            </a:r>
-            <a:r>
-              <a:rPr lang="en" altLang="ko-Kore-KR" sz="1400" b="1" dirty="0">
-                <a:solidFill>
-                  <a:srgbClr val="34BC26"/>
-                </a:solidFill>
-                <a:latin typeface="에스코어 드림 3 Light" panose="020B0303030302020204" pitchFamily="34" charset="-127"/>
-                <a:ea typeface="에스코어 드림 3 Light" panose="020B0303030302020204" pitchFamily="34" charset="-127"/>
-              </a:rPr>
-              <a:t>admin@gateway</a:t>
-            </a:r>
-            <a:r>
-              <a:rPr lang="en" altLang="ko-Kore-KR" sz="1400" dirty="0">
-                <a:solidFill>
-                  <a:srgbClr val="000000"/>
-                </a:solidFill>
-                <a:latin typeface="에스코어 드림 3 Light" panose="020B0303030302020204" pitchFamily="34" charset="-127"/>
-                <a:ea typeface="에스코어 드림 3 Light" panose="020B0303030302020204" pitchFamily="34" charset="-127"/>
-              </a:rPr>
-              <a:t>:</a:t>
-            </a:r>
-            <a:r>
-              <a:rPr lang="en" altLang="ko-Kore-KR" sz="1400" b="1" dirty="0">
-                <a:solidFill>
-                  <a:srgbClr val="5230E1"/>
-                </a:solidFill>
-                <a:latin typeface="에스코어 드림 3 Light" panose="020B0303030302020204" pitchFamily="34" charset="-127"/>
-                <a:ea typeface="에스코어 드림 3 Light" panose="020B0303030302020204" pitchFamily="34" charset="-127"/>
-              </a:rPr>
-              <a:t>~</a:t>
-            </a:r>
-            <a:r>
-              <a:rPr lang="en" altLang="ko-Kore-KR" sz="1400" dirty="0">
-                <a:solidFill>
-                  <a:srgbClr val="000000"/>
-                </a:solidFill>
-                <a:latin typeface="에스코어 드림 3 Light" panose="020B0303030302020204" pitchFamily="34" charset="-127"/>
-                <a:ea typeface="에스코어 드림 3 Light" panose="020B0303030302020204" pitchFamily="34" charset="-127"/>
-              </a:rPr>
-              <a:t>$ </a:t>
-            </a:r>
-            <a:r>
-              <a:rPr lang="en-US" altLang="ko-Kore-KR" sz="1400" dirty="0" err="1">
-                <a:solidFill>
-                  <a:srgbClr val="000000"/>
-                </a:solidFill>
-                <a:latin typeface="에스코어 드림 3 Light" panose="020B0303030302020204" pitchFamily="34" charset="-127"/>
-                <a:ea typeface="에스코어 드림 3 Light" panose="020B0303030302020204" pitchFamily="34" charset="-127"/>
-              </a:rPr>
-              <a:t>sudo</a:t>
-            </a:r>
-            <a:r>
-              <a:rPr lang="ko-KR" altLang="en-US" sz="1400" dirty="0">
-                <a:solidFill>
-                  <a:srgbClr val="000000"/>
-                </a:solidFill>
-                <a:latin typeface="에스코어 드림 3 Light" panose="020B0303030302020204" pitchFamily="34" charset="-127"/>
-                <a:ea typeface="에스코어 드림 3 Light" panose="020B0303030302020204" pitchFamily="34" charset="-127"/>
-              </a:rPr>
-              <a:t> </a:t>
-            </a:r>
-            <a:r>
-              <a:rPr lang="en-US" altLang="ko-KR" sz="1400" dirty="0">
-                <a:solidFill>
-                  <a:srgbClr val="000000"/>
-                </a:solidFill>
-                <a:latin typeface="에스코어 드림 3 Light" panose="020B0303030302020204" pitchFamily="34" charset="-127"/>
-                <a:ea typeface="에스코어 드림 3 Light" panose="020B0303030302020204" pitchFamily="34" charset="-127"/>
-              </a:rPr>
-              <a:t>vi</a:t>
-            </a:r>
-            <a:r>
-              <a:rPr lang="ko-KR" altLang="en-US" sz="1400" dirty="0">
-                <a:solidFill>
-                  <a:srgbClr val="000000"/>
-                </a:solidFill>
-                <a:latin typeface="에스코어 드림 3 Light" panose="020B0303030302020204" pitchFamily="34" charset="-127"/>
-                <a:ea typeface="에스코어 드림 3 Light" panose="020B0303030302020204" pitchFamily="34" charset="-127"/>
-              </a:rPr>
-              <a:t> </a:t>
-            </a:r>
-            <a:r>
-              <a:rPr lang="en-US" altLang="ko-KR" sz="1400" dirty="0">
-                <a:solidFill>
-                  <a:srgbClr val="000000"/>
-                </a:solidFill>
-                <a:latin typeface="에스코어 드림 3 Light" panose="020B0303030302020204" pitchFamily="34" charset="-127"/>
-                <a:ea typeface="에스코어 드림 3 Light" panose="020B0303030302020204" pitchFamily="34" charset="-127"/>
-              </a:rPr>
-              <a:t>/</a:t>
-            </a:r>
-            <a:r>
-              <a:rPr lang="en-US" altLang="ko-KR" sz="1400" dirty="0" err="1">
-                <a:solidFill>
-                  <a:srgbClr val="000000"/>
-                </a:solidFill>
-                <a:latin typeface="에스코어 드림 3 Light" panose="020B0303030302020204" pitchFamily="34" charset="-127"/>
-                <a:ea typeface="에스코어 드림 3 Light" panose="020B0303030302020204" pitchFamily="34" charset="-127"/>
-              </a:rPr>
-              <a:t>etc</a:t>
-            </a:r>
-            <a:r>
-              <a:rPr lang="en-US" altLang="ko-KR" sz="1400" dirty="0">
-                <a:solidFill>
-                  <a:srgbClr val="000000"/>
-                </a:solidFill>
-                <a:latin typeface="에스코어 드림 3 Light" panose="020B0303030302020204" pitchFamily="34" charset="-127"/>
-                <a:ea typeface="에스코어 드림 3 Light" panose="020B0303030302020204" pitchFamily="34" charset="-127"/>
-              </a:rPr>
-              <a:t>/hosts</a:t>
-            </a:r>
-            <a:r>
-              <a:rPr lang="ko-KR" altLang="en-US" sz="1400" dirty="0">
-                <a:solidFill>
-                  <a:srgbClr val="000000"/>
-                </a:solidFill>
-                <a:latin typeface="에스코어 드림 3 Light" panose="020B0303030302020204" pitchFamily="34" charset="-127"/>
-                <a:ea typeface="에스코어 드림 3 Light" panose="020B0303030302020204" pitchFamily="34" charset="-127"/>
-              </a:rPr>
-              <a:t> 입력 후 호스트 </a:t>
-            </a:r>
-            <a:r>
-              <a:rPr lang="ko-KR" altLang="en-US" sz="1400">
-                <a:solidFill>
-                  <a:srgbClr val="000000"/>
-                </a:solidFill>
-                <a:latin typeface="에스코어 드림 3 Light" panose="020B0303030302020204" pitchFamily="34" charset="-127"/>
-                <a:ea typeface="에스코어 드림 3 Light" panose="020B0303030302020204" pitchFamily="34" charset="-127"/>
-              </a:rPr>
-              <a:t>이름 설정</a:t>
-            </a:r>
-            <a:endParaRPr lang="en-US" altLang="ko-KR" sz="1400">
-              <a:solidFill>
-                <a:srgbClr val="000000"/>
-              </a:solidFill>
-              <a:latin typeface="에스코어 드림 3 Light" panose="020B0303030302020204" pitchFamily="34" charset="-127"/>
-              <a:ea typeface="에스코어 드림 3 Light" panose="020B0303030302020204" pitchFamily="34" charset="-127"/>
-            </a:endParaRPr>
-          </a:p>
-          <a:p>
-            <a:pPr marL="0" indent="0">
-              <a:buNone/>
-            </a:pPr>
-            <a:endParaRPr lang="en-US" altLang="ko-KR">
-              <a:solidFill>
-                <a:srgbClr val="000000"/>
-              </a:solidFill>
-              <a:latin typeface="에스코어 드림 3 Light" panose="020B0303030302020204" pitchFamily="34" charset="-127"/>
-              <a:ea typeface="에스코어 드림 3 Light" panose="020B0303030302020204" pitchFamily="34" charset="-127"/>
-            </a:endParaRPr>
-          </a:p>
-          <a:p>
-            <a:pPr marL="0" indent="0">
-              <a:buNone/>
-            </a:pPr>
-            <a:endParaRPr lang="en-US" altLang="ko-KR" sz="1400">
-              <a:solidFill>
-                <a:srgbClr val="000000"/>
-              </a:solidFill>
-              <a:latin typeface="에스코어 드림 3 Light" panose="020B0303030302020204" pitchFamily="34" charset="-127"/>
-              <a:ea typeface="에스코어 드림 3 Light" panose="020B0303030302020204" pitchFamily="34" charset="-127"/>
-            </a:endParaRPr>
-          </a:p>
-          <a:p>
-            <a:pPr marL="0" indent="0">
-              <a:buNone/>
-            </a:pPr>
-            <a:endParaRPr lang="en-US" altLang="ko-KR">
-              <a:solidFill>
-                <a:srgbClr val="000000"/>
-              </a:solidFill>
-              <a:latin typeface="에스코어 드림 3 Light" panose="020B0303030302020204" pitchFamily="34" charset="-127"/>
-              <a:ea typeface="에스코어 드림 3 Light" panose="020B0303030302020204" pitchFamily="34" charset="-127"/>
-            </a:endParaRPr>
-          </a:p>
-          <a:p>
-            <a:pPr marL="0" indent="0">
-              <a:buNone/>
-            </a:pPr>
-            <a:endParaRPr lang="en-US" altLang="ko-KR" sz="1400">
-              <a:solidFill>
-                <a:srgbClr val="000000"/>
-              </a:solidFill>
-              <a:latin typeface="에스코어 드림 3 Light" panose="020B0303030302020204" pitchFamily="34" charset="-127"/>
-              <a:ea typeface="에스코어 드림 3 Light" panose="020B0303030302020204" pitchFamily="34" charset="-127"/>
-            </a:endParaRPr>
-          </a:p>
-          <a:p>
-            <a:pPr marL="0" indent="0">
-              <a:buNone/>
-            </a:pPr>
-            <a:endParaRPr lang="en-US" altLang="ko-KR">
-              <a:solidFill>
-                <a:srgbClr val="000000"/>
-              </a:solidFill>
-              <a:latin typeface="에스코어 드림 3 Light" panose="020B0303030302020204" pitchFamily="34" charset="-127"/>
-              <a:ea typeface="에스코어 드림 3 Light" panose="020B0303030302020204" pitchFamily="34" charset="-127"/>
-            </a:endParaRPr>
-          </a:p>
-          <a:p>
-            <a:pPr marL="0" indent="0">
-              <a:buNone/>
-            </a:pPr>
-            <a:r>
-              <a:rPr lang="en-US" altLang="ko-KR">
-                <a:latin typeface="에스코어 드림 3 Light" panose="020B0303030302020204" pitchFamily="34" charset="-127"/>
-                <a:ea typeface="에스코어 드림 3 Light" panose="020B0303030302020204" pitchFamily="34" charset="-127"/>
-              </a:rPr>
-              <a:t>  </a:t>
-            </a:r>
-            <a:r>
-              <a:rPr lang="en" altLang="ko-Kore-KR" sz="1400">
-                <a:latin typeface="에스코어 드림 3 Light" panose="020B0303030302020204" pitchFamily="34" charset="-127"/>
-                <a:ea typeface="에스코어 드림 3 Light" panose="020B0303030302020204" pitchFamily="34" charset="-127"/>
-              </a:rPr>
-              <a:t> - </a:t>
-            </a:r>
-            <a:r>
-              <a:rPr lang="ko-KR" altLang="en-US" sz="1400" b="1">
-                <a:solidFill>
-                  <a:schemeClr val="accent1"/>
-                </a:solidFill>
-                <a:latin typeface="에스코어 드림 3 Light" panose="020B0303030302020204" pitchFamily="34" charset="-127"/>
-                <a:ea typeface="에스코어 드림 3 Light" panose="020B0303030302020204" pitchFamily="34" charset="-127"/>
-              </a:rPr>
-              <a:t>이후 재로그인 또는 재부팅을 통해 설정 정보 반영 및 </a:t>
-            </a:r>
-            <a:r>
-              <a:rPr lang="en-US" altLang="ko-KR" sz="1400" b="1">
-                <a:solidFill>
-                  <a:schemeClr val="accent1"/>
-                </a:solidFill>
-                <a:latin typeface="에스코어 드림 3 Light" panose="020B0303030302020204" pitchFamily="34" charset="-127"/>
-                <a:ea typeface="에스코어 드림 3 Light" panose="020B0303030302020204" pitchFamily="34" charset="-127"/>
-              </a:rPr>
-              <a:t>admin </a:t>
-            </a:r>
-            <a:r>
-              <a:rPr lang="ko-KR" altLang="en-US" sz="1400" b="1">
-                <a:solidFill>
-                  <a:schemeClr val="accent1"/>
-                </a:solidFill>
-                <a:latin typeface="에스코어 드림 3 Light" panose="020B0303030302020204" pitchFamily="34" charset="-127"/>
-                <a:ea typeface="에스코어 드림 3 Light" panose="020B0303030302020204" pitchFamily="34" charset="-127"/>
-              </a:rPr>
-              <a:t>계정으로 로그인하여 이후 과정 진행</a:t>
-            </a:r>
-            <a:endParaRPr lang="en-US" altLang="ko-KR" sz="1400" b="1" dirty="0">
-              <a:solidFill>
-                <a:schemeClr val="accent1"/>
-              </a:solidFill>
-              <a:latin typeface="에스코어 드림 3 Light" panose="020B0303030302020204" pitchFamily="34" charset="-127"/>
-              <a:ea typeface="에스코어 드림 3 Light" panose="020B0303030302020204" pitchFamily="34" charset="-127"/>
-            </a:endParaRPr>
-          </a:p>
-          <a:p>
-            <a:endParaRPr lang="en-US" altLang="ko-KR" sz="1400" dirty="0">
-              <a:latin typeface="에스코어 드림 3 Light" panose="020B0303030302020204" pitchFamily="34" charset="-127"/>
-              <a:ea typeface="에스코어 드림 3 Light" panose="020B0303030302020204" pitchFamily="34" charset="-127"/>
-            </a:endParaRPr>
-          </a:p>
-          <a:p>
-            <a:endParaRPr lang="en-US" altLang="ko-KR" sz="1400" dirty="0">
-              <a:latin typeface="에스코어 드림 3 Light" panose="020B0303030302020204" pitchFamily="34" charset="-127"/>
-              <a:ea typeface="에스코어 드림 3 Light" panose="020B0303030302020204" pitchFamily="34" charset="-127"/>
-            </a:endParaRPr>
-          </a:p>
-        </p:txBody>
-      </p:sp>
-      <p:pic>
-        <p:nvPicPr>
-          <p:cNvPr id="3" name="그림 2">
-            <a:extLst>
-              <a:ext uri="{FF2B5EF4-FFF2-40B4-BE49-F238E27FC236}">
-                <a16:creationId xmlns:a16="http://schemas.microsoft.com/office/drawing/2014/main" id="{57DB61EC-BED2-F322-672C-750D4B3A306F}"/>
-              </a:ext>
-            </a:extLst>
-          </p:cNvPr>
-          <p:cNvPicPr>
-            <a:picLocks noChangeAspect="1"/>
-          </p:cNvPicPr>
-          <p:nvPr/>
-        </p:nvPicPr>
-        <p:blipFill rotWithShape="1">
-          <a:blip r:embed="rId3"/>
-          <a:srcRect t="36201" r="20027" b="21805"/>
-          <a:stretch/>
-        </p:blipFill>
-        <p:spPr>
-          <a:xfrm>
-            <a:off x="634014" y="2963175"/>
-            <a:ext cx="4532346" cy="963978"/>
-          </a:xfrm>
-          <a:prstGeom prst="rect">
-            <a:avLst/>
-          </a:prstGeom>
-        </p:spPr>
-      </p:pic>
-      <p:pic>
-        <p:nvPicPr>
-          <p:cNvPr id="6" name="그림 5">
-            <a:extLst>
-              <a:ext uri="{FF2B5EF4-FFF2-40B4-BE49-F238E27FC236}">
-                <a16:creationId xmlns:a16="http://schemas.microsoft.com/office/drawing/2014/main" id="{AE7DE2AF-DB92-5125-40F9-B66C7201A3C7}"/>
-              </a:ext>
-            </a:extLst>
-          </p:cNvPr>
-          <p:cNvPicPr>
-            <a:picLocks noChangeAspect="1"/>
-          </p:cNvPicPr>
-          <p:nvPr/>
-        </p:nvPicPr>
-        <p:blipFill>
-          <a:blip r:embed="rId4"/>
-          <a:stretch>
-            <a:fillRect/>
-          </a:stretch>
-        </p:blipFill>
-        <p:spPr>
-          <a:xfrm>
-            <a:off x="634014" y="4835136"/>
-            <a:ext cx="3960515" cy="1409700"/>
-          </a:xfrm>
-          <a:prstGeom prst="rect">
-            <a:avLst/>
-          </a:prstGeom>
-          <a:ln>
-            <a:solidFill>
-              <a:schemeClr val="tx1"/>
-            </a:solidFill>
-          </a:ln>
-        </p:spPr>
-      </p:pic>
-      <p:pic>
-        <p:nvPicPr>
-          <p:cNvPr id="8" name="그림 7">
-            <a:extLst>
-              <a:ext uri="{FF2B5EF4-FFF2-40B4-BE49-F238E27FC236}">
-                <a16:creationId xmlns:a16="http://schemas.microsoft.com/office/drawing/2014/main" id="{D968A83B-AA35-65D7-43DC-309E781546D4}"/>
-              </a:ext>
-            </a:extLst>
-          </p:cNvPr>
-          <p:cNvPicPr>
-            <a:picLocks noChangeAspect="1"/>
-          </p:cNvPicPr>
-          <p:nvPr/>
-        </p:nvPicPr>
-        <p:blipFill rotWithShape="1">
-          <a:blip r:embed="rId5"/>
-          <a:srcRect r="16110"/>
-          <a:stretch/>
-        </p:blipFill>
-        <p:spPr>
-          <a:xfrm>
-            <a:off x="4833914" y="4835136"/>
-            <a:ext cx="3484176" cy="1406517"/>
-          </a:xfrm>
-          <a:prstGeom prst="rect">
-            <a:avLst/>
-          </a:prstGeom>
-          <a:ln>
-            <a:solidFill>
-              <a:schemeClr val="tx1"/>
-            </a:solidFill>
-          </a:ln>
-        </p:spPr>
-      </p:pic>
-    </p:spTree>
-    <p:extLst>
-      <p:ext uri="{BB962C8B-B14F-4D97-AF65-F5344CB8AC3E}">
-        <p14:creationId xmlns:p14="http://schemas.microsoft.com/office/powerpoint/2010/main" val="2115847287"/>
-      </p:ext>
-    </p:extLst>
-  </p:cSld>
-  <p:clrMapOvr>
-    <a:masterClrMapping/>
-  </p:clrMapOvr>
-</p:sld>
-</file>
-
-<file path=ppt/slides/slide6.xml><?xml version="1.0" encoding="utf-8"?>
+<file path=ppt/slides/slide4.xml><?xml version="1.0" encoding="utf-8"?>
 <p:sld xmlns:a="http://schemas.openxmlformats.org/drawingml/2006/main" xmlns:r="http://schemas.openxmlformats.org/officeDocument/2006/relationships" xmlns:p="http://schemas.openxmlformats.org/presentationml/2006/main">
   <p:cSld>
     <p:spTree>
@@ -14404,7 +11911,7 @@
                 <a:latin typeface="에스코어 드림 8 Heavy" panose="020B0903030302020204" pitchFamily="34" charset="-127"/>
                 <a:ea typeface="에스코어 드림 8 Heavy" panose="020B0903030302020204" pitchFamily="34" charset="-127"/>
               </a:rPr>
-              <a:t>Part 02</a:t>
+              <a:t>Part 01</a:t>
             </a:r>
           </a:p>
           <a:p>
@@ -14440,7 +11947,7 @@
                 <a:latin typeface="에스코어 드림 8 Heavy" panose="020B0903030302020204" pitchFamily="34" charset="-127"/>
                 <a:ea typeface="에스코어 드림 8 Heavy" panose="020B0903030302020204" pitchFamily="34" charset="-127"/>
               </a:rPr>
-              <a:t>MOS Edge Installation</a:t>
+              <a:t>MOS Edge Settings</a:t>
             </a:r>
           </a:p>
         </p:txBody>
@@ -14448,7 +11955,7 @@
     </p:spTree>
     <p:extLst>
       <p:ext uri="{BB962C8B-B14F-4D97-AF65-F5344CB8AC3E}">
-        <p14:creationId xmlns:p14="http://schemas.microsoft.com/office/powerpoint/2010/main" val="533300078"/>
+        <p14:creationId xmlns:p14="http://schemas.microsoft.com/office/powerpoint/2010/main" val="968395086"/>
       </p:ext>
     </p:extLst>
   </p:cSld>
@@ -14458,7 +11965,7 @@
 </p:sld>
 </file>
 
-<file path=ppt/slides/slide7.xml><?xml version="1.0" encoding="utf-8"?>
+<file path=ppt/slides/slide5.xml><?xml version="1.0" encoding="utf-8"?>
 <p:sld xmlns:a="http://schemas.openxmlformats.org/drawingml/2006/main" xmlns:r="http://schemas.openxmlformats.org/officeDocument/2006/relationships" xmlns:p="http://schemas.openxmlformats.org/presentationml/2006/main">
   <p:cSld>
     <p:spTree>
@@ -14511,7 +12018,7 @@
                 <a:latin typeface="에스코어 드림 6 Bold" panose="020B0703030302020204" pitchFamily="34" charset="-127"/>
                 <a:ea typeface="에스코어 드림 6 Bold" panose="020B0703030302020204" pitchFamily="34" charset="-127"/>
               </a:rPr>
-              <a:t>Installation</a:t>
+              <a:t>Environment Settings</a:t>
             </a:r>
             <a:endParaRPr lang="ko-KR" altLang="en-US" sz="2000" b="1" dirty="0">
               <a:solidFill>
@@ -14538,7 +12045,7 @@
         <p:spPr>
           <a:xfrm>
             <a:off x="394629" y="846886"/>
-            <a:ext cx="13567177" cy="6386364"/>
+            <a:ext cx="11402741" cy="3811236"/>
           </a:xfrm>
           <a:prstGeom prst="rect">
             <a:avLst/>
@@ -14582,1260 +12089,327 @@
           </a:lstStyle>
           <a:p>
             <a:r>
-              <a:rPr lang="ko-KR" altLang="en-US" dirty="0">
-                <a:latin typeface="에스코어 드림 3 Light" panose="020B0303030302020204" pitchFamily="34" charset="-127"/>
-                <a:ea typeface="에스코어 드림 3 Light" panose="020B0303030302020204" pitchFamily="34" charset="-127"/>
-              </a:rPr>
-              <a:t> 패키지 설치를 위한 </a:t>
-            </a:r>
-            <a:r>
-              <a:rPr lang="en-US" altLang="ko-KR" dirty="0">
-                <a:latin typeface="에스코어 드림 3 Light" panose="020B0303030302020204" pitchFamily="34" charset="-127"/>
-                <a:ea typeface="에스코어 드림 3 Light" panose="020B0303030302020204" pitchFamily="34" charset="-127"/>
-              </a:rPr>
-              <a:t>apt </a:t>
-            </a:r>
-            <a:r>
-              <a:rPr lang="ko-KR" altLang="en-US" dirty="0">
-                <a:latin typeface="에스코어 드림 3 Light" panose="020B0303030302020204" pitchFamily="34" charset="-127"/>
-                <a:ea typeface="에스코어 드림 3 Light" panose="020B0303030302020204" pitchFamily="34" charset="-127"/>
-              </a:rPr>
-              <a:t>저장소 업데이트</a:t>
-            </a:r>
-            <a:endParaRPr lang="en-US" altLang="ko-KR" dirty="0">
-              <a:latin typeface="에스코어 드림 3 Light" panose="020B0303030302020204" pitchFamily="34" charset="-127"/>
-              <a:ea typeface="에스코어 드림 3 Light" panose="020B0303030302020204" pitchFamily="34" charset="-127"/>
-            </a:endParaRPr>
-          </a:p>
-          <a:p>
-            <a:pPr marL="0" indent="0">
-              <a:buNone/>
+              <a:rPr lang="ko-KR" altLang="en-US" dirty="0"/>
+              <a:t> </a:t>
+            </a:r>
+            <a:r>
+              <a:rPr lang="en-US" altLang="ko-KR" dirty="0"/>
+              <a:t>Ubuntu 18.04 /</a:t>
+            </a:r>
+            <a:r>
+              <a:rPr lang="ko-KR" altLang="en-US" dirty="0"/>
+              <a:t> </a:t>
+            </a:r>
+            <a:r>
+              <a:rPr lang="en-US" altLang="ko-KR" dirty="0"/>
+              <a:t>20.04 LTS </a:t>
+            </a:r>
+            <a:r>
+              <a:rPr lang="ko-KR" altLang="en-US" dirty="0"/>
+              <a:t>또는</a:t>
+            </a:r>
+            <a:r>
+              <a:rPr lang="en-US" altLang="ko-KR" dirty="0"/>
+              <a:t> Debian 10</a:t>
+            </a:r>
+            <a:r>
+              <a:rPr lang="ko-KR" altLang="en-US" dirty="0"/>
+              <a:t> </a:t>
+            </a:r>
+            <a:r>
+              <a:rPr lang="en-US" altLang="ko-KR" dirty="0"/>
+              <a:t>OS </a:t>
+            </a:r>
+            <a:r>
+              <a:rPr lang="ko-KR" altLang="en-US" dirty="0"/>
+              <a:t>설치</a:t>
+            </a:r>
+            <a:endParaRPr lang="en-US" altLang="ko-KR" dirty="0"/>
+          </a:p>
+          <a:p>
+            <a:r>
+              <a:rPr lang="ko-KR" altLang="en-US" dirty="0"/>
+              <a:t> </a:t>
+            </a:r>
+            <a:r>
+              <a:rPr lang="en-US" altLang="ko-KR" dirty="0"/>
+              <a:t>PC </a:t>
+            </a:r>
+            <a:r>
+              <a:rPr lang="ko-KR" altLang="en-US" dirty="0"/>
+              <a:t>권장사양은 아래와 같음</a:t>
+            </a:r>
+            <a:endParaRPr lang="en-US" altLang="ko-KR" dirty="0"/>
+          </a:p>
+          <a:p>
+            <a:pPr lvl="1">
+              <a:lnSpc>
+                <a:spcPct val="150000"/>
+              </a:lnSpc>
             </a:pPr>
             <a:r>
-              <a:rPr lang="en" altLang="ko-Kore-KR" b="1" dirty="0">
-                <a:latin typeface="에스코어 드림 3 Light" panose="020B0303030302020204" pitchFamily="34" charset="-127"/>
-                <a:ea typeface="에스코어 드림 3 Light" panose="020B0303030302020204" pitchFamily="34" charset="-127"/>
-              </a:rPr>
-              <a:t> - </a:t>
-            </a:r>
-            <a:r>
-              <a:rPr lang="en" altLang="ko-Kore-KR" sz="1400" b="1" dirty="0">
-                <a:latin typeface="에스코어 드림 3 Light" panose="020B0303030302020204" pitchFamily="34" charset="-127"/>
-                <a:ea typeface="에스코어 드림 3 Light" panose="020B0303030302020204" pitchFamily="34" charset="-127"/>
-              </a:rPr>
-              <a:t> </a:t>
-            </a:r>
-            <a:r>
-              <a:rPr lang="en" altLang="ko-Kore-KR" sz="1400" b="1" dirty="0">
-                <a:solidFill>
-                  <a:srgbClr val="34BC26"/>
-                </a:solidFill>
-                <a:latin typeface="에스코어 드림 3 Light" panose="020B0303030302020204" pitchFamily="34" charset="-127"/>
-                <a:ea typeface="에스코어 드림 3 Light" panose="020B0303030302020204" pitchFamily="34" charset="-127"/>
-              </a:rPr>
-              <a:t>admin@gateway</a:t>
-            </a:r>
-            <a:r>
-              <a:rPr lang="en" altLang="ko-Kore-KR" sz="1400" dirty="0">
-                <a:solidFill>
-                  <a:srgbClr val="000000"/>
-                </a:solidFill>
-                <a:latin typeface="에스코어 드림 3 Light" panose="020B0303030302020204" pitchFamily="34" charset="-127"/>
-                <a:ea typeface="에스코어 드림 3 Light" panose="020B0303030302020204" pitchFamily="34" charset="-127"/>
-              </a:rPr>
-              <a:t>:</a:t>
-            </a:r>
-            <a:r>
-              <a:rPr lang="en" altLang="ko-Kore-KR" sz="1400" b="1" dirty="0">
-                <a:solidFill>
-                  <a:srgbClr val="5230E1"/>
-                </a:solidFill>
-                <a:latin typeface="에스코어 드림 3 Light" panose="020B0303030302020204" pitchFamily="34" charset="-127"/>
-                <a:ea typeface="에스코어 드림 3 Light" panose="020B0303030302020204" pitchFamily="34" charset="-127"/>
-              </a:rPr>
-              <a:t>~</a:t>
-            </a:r>
-            <a:r>
-              <a:rPr lang="en" altLang="ko-Kore-KR" sz="1400" dirty="0">
-                <a:solidFill>
-                  <a:srgbClr val="000000"/>
-                </a:solidFill>
-                <a:latin typeface="에스코어 드림 3 Light" panose="020B0303030302020204" pitchFamily="34" charset="-127"/>
-                <a:ea typeface="에스코어 드림 3 Light" panose="020B0303030302020204" pitchFamily="34" charset="-127"/>
-              </a:rPr>
-              <a:t>$ sudo </a:t>
-            </a:r>
-            <a:r>
-              <a:rPr lang="en-US" altLang="ko-Kore-KR" dirty="0">
-                <a:solidFill>
-                  <a:srgbClr val="000000"/>
-                </a:solidFill>
-                <a:latin typeface="에스코어 드림 3 Light" panose="020B0303030302020204" pitchFamily="34" charset="-127"/>
-                <a:ea typeface="에스코어 드림 3 Light" panose="020B0303030302020204" pitchFamily="34" charset="-127"/>
-              </a:rPr>
-              <a:t>apt-get</a:t>
-            </a:r>
-            <a:r>
-              <a:rPr lang="ko-KR" altLang="en-US" dirty="0">
-                <a:solidFill>
-                  <a:srgbClr val="000000"/>
-                </a:solidFill>
-                <a:latin typeface="에스코어 드림 3 Light" panose="020B0303030302020204" pitchFamily="34" charset="-127"/>
-                <a:ea typeface="에스코어 드림 3 Light" panose="020B0303030302020204" pitchFamily="34" charset="-127"/>
-              </a:rPr>
-              <a:t> </a:t>
-            </a:r>
-            <a:r>
-              <a:rPr lang="en-US" altLang="ko-KR" dirty="0">
-                <a:solidFill>
-                  <a:srgbClr val="000000"/>
-                </a:solidFill>
-                <a:latin typeface="에스코어 드림 3 Light" panose="020B0303030302020204" pitchFamily="34" charset="-127"/>
-                <a:ea typeface="에스코어 드림 3 Light" panose="020B0303030302020204" pitchFamily="34" charset="-127"/>
-              </a:rPr>
-              <a:t>update</a:t>
-            </a:r>
-            <a:endParaRPr lang="en-US" altLang="ko-KR" dirty="0">
-              <a:latin typeface="에스코어 드림 3 Light" panose="020B0303030302020204" pitchFamily="34" charset="-127"/>
-              <a:ea typeface="에스코어 드림 3 Light" panose="020B0303030302020204" pitchFamily="34" charset="-127"/>
-            </a:endParaRPr>
-          </a:p>
-          <a:p>
-            <a:r>
-              <a:rPr lang="en-US" altLang="ko-KR" dirty="0">
-                <a:latin typeface="에스코어 드림 3 Light" panose="020B0303030302020204" pitchFamily="34" charset="-127"/>
-                <a:ea typeface="에스코어 드림 3 Light" panose="020B0303030302020204" pitchFamily="34" charset="-127"/>
-              </a:rPr>
-              <a:t> MOS Edge </a:t>
-            </a:r>
-            <a:r>
-              <a:rPr lang="ko-KR" altLang="en-US" dirty="0">
-                <a:latin typeface="에스코어 드림 3 Light" panose="020B0303030302020204" pitchFamily="34" charset="-127"/>
-                <a:ea typeface="에스코어 드림 3 Light" panose="020B0303030302020204" pitchFamily="34" charset="-127"/>
-              </a:rPr>
-              <a:t>패키지 압축 파일 다운로드</a:t>
-            </a:r>
-            <a:endParaRPr lang="en-US" altLang="ko-KR" dirty="0">
-              <a:latin typeface="에스코어 드림 3 Light" panose="020B0303030302020204" pitchFamily="34" charset="-127"/>
-              <a:ea typeface="에스코어 드림 3 Light" panose="020B0303030302020204" pitchFamily="34" charset="-127"/>
-            </a:endParaRPr>
-          </a:p>
-          <a:p>
-            <a:pPr marL="0" indent="0">
-              <a:buNone/>
-            </a:pPr>
-            <a:r>
-              <a:rPr lang="en" altLang="ko-Kore-KR" b="1" dirty="0">
-                <a:latin typeface="에스코어 드림 3 Light" panose="020B0303030302020204" pitchFamily="34" charset="-127"/>
-                <a:ea typeface="에스코어 드림 3 Light" panose="020B0303030302020204" pitchFamily="34" charset="-127"/>
-              </a:rPr>
-              <a:t> - </a:t>
-            </a:r>
-            <a:r>
-              <a:rPr lang="en" altLang="ko-Kore-KR" sz="1400" b="1" dirty="0">
-                <a:latin typeface="에스코어 드림 3 Light" panose="020B0303030302020204" pitchFamily="34" charset="-127"/>
-                <a:ea typeface="에스코어 드림 3 Light" panose="020B0303030302020204" pitchFamily="34" charset="-127"/>
-              </a:rPr>
-              <a:t> </a:t>
-            </a:r>
-            <a:r>
-              <a:rPr lang="en" altLang="ko-Kore-KR" sz="1400" b="1" dirty="0">
-                <a:solidFill>
-                  <a:srgbClr val="34BC26"/>
-                </a:solidFill>
-                <a:latin typeface="에스코어 드림 3 Light" panose="020B0303030302020204" pitchFamily="34" charset="-127"/>
-                <a:ea typeface="에스코어 드림 3 Light" panose="020B0303030302020204" pitchFamily="34" charset="-127"/>
-              </a:rPr>
-              <a:t>admin@gateway</a:t>
-            </a:r>
-            <a:r>
-              <a:rPr lang="en" altLang="ko-Kore-KR" sz="1400" dirty="0">
-                <a:solidFill>
-                  <a:srgbClr val="000000"/>
-                </a:solidFill>
-                <a:latin typeface="에스코어 드림 3 Light" panose="020B0303030302020204" pitchFamily="34" charset="-127"/>
-                <a:ea typeface="에스코어 드림 3 Light" panose="020B0303030302020204" pitchFamily="34" charset="-127"/>
-              </a:rPr>
-              <a:t>:</a:t>
-            </a:r>
-            <a:r>
-              <a:rPr lang="en" altLang="ko-Kore-KR" sz="1400" b="1" dirty="0">
-                <a:solidFill>
-                  <a:srgbClr val="5230E1"/>
-                </a:solidFill>
-                <a:latin typeface="에스코어 드림 3 Light" panose="020B0303030302020204" pitchFamily="34" charset="-127"/>
-                <a:ea typeface="에스코어 드림 3 Light" panose="020B0303030302020204" pitchFamily="34" charset="-127"/>
-              </a:rPr>
-              <a:t>~</a:t>
-            </a:r>
-            <a:r>
-              <a:rPr lang="en" altLang="ko-Kore-KR" sz="1400" dirty="0">
-                <a:solidFill>
-                  <a:srgbClr val="000000"/>
-                </a:solidFill>
-                <a:latin typeface="에스코어 드림 3 Light" panose="020B0303030302020204" pitchFamily="34" charset="-127"/>
-                <a:ea typeface="에스코어 드림 3 Light" panose="020B0303030302020204" pitchFamily="34" charset="-127"/>
-              </a:rPr>
-              <a:t>$ </a:t>
-            </a:r>
-            <a:r>
-              <a:rPr lang="en-US" altLang="ko-KR" dirty="0">
-                <a:latin typeface="에스코어 드림 3 Light" panose="020B0303030302020204" pitchFamily="34" charset="-127"/>
-                <a:ea typeface="에스코어 드림 3 Light" panose="020B0303030302020204" pitchFamily="34" charset="-127"/>
-              </a:rPr>
-              <a:t>cd /home</a:t>
-            </a:r>
-            <a:r>
-              <a:rPr lang="en-US" altLang="ko-KR">
-                <a:latin typeface="에스코어 드림 3 Light" panose="020B0303030302020204" pitchFamily="34" charset="-127"/>
-                <a:ea typeface="에스코어 드림 3 Light" panose="020B0303030302020204" pitchFamily="34" charset="-127"/>
-              </a:rPr>
-              <a:t>/admin</a:t>
-            </a:r>
-          </a:p>
-          <a:p>
-            <a:pPr marL="0" indent="0">
-              <a:buNone/>
-            </a:pPr>
-            <a:r>
-              <a:rPr lang="en" altLang="ko-Kore-KR" b="1">
-                <a:latin typeface="에스코어 드림 3 Light" panose="020B0303030302020204" pitchFamily="34" charset="-127"/>
-                <a:ea typeface="에스코어 드림 3 Light" panose="020B0303030302020204" pitchFamily="34" charset="-127"/>
-              </a:rPr>
-              <a:t> - </a:t>
-            </a:r>
-            <a:r>
-              <a:rPr lang="en" altLang="ko-Kore-KR" sz="1400" b="1">
-                <a:latin typeface="에스코어 드림 3 Light" panose="020B0303030302020204" pitchFamily="34" charset="-127"/>
-                <a:ea typeface="에스코어 드림 3 Light" panose="020B0303030302020204" pitchFamily="34" charset="-127"/>
-              </a:rPr>
-              <a:t> </a:t>
-            </a:r>
-            <a:r>
-              <a:rPr lang="en" altLang="ko-Kore-KR" sz="1400" b="1">
-                <a:solidFill>
-                  <a:srgbClr val="34BC26"/>
-                </a:solidFill>
-                <a:latin typeface="에스코어 드림 3 Light" panose="020B0303030302020204" pitchFamily="34" charset="-127"/>
-                <a:ea typeface="에스코어 드림 3 Light" panose="020B0303030302020204" pitchFamily="34" charset="-127"/>
-              </a:rPr>
-              <a:t>admin@gateway</a:t>
-            </a:r>
-            <a:r>
-              <a:rPr lang="en" altLang="ko-Kore-KR" sz="1400">
-                <a:solidFill>
-                  <a:srgbClr val="000000"/>
-                </a:solidFill>
-                <a:latin typeface="에스코어 드림 3 Light" panose="020B0303030302020204" pitchFamily="34" charset="-127"/>
-                <a:ea typeface="에스코어 드림 3 Light" panose="020B0303030302020204" pitchFamily="34" charset="-127"/>
-              </a:rPr>
-              <a:t>:</a:t>
-            </a:r>
-            <a:r>
-              <a:rPr lang="en" altLang="ko-Kore-KR" sz="1400" b="1">
-                <a:solidFill>
-                  <a:srgbClr val="5230E1"/>
-                </a:solidFill>
-                <a:latin typeface="에스코어 드림 3 Light" panose="020B0303030302020204" pitchFamily="34" charset="-127"/>
-                <a:ea typeface="에스코어 드림 3 Light" panose="020B0303030302020204" pitchFamily="34" charset="-127"/>
-              </a:rPr>
-              <a:t>~</a:t>
-            </a:r>
-            <a:r>
-              <a:rPr lang="en" altLang="ko-Kore-KR" sz="1400">
-                <a:solidFill>
-                  <a:srgbClr val="000000"/>
-                </a:solidFill>
-                <a:latin typeface="에스코어 드림 3 Light" panose="020B0303030302020204" pitchFamily="34" charset="-127"/>
-                <a:ea typeface="에스코어 드림 3 Light" panose="020B0303030302020204" pitchFamily="34" charset="-127"/>
-              </a:rPr>
-              <a:t>$ sudo apt-get install curl</a:t>
-            </a:r>
-            <a:endParaRPr lang="en-US" altLang="ko-KR" dirty="0">
-              <a:latin typeface="에스코어 드림 3 Light" panose="020B0303030302020204" pitchFamily="34" charset="-127"/>
-              <a:ea typeface="에스코어 드림 3 Light" panose="020B0303030302020204" pitchFamily="34" charset="-127"/>
-            </a:endParaRPr>
-          </a:p>
-          <a:p>
-            <a:pPr marL="0" indent="0">
-              <a:buNone/>
-            </a:pPr>
-            <a:r>
-              <a:rPr lang="en" altLang="ko-Kore-KR" b="1" dirty="0">
-                <a:latin typeface="에스코어 드림 3 Light" panose="020B0303030302020204" pitchFamily="34" charset="-127"/>
-                <a:ea typeface="에스코어 드림 3 Light" panose="020B0303030302020204" pitchFamily="34" charset="-127"/>
-              </a:rPr>
-              <a:t> - </a:t>
-            </a:r>
-            <a:r>
-              <a:rPr lang="en" altLang="ko-Kore-KR" sz="1400" b="1" dirty="0">
-                <a:latin typeface="에스코어 드림 3 Light" panose="020B0303030302020204" pitchFamily="34" charset="-127"/>
-                <a:ea typeface="에스코어 드림 3 Light" panose="020B0303030302020204" pitchFamily="34" charset="-127"/>
-              </a:rPr>
-              <a:t> </a:t>
-            </a:r>
-            <a:r>
-              <a:rPr lang="en" altLang="ko-Kore-KR" sz="1400" b="1" dirty="0">
-                <a:solidFill>
-                  <a:srgbClr val="34BC26"/>
-                </a:solidFill>
-                <a:latin typeface="에스코어 드림 3 Light" panose="020B0303030302020204" pitchFamily="34" charset="-127"/>
-                <a:ea typeface="에스코어 드림 3 Light" panose="020B0303030302020204" pitchFamily="34" charset="-127"/>
-              </a:rPr>
-              <a:t>admin@gateway</a:t>
-            </a:r>
-            <a:r>
-              <a:rPr lang="en" altLang="ko-Kore-KR" sz="1400" dirty="0">
-                <a:solidFill>
-                  <a:srgbClr val="000000"/>
-                </a:solidFill>
-                <a:latin typeface="에스코어 드림 3 Light" panose="020B0303030302020204" pitchFamily="34" charset="-127"/>
-                <a:ea typeface="에스코어 드림 3 Light" panose="020B0303030302020204" pitchFamily="34" charset="-127"/>
-              </a:rPr>
-              <a:t>:</a:t>
-            </a:r>
-            <a:r>
-              <a:rPr lang="en" altLang="ko-Kore-KR" sz="1400" b="1" dirty="0">
-                <a:solidFill>
-                  <a:srgbClr val="5230E1"/>
-                </a:solidFill>
-                <a:latin typeface="에스코어 드림 3 Light" panose="020B0303030302020204" pitchFamily="34" charset="-127"/>
-                <a:ea typeface="에스코어 드림 3 Light" panose="020B0303030302020204" pitchFamily="34" charset="-127"/>
-              </a:rPr>
-              <a:t>~</a:t>
-            </a:r>
-            <a:r>
-              <a:rPr lang="en" altLang="ko-Kore-KR" sz="1400" dirty="0">
-                <a:solidFill>
-                  <a:srgbClr val="000000"/>
-                </a:solidFill>
-                <a:latin typeface="에스코어 드림 3 Light" panose="020B0303030302020204" pitchFamily="34" charset="-127"/>
-                <a:ea typeface="에스코어 드림 3 Light" panose="020B0303030302020204" pitchFamily="34" charset="-127"/>
-              </a:rPr>
-              <a:t>$ </a:t>
-            </a:r>
-            <a:r>
-              <a:rPr lang="en-US" altLang="ko-KR" spc="-100">
-                <a:latin typeface="에스코어 드림 3 Light" panose="020B0303030302020204" pitchFamily="34" charset="-127"/>
-                <a:ea typeface="에스코어 드림 3 Light" panose="020B0303030302020204" pitchFamily="34" charset="-127"/>
-              </a:rPr>
-              <a:t>curl -LO </a:t>
-            </a:r>
-            <a:r>
-              <a:rPr lang="en-US" altLang="ko-KR" spc="-100" dirty="0">
-                <a:latin typeface="에스코어 드림 3 Light" panose="020B0303030302020204" pitchFamily="34" charset="-127"/>
-                <a:ea typeface="에스코어 드림 3 Light" panose="020B0303030302020204" pitchFamily="34" charset="-127"/>
-                <a:hlinkClick r:id="rId3"/>
-              </a:rPr>
-              <a:t>https://github.com/auto-mos/MOS-Packages/raw/main/Tiny%20Package/MOS%20Edge/edgeInstallPackage_v2</a:t>
-            </a:r>
-            <a:r>
-              <a:rPr lang="en-US" altLang="ko-KR" spc="-100">
-                <a:latin typeface="에스코어 드림 3 Light" panose="020B0303030302020204" pitchFamily="34" charset="-127"/>
-                <a:ea typeface="에스코어 드림 3 Light" panose="020B0303030302020204" pitchFamily="34" charset="-127"/>
-                <a:hlinkClick r:id="rId3"/>
-              </a:rPr>
-              <a:t>.tar</a:t>
-            </a:r>
-            <a:endParaRPr lang="en-US" altLang="ko-KR" spc="-100">
-              <a:latin typeface="에스코어 드림 3 Light" panose="020B0303030302020204" pitchFamily="34" charset="-127"/>
-              <a:ea typeface="에스코어 드림 3 Light" panose="020B0303030302020204" pitchFamily="34" charset="-127"/>
-            </a:endParaRPr>
-          </a:p>
-          <a:p>
-            <a:pPr marL="0" indent="0">
-              <a:buNone/>
-            </a:pPr>
-            <a:endParaRPr lang="en-US" altLang="ko-KR" spc="-100" dirty="0">
-              <a:latin typeface="에스코어 드림 3 Light" panose="020B0303030302020204" pitchFamily="34" charset="-127"/>
-              <a:ea typeface="에스코어 드림 3 Light" panose="020B0303030302020204" pitchFamily="34" charset="-127"/>
-            </a:endParaRPr>
-          </a:p>
-          <a:p>
-            <a:r>
-              <a:rPr lang="en-US" altLang="ko-KR" dirty="0">
-                <a:latin typeface="에스코어 드림 3 Light" panose="020B0303030302020204" pitchFamily="34" charset="-127"/>
-                <a:ea typeface="에스코어 드림 3 Light" panose="020B0303030302020204" pitchFamily="34" charset="-127"/>
-              </a:rPr>
-              <a:t> </a:t>
-            </a:r>
-            <a:r>
-              <a:rPr lang="ko-KR" altLang="en-US" dirty="0">
-                <a:latin typeface="에스코어 드림 3 Light" panose="020B0303030302020204" pitchFamily="34" charset="-127"/>
-                <a:ea typeface="에스코어 드림 3 Light" panose="020B0303030302020204" pitchFamily="34" charset="-127"/>
-              </a:rPr>
-              <a:t>패키지 압축 해제</a:t>
-            </a:r>
-            <a:endParaRPr lang="en-US" altLang="ko-KR" dirty="0">
-              <a:latin typeface="에스코어 드림 3 Light" panose="020B0303030302020204" pitchFamily="34" charset="-127"/>
-              <a:ea typeface="에스코어 드림 3 Light" panose="020B0303030302020204" pitchFamily="34" charset="-127"/>
-            </a:endParaRPr>
-          </a:p>
-          <a:p>
-            <a:pPr marL="0" indent="0">
-              <a:buNone/>
-            </a:pPr>
-            <a:r>
-              <a:rPr lang="en" altLang="ko-Kore-KR" b="1" dirty="0">
-                <a:latin typeface="에스코어 드림 3 Light" panose="020B0303030302020204" pitchFamily="34" charset="-127"/>
-                <a:ea typeface="에스코어 드림 3 Light" panose="020B0303030302020204" pitchFamily="34" charset="-127"/>
-              </a:rPr>
-              <a:t> - </a:t>
-            </a:r>
-            <a:r>
-              <a:rPr lang="en" altLang="ko-Kore-KR" sz="1400" b="1" dirty="0">
-                <a:latin typeface="에스코어 드림 3 Light" panose="020B0303030302020204" pitchFamily="34" charset="-127"/>
-                <a:ea typeface="에스코어 드림 3 Light" panose="020B0303030302020204" pitchFamily="34" charset="-127"/>
-              </a:rPr>
-              <a:t> </a:t>
-            </a:r>
-            <a:r>
-              <a:rPr lang="en" altLang="ko-Kore-KR" sz="1400" b="1" dirty="0">
-                <a:solidFill>
-                  <a:srgbClr val="34BC26"/>
-                </a:solidFill>
-                <a:latin typeface="에스코어 드림 3 Light" panose="020B0303030302020204" pitchFamily="34" charset="-127"/>
-                <a:ea typeface="에스코어 드림 3 Light" panose="020B0303030302020204" pitchFamily="34" charset="-127"/>
-              </a:rPr>
-              <a:t>admin@gateway</a:t>
-            </a:r>
-            <a:r>
-              <a:rPr lang="en" altLang="ko-Kore-KR" sz="1400" dirty="0">
-                <a:solidFill>
-                  <a:srgbClr val="000000"/>
-                </a:solidFill>
-                <a:latin typeface="에스코어 드림 3 Light" panose="020B0303030302020204" pitchFamily="34" charset="-127"/>
-                <a:ea typeface="에스코어 드림 3 Light" panose="020B0303030302020204" pitchFamily="34" charset="-127"/>
-              </a:rPr>
-              <a:t>:</a:t>
-            </a:r>
-            <a:r>
-              <a:rPr lang="en" altLang="ko-Kore-KR" sz="1400" b="1" dirty="0">
-                <a:solidFill>
-                  <a:srgbClr val="5230E1"/>
-                </a:solidFill>
-                <a:latin typeface="에스코어 드림 3 Light" panose="020B0303030302020204" pitchFamily="34" charset="-127"/>
-                <a:ea typeface="에스코어 드림 3 Light" panose="020B0303030302020204" pitchFamily="34" charset="-127"/>
-              </a:rPr>
-              <a:t>~</a:t>
-            </a:r>
-            <a:r>
-              <a:rPr lang="en" altLang="ko-Kore-KR" sz="1400" dirty="0">
-                <a:solidFill>
-                  <a:srgbClr val="000000"/>
-                </a:solidFill>
-                <a:latin typeface="에스코어 드림 3 Light" panose="020B0303030302020204" pitchFamily="34" charset="-127"/>
-                <a:ea typeface="에스코어 드림 3 Light" panose="020B0303030302020204" pitchFamily="34" charset="-127"/>
-              </a:rPr>
-              <a:t>$ </a:t>
-            </a:r>
-            <a:r>
-              <a:rPr lang="en-US" altLang="ko-KR" sz="1400">
-                <a:solidFill>
-                  <a:srgbClr val="000000"/>
-                </a:solidFill>
-                <a:latin typeface="에스코어 드림 3 Light" panose="020B0303030302020204" pitchFamily="34" charset="-127"/>
-                <a:ea typeface="에스코어 드림 3 Light" panose="020B0303030302020204" pitchFamily="34" charset="-127"/>
-              </a:rPr>
-              <a:t>tar –xvf </a:t>
-            </a:r>
-            <a:r>
               <a:rPr lang="en-US" altLang="ko-KR" sz="1400" dirty="0">
-                <a:solidFill>
-                  <a:srgbClr val="000000"/>
-                </a:solidFill>
-                <a:latin typeface="에스코어 드림 3 Light" panose="020B0303030302020204" pitchFamily="34" charset="-127"/>
-                <a:ea typeface="에스코어 드림 3 Light" panose="020B0303030302020204" pitchFamily="34" charset="-127"/>
-              </a:rPr>
-              <a:t>edgeInstallPackage_v2.tar</a:t>
-            </a:r>
-            <a:endParaRPr lang="en-US" altLang="ko-KR" dirty="0">
-              <a:latin typeface="에스코어 드림 3 Light" panose="020B0303030302020204" pitchFamily="34" charset="-127"/>
-              <a:ea typeface="에스코어 드림 3 Light" panose="020B0303030302020204" pitchFamily="34" charset="-127"/>
-            </a:endParaRPr>
-          </a:p>
-          <a:p>
-            <a:r>
-              <a:rPr lang="ko-KR" altLang="en-US" dirty="0">
-                <a:latin typeface="에스코어 드림 3 Light" panose="020B0303030302020204" pitchFamily="34" charset="-127"/>
-                <a:ea typeface="에스코어 드림 3 Light" panose="020B0303030302020204" pitchFamily="34" charset="-127"/>
-              </a:rPr>
-              <a:t> 설치 작업용 스크립트 실행</a:t>
-            </a:r>
-            <a:endParaRPr lang="en-US" altLang="ko-KR" dirty="0">
-              <a:latin typeface="에스코어 드림 3 Light" panose="020B0303030302020204" pitchFamily="34" charset="-127"/>
-              <a:ea typeface="에스코어 드림 3 Light" panose="020B0303030302020204" pitchFamily="34" charset="-127"/>
-            </a:endParaRPr>
-          </a:p>
-          <a:p>
-            <a:pPr marL="0" indent="0">
-              <a:buNone/>
-            </a:pPr>
-            <a:r>
-              <a:rPr lang="en" altLang="ko-Kore-KR" b="1" dirty="0">
-                <a:latin typeface="에스코어 드림 3 Light" panose="020B0303030302020204" pitchFamily="34" charset="-127"/>
-                <a:ea typeface="에스코어 드림 3 Light" panose="020B0303030302020204" pitchFamily="34" charset="-127"/>
-              </a:rPr>
-              <a:t> - </a:t>
-            </a:r>
-            <a:r>
-              <a:rPr lang="en" altLang="ko-Kore-KR" sz="1400" b="1" dirty="0">
-                <a:latin typeface="에스코어 드림 3 Light" panose="020B0303030302020204" pitchFamily="34" charset="-127"/>
-                <a:ea typeface="에스코어 드림 3 Light" panose="020B0303030302020204" pitchFamily="34" charset="-127"/>
-              </a:rPr>
-              <a:t> </a:t>
-            </a:r>
-            <a:r>
-              <a:rPr lang="en" altLang="ko-Kore-KR" sz="1400" b="1" dirty="0">
-                <a:solidFill>
-                  <a:srgbClr val="34BC26"/>
-                </a:solidFill>
-                <a:latin typeface="에스코어 드림 3 Light" panose="020B0303030302020204" pitchFamily="34" charset="-127"/>
-                <a:ea typeface="에스코어 드림 3 Light" panose="020B0303030302020204" pitchFamily="34" charset="-127"/>
-              </a:rPr>
-              <a:t>admin@gateway</a:t>
-            </a:r>
-            <a:r>
-              <a:rPr lang="en" altLang="ko-Kore-KR" sz="1400">
-                <a:solidFill>
-                  <a:srgbClr val="000000"/>
-                </a:solidFill>
-                <a:latin typeface="에스코어 드림 3 Light" panose="020B0303030302020204" pitchFamily="34" charset="-127"/>
-                <a:ea typeface="에스코어 드림 3 Light" panose="020B0303030302020204" pitchFamily="34" charset="-127"/>
-              </a:rPr>
-              <a:t>:</a:t>
-            </a:r>
-            <a:r>
-              <a:rPr lang="en" altLang="ko-Kore-KR" sz="1400" b="1">
-                <a:solidFill>
-                  <a:srgbClr val="5230E1"/>
-                </a:solidFill>
-                <a:latin typeface="에스코어 드림 3 Light" panose="020B0303030302020204" pitchFamily="34" charset="-127"/>
-                <a:ea typeface="에스코어 드림 3 Light" panose="020B0303030302020204" pitchFamily="34" charset="-127"/>
-              </a:rPr>
-              <a:t>~</a:t>
-            </a:r>
-            <a:r>
-              <a:rPr lang="en" altLang="ko-Kore-KR" sz="1400">
-                <a:solidFill>
-                  <a:srgbClr val="000000"/>
-                </a:solidFill>
-                <a:latin typeface="에스코어 드림 3 Light" panose="020B0303030302020204" pitchFamily="34" charset="-127"/>
-                <a:ea typeface="에스코어 드림 3 Light" panose="020B0303030302020204" pitchFamily="34" charset="-127"/>
-              </a:rPr>
-              <a:t>$ </a:t>
-            </a:r>
-            <a:r>
-              <a:rPr lang="en-US" altLang="ko-Kore-KR" sz="1400">
-                <a:solidFill>
-                  <a:srgbClr val="000000"/>
-                </a:solidFill>
-                <a:latin typeface="에스코어 드림 3 Light" panose="020B0303030302020204" pitchFamily="34" charset="-127"/>
-                <a:ea typeface="에스코어 드림 3 Light" panose="020B0303030302020204" pitchFamily="34" charset="-127"/>
-              </a:rPr>
-              <a:t>./install_</a:t>
-            </a:r>
-            <a:r>
-              <a:rPr lang="en-US" altLang="ko-Kore-KR" sz="1400" dirty="0">
-                <a:solidFill>
-                  <a:srgbClr val="000000"/>
-                </a:solidFill>
-                <a:latin typeface="에스코어 드림 3 Light" panose="020B0303030302020204" pitchFamily="34" charset="-127"/>
-                <a:ea typeface="에스코어 드림 3 Light" panose="020B0303030302020204" pitchFamily="34" charset="-127"/>
-              </a:rPr>
-              <a:t>Edge.sh</a:t>
-            </a:r>
-            <a:endParaRPr lang="en-US" altLang="ko-KR" dirty="0">
-              <a:latin typeface="에스코어 드림 3 Light" panose="020B0303030302020204" pitchFamily="34" charset="-127"/>
-              <a:ea typeface="에스코어 드림 3 Light" panose="020B0303030302020204" pitchFamily="34" charset="-127"/>
-            </a:endParaRPr>
-          </a:p>
-          <a:p>
-            <a:r>
-              <a:rPr lang="ko-KR" altLang="en-US" dirty="0">
-                <a:latin typeface="에스코어 드림 3 Light" panose="020B0303030302020204" pitchFamily="34" charset="-127"/>
-                <a:ea typeface="에스코어 드림 3 Light" panose="020B0303030302020204" pitchFamily="34" charset="-127"/>
-              </a:rPr>
-              <a:t> 암호 파일 편집</a:t>
-            </a:r>
-            <a:endParaRPr lang="en-US" altLang="ko-KR" dirty="0">
-              <a:latin typeface="에스코어 드림 3 Light" panose="020B0303030302020204" pitchFamily="34" charset="-127"/>
-              <a:ea typeface="에스코어 드림 3 Light" panose="020B0303030302020204" pitchFamily="34" charset="-127"/>
-            </a:endParaRPr>
-          </a:p>
-          <a:p>
-            <a:pPr marL="0" indent="0">
-              <a:buNone/>
-            </a:pPr>
-            <a:r>
-              <a:rPr lang="en" altLang="ko-Kore-KR" b="1" dirty="0">
-                <a:latin typeface="에스코어 드림 3 Light" panose="020B0303030302020204" pitchFamily="34" charset="-127"/>
-                <a:ea typeface="에스코어 드림 3 Light" panose="020B0303030302020204" pitchFamily="34" charset="-127"/>
-              </a:rPr>
-              <a:t> - </a:t>
-            </a:r>
-            <a:r>
-              <a:rPr lang="en" altLang="ko-Kore-KR" sz="1400" b="1" dirty="0">
-                <a:latin typeface="에스코어 드림 3 Light" panose="020B0303030302020204" pitchFamily="34" charset="-127"/>
-                <a:ea typeface="에스코어 드림 3 Light" panose="020B0303030302020204" pitchFamily="34" charset="-127"/>
-              </a:rPr>
-              <a:t> </a:t>
-            </a:r>
-            <a:r>
-              <a:rPr lang="en" altLang="ko-Kore-KR" sz="1400" b="1" dirty="0">
-                <a:solidFill>
-                  <a:srgbClr val="34BC26"/>
-                </a:solidFill>
-                <a:latin typeface="에스코어 드림 3 Light" panose="020B0303030302020204" pitchFamily="34" charset="-127"/>
-                <a:ea typeface="에스코어 드림 3 Light" panose="020B0303030302020204" pitchFamily="34" charset="-127"/>
-              </a:rPr>
-              <a:t>admin@gateway</a:t>
-            </a:r>
-            <a:r>
-              <a:rPr lang="en" altLang="ko-Kore-KR" sz="1400" dirty="0">
-                <a:solidFill>
-                  <a:srgbClr val="000000"/>
-                </a:solidFill>
-                <a:latin typeface="에스코어 드림 3 Light" panose="020B0303030302020204" pitchFamily="34" charset="-127"/>
-                <a:ea typeface="에스코어 드림 3 Light" panose="020B0303030302020204" pitchFamily="34" charset="-127"/>
-              </a:rPr>
-              <a:t>:</a:t>
-            </a:r>
-            <a:r>
-              <a:rPr lang="en" altLang="ko-Kore-KR" sz="1400" b="1" dirty="0">
-                <a:solidFill>
-                  <a:srgbClr val="5230E1"/>
-                </a:solidFill>
-                <a:latin typeface="에스코어 드림 3 Light" panose="020B0303030302020204" pitchFamily="34" charset="-127"/>
-                <a:ea typeface="에스코어 드림 3 Light" panose="020B0303030302020204" pitchFamily="34" charset="-127"/>
-              </a:rPr>
-              <a:t>~</a:t>
-            </a:r>
-            <a:r>
-              <a:rPr lang="en" altLang="ko-Kore-KR" sz="1400" dirty="0">
-                <a:solidFill>
-                  <a:srgbClr val="000000"/>
-                </a:solidFill>
-                <a:latin typeface="에스코어 드림 3 Light" panose="020B0303030302020204" pitchFamily="34" charset="-127"/>
-                <a:ea typeface="에스코어 드림 3 Light" panose="020B0303030302020204" pitchFamily="34" charset="-127"/>
-              </a:rPr>
-              <a:t>$ </a:t>
-            </a:r>
-            <a:r>
-              <a:rPr lang="en-US" altLang="ko-Kore-KR" sz="1400" dirty="0">
-                <a:solidFill>
-                  <a:srgbClr val="000000"/>
-                </a:solidFill>
-                <a:latin typeface="에스코어 드림 3 Light" panose="020B0303030302020204" pitchFamily="34" charset="-127"/>
-                <a:ea typeface="에스코어 드림 3 Light" panose="020B0303030302020204" pitchFamily="34" charset="-127"/>
-              </a:rPr>
-              <a:t>cd </a:t>
-            </a:r>
-            <a:r>
-              <a:rPr lang="en-US" altLang="ko-Kore-KR" sz="1400" dirty="0" err="1">
-                <a:solidFill>
-                  <a:srgbClr val="000000"/>
-                </a:solidFill>
-                <a:latin typeface="에스코어 드림 3 Light" panose="020B0303030302020204" pitchFamily="34" charset="-127"/>
-                <a:ea typeface="에스코어 드림 3 Light" panose="020B0303030302020204" pitchFamily="34" charset="-127"/>
-              </a:rPr>
-              <a:t>sharedFolder</a:t>
-            </a:r>
-            <a:r>
-              <a:rPr lang="en-US" altLang="ko-Kore-KR" sz="1400" dirty="0">
-                <a:solidFill>
-                  <a:srgbClr val="000000"/>
-                </a:solidFill>
-                <a:latin typeface="에스코어 드림 3 Light" panose="020B0303030302020204" pitchFamily="34" charset="-127"/>
-                <a:ea typeface="에스코어 드림 3 Light" panose="020B0303030302020204" pitchFamily="34" charset="-127"/>
-              </a:rPr>
-              <a:t>/security </a:t>
-            </a:r>
-            <a:r>
-              <a:rPr lang="ko-KR" altLang="en-US" sz="1400" dirty="0">
-                <a:solidFill>
-                  <a:srgbClr val="000000"/>
-                </a:solidFill>
-                <a:latin typeface="에스코어 드림 3 Light" panose="020B0303030302020204" pitchFamily="34" charset="-127"/>
-                <a:ea typeface="에스코어 드림 3 Light" panose="020B0303030302020204" pitchFamily="34" charset="-127"/>
-              </a:rPr>
-              <a:t>입력 후</a:t>
-            </a:r>
-            <a:endParaRPr lang="en-US" altLang="ko-Kore-KR" sz="1400" dirty="0">
-              <a:solidFill>
-                <a:srgbClr val="000000"/>
-              </a:solidFill>
-              <a:latin typeface="에스코어 드림 3 Light" panose="020B0303030302020204" pitchFamily="34" charset="-127"/>
-              <a:ea typeface="에스코어 드림 3 Light" panose="020B0303030302020204" pitchFamily="34" charset="-127"/>
-            </a:endParaRPr>
-          </a:p>
-          <a:p>
-            <a:pPr marL="0" indent="0">
-              <a:buNone/>
-            </a:pPr>
-            <a:r>
-              <a:rPr lang="en-US" altLang="ko-Kore-KR" sz="1400" dirty="0">
-                <a:solidFill>
-                  <a:srgbClr val="000000"/>
-                </a:solidFill>
-                <a:latin typeface="에스코어 드림 3 Light" panose="020B0303030302020204" pitchFamily="34" charset="-127"/>
-                <a:ea typeface="에스코어 드림 3 Light" panose="020B0303030302020204" pitchFamily="34" charset="-127"/>
-              </a:rPr>
-              <a:t>	./</a:t>
-            </a:r>
-            <a:r>
-              <a:rPr lang="en-US" altLang="ko-Kore-KR" sz="1400" dirty="0" err="1">
-                <a:solidFill>
-                  <a:srgbClr val="000000"/>
-                </a:solidFill>
-                <a:latin typeface="에스코어 드림 3 Light" panose="020B0303030302020204" pitchFamily="34" charset="-127"/>
-                <a:ea typeface="에스코어 드림 3 Light" panose="020B0303030302020204" pitchFamily="34" charset="-127"/>
-              </a:rPr>
-              <a:t>dna_encrypt</a:t>
-            </a:r>
-            <a:r>
-              <a:rPr lang="en-US" altLang="ko-Kore-KR" sz="1400" dirty="0">
-                <a:solidFill>
-                  <a:srgbClr val="000000"/>
-                </a:solidFill>
-                <a:latin typeface="에스코어 드림 3 Light" panose="020B0303030302020204" pitchFamily="34" charset="-127"/>
-                <a:ea typeface="에스코어 드림 3 Light" panose="020B0303030302020204" pitchFamily="34" charset="-127"/>
-              </a:rPr>
-              <a:t> </a:t>
-            </a:r>
-            <a:r>
-              <a:rPr lang="en-US" altLang="ko-Kore-KR" sz="1400" dirty="0" err="1">
-                <a:solidFill>
-                  <a:srgbClr val="000000"/>
-                </a:solidFill>
-                <a:latin typeface="에스코어 드림 3 Light" panose="020B0303030302020204" pitchFamily="34" charset="-127"/>
-                <a:ea typeface="에스코어 드림 3 Light" panose="020B0303030302020204" pitchFamily="34" charset="-127"/>
-              </a:rPr>
-              <a:t>admin.secured</a:t>
-            </a:r>
-            <a:r>
-              <a:rPr lang="en-US" altLang="ko-Kore-KR" sz="1400" dirty="0">
-                <a:solidFill>
-                  <a:srgbClr val="000000"/>
-                </a:solidFill>
-                <a:latin typeface="에스코어 드림 3 Light" panose="020B0303030302020204" pitchFamily="34" charset="-127"/>
-                <a:ea typeface="에스코어 드림 3 Light" panose="020B0303030302020204" pitchFamily="34" charset="-127"/>
-              </a:rPr>
-              <a:t> (</a:t>
-            </a:r>
-            <a:r>
-              <a:rPr lang="ko-KR" altLang="en-US" sz="1400" dirty="0">
-                <a:solidFill>
-                  <a:srgbClr val="000000"/>
-                </a:solidFill>
-                <a:latin typeface="에스코어 드림 3 Light" panose="020B0303030302020204" pitchFamily="34" charset="-127"/>
-                <a:ea typeface="에스코어 드림 3 Light" panose="020B0303030302020204" pitchFamily="34" charset="-127"/>
-              </a:rPr>
-              <a:t>웹 인터페이스 </a:t>
-            </a:r>
-            <a:r>
-              <a:rPr lang="en-US" altLang="ko-KR" sz="1400" dirty="0">
-                <a:solidFill>
-                  <a:srgbClr val="000000"/>
-                </a:solidFill>
-                <a:latin typeface="에스코어 드림 3 Light" panose="020B0303030302020204" pitchFamily="34" charset="-127"/>
-                <a:ea typeface="에스코어 드림 3 Light" panose="020B0303030302020204" pitchFamily="34" charset="-127"/>
-              </a:rPr>
-              <a:t>admin </a:t>
-            </a:r>
-            <a:r>
-              <a:rPr lang="ko-KR" altLang="en-US" sz="1400" dirty="0">
-                <a:solidFill>
-                  <a:srgbClr val="000000"/>
-                </a:solidFill>
-                <a:latin typeface="에스코어 드림 3 Light" panose="020B0303030302020204" pitchFamily="34" charset="-127"/>
-                <a:ea typeface="에스코어 드림 3 Light" panose="020B0303030302020204" pitchFamily="34" charset="-127"/>
-              </a:rPr>
-              <a:t>계정 암호</a:t>
-            </a:r>
-            <a:r>
-              <a:rPr lang="en-US" altLang="ko-KR" sz="1400" dirty="0">
-                <a:solidFill>
-                  <a:srgbClr val="000000"/>
-                </a:solidFill>
-                <a:latin typeface="에스코어 드림 3 Light" panose="020B0303030302020204" pitchFamily="34" charset="-127"/>
-                <a:ea typeface="에스코어 드림 3 Light" panose="020B0303030302020204" pitchFamily="34" charset="-127"/>
-              </a:rPr>
-              <a:t>)</a:t>
-            </a:r>
-            <a:endParaRPr lang="en-US" altLang="ko-Kore-KR" sz="1400" dirty="0">
-              <a:solidFill>
-                <a:srgbClr val="000000"/>
-              </a:solidFill>
-              <a:latin typeface="에스코어 드림 3 Light" panose="020B0303030302020204" pitchFamily="34" charset="-127"/>
-              <a:ea typeface="에스코어 드림 3 Light" panose="020B0303030302020204" pitchFamily="34" charset="-127"/>
-            </a:endParaRPr>
-          </a:p>
-          <a:p>
-            <a:pPr marL="0" indent="0">
-              <a:buNone/>
-            </a:pPr>
-            <a:r>
-              <a:rPr lang="en-US" altLang="ko-Kore-KR" sz="1400" dirty="0">
-                <a:solidFill>
-                  <a:srgbClr val="000000"/>
-                </a:solidFill>
-                <a:latin typeface="에스코어 드림 3 Light" panose="020B0303030302020204" pitchFamily="34" charset="-127"/>
-                <a:ea typeface="에스코어 드림 3 Light" panose="020B0303030302020204" pitchFamily="34" charset="-127"/>
-              </a:rPr>
-              <a:t>	./</a:t>
-            </a:r>
-            <a:r>
-              <a:rPr lang="en-US" altLang="ko-Kore-KR" sz="1400" dirty="0" err="1">
-                <a:solidFill>
-                  <a:srgbClr val="000000"/>
-                </a:solidFill>
-                <a:latin typeface="에스코어 드림 3 Light" panose="020B0303030302020204" pitchFamily="34" charset="-127"/>
-                <a:ea typeface="에스코어 드림 3 Light" panose="020B0303030302020204" pitchFamily="34" charset="-127"/>
-              </a:rPr>
-              <a:t>dna_encrypt</a:t>
-            </a:r>
-            <a:r>
-              <a:rPr lang="en-US" altLang="ko-Kore-KR" sz="1400" dirty="0">
-                <a:solidFill>
-                  <a:srgbClr val="000000"/>
-                </a:solidFill>
-                <a:latin typeface="에스코어 드림 3 Light" panose="020B0303030302020204" pitchFamily="34" charset="-127"/>
-                <a:ea typeface="에스코어 드림 3 Light" panose="020B0303030302020204" pitchFamily="34" charset="-127"/>
-              </a:rPr>
-              <a:t> </a:t>
-            </a:r>
-            <a:r>
-              <a:rPr lang="en-US" altLang="ko-Kore-KR" sz="1400" dirty="0" err="1">
-                <a:solidFill>
-                  <a:srgbClr val="000000"/>
-                </a:solidFill>
-                <a:latin typeface="에스코어 드림 3 Light" panose="020B0303030302020204" pitchFamily="34" charset="-127"/>
-                <a:ea typeface="에스코어 드림 3 Light" panose="020B0303030302020204" pitchFamily="34" charset="-127"/>
-              </a:rPr>
-              <a:t>opcua.secured</a:t>
-            </a:r>
-            <a:r>
-              <a:rPr lang="en-US" altLang="ko-Kore-KR" sz="1400" dirty="0">
-                <a:solidFill>
-                  <a:srgbClr val="000000"/>
-                </a:solidFill>
-                <a:latin typeface="에스코어 드림 3 Light" panose="020B0303030302020204" pitchFamily="34" charset="-127"/>
-                <a:ea typeface="에스코어 드림 3 Light" panose="020B0303030302020204" pitchFamily="34" charset="-127"/>
-              </a:rPr>
-              <a:t> (OPCUA </a:t>
-            </a:r>
-            <a:r>
-              <a:rPr lang="ko-KR" altLang="en-US" sz="1400" dirty="0">
-                <a:solidFill>
-                  <a:srgbClr val="000000"/>
-                </a:solidFill>
-                <a:latin typeface="에스코어 드림 3 Light" panose="020B0303030302020204" pitchFamily="34" charset="-127"/>
-                <a:ea typeface="에스코어 드림 3 Light" panose="020B0303030302020204" pitchFamily="34" charset="-127"/>
-              </a:rPr>
-              <a:t>계정 암호</a:t>
-            </a:r>
-            <a:r>
-              <a:rPr lang="en-US" altLang="ko-KR" sz="1400" dirty="0">
-                <a:solidFill>
-                  <a:srgbClr val="000000"/>
-                </a:solidFill>
-                <a:latin typeface="에스코어 드림 3 Light" panose="020B0303030302020204" pitchFamily="34" charset="-127"/>
-                <a:ea typeface="에스코어 드림 3 Light" panose="020B0303030302020204" pitchFamily="34" charset="-127"/>
-              </a:rPr>
-              <a:t>)</a:t>
-            </a:r>
-            <a:endParaRPr lang="en-US" altLang="ko-Kore-KR" sz="1400" dirty="0">
-              <a:solidFill>
-                <a:srgbClr val="000000"/>
-              </a:solidFill>
-              <a:latin typeface="에스코어 드림 3 Light" panose="020B0303030302020204" pitchFamily="34" charset="-127"/>
-              <a:ea typeface="에스코어 드림 3 Light" panose="020B0303030302020204" pitchFamily="34" charset="-127"/>
-            </a:endParaRPr>
-          </a:p>
-          <a:p>
-            <a:r>
-              <a:rPr lang="en-US" altLang="ko-KR">
-                <a:latin typeface="에스코어 드림 3 Light" panose="020B0303030302020204" pitchFamily="34" charset="-127"/>
-                <a:ea typeface="에스코어 드림 3 Light" panose="020B0303030302020204" pitchFamily="34" charset="-127"/>
-              </a:rPr>
-              <a:t> Web </a:t>
-            </a:r>
-            <a:r>
-              <a:rPr lang="ko-KR" altLang="en-US">
-                <a:latin typeface="에스코어 드림 3 Light" panose="020B0303030302020204" pitchFamily="34" charset="-127"/>
-                <a:ea typeface="에스코어 드림 3 Light" panose="020B0303030302020204" pitchFamily="34" charset="-127"/>
-              </a:rPr>
-              <a:t>서비스 실행</a:t>
-            </a:r>
-            <a:endParaRPr lang="en-US" altLang="ko-KR" dirty="0">
-              <a:latin typeface="에스코어 드림 3 Light" panose="020B0303030302020204" pitchFamily="34" charset="-127"/>
-              <a:ea typeface="에스코어 드림 3 Light" panose="020B0303030302020204" pitchFamily="34" charset="-127"/>
-            </a:endParaRPr>
-          </a:p>
-          <a:p>
-            <a:pPr marL="0" indent="0">
-              <a:buNone/>
-            </a:pPr>
-            <a:r>
-              <a:rPr lang="en" altLang="ko-Kore-KR" b="1" dirty="0">
-                <a:latin typeface="에스코어 드림 3 Light" panose="020B0303030302020204" pitchFamily="34" charset="-127"/>
-                <a:ea typeface="에스코어 드림 3 Light" panose="020B0303030302020204" pitchFamily="34" charset="-127"/>
-              </a:rPr>
-              <a:t> - </a:t>
-            </a:r>
-            <a:r>
-              <a:rPr lang="en" altLang="ko-Kore-KR" sz="1400" b="1" dirty="0">
-                <a:latin typeface="에스코어 드림 3 Light" panose="020B0303030302020204" pitchFamily="34" charset="-127"/>
-                <a:ea typeface="에스코어 드림 3 Light" panose="020B0303030302020204" pitchFamily="34" charset="-127"/>
-              </a:rPr>
-              <a:t> </a:t>
-            </a:r>
-            <a:r>
-              <a:rPr lang="en" altLang="ko-Kore-KR" sz="1400" b="1" dirty="0">
-                <a:solidFill>
-                  <a:srgbClr val="34BC26"/>
-                </a:solidFill>
-                <a:latin typeface="에스코어 드림 3 Light" panose="020B0303030302020204" pitchFamily="34" charset="-127"/>
-                <a:ea typeface="에스코어 드림 3 Light" panose="020B0303030302020204" pitchFamily="34" charset="-127"/>
-              </a:rPr>
-              <a:t>admin@gateway</a:t>
-            </a:r>
-            <a:r>
-              <a:rPr lang="en" altLang="ko-Kore-KR" sz="1400" dirty="0">
-                <a:solidFill>
-                  <a:srgbClr val="000000"/>
-                </a:solidFill>
-                <a:latin typeface="에스코어 드림 3 Light" panose="020B0303030302020204" pitchFamily="34" charset="-127"/>
-                <a:ea typeface="에스코어 드림 3 Light" panose="020B0303030302020204" pitchFamily="34" charset="-127"/>
-              </a:rPr>
-              <a:t>:</a:t>
-            </a:r>
-            <a:r>
-              <a:rPr lang="en" altLang="ko-Kore-KR" sz="1400" b="1" dirty="0">
-                <a:solidFill>
-                  <a:srgbClr val="5230E1"/>
-                </a:solidFill>
-                <a:latin typeface="에스코어 드림 3 Light" panose="020B0303030302020204" pitchFamily="34" charset="-127"/>
-                <a:ea typeface="에스코어 드림 3 Light" panose="020B0303030302020204" pitchFamily="34" charset="-127"/>
-              </a:rPr>
-              <a:t>~</a:t>
-            </a:r>
-            <a:r>
-              <a:rPr lang="en" altLang="ko-Kore-KR" sz="1400" dirty="0">
-                <a:solidFill>
-                  <a:srgbClr val="000000"/>
-                </a:solidFill>
-                <a:latin typeface="에스코어 드림 3 Light" panose="020B0303030302020204" pitchFamily="34" charset="-127"/>
-                <a:ea typeface="에스코어 드림 3 Light" panose="020B0303030302020204" pitchFamily="34" charset="-127"/>
-              </a:rPr>
-              <a:t>$ </a:t>
-            </a:r>
-            <a:r>
-              <a:rPr lang="en-US" altLang="ko-Kore-KR" sz="1400" dirty="0" err="1">
-                <a:solidFill>
-                  <a:srgbClr val="000000"/>
-                </a:solidFill>
-                <a:latin typeface="에스코어 드림 3 Light" panose="020B0303030302020204" pitchFamily="34" charset="-127"/>
-                <a:ea typeface="에스코어 드림 3 Light" panose="020B0303030302020204" pitchFamily="34" charset="-127"/>
-              </a:rPr>
-              <a:t>sudo</a:t>
-            </a:r>
-            <a:r>
-              <a:rPr lang="en-US" altLang="ko-Kore-KR" sz="1400" dirty="0">
-                <a:solidFill>
-                  <a:srgbClr val="000000"/>
-                </a:solidFill>
-                <a:latin typeface="에스코어 드림 3 Light" panose="020B0303030302020204" pitchFamily="34" charset="-127"/>
-                <a:ea typeface="에스코어 드림 3 Light" panose="020B0303030302020204" pitchFamily="34" charset="-127"/>
-              </a:rPr>
-              <a:t> </a:t>
-            </a:r>
-            <a:r>
-              <a:rPr lang="en-US" altLang="ko-Kore-KR" sz="1400" dirty="0" err="1">
-                <a:solidFill>
-                  <a:srgbClr val="000000"/>
-                </a:solidFill>
-                <a:latin typeface="에스코어 드림 3 Light" panose="020B0303030302020204" pitchFamily="34" charset="-127"/>
-                <a:ea typeface="에스코어 드림 3 Light" panose="020B0303030302020204" pitchFamily="34" charset="-127"/>
-              </a:rPr>
-              <a:t>systemctl</a:t>
-            </a:r>
-            <a:r>
-              <a:rPr lang="en-US" altLang="ko-Kore-KR" sz="1400" dirty="0">
-                <a:solidFill>
-                  <a:srgbClr val="000000"/>
-                </a:solidFill>
-                <a:latin typeface="에스코어 드림 3 Light" panose="020B0303030302020204" pitchFamily="34" charset="-127"/>
-                <a:ea typeface="에스코어 드림 3 Light" panose="020B0303030302020204" pitchFamily="34" charset="-127"/>
-              </a:rPr>
-              <a:t> restart </a:t>
-            </a:r>
-            <a:r>
-              <a:rPr lang="en-US" altLang="ko-Kore-KR" sz="1400" dirty="0" err="1">
-                <a:solidFill>
-                  <a:srgbClr val="000000"/>
-                </a:solidFill>
-                <a:latin typeface="에스코어 드림 3 Light" panose="020B0303030302020204" pitchFamily="34" charset="-127"/>
-                <a:ea typeface="에스코어 드림 3 Light" panose="020B0303030302020204" pitchFamily="34" charset="-127"/>
-              </a:rPr>
-              <a:t>gatewayWeb.service</a:t>
-            </a:r>
-            <a:endParaRPr lang="en-US" altLang="ko-Kore-KR" sz="1400" dirty="0">
-              <a:solidFill>
-                <a:srgbClr val="000000"/>
-              </a:solidFill>
-              <a:latin typeface="에스코어 드림 3 Light" panose="020B0303030302020204" pitchFamily="34" charset="-127"/>
-              <a:ea typeface="에스코어 드림 3 Light" panose="020B0303030302020204" pitchFamily="34" charset="-127"/>
-            </a:endParaRPr>
-          </a:p>
-          <a:p>
-            <a:pPr marL="0" indent="0">
-              <a:buNone/>
-            </a:pPr>
-            <a:endParaRPr lang="en-US" altLang="ko-KR" dirty="0">
-              <a:latin typeface="에스코어 드림 3 Light" panose="020B0303030302020204" pitchFamily="34" charset="-127"/>
-              <a:ea typeface="에스코어 드림 3 Light" panose="020B0303030302020204" pitchFamily="34" charset="-127"/>
-            </a:endParaRPr>
-          </a:p>
-          <a:p>
-            <a:endParaRPr lang="en-US" altLang="ko-KR" dirty="0">
-              <a:latin typeface="에스코어 드림 3 Light" panose="020B0303030302020204" pitchFamily="34" charset="-127"/>
-              <a:ea typeface="에스코어 드림 3 Light" panose="020B0303030302020204" pitchFamily="34" charset="-127"/>
-            </a:endParaRPr>
-          </a:p>
-          <a:p>
-            <a:endParaRPr lang="en-US" altLang="ko-KR" dirty="0">
-              <a:latin typeface="에스코어 드림 3 Light" panose="020B0303030302020204" pitchFamily="34" charset="-127"/>
-              <a:ea typeface="에스코어 드림 3 Light" panose="020B0303030302020204" pitchFamily="34" charset="-127"/>
-            </a:endParaRPr>
-          </a:p>
-          <a:p>
-            <a:pPr marL="742950" lvl="1" indent="-285750">
-              <a:buFontTx/>
-              <a:buChar char="-"/>
-            </a:pPr>
-            <a:endParaRPr lang="en-US" altLang="ko-KR" sz="1400" dirty="0">
-              <a:latin typeface="에스코어 드림 3 Light" panose="020B0303030302020204" pitchFamily="34" charset="-127"/>
-              <a:ea typeface="에스코어 드림 3 Light" panose="020B0303030302020204" pitchFamily="34" charset="-127"/>
-            </a:endParaRPr>
-          </a:p>
-        </p:txBody>
-      </p:sp>
-      <p:pic>
-        <p:nvPicPr>
-          <p:cNvPr id="2" name="그림 1">
-            <a:extLst>
-              <a:ext uri="{FF2B5EF4-FFF2-40B4-BE49-F238E27FC236}">
-                <a16:creationId xmlns:a16="http://schemas.microsoft.com/office/drawing/2014/main" id="{055BB1AD-2C28-B2CE-52C0-4D963A755A28}"/>
-              </a:ext>
-            </a:extLst>
-          </p:cNvPr>
-          <p:cNvPicPr>
-            <a:picLocks noChangeAspect="1"/>
-          </p:cNvPicPr>
-          <p:nvPr/>
-        </p:nvPicPr>
-        <p:blipFill rotWithShape="1">
-          <a:blip r:embed="rId4"/>
-          <a:srcRect t="3940"/>
-          <a:stretch/>
-        </p:blipFill>
-        <p:spPr>
-          <a:xfrm>
-            <a:off x="8051992" y="3536191"/>
-            <a:ext cx="2948686" cy="2241820"/>
-          </a:xfrm>
-          <a:prstGeom prst="rect">
-            <a:avLst/>
-          </a:prstGeom>
-          <a:ln w="25400" cmpd="dbl">
-            <a:solidFill>
-              <a:srgbClr val="FF0000"/>
-            </a:solidFill>
-          </a:ln>
-        </p:spPr>
-      </p:pic>
-      <p:sp>
-        <p:nvSpPr>
-          <p:cNvPr id="3" name="직사각형 2">
-            <a:extLst>
-              <a:ext uri="{FF2B5EF4-FFF2-40B4-BE49-F238E27FC236}">
-                <a16:creationId xmlns:a16="http://schemas.microsoft.com/office/drawing/2014/main" id="{E386B1B6-DD62-6F84-3455-05E293C60270}"/>
-              </a:ext>
-            </a:extLst>
-          </p:cNvPr>
-          <p:cNvSpPr/>
-          <p:nvPr/>
-        </p:nvSpPr>
-        <p:spPr>
-          <a:xfrm>
-            <a:off x="8717738" y="4372621"/>
-            <a:ext cx="1732548" cy="302508"/>
-          </a:xfrm>
-          <a:prstGeom prst="rect">
-            <a:avLst/>
-          </a:prstGeom>
-          <a:noFill/>
-          <a:ln w="28575">
-            <a:solidFill>
-              <a:srgbClr val="FF0000"/>
-            </a:solidFill>
-          </a:ln>
-        </p:spPr>
-        <p:style>
-          <a:lnRef idx="2">
-            <a:schemeClr val="accent1">
-              <a:shade val="15000"/>
-            </a:schemeClr>
-          </a:lnRef>
-          <a:fillRef idx="1">
-            <a:schemeClr val="accent1"/>
-          </a:fillRef>
-          <a:effectRef idx="0">
-            <a:schemeClr val="accent1"/>
-          </a:effectRef>
-          <a:fontRef idx="minor">
-            <a:schemeClr val="lt1"/>
-          </a:fontRef>
-        </p:style>
-        <p:txBody>
-          <a:bodyPr rtlCol="0" anchor="ctr"/>
-          <a:lstStyle/>
-          <a:p>
-            <a:pPr algn="ctr"/>
-            <a:endParaRPr lang="ko-KR" altLang="en-US"/>
-          </a:p>
-        </p:txBody>
-      </p:sp>
-      <p:cxnSp>
-        <p:nvCxnSpPr>
-          <p:cNvPr id="6" name="연결선: 꺾임 5">
-            <a:extLst>
-              <a:ext uri="{FF2B5EF4-FFF2-40B4-BE49-F238E27FC236}">
-                <a16:creationId xmlns:a16="http://schemas.microsoft.com/office/drawing/2014/main" id="{0B86053F-19C3-A51C-909B-2C488B3E28D3}"/>
-              </a:ext>
-            </a:extLst>
-          </p:cNvPr>
-          <p:cNvCxnSpPr>
-            <a:cxnSpLocks/>
-            <a:endCxn id="3" idx="1"/>
-          </p:cNvCxnSpPr>
-          <p:nvPr/>
-        </p:nvCxnSpPr>
-        <p:spPr>
-          <a:xfrm flipV="1">
-            <a:off x="5582653" y="4523875"/>
-            <a:ext cx="3135085" cy="735644"/>
-          </a:xfrm>
-          <a:prstGeom prst="bentConnector3">
-            <a:avLst/>
-          </a:prstGeom>
-          <a:ln w="28575">
-            <a:solidFill>
-              <a:srgbClr val="FF0000"/>
-            </a:solidFill>
-            <a:tailEnd type="triangle"/>
-          </a:ln>
-        </p:spPr>
-        <p:style>
-          <a:lnRef idx="1">
-            <a:schemeClr val="accent1"/>
-          </a:lnRef>
-          <a:fillRef idx="0">
-            <a:schemeClr val="accent1"/>
-          </a:fillRef>
-          <a:effectRef idx="0">
-            <a:schemeClr val="accent1"/>
-          </a:effectRef>
-          <a:fontRef idx="minor">
-            <a:schemeClr val="tx1"/>
-          </a:fontRef>
-        </p:style>
-      </p:cxnSp>
-      <p:sp>
-        <p:nvSpPr>
-          <p:cNvPr id="7" name="TextBox 6">
-            <a:extLst>
-              <a:ext uri="{FF2B5EF4-FFF2-40B4-BE49-F238E27FC236}">
-                <a16:creationId xmlns:a16="http://schemas.microsoft.com/office/drawing/2014/main" id="{B00EBFB1-2155-0CA7-0768-8D654FC10F08}"/>
-              </a:ext>
-            </a:extLst>
-          </p:cNvPr>
-          <p:cNvSpPr txBox="1"/>
-          <p:nvPr/>
-        </p:nvSpPr>
-        <p:spPr>
-          <a:xfrm>
-            <a:off x="6937637" y="5826054"/>
-            <a:ext cx="5292749" cy="246221"/>
-          </a:xfrm>
-          <a:prstGeom prst="rect">
-            <a:avLst/>
-          </a:prstGeom>
-          <a:noFill/>
-        </p:spPr>
-        <p:txBody>
-          <a:bodyPr wrap="square" rtlCol="0">
-            <a:spAutoFit/>
-          </a:bodyPr>
-          <a:lstStyle/>
-          <a:p>
-            <a:r>
-              <a:rPr lang="en-US" altLang="ko-KR" sz="1000">
                 <a:latin typeface="에스코어 드림 4 Regular" panose="020B0503030302020204" pitchFamily="34" charset="-127"/>
                 <a:ea typeface="에스코어 드림 4 Regular" panose="020B0503030302020204" pitchFamily="34" charset="-127"/>
               </a:rPr>
-              <a:t>MOS Cloud</a:t>
-            </a:r>
-            <a:r>
-              <a:rPr lang="ko-KR" altLang="en-US" sz="1000">
+              <a:t>- Processor : i5 </a:t>
+            </a:r>
+            <a:r>
+              <a:rPr lang="ko-KR" altLang="en-US" sz="1400" dirty="0">
                 <a:latin typeface="에스코어 드림 4 Regular" panose="020B0503030302020204" pitchFamily="34" charset="-127"/>
                 <a:ea typeface="에스코어 드림 4 Regular" panose="020B0503030302020204" pitchFamily="34" charset="-127"/>
               </a:rPr>
-              <a:t> </a:t>
-            </a:r>
-            <a:r>
-              <a:rPr lang="en-US" altLang="ko-KR" sz="1000">
+              <a:t>이상의 멀티코어 </a:t>
+            </a:r>
+            <a:r>
+              <a:rPr lang="en-US" altLang="ko-KR" sz="1400" dirty="0">
                 <a:latin typeface="에스코어 드림 4 Regular" panose="020B0503030302020204" pitchFamily="34" charset="-127"/>
                 <a:ea typeface="에스코어 드림 4 Regular" panose="020B0503030302020204" pitchFamily="34" charset="-127"/>
               </a:rPr>
-              <a:t>-</a:t>
-            </a:r>
-            <a:r>
-              <a:rPr lang="ko-KR" altLang="en-US" sz="1000">
+              <a:t>CPU</a:t>
+            </a:r>
+          </a:p>
+          <a:p>
+            <a:pPr lvl="1">
+              <a:lnSpc>
+                <a:spcPct val="150000"/>
+              </a:lnSpc>
+            </a:pPr>
+            <a:r>
+              <a:rPr lang="en-US" altLang="ko-KR" sz="1400" dirty="0">
                 <a:latin typeface="에스코어 드림 4 Regular" panose="020B0503030302020204" pitchFamily="34" charset="-127"/>
                 <a:ea typeface="에스코어 드림 4 Regular" panose="020B0503030302020204" pitchFamily="34" charset="-127"/>
               </a:rPr>
-              <a:t> </a:t>
-            </a:r>
-            <a:r>
-              <a:rPr lang="en-US" altLang="ko-KR" sz="1000">
+              <a:t>- Memory : 16GB DRAM</a:t>
+            </a:r>
+          </a:p>
+          <a:p>
+            <a:pPr lvl="1">
+              <a:lnSpc>
+                <a:spcPct val="150000"/>
+              </a:lnSpc>
+            </a:pPr>
+            <a:r>
+              <a:rPr lang="en-US" altLang="ko-KR" sz="1400" dirty="0">
                 <a:latin typeface="에스코어 드림 4 Regular" panose="020B0503030302020204" pitchFamily="34" charset="-127"/>
                 <a:ea typeface="에스코어 드림 4 Regular" panose="020B0503030302020204" pitchFamily="34" charset="-127"/>
               </a:rPr>
-              <a:t>/usr/lib/systemd/system/gather.service </a:t>
-            </a:r>
-            <a:r>
-              <a:rPr lang="ko-KR" altLang="en-US" sz="1000">
+              <a:t>- Disk : 128GB </a:t>
+            </a:r>
+            <a:r>
+              <a:rPr lang="ko-KR" altLang="en-US" sz="1400" dirty="0">
                 <a:latin typeface="에스코어 드림 4 Regular" panose="020B0503030302020204" pitchFamily="34" charset="-127"/>
                 <a:ea typeface="에스코어 드림 4 Regular" panose="020B0503030302020204" pitchFamily="34" charset="-127"/>
               </a:rPr>
-              <a:t>파일의 </a:t>
-            </a:r>
-            <a:r>
-              <a:rPr lang="en-US" altLang="ko-KR" sz="1000">
+              <a:t>이상의 </a:t>
+            </a:r>
+            <a:r>
+              <a:rPr lang="en-US" altLang="ko-KR" sz="1400" dirty="0">
                 <a:latin typeface="에스코어 드림 4 Regular" panose="020B0503030302020204" pitchFamily="34" charset="-127"/>
                 <a:ea typeface="에스코어 드림 4 Regular" panose="020B0503030302020204" pitchFamily="34" charset="-127"/>
               </a:rPr>
-              <a:t>OPCUA_PWD</a:t>
-            </a:r>
-            <a:r>
-              <a:rPr lang="ko-KR" altLang="en-US" sz="1000">
+              <a:t>SSD </a:t>
+            </a:r>
+            <a:r>
+              <a:rPr lang="ko-KR" altLang="en-US" sz="1400" dirty="0">
                 <a:latin typeface="에스코어 드림 4 Regular" panose="020B0503030302020204" pitchFamily="34" charset="-127"/>
                 <a:ea typeface="에스코어 드림 4 Regular" panose="020B0503030302020204" pitchFamily="34" charset="-127"/>
               </a:rPr>
-              <a:t>와 동기화</a:t>
+              <a:t>디스크</a:t>
+            </a:r>
+          </a:p>
+          <a:p>
+            <a:pPr lvl="1">
+              <a:lnSpc>
+                <a:spcPct val="150000"/>
+              </a:lnSpc>
+            </a:pPr>
+            <a:r>
+              <a:rPr lang="en-US" altLang="ko-KR" sz="1400" dirty="0">
+                <a:latin typeface="에스코어 드림 4 Regular" panose="020B0503030302020204" pitchFamily="34" charset="-127"/>
+                <a:ea typeface="에스코어 드림 4 Regular" panose="020B0503030302020204" pitchFamily="34" charset="-127"/>
+              </a:rPr>
+              <a:t>- Network : 2</a:t>
+            </a:r>
+            <a:r>
+              <a:rPr lang="ko-KR" altLang="en-US" sz="1400" dirty="0">
+                <a:latin typeface="에스코어 드림 4 Regular" panose="020B0503030302020204" pitchFamily="34" charset="-127"/>
+                <a:ea typeface="에스코어 드림 4 Regular" panose="020B0503030302020204" pitchFamily="34" charset="-127"/>
+              </a:rPr>
+              <a:t>개 이상의 이더넷</a:t>
+            </a:r>
+            <a:r>
+              <a:rPr lang="en-US" altLang="ko-KR" sz="1400" dirty="0">
+                <a:latin typeface="에스코어 드림 4 Regular" panose="020B0503030302020204" pitchFamily="34" charset="-127"/>
+                <a:ea typeface="에스코어 드림 4 Regular" panose="020B0503030302020204" pitchFamily="34" charset="-127"/>
+              </a:rPr>
+              <a:t> </a:t>
+            </a:r>
+            <a:r>
+              <a:rPr lang="ko-KR" altLang="en-US" sz="1400" dirty="0">
+                <a:latin typeface="에스코어 드림 4 Regular" panose="020B0503030302020204" pitchFamily="34" charset="-127"/>
+                <a:ea typeface="에스코어 드림 4 Regular" panose="020B0503030302020204" pitchFamily="34" charset="-127"/>
+              </a:rPr>
+              <a:t>포트 </a:t>
+            </a:r>
+            <a:r>
+              <a:rPr lang="en-US" altLang="ko-KR" sz="1400" dirty="0">
+                <a:latin typeface="에스코어 드림 4 Regular" panose="020B0503030302020204" pitchFamily="34" charset="-127"/>
+                <a:ea typeface="에스코어 드림 4 Regular" panose="020B0503030302020204" pitchFamily="34" charset="-127"/>
+              </a:rPr>
+              <a:t>(</a:t>
+            </a:r>
+            <a:r>
+              <a:rPr lang="ko-KR" altLang="en-US" sz="1400" dirty="0">
+                <a:latin typeface="에스코어 드림 4 Regular" panose="020B0503030302020204" pitchFamily="34" charset="-127"/>
+                <a:ea typeface="에스코어 드림 4 Regular" panose="020B0503030302020204" pitchFamily="34" charset="-127"/>
+              </a:rPr>
+              <a:t>필드 장비 ↔ </a:t>
+            </a:r>
+            <a:r>
+              <a:rPr lang="en-US" altLang="ko-KR" sz="1400" dirty="0">
+                <a:latin typeface="에스코어 드림 4 Regular" panose="020B0503030302020204" pitchFamily="34" charset="-127"/>
+                <a:ea typeface="에스코어 드림 4 Regular" panose="020B0503030302020204" pitchFamily="34" charset="-127"/>
+              </a:rPr>
+              <a:t>Edge , Cloud </a:t>
+            </a:r>
+            <a:r>
+              <a:rPr lang="ko-KR" altLang="en-US" sz="1400" dirty="0">
+                <a:latin typeface="에스코어 드림 4 Regular" panose="020B0503030302020204" pitchFamily="34" charset="-127"/>
+                <a:ea typeface="에스코어 드림 4 Regular" panose="020B0503030302020204" pitchFamily="34" charset="-127"/>
+              </a:rPr>
+              <a:t>↔ </a:t>
+            </a:r>
+            <a:r>
+              <a:rPr lang="en-US" altLang="ko-KR" sz="1400" dirty="0">
+                <a:latin typeface="에스코어 드림 4 Regular" panose="020B0503030302020204" pitchFamily="34" charset="-127"/>
+                <a:ea typeface="에스코어 드림 4 Regular" panose="020B0503030302020204" pitchFamily="34" charset="-127"/>
+              </a:rPr>
+              <a:t>Edge)</a:t>
+            </a:r>
+            <a:endParaRPr lang="ko-KR" altLang="en-US" sz="1400" dirty="0">
+              <a:latin typeface="에스코어 드림 4 Regular" panose="020B0503030302020204" pitchFamily="34" charset="-127"/>
+              <a:ea typeface="에스코어 드림 4 Regular" panose="020B0503030302020204" pitchFamily="34" charset="-127"/>
+            </a:endParaRPr>
+          </a:p>
+          <a:p>
+            <a:pPr lvl="1">
+              <a:lnSpc>
+                <a:spcPct val="150000"/>
+              </a:lnSpc>
+            </a:pPr>
+            <a:r>
+              <a:rPr lang="en-US" altLang="ko-KR" sz="1400" dirty="0">
+                <a:latin typeface="에스코어 드림 4 Regular" panose="020B0503030302020204" pitchFamily="34" charset="-127"/>
+                <a:ea typeface="에스코어 드림 4 Regular" panose="020B0503030302020204" pitchFamily="34" charset="-127"/>
+              </a:rPr>
+              <a:t>- Python 3.6 </a:t>
+            </a:r>
+            <a:r>
+              <a:rPr lang="ko-KR" altLang="en-US" sz="1400" dirty="0">
+                <a:latin typeface="에스코어 드림 4 Regular" panose="020B0503030302020204" pitchFamily="34" charset="-127"/>
+                <a:ea typeface="에스코어 드림 4 Regular" panose="020B0503030302020204" pitchFamily="34" charset="-127"/>
+              </a:rPr>
+              <a:t>또는 </a:t>
+            </a:r>
+            <a:r>
+              <a:rPr lang="en-US" altLang="ko-KR" sz="1400" dirty="0">
+                <a:latin typeface="에스코어 드림 4 Regular" panose="020B0503030302020204" pitchFamily="34" charset="-127"/>
+                <a:ea typeface="에스코어 드림 4 Regular" panose="020B0503030302020204" pitchFamily="34" charset="-127"/>
+              </a:rPr>
+              <a:t>3.7 </a:t>
+            </a:r>
+            <a:r>
+              <a:rPr lang="ko-KR" altLang="en-US" sz="1400" dirty="0">
+                <a:latin typeface="에스코어 드림 4 Regular" panose="020B0503030302020204" pitchFamily="34" charset="-127"/>
+                <a:ea typeface="에스코어 드림 4 Regular" panose="020B0503030302020204" pitchFamily="34" charset="-127"/>
+              </a:rPr>
+              <a:t>버전 설치</a:t>
+            </a:r>
+            <a:endParaRPr lang="en-US" altLang="ko-KR" sz="1400" dirty="0">
+              <a:latin typeface="에스코어 드림 4 Regular" panose="020B0503030302020204" pitchFamily="34" charset="-127"/>
+              <a:ea typeface="에스코어 드림 4 Regular" panose="020B0503030302020204" pitchFamily="34" charset="-127"/>
+            </a:endParaRPr>
+          </a:p>
+          <a:p>
+            <a:r>
+              <a:rPr lang="en-US" altLang="ko-KR" dirty="0"/>
+              <a:t> </a:t>
+            </a:r>
+            <a:r>
+              <a:rPr lang="ko-KR" altLang="en-US" dirty="0"/>
+              <a:t>네트워크 정책 설정 필요</a:t>
+            </a:r>
+            <a:endParaRPr lang="en-US" altLang="ko-KR" dirty="0"/>
+          </a:p>
+          <a:p>
+            <a:pPr lvl="1">
+              <a:lnSpc>
+                <a:spcPct val="150000"/>
+              </a:lnSpc>
+            </a:pPr>
+            <a:r>
+              <a:rPr lang="en-US" altLang="ko-KR" sz="1400" dirty="0">
+                <a:latin typeface="에스코어 드림 4 Regular" panose="020B0503030302020204" pitchFamily="34" charset="-127"/>
+                <a:ea typeface="에스코어 드림 4 Regular" panose="020B0503030302020204" pitchFamily="34" charset="-127"/>
+              </a:rPr>
+              <a:t>- inbound </a:t>
+            </a:r>
+            <a:r>
+              <a:rPr lang="ko-KR" altLang="en-US" sz="1400" dirty="0">
+                <a:latin typeface="에스코어 드림 4 Regular" panose="020B0503030302020204" pitchFamily="34" charset="-127"/>
+                <a:ea typeface="에스코어 드림 4 Regular" panose="020B0503030302020204" pitchFamily="34" charset="-127"/>
+              </a:rPr>
+              <a:t>포트 허용 정책</a:t>
+            </a:r>
+          </a:p>
+          <a:p>
+            <a:pPr lvl="1">
+              <a:lnSpc>
+                <a:spcPct val="150000"/>
+              </a:lnSpc>
+            </a:pPr>
+            <a:r>
+              <a:rPr lang="en-US" altLang="ko-KR" sz="1400" dirty="0">
+                <a:latin typeface="에스코어 드림 4 Regular" panose="020B0503030302020204" pitchFamily="34" charset="-127"/>
+                <a:ea typeface="에스코어 드림 4 Regular" panose="020B0503030302020204" pitchFamily="34" charset="-127"/>
+              </a:rPr>
+              <a:t>	OPCUA(4840), Gateway Web(5000), SSH(22)</a:t>
+            </a:r>
+          </a:p>
+          <a:p>
+            <a:pPr lvl="1">
+              <a:lnSpc>
+                <a:spcPct val="150000"/>
+              </a:lnSpc>
+            </a:pPr>
+            <a:r>
+              <a:rPr lang="en-US" altLang="ko-KR" sz="1400" dirty="0">
+                <a:latin typeface="에스코어 드림 4 Regular" panose="020B0503030302020204" pitchFamily="34" charset="-127"/>
+                <a:ea typeface="에스코어 드림 4 Regular" panose="020B0503030302020204" pitchFamily="34" charset="-127"/>
+              </a:rPr>
+              <a:t>-Outbound </a:t>
+            </a:r>
+            <a:r>
+              <a:rPr lang="ko-KR" altLang="en-US" sz="1400" dirty="0">
+                <a:latin typeface="에스코어 드림 4 Regular" panose="020B0503030302020204" pitchFamily="34" charset="-127"/>
+                <a:ea typeface="에스코어 드림 4 Regular" panose="020B0503030302020204" pitchFamily="34" charset="-127"/>
+              </a:rPr>
+              <a:t>허용 정책</a:t>
+            </a:r>
+          </a:p>
+          <a:p>
+            <a:pPr lvl="1">
+              <a:lnSpc>
+                <a:spcPct val="150000"/>
+              </a:lnSpc>
+            </a:pPr>
+            <a:r>
+              <a:rPr lang="en-US" altLang="ko-KR" sz="1400" dirty="0">
+                <a:latin typeface="에스코어 드림 4 Regular" panose="020B0503030302020204" pitchFamily="34" charset="-127"/>
+                <a:ea typeface="에스코어 드림 4 Regular" panose="020B0503030302020204" pitchFamily="34" charset="-127"/>
+              </a:rPr>
+              <a:t>	REST http(80), MQTT(1883), https(443), AMQP(5672)</a:t>
             </a:r>
           </a:p>
         </p:txBody>
@@ -15843,7 +12417,7 @@
     </p:spTree>
     <p:extLst>
       <p:ext uri="{BB962C8B-B14F-4D97-AF65-F5344CB8AC3E}">
-        <p14:creationId xmlns:p14="http://schemas.microsoft.com/office/powerpoint/2010/main" val="1807702060"/>
+        <p14:creationId xmlns:p14="http://schemas.microsoft.com/office/powerpoint/2010/main" val="1917774355"/>
       </p:ext>
     </p:extLst>
   </p:cSld>
@@ -15853,7 +12427,7 @@
 </p:sld>
 </file>
 
-<file path=ppt/slides/slide8.xml><?xml version="1.0" encoding="utf-8"?>
+<file path=ppt/slides/slide6.xml><?xml version="1.0" encoding="utf-8"?>
 <p:sld xmlns:a="http://schemas.openxmlformats.org/drawingml/2006/main" xmlns:r="http://schemas.openxmlformats.org/officeDocument/2006/relationships" xmlns:p="http://schemas.openxmlformats.org/presentationml/2006/main">
   <p:cSld>
     <p:spTree>
@@ -15906,7 +12480,7 @@
                 <a:latin typeface="에스코어 드림 6 Bold" panose="020B0703030302020204" pitchFamily="34" charset="-127"/>
                 <a:ea typeface="에스코어 드림 6 Bold" panose="020B0703030302020204" pitchFamily="34" charset="-127"/>
               </a:rPr>
-              <a:t>Package Version</a:t>
+              <a:t>Environment Settings</a:t>
             </a:r>
             <a:endParaRPr lang="ko-KR" altLang="en-US" sz="2000" b="1" dirty="0">
               <a:solidFill>
@@ -15933,7 +12507,7 @@
         <p:spPr>
           <a:xfrm>
             <a:off x="394629" y="846886"/>
-            <a:ext cx="11402741" cy="877163"/>
+            <a:ext cx="11402741" cy="6696641"/>
           </a:xfrm>
           <a:prstGeom prst="rect">
             <a:avLst/>
@@ -15978,48 +12552,978 @@
           <a:p>
             <a:r>
               <a:rPr lang="ko-KR" altLang="en-US" dirty="0"/>
-              <a:t> 주요 패키지 버전 확인</a:t>
+              <a:t> 설치된 </a:t>
+            </a:r>
+            <a:r>
+              <a:rPr lang="en-US" altLang="ko-KR" dirty="0"/>
+              <a:t>OS</a:t>
+            </a:r>
+            <a:r>
+              <a:rPr lang="ko-KR" altLang="en-US" dirty="0"/>
+              <a:t>에서 사용자 계정 등 정보 셋업</a:t>
             </a:r>
             <a:endParaRPr lang="en-US" altLang="ko-KR" dirty="0"/>
           </a:p>
           <a:p>
-            <a:pPr marL="742950" lvl="1" indent="-285750">
-              <a:buFontTx/>
-              <a:buChar char="-"/>
+            <a:r>
+              <a:rPr lang="en-US" altLang="ko-KR" sz="1400" dirty="0"/>
+              <a:t> admin </a:t>
+            </a:r>
+            <a:r>
+              <a:rPr lang="ko-KR" altLang="en-US" sz="1400"/>
+              <a:t>계정 생성 </a:t>
+            </a:r>
+            <a:r>
+              <a:rPr lang="en-US" altLang="ko-KR" sz="1100" b="1">
+                <a:solidFill>
+                  <a:srgbClr val="FF0000"/>
+                </a:solidFill>
+              </a:rPr>
+              <a:t>※ </a:t>
+            </a:r>
+            <a:r>
+              <a:rPr lang="ko-KR" altLang="en-US" sz="1100" b="1">
+                <a:solidFill>
+                  <a:srgbClr val="FF0000"/>
+                </a:solidFill>
+              </a:rPr>
+              <a:t>모든 설치 및 동작은 </a:t>
+            </a:r>
+            <a:r>
+              <a:rPr lang="en-US" altLang="ko-KR" sz="1100" b="1">
+                <a:solidFill>
+                  <a:srgbClr val="FF0000"/>
+                </a:solidFill>
+              </a:rPr>
+              <a:t>admin </a:t>
+            </a:r>
+            <a:r>
+              <a:rPr lang="ko-KR" altLang="en-US" sz="1100" b="1">
+                <a:solidFill>
+                  <a:srgbClr val="FF0000"/>
+                </a:solidFill>
+              </a:rPr>
+              <a:t>계정으로 진행됩니다</a:t>
+            </a:r>
+            <a:endParaRPr lang="en-US" altLang="ko-KR" sz="1100" b="1" dirty="0">
+              <a:solidFill>
+                <a:srgbClr val="FF0000"/>
+              </a:solidFill>
+            </a:endParaRPr>
+          </a:p>
+          <a:p>
+            <a:pPr marL="0" indent="0">
+              <a:buNone/>
             </a:pPr>
             <a:r>
+              <a:rPr lang="en" altLang="ko-Kore-KR" b="1" dirty="0"/>
+              <a:t>    - </a:t>
+            </a:r>
+            <a:r>
+              <a:rPr lang="en" altLang="ko-Kore-KR" sz="1400" b="1" dirty="0"/>
+              <a:t> </a:t>
+            </a:r>
+            <a:r>
+              <a:rPr lang="en" altLang="ko-Kore-KR" sz="1400" b="1" dirty="0">
+                <a:solidFill>
+                  <a:srgbClr val="34BC26"/>
+                </a:solidFill>
+              </a:rPr>
+              <a:t>admin@gateway</a:t>
+            </a:r>
+            <a:r>
+              <a:rPr lang="en" altLang="ko-Kore-KR" sz="1400" dirty="0">
+                <a:solidFill>
+                  <a:srgbClr val="000000"/>
+                </a:solidFill>
+              </a:rPr>
+              <a:t>:</a:t>
+            </a:r>
+            <a:r>
+              <a:rPr lang="en" altLang="ko-Kore-KR" sz="1400" b="1" dirty="0">
+                <a:solidFill>
+                  <a:srgbClr val="5230E1"/>
+                </a:solidFill>
+              </a:rPr>
+              <a:t>~</a:t>
+            </a:r>
+            <a:r>
+              <a:rPr lang="en" altLang="ko-Kore-KR" sz="1400" dirty="0">
+                <a:solidFill>
+                  <a:srgbClr val="000000"/>
+                </a:solidFill>
+              </a:rPr>
+              <a:t>$ </a:t>
+            </a:r>
+            <a:r>
+              <a:rPr lang="en" altLang="ko-Kore-KR" sz="1400" dirty="0">
+                <a:solidFill>
+                  <a:srgbClr val="000000"/>
+                </a:solidFill>
+                <a:highlight>
+                  <a:srgbClr val="C0C0C0"/>
+                </a:highlight>
+                <a:latin typeface="Consolas" panose="020B0609020204030204" pitchFamily="49" charset="0"/>
+              </a:rPr>
+              <a:t>sudo </a:t>
+            </a:r>
+            <a:r>
+              <a:rPr lang="en" altLang="ko-Kore-KR" sz="1400">
+                <a:solidFill>
+                  <a:srgbClr val="000000"/>
+                </a:solidFill>
+                <a:highlight>
+                  <a:srgbClr val="C0C0C0"/>
+                </a:highlight>
+                <a:latin typeface="Consolas" panose="020B0609020204030204" pitchFamily="49" charset="0"/>
+              </a:rPr>
+              <a:t>adduser admin</a:t>
+            </a:r>
+            <a:r>
+              <a:rPr lang="en" altLang="ko-Kore-KR" sz="1400">
+                <a:solidFill>
+                  <a:srgbClr val="000000"/>
+                </a:solidFill>
+              </a:rPr>
+              <a:t> (</a:t>
+            </a:r>
+            <a:r>
+              <a:rPr lang="ko-KR" altLang="en-US" sz="1400">
+                <a:solidFill>
+                  <a:srgbClr val="000000"/>
+                </a:solidFill>
+              </a:rPr>
+              <a:t>오류 발생 시 </a:t>
+            </a:r>
+            <a:r>
+              <a:rPr lang="en" altLang="ko-Kore-KR" sz="1400">
+                <a:solidFill>
+                  <a:srgbClr val="000000"/>
+                </a:solidFill>
+                <a:highlight>
+                  <a:srgbClr val="C0C0C0"/>
+                </a:highlight>
+                <a:latin typeface="Consolas" panose="020B0609020204030204" pitchFamily="49" charset="0"/>
+              </a:rPr>
+              <a:t>sudo groupdel admin</a:t>
+            </a:r>
+            <a:r>
+              <a:rPr lang="en" altLang="ko-Kore-KR" sz="1400">
+                <a:solidFill>
+                  <a:srgbClr val="000000"/>
+                </a:solidFill>
+              </a:rPr>
+              <a:t> / </a:t>
+            </a:r>
+            <a:r>
+              <a:rPr lang="en" altLang="ko-Kore-KR" sz="1400">
+                <a:solidFill>
+                  <a:srgbClr val="000000"/>
+                </a:solidFill>
+                <a:highlight>
+                  <a:srgbClr val="C0C0C0"/>
+                </a:highlight>
+                <a:latin typeface="Consolas" panose="020B0609020204030204" pitchFamily="49" charset="0"/>
+              </a:rPr>
+              <a:t>sudo userdel admin</a:t>
+            </a:r>
+            <a:r>
+              <a:rPr lang="en" altLang="ko-Kore-KR" sz="1400">
+                <a:solidFill>
+                  <a:srgbClr val="000000"/>
+                </a:solidFill>
+              </a:rPr>
+              <a:t> </a:t>
+            </a:r>
+            <a:r>
+              <a:rPr lang="ko-KR" altLang="en-US" sz="1400">
+                <a:solidFill>
+                  <a:srgbClr val="000000"/>
+                </a:solidFill>
+              </a:rPr>
+              <a:t>입력 후 진행</a:t>
+            </a:r>
+            <a:r>
+              <a:rPr lang="en-US" altLang="ko-KR" sz="1400">
+                <a:solidFill>
+                  <a:srgbClr val="000000"/>
+                </a:solidFill>
+              </a:rPr>
+              <a:t>)</a:t>
+            </a:r>
+            <a:endParaRPr lang="en-US" altLang="ko-KR" sz="1400" dirty="0"/>
+          </a:p>
+          <a:p>
+            <a:r>
               <a:rPr lang="en-US" altLang="ko-KR" dirty="0"/>
-              <a:t>Python </a:t>
+              <a:t> </a:t>
             </a:r>
             <a:r>
               <a:rPr lang="ko-KR" altLang="en-US" dirty="0"/>
-              <a:t>패키지</a:t>
-            </a:r>
-            <a:r>
-              <a:rPr lang="en-US" altLang="ko-KR" dirty="0"/>
-              <a:t>, Docker</a:t>
+              <a:t>유저 권한을 </a:t>
+            </a:r>
+            <a:r>
+              <a:rPr lang="en-US" altLang="ko-KR" dirty="0" err="1"/>
+              <a:t>su</a:t>
             </a:r>
             <a:r>
               <a:rPr lang="ko-KR" altLang="en-US" dirty="0"/>
-              <a:t> 버전 확인</a:t>
+              <a:t>로 설정</a:t>
             </a:r>
             <a:endParaRPr lang="en-US" altLang="ko-KR" dirty="0"/>
           </a:p>
           <a:p>
-            <a:pPr marL="742950" lvl="1" indent="-285750">
-              <a:buFontTx/>
-              <a:buChar char="-"/>
+            <a:pPr marL="0" indent="0">
+              <a:buNone/>
             </a:pPr>
+            <a:r>
+              <a:rPr lang="en" altLang="ko-Kore-KR" b="1" dirty="0"/>
+              <a:t>    - </a:t>
+            </a:r>
+            <a:r>
+              <a:rPr lang="en" altLang="ko-Kore-KR" sz="1400" b="1" dirty="0"/>
+              <a:t> </a:t>
+            </a:r>
+            <a:r>
+              <a:rPr lang="en" altLang="ko-Kore-KR" sz="1400" b="1" dirty="0">
+                <a:solidFill>
+                  <a:srgbClr val="34BC26"/>
+                </a:solidFill>
+              </a:rPr>
+              <a:t>admin@gateway</a:t>
+            </a:r>
+            <a:r>
+              <a:rPr lang="en" altLang="ko-Kore-KR" sz="1400" dirty="0">
+                <a:solidFill>
+                  <a:srgbClr val="000000"/>
+                </a:solidFill>
+              </a:rPr>
+              <a:t>:</a:t>
+            </a:r>
+            <a:r>
+              <a:rPr lang="en" altLang="ko-Kore-KR" sz="1400" b="1" dirty="0">
+                <a:solidFill>
+                  <a:srgbClr val="5230E1"/>
+                </a:solidFill>
+              </a:rPr>
+              <a:t>~</a:t>
+            </a:r>
+            <a:r>
+              <a:rPr lang="en" altLang="ko-Kore-KR" sz="1400" dirty="0">
+                <a:solidFill>
+                  <a:srgbClr val="000000"/>
+                </a:solidFill>
+              </a:rPr>
+              <a:t>$ </a:t>
+            </a:r>
+            <a:r>
+              <a:rPr lang="en" altLang="ko-Kore-KR" sz="1400" dirty="0">
+                <a:solidFill>
+                  <a:srgbClr val="000000"/>
+                </a:solidFill>
+                <a:highlight>
+                  <a:srgbClr val="C0C0C0"/>
+                </a:highlight>
+                <a:latin typeface="Consolas" panose="020B0609020204030204" pitchFamily="49" charset="0"/>
+              </a:rPr>
+              <a:t>sudo usermod –aG sudo admin</a:t>
+            </a:r>
+            <a:endParaRPr lang="en-US" altLang="ko-KR" dirty="0">
+              <a:highlight>
+                <a:srgbClr val="C0C0C0"/>
+              </a:highlight>
+              <a:latin typeface="Consolas" panose="020B0609020204030204" pitchFamily="49" charset="0"/>
+            </a:endParaRPr>
+          </a:p>
+          <a:p>
+            <a:r>
+              <a:rPr lang="en-US" altLang="ko-KR" sz="1400" dirty="0"/>
+              <a:t> </a:t>
+            </a:r>
+            <a:r>
+              <a:rPr lang="ko-KR" altLang="en-US" sz="1400" dirty="0"/>
+              <a:t>암호 입력 없이 </a:t>
+            </a:r>
+            <a:r>
+              <a:rPr lang="en-US" altLang="ko-KR" sz="1400" dirty="0" err="1"/>
+              <a:t>sudo</a:t>
+            </a:r>
+            <a:r>
+              <a:rPr lang="en-US" altLang="ko-KR" sz="1400" dirty="0"/>
+              <a:t> </a:t>
+            </a:r>
+            <a:r>
+              <a:rPr lang="ko-KR" altLang="en-US" sz="1400" dirty="0"/>
+              <a:t>명령어 사용 가능하도록 설정</a:t>
+            </a:r>
+            <a:endParaRPr lang="en-US" altLang="ko-KR" sz="1400" dirty="0"/>
+          </a:p>
+          <a:p>
+            <a:pPr marL="0" indent="0">
+              <a:buNone/>
+            </a:pPr>
+            <a:r>
+              <a:rPr lang="en" altLang="ko-Kore-KR" b="1" dirty="0"/>
+              <a:t>    - </a:t>
+            </a:r>
+            <a:r>
+              <a:rPr lang="en" altLang="ko-Kore-KR" sz="1400" b="1" dirty="0"/>
+              <a:t> </a:t>
+            </a:r>
+            <a:r>
+              <a:rPr lang="en" altLang="ko-Kore-KR" sz="1400" b="1" dirty="0">
+                <a:solidFill>
+                  <a:srgbClr val="34BC26"/>
+                </a:solidFill>
+              </a:rPr>
+              <a:t>admin@gateway</a:t>
+            </a:r>
+            <a:r>
+              <a:rPr lang="en" altLang="ko-Kore-KR" sz="1400" dirty="0">
+                <a:solidFill>
+                  <a:srgbClr val="000000"/>
+                </a:solidFill>
+              </a:rPr>
+              <a:t>:</a:t>
+            </a:r>
+            <a:r>
+              <a:rPr lang="en" altLang="ko-Kore-KR" sz="1400" b="1" dirty="0">
+                <a:solidFill>
+                  <a:srgbClr val="5230E1"/>
+                </a:solidFill>
+              </a:rPr>
+              <a:t>~</a:t>
+            </a:r>
+            <a:r>
+              <a:rPr lang="en" altLang="ko-Kore-KR" sz="1400" dirty="0">
+                <a:solidFill>
+                  <a:srgbClr val="000000"/>
+                </a:solidFill>
+              </a:rPr>
+              <a:t>$ </a:t>
+            </a:r>
+            <a:r>
+              <a:rPr lang="en" altLang="ko-Kore-KR" sz="1400" dirty="0">
+                <a:solidFill>
+                  <a:srgbClr val="000000"/>
+                </a:solidFill>
+                <a:highlight>
+                  <a:srgbClr val="C0C0C0"/>
+                </a:highlight>
+                <a:latin typeface="Consolas" panose="020B0609020204030204" pitchFamily="49" charset="0"/>
+              </a:rPr>
+              <a:t>sudo visudo</a:t>
+            </a:r>
+            <a:r>
+              <a:rPr lang="en" altLang="ko-Kore-KR" sz="1400" dirty="0">
+                <a:solidFill>
+                  <a:srgbClr val="000000"/>
+                </a:solidFill>
+                <a:latin typeface="Consolas" panose="020B0609020204030204" pitchFamily="49" charset="0"/>
+              </a:rPr>
+              <a:t> </a:t>
+            </a:r>
+            <a:r>
+              <a:rPr lang="ko-KR" altLang="en-US" dirty="0">
+                <a:solidFill>
+                  <a:srgbClr val="000000"/>
+                </a:solidFill>
+              </a:rPr>
+              <a:t>입력 후</a:t>
+            </a:r>
+            <a:r>
+              <a:rPr lang="en-US" altLang="ko-KR" dirty="0">
+                <a:solidFill>
+                  <a:srgbClr val="000000"/>
+                </a:solidFill>
+              </a:rPr>
+              <a:t> </a:t>
+            </a:r>
+            <a:r>
+              <a:rPr lang="ko-KR" altLang="en-US" dirty="0">
+                <a:solidFill>
+                  <a:srgbClr val="000000"/>
+                </a:solidFill>
+              </a:rPr>
+              <a:t>맨 아랫줄에 </a:t>
+            </a:r>
+            <a:r>
+              <a:rPr lang="en-US" altLang="ko-KR" sz="1400" dirty="0">
+                <a:solidFill>
+                  <a:srgbClr val="000000"/>
+                </a:solidFill>
+              </a:rPr>
+              <a:t>admin ALL=NOPASSWD:ALL</a:t>
+            </a:r>
+            <a:r>
+              <a:rPr lang="en" altLang="ko-KR" dirty="0">
+                <a:solidFill>
+                  <a:srgbClr val="000000"/>
+                </a:solidFill>
+              </a:rPr>
+              <a:t> </a:t>
+            </a:r>
+            <a:r>
+              <a:rPr lang="ko-KR" altLang="en-US">
+                <a:solidFill>
+                  <a:srgbClr val="000000"/>
+                </a:solidFill>
+              </a:rPr>
+              <a:t>추가하여 저장</a:t>
+            </a:r>
+            <a:r>
+              <a:rPr lang="en-US" altLang="ko-KR">
+                <a:solidFill>
+                  <a:srgbClr val="000000"/>
+                </a:solidFill>
+              </a:rPr>
+              <a:t>(ctrl + X</a:t>
+            </a:r>
+            <a:r>
+              <a:rPr lang="ko-KR" altLang="en-US">
+                <a:solidFill>
+                  <a:srgbClr val="000000"/>
+                </a:solidFill>
+              </a:rPr>
+              <a:t>로 종료</a:t>
+            </a:r>
+            <a:r>
+              <a:rPr lang="en-US" altLang="ko-KR">
+                <a:solidFill>
+                  <a:srgbClr val="000000"/>
+                </a:solidFill>
+              </a:rPr>
+              <a:t>)</a:t>
+            </a:r>
+            <a:endParaRPr lang="en-US" altLang="ko-KR" dirty="0">
+              <a:solidFill>
+                <a:srgbClr val="000000"/>
+              </a:solidFill>
+            </a:endParaRPr>
+          </a:p>
+          <a:p>
+            <a:pPr marL="0" indent="0">
+              <a:buNone/>
+            </a:pPr>
+            <a:endParaRPr lang="en-US" altLang="ko-KR" sz="1400" dirty="0"/>
+          </a:p>
+          <a:p>
+            <a:endParaRPr lang="en-US" altLang="ko-KR" sz="1400" dirty="0"/>
+          </a:p>
+          <a:p>
             <a:endParaRPr lang="en-US" altLang="ko-KR" dirty="0"/>
+          </a:p>
+          <a:p>
+            <a:r>
+              <a:rPr lang="ko-KR" altLang="en-US" sz="1400"/>
+              <a:t> </a:t>
+            </a:r>
+            <a:r>
+              <a:rPr lang="en-US" altLang="ko-KR" sz="1400" dirty="0"/>
+              <a:t>OS </a:t>
+            </a:r>
+            <a:r>
+              <a:rPr lang="ko-KR" altLang="en-US" sz="1400" dirty="0"/>
+              <a:t>설치 시 호스트 이름을 </a:t>
+            </a:r>
+            <a:r>
+              <a:rPr lang="en-US" altLang="ko-KR" sz="1400" dirty="0"/>
+              <a:t>gateway</a:t>
+            </a:r>
+            <a:r>
+              <a:rPr lang="ko-KR" altLang="en-US" sz="1400" dirty="0"/>
+              <a:t>로 설정하지 않았으면 호스트 이름 변경</a:t>
+            </a:r>
+            <a:endParaRPr lang="en-US" altLang="ko-KR" sz="1400" dirty="0"/>
+          </a:p>
+          <a:p>
+            <a:pPr marL="0" indent="0">
+              <a:buNone/>
+            </a:pPr>
+            <a:r>
+              <a:rPr lang="en" altLang="ko-Kore-KR" sz="1400" b="1" dirty="0"/>
+              <a:t>    - </a:t>
+            </a:r>
+            <a:r>
+              <a:rPr lang="en" altLang="ko-Kore-KR" sz="1400" b="1" dirty="0">
+                <a:solidFill>
+                  <a:srgbClr val="34BC26"/>
+                </a:solidFill>
+              </a:rPr>
+              <a:t>admin@gateway</a:t>
+            </a:r>
+            <a:r>
+              <a:rPr lang="en" altLang="ko-Kore-KR" sz="1400" dirty="0">
+                <a:solidFill>
+                  <a:srgbClr val="000000"/>
+                </a:solidFill>
+              </a:rPr>
+              <a:t>:</a:t>
+            </a:r>
+            <a:r>
+              <a:rPr lang="en" altLang="ko-Kore-KR" sz="1400" b="1" dirty="0">
+                <a:solidFill>
+                  <a:srgbClr val="5230E1"/>
+                </a:solidFill>
+              </a:rPr>
+              <a:t>~</a:t>
+            </a:r>
+            <a:r>
+              <a:rPr lang="en" altLang="ko-Kore-KR" sz="1400" dirty="0">
+                <a:solidFill>
+                  <a:srgbClr val="000000"/>
+                </a:solidFill>
+              </a:rPr>
+              <a:t>$ </a:t>
+            </a:r>
+            <a:r>
+              <a:rPr lang="en" altLang="ko-Kore-KR" sz="1400" dirty="0">
+                <a:solidFill>
+                  <a:srgbClr val="000000"/>
+                </a:solidFill>
+                <a:highlight>
+                  <a:srgbClr val="C0C0C0"/>
+                </a:highlight>
+                <a:latin typeface="Consolas" panose="020B0609020204030204" pitchFamily="49" charset="0"/>
+              </a:rPr>
+              <a:t>sudo vi /etc</a:t>
+            </a:r>
+            <a:r>
+              <a:rPr lang="en" altLang="ko-Kore-KR" sz="1400">
+                <a:solidFill>
+                  <a:srgbClr val="000000"/>
+                </a:solidFill>
+                <a:highlight>
+                  <a:srgbClr val="C0C0C0"/>
+                </a:highlight>
+                <a:latin typeface="Consolas" panose="020B0609020204030204" pitchFamily="49" charset="0"/>
+              </a:rPr>
+              <a:t>/hostname or sudo nano /etc/hostname</a:t>
+            </a:r>
+            <a:r>
+              <a:rPr lang="en" altLang="ko-Kore-KR" sz="1400">
+                <a:solidFill>
+                  <a:srgbClr val="000000"/>
+                </a:solidFill>
+                <a:latin typeface="Consolas" panose="020B0609020204030204" pitchFamily="49" charset="0"/>
+              </a:rPr>
+              <a:t> </a:t>
+            </a:r>
+            <a:r>
+              <a:rPr lang="ko-KR" altLang="en-US" sz="1400">
+                <a:solidFill>
+                  <a:srgbClr val="000000"/>
+                </a:solidFill>
+              </a:rPr>
+              <a:t>입력</a:t>
+            </a:r>
+            <a:r>
+              <a:rPr lang="en-US" altLang="ko-KR" sz="1400">
+                <a:solidFill>
+                  <a:srgbClr val="000000"/>
+                </a:solidFill>
+              </a:rPr>
+              <a:t>,</a:t>
+            </a:r>
+            <a:r>
+              <a:rPr lang="ko-KR" altLang="en-US" sz="1400">
+                <a:solidFill>
+                  <a:srgbClr val="000000"/>
+                </a:solidFill>
+              </a:rPr>
+              <a:t> 기존 내용 삭제 후 </a:t>
+            </a:r>
+            <a:r>
+              <a:rPr lang="en-US" altLang="ko-KR" sz="1400">
+                <a:solidFill>
+                  <a:srgbClr val="000000"/>
+                </a:solidFill>
+              </a:rPr>
+              <a:t>gateway </a:t>
+            </a:r>
+            <a:r>
+              <a:rPr lang="ko-KR" altLang="en-US" sz="1400">
+                <a:solidFill>
+                  <a:srgbClr val="000000"/>
+                </a:solidFill>
+              </a:rPr>
+              <a:t>입력</a:t>
+            </a:r>
+            <a:endParaRPr lang="en-US" altLang="ko-KR" sz="1400" dirty="0">
+              <a:solidFill>
+                <a:srgbClr val="000000"/>
+              </a:solidFill>
+            </a:endParaRPr>
+          </a:p>
+          <a:p>
+            <a:pPr marL="0" indent="0">
+              <a:buNone/>
+            </a:pPr>
+            <a:r>
+              <a:rPr lang="en" altLang="ko-Kore-KR" sz="1400" b="1" dirty="0"/>
+              <a:t>    - </a:t>
+            </a:r>
+            <a:r>
+              <a:rPr lang="en" altLang="ko-Kore-KR" sz="1400" b="1" dirty="0">
+                <a:solidFill>
+                  <a:srgbClr val="34BC26"/>
+                </a:solidFill>
+              </a:rPr>
+              <a:t>admin@gateway</a:t>
+            </a:r>
+            <a:r>
+              <a:rPr lang="en" altLang="ko-Kore-KR" sz="1400" dirty="0">
+                <a:solidFill>
+                  <a:srgbClr val="000000"/>
+                </a:solidFill>
+              </a:rPr>
+              <a:t>:</a:t>
+            </a:r>
+            <a:r>
+              <a:rPr lang="en" altLang="ko-Kore-KR" sz="1400" b="1" dirty="0">
+                <a:solidFill>
+                  <a:srgbClr val="5230E1"/>
+                </a:solidFill>
+              </a:rPr>
+              <a:t>~</a:t>
+            </a:r>
+            <a:r>
+              <a:rPr lang="en" altLang="ko-Kore-KR" sz="1400" dirty="0">
+                <a:solidFill>
+                  <a:srgbClr val="000000"/>
+                </a:solidFill>
+              </a:rPr>
+              <a:t>$ </a:t>
+            </a:r>
+            <a:r>
+              <a:rPr lang="en-US" altLang="ko-Kore-KR" sz="1400" dirty="0" err="1">
+                <a:solidFill>
+                  <a:srgbClr val="000000"/>
+                </a:solidFill>
+                <a:highlight>
+                  <a:srgbClr val="C0C0C0"/>
+                </a:highlight>
+                <a:latin typeface="Consolas" panose="020B0609020204030204" pitchFamily="49" charset="0"/>
+              </a:rPr>
+              <a:t>sudo</a:t>
+            </a:r>
+            <a:r>
+              <a:rPr lang="ko-KR" altLang="en-US" sz="1400" dirty="0">
+                <a:solidFill>
+                  <a:srgbClr val="000000"/>
+                </a:solidFill>
+                <a:highlight>
+                  <a:srgbClr val="C0C0C0"/>
+                </a:highlight>
+                <a:latin typeface="Consolas" panose="020B0609020204030204" pitchFamily="49" charset="0"/>
+              </a:rPr>
+              <a:t> </a:t>
+            </a:r>
+            <a:r>
+              <a:rPr lang="en-US" altLang="ko-KR" sz="1400" dirty="0">
+                <a:solidFill>
+                  <a:srgbClr val="000000"/>
+                </a:solidFill>
+                <a:highlight>
+                  <a:srgbClr val="C0C0C0"/>
+                </a:highlight>
+                <a:latin typeface="Consolas" panose="020B0609020204030204" pitchFamily="49" charset="0"/>
+              </a:rPr>
+              <a:t>vi</a:t>
+            </a:r>
+            <a:r>
+              <a:rPr lang="ko-KR" altLang="en-US" sz="1400" dirty="0">
+                <a:solidFill>
+                  <a:srgbClr val="000000"/>
+                </a:solidFill>
+                <a:highlight>
+                  <a:srgbClr val="C0C0C0"/>
+                </a:highlight>
+                <a:latin typeface="Consolas" panose="020B0609020204030204" pitchFamily="49" charset="0"/>
+              </a:rPr>
+              <a:t> </a:t>
+            </a:r>
+            <a:r>
+              <a:rPr lang="en-US" altLang="ko-KR" sz="1400" dirty="0">
+                <a:solidFill>
+                  <a:srgbClr val="000000"/>
+                </a:solidFill>
+                <a:highlight>
+                  <a:srgbClr val="C0C0C0"/>
+                </a:highlight>
+                <a:latin typeface="Consolas" panose="020B0609020204030204" pitchFamily="49" charset="0"/>
+              </a:rPr>
+              <a:t>/</a:t>
+            </a:r>
+            <a:r>
+              <a:rPr lang="en-US" altLang="ko-KR" sz="1400" dirty="0" err="1">
+                <a:solidFill>
+                  <a:srgbClr val="000000"/>
+                </a:solidFill>
+                <a:highlight>
+                  <a:srgbClr val="C0C0C0"/>
+                </a:highlight>
+                <a:latin typeface="Consolas" panose="020B0609020204030204" pitchFamily="49" charset="0"/>
+              </a:rPr>
+              <a:t>etc</a:t>
+            </a:r>
+            <a:r>
+              <a:rPr lang="en-US" altLang="ko-KR" sz="1400">
+                <a:solidFill>
+                  <a:srgbClr val="000000"/>
+                </a:solidFill>
+                <a:highlight>
+                  <a:srgbClr val="C0C0C0"/>
+                </a:highlight>
+                <a:latin typeface="Consolas" panose="020B0609020204030204" pitchFamily="49" charset="0"/>
+              </a:rPr>
+              <a:t>/hosts or </a:t>
+            </a:r>
+            <a:r>
+              <a:rPr lang="en-US" altLang="ko-Kore-KR" sz="1400">
+                <a:solidFill>
+                  <a:srgbClr val="000000"/>
+                </a:solidFill>
+                <a:highlight>
+                  <a:srgbClr val="C0C0C0"/>
+                </a:highlight>
+                <a:latin typeface="Consolas" panose="020B0609020204030204" pitchFamily="49" charset="0"/>
+              </a:rPr>
+              <a:t>sudo</a:t>
+            </a:r>
+            <a:r>
+              <a:rPr lang="ko-KR" altLang="en-US" sz="1400">
+                <a:solidFill>
+                  <a:srgbClr val="000000"/>
+                </a:solidFill>
+                <a:highlight>
+                  <a:srgbClr val="C0C0C0"/>
+                </a:highlight>
+                <a:latin typeface="Consolas" panose="020B0609020204030204" pitchFamily="49" charset="0"/>
+              </a:rPr>
+              <a:t> </a:t>
+            </a:r>
+            <a:r>
+              <a:rPr lang="en-US" altLang="ko-KR" sz="1400">
+                <a:solidFill>
+                  <a:srgbClr val="000000"/>
+                </a:solidFill>
+                <a:highlight>
+                  <a:srgbClr val="C0C0C0"/>
+                </a:highlight>
+                <a:latin typeface="Consolas" panose="020B0609020204030204" pitchFamily="49" charset="0"/>
+              </a:rPr>
+              <a:t>nano</a:t>
+            </a:r>
+            <a:r>
+              <a:rPr lang="ko-KR" altLang="en-US" sz="1400">
+                <a:solidFill>
+                  <a:srgbClr val="000000"/>
+                </a:solidFill>
+                <a:highlight>
+                  <a:srgbClr val="C0C0C0"/>
+                </a:highlight>
+                <a:latin typeface="Consolas" panose="020B0609020204030204" pitchFamily="49" charset="0"/>
+              </a:rPr>
+              <a:t> </a:t>
+            </a:r>
+            <a:r>
+              <a:rPr lang="en-US" altLang="ko-KR" sz="1400">
+                <a:solidFill>
+                  <a:srgbClr val="000000"/>
+                </a:solidFill>
+                <a:highlight>
+                  <a:srgbClr val="C0C0C0"/>
+                </a:highlight>
+                <a:latin typeface="Consolas" panose="020B0609020204030204" pitchFamily="49" charset="0"/>
+              </a:rPr>
+              <a:t>/etc/hosts</a:t>
+            </a:r>
+            <a:r>
+              <a:rPr lang="ko-KR" altLang="en-US" sz="1400">
+                <a:solidFill>
+                  <a:srgbClr val="000000"/>
+                </a:solidFill>
+                <a:highlight>
+                  <a:srgbClr val="C0C0C0"/>
+                </a:highlight>
+                <a:latin typeface="Consolas" panose="020B0609020204030204" pitchFamily="49" charset="0"/>
+              </a:rPr>
+              <a:t> </a:t>
+            </a:r>
+            <a:r>
+              <a:rPr lang="ko-KR" altLang="en-US" sz="1400" dirty="0">
+                <a:solidFill>
+                  <a:srgbClr val="000000"/>
+                </a:solidFill>
+              </a:rPr>
+              <a:t>입력 후 호스트 </a:t>
+            </a:r>
+            <a:r>
+              <a:rPr lang="ko-KR" altLang="en-US" sz="1400">
+                <a:solidFill>
+                  <a:srgbClr val="000000"/>
+                </a:solidFill>
+              </a:rPr>
+              <a:t>이름 설정</a:t>
+            </a:r>
+            <a:endParaRPr lang="en-US" altLang="ko-KR" sz="1400">
+              <a:solidFill>
+                <a:srgbClr val="000000"/>
+              </a:solidFill>
+            </a:endParaRPr>
+          </a:p>
+          <a:p>
+            <a:pPr marL="0" indent="0">
+              <a:buNone/>
+            </a:pPr>
+            <a:endParaRPr lang="en-US" altLang="ko-KR">
+              <a:solidFill>
+                <a:srgbClr val="000000"/>
+              </a:solidFill>
+            </a:endParaRPr>
+          </a:p>
+          <a:p>
+            <a:pPr marL="0" indent="0">
+              <a:buNone/>
+            </a:pPr>
+            <a:endParaRPr lang="en-US" altLang="ko-KR" sz="1400">
+              <a:solidFill>
+                <a:srgbClr val="000000"/>
+              </a:solidFill>
+            </a:endParaRPr>
+          </a:p>
+          <a:p>
+            <a:pPr marL="0" indent="0">
+              <a:buNone/>
+            </a:pPr>
+            <a:endParaRPr lang="en-US" altLang="ko-KR">
+              <a:solidFill>
+                <a:srgbClr val="000000"/>
+              </a:solidFill>
+            </a:endParaRPr>
+          </a:p>
+          <a:p>
+            <a:pPr marL="0" indent="0">
+              <a:buNone/>
+            </a:pPr>
+            <a:endParaRPr lang="en-US" altLang="ko-KR" sz="1400">
+              <a:solidFill>
+                <a:srgbClr val="000000"/>
+              </a:solidFill>
+            </a:endParaRPr>
+          </a:p>
+          <a:p>
+            <a:pPr marL="0" indent="0">
+              <a:buNone/>
+            </a:pPr>
+            <a:endParaRPr lang="en-US" altLang="ko-KR">
+              <a:solidFill>
+                <a:srgbClr val="000000"/>
+              </a:solidFill>
+            </a:endParaRPr>
+          </a:p>
+          <a:p>
+            <a:pPr marL="0" indent="0">
+              <a:buNone/>
+            </a:pPr>
+            <a:r>
+              <a:rPr lang="en-US" altLang="ko-KR"/>
+              <a:t>  </a:t>
+            </a:r>
+            <a:r>
+              <a:rPr lang="en" altLang="ko-Kore-KR" sz="1400"/>
+              <a:t> - </a:t>
+            </a:r>
+            <a:r>
+              <a:rPr lang="ko-KR" altLang="en-US" sz="1400" b="1">
+                <a:solidFill>
+                  <a:schemeClr val="accent1"/>
+                </a:solidFill>
+              </a:rPr>
+              <a:t>이후 </a:t>
+            </a:r>
+            <a:r>
+              <a:rPr lang="ko-KR" altLang="en-US" sz="1400" b="1" u="sng">
+                <a:solidFill>
+                  <a:schemeClr val="accent1"/>
+                </a:solidFill>
+              </a:rPr>
+              <a:t>재로그인 또는 재부팅을 통해 설정 정보 반영 </a:t>
+            </a:r>
+            <a:r>
+              <a:rPr lang="ko-KR" altLang="en-US" sz="1400" b="1">
+                <a:solidFill>
+                  <a:schemeClr val="accent1"/>
+                </a:solidFill>
+              </a:rPr>
+              <a:t>및 </a:t>
+            </a:r>
+            <a:r>
+              <a:rPr lang="en-US" altLang="ko-KR" sz="1400" b="1">
+                <a:solidFill>
+                  <a:schemeClr val="accent1"/>
+                </a:solidFill>
+              </a:rPr>
+              <a:t>admin </a:t>
+            </a:r>
+            <a:r>
+              <a:rPr lang="ko-KR" altLang="en-US" sz="1400" b="1">
+                <a:solidFill>
+                  <a:schemeClr val="accent1"/>
+                </a:solidFill>
+              </a:rPr>
+              <a:t>계정으로 로그인하여 이후 과정 진행</a:t>
+            </a:r>
+            <a:endParaRPr lang="en-US" altLang="ko-KR" sz="1400" b="1" dirty="0">
+              <a:solidFill>
+                <a:schemeClr val="accent1"/>
+              </a:solidFill>
+            </a:endParaRPr>
+          </a:p>
+          <a:p>
+            <a:endParaRPr lang="en-US" altLang="ko-KR" sz="1400" dirty="0"/>
+          </a:p>
+          <a:p>
+            <a:endParaRPr lang="en-US" altLang="ko-KR" sz="1400" dirty="0"/>
           </a:p>
         </p:txBody>
       </p:sp>
       <p:pic>
         <p:nvPicPr>
-          <p:cNvPr id="4" name="그림 3">
+          <p:cNvPr id="3" name="그림 2">
             <a:extLst>
               <a:ext uri="{FF2B5EF4-FFF2-40B4-BE49-F238E27FC236}">
-                <a16:creationId xmlns:a16="http://schemas.microsoft.com/office/drawing/2014/main" id="{4281DE2E-721D-69D8-8320-18B250993451}"/>
+                <a16:creationId xmlns:a16="http://schemas.microsoft.com/office/drawing/2014/main" id="{57DB61EC-BED2-F322-672C-750D4B3A306F}"/>
+              </a:ext>
+            </a:extLst>
+          </p:cNvPr>
+          <p:cNvPicPr>
+            <a:picLocks noChangeAspect="1"/>
+          </p:cNvPicPr>
+          <p:nvPr/>
+        </p:nvPicPr>
+        <p:blipFill rotWithShape="1">
+          <a:blip r:embed="rId3"/>
+          <a:srcRect t="36201" r="20027" b="21805"/>
+          <a:stretch/>
+        </p:blipFill>
+        <p:spPr>
+          <a:xfrm>
+            <a:off x="634014" y="2963175"/>
+            <a:ext cx="4532346" cy="963978"/>
+          </a:xfrm>
+          <a:prstGeom prst="rect">
+            <a:avLst/>
+          </a:prstGeom>
+        </p:spPr>
+      </p:pic>
+      <p:pic>
+        <p:nvPicPr>
+          <p:cNvPr id="6" name="그림 5">
+            <a:extLst>
+              <a:ext uri="{FF2B5EF4-FFF2-40B4-BE49-F238E27FC236}">
+                <a16:creationId xmlns:a16="http://schemas.microsoft.com/office/drawing/2014/main" id="{AE7DE2AF-DB92-5125-40F9-B66C7201A3C7}"/>
               </a:ext>
             </a:extLst>
           </p:cNvPr>
@@ -16029,19 +13533,24 @@
           <p:nvPr/>
         </p:nvPicPr>
         <p:blipFill>
-          <a:blip r:embed="rId2"/>
+          <a:blip r:embed="rId4"/>
           <a:stretch>
             <a:fillRect/>
           </a:stretch>
         </p:blipFill>
         <p:spPr>
           <a:xfrm>
-            <a:off x="1147811" y="1474837"/>
-            <a:ext cx="6403302" cy="4670323"/>
+            <a:off x="634014" y="4835136"/>
+            <a:ext cx="3960515" cy="1409700"/>
           </a:xfrm>
           <a:prstGeom prst="rect">
             <a:avLst/>
           </a:prstGeom>
+          <a:ln>
+            <a:solidFill>
+              <a:schemeClr val="tx1"/>
+            </a:solidFill>
+          </a:ln>
         </p:spPr>
       </p:pic>
       <p:pic>
@@ -16049,7 +13558,7 @@
           <p:cNvPr id="8" name="그림 7">
             <a:extLst>
               <a:ext uri="{FF2B5EF4-FFF2-40B4-BE49-F238E27FC236}">
-                <a16:creationId xmlns:a16="http://schemas.microsoft.com/office/drawing/2014/main" id="{E69BC011-6AF7-1853-B599-AFDA94D54281}"/>
+                <a16:creationId xmlns:a16="http://schemas.microsoft.com/office/drawing/2014/main" id="{D968A83B-AA35-65D7-43DC-309E781546D4}"/>
               </a:ext>
             </a:extLst>
           </p:cNvPr>
@@ -16058,26 +13567,82 @@
           </p:cNvPicPr>
           <p:nvPr/>
         </p:nvPicPr>
-        <p:blipFill>
-          <a:blip r:embed="rId3"/>
-          <a:stretch>
-            <a:fillRect/>
-          </a:stretch>
+        <p:blipFill rotWithShape="1">
+          <a:blip r:embed="rId5"/>
+          <a:srcRect r="16110"/>
+          <a:stretch/>
         </p:blipFill>
         <p:spPr>
           <a:xfrm>
-            <a:off x="1147811" y="6247756"/>
-            <a:ext cx="3610479" cy="419158"/>
+            <a:off x="4833914" y="4835136"/>
+            <a:ext cx="3484176" cy="1406517"/>
           </a:xfrm>
           <a:prstGeom prst="rect">
             <a:avLst/>
           </a:prstGeom>
+          <a:ln>
+            <a:solidFill>
+              <a:schemeClr val="tx1"/>
+            </a:solidFill>
+          </a:ln>
         </p:spPr>
       </p:pic>
+      <p:sp>
+        <p:nvSpPr>
+          <p:cNvPr id="2" name="직사각형 1">
+            <a:extLst>
+              <a:ext uri="{FF2B5EF4-FFF2-40B4-BE49-F238E27FC236}">
+                <a16:creationId xmlns:a16="http://schemas.microsoft.com/office/drawing/2014/main" id="{702ACB2F-C50F-250C-06AB-1D486594752C}"/>
+              </a:ext>
+            </a:extLst>
+          </p:cNvPr>
+          <p:cNvSpPr/>
+          <p:nvPr/>
+        </p:nvSpPr>
+        <p:spPr>
+          <a:xfrm>
+            <a:off x="619679" y="3768356"/>
+            <a:ext cx="1732548" cy="170757"/>
+          </a:xfrm>
+          <a:prstGeom prst="rect">
+            <a:avLst/>
+          </a:prstGeom>
+          <a:noFill/>
+          <a:ln w="28575">
+            <a:solidFill>
+              <a:srgbClr val="FF0000"/>
+            </a:solidFill>
+          </a:ln>
+        </p:spPr>
+        <p:style>
+          <a:lnRef idx="2">
+            <a:schemeClr val="accent1">
+              <a:shade val="15000"/>
+            </a:schemeClr>
+          </a:lnRef>
+          <a:fillRef idx="1">
+            <a:schemeClr val="accent1"/>
+          </a:fillRef>
+          <a:effectRef idx="0">
+            <a:schemeClr val="accent1"/>
+          </a:effectRef>
+          <a:fontRef idx="minor">
+            <a:schemeClr val="lt1"/>
+          </a:fontRef>
+        </p:style>
+        <p:txBody>
+          <a:bodyPr rtlCol="0" anchor="ctr"/>
+          <a:lstStyle/>
+          <a:p>
+            <a:pPr algn="ctr"/>
+            <a:endParaRPr lang="ko-KR" altLang="en-US"/>
+          </a:p>
+        </p:txBody>
+      </p:sp>
     </p:spTree>
     <p:extLst>
       <p:ext uri="{BB962C8B-B14F-4D97-AF65-F5344CB8AC3E}">
-        <p14:creationId xmlns:p14="http://schemas.microsoft.com/office/powerpoint/2010/main" val="3973896104"/>
+        <p14:creationId xmlns:p14="http://schemas.microsoft.com/office/powerpoint/2010/main" val="2115847287"/>
       </p:ext>
     </p:extLst>
   </p:cSld>
@@ -16087,7 +13652,7 @@
 </p:sld>
 </file>
 
-<file path=ppt/slides/slide9.xml><?xml version="1.0" encoding="utf-8"?>
+<file path=ppt/slides/slide7.xml><?xml version="1.0" encoding="utf-8"?>
 <p:sld xmlns:a="http://schemas.openxmlformats.org/drawingml/2006/main" xmlns:r="http://schemas.openxmlformats.org/officeDocument/2006/relationships" xmlns:p="http://schemas.openxmlformats.org/presentationml/2006/main">
   <p:cSld>
     <p:spTree>
@@ -16357,7 +13922,7 @@
                 <a:latin typeface="에스코어 드림 8 Heavy" panose="020B0903030302020204" pitchFamily="34" charset="-127"/>
                 <a:ea typeface="에스코어 드림 8 Heavy" panose="020B0903030302020204" pitchFamily="34" charset="-127"/>
               </a:rPr>
-              <a:t>Part 03</a:t>
+              <a:t>Part 02</a:t>
             </a:r>
           </a:p>
           <a:p>
@@ -16393,7 +13958,7 @@
                 <a:latin typeface="에스코어 드림 8 Heavy" panose="020B0903030302020204" pitchFamily="34" charset="-127"/>
                 <a:ea typeface="에스코어 드림 8 Heavy" panose="020B0903030302020204" pitchFamily="34" charset="-127"/>
               </a:rPr>
-              <a:t>MOS Edge Operation</a:t>
+              <a:t>MOS Edge Installation</a:t>
             </a:r>
           </a:p>
         </p:txBody>
@@ -16401,7 +13966,1650 @@
     </p:spTree>
     <p:extLst>
       <p:ext uri="{BB962C8B-B14F-4D97-AF65-F5344CB8AC3E}">
-        <p14:creationId xmlns:p14="http://schemas.microsoft.com/office/powerpoint/2010/main" val="25580363"/>
+        <p14:creationId xmlns:p14="http://schemas.microsoft.com/office/powerpoint/2010/main" val="533300078"/>
+      </p:ext>
+    </p:extLst>
+  </p:cSld>
+  <p:clrMapOvr>
+    <a:masterClrMapping/>
+  </p:clrMapOvr>
+</p:sld>
+</file>
+
+<file path=ppt/slides/slide8.xml><?xml version="1.0" encoding="utf-8"?>
+<p:sld xmlns:a="http://schemas.openxmlformats.org/drawingml/2006/main" xmlns:r="http://schemas.openxmlformats.org/officeDocument/2006/relationships" xmlns:p="http://schemas.openxmlformats.org/presentationml/2006/main">
+  <p:cSld>
+    <p:spTree>
+      <p:nvGrpSpPr>
+        <p:cNvPr id="1" name=""/>
+        <p:cNvGrpSpPr/>
+        <p:nvPr/>
+      </p:nvGrpSpPr>
+      <p:grpSpPr>
+        <a:xfrm>
+          <a:off x="0" y="0"/>
+          <a:ext cx="0" cy="0"/>
+          <a:chOff x="0" y="0"/>
+          <a:chExt cx="0" cy="0"/>
+        </a:xfrm>
+      </p:grpSpPr>
+      <p:sp>
+        <p:nvSpPr>
+          <p:cNvPr id="5" name="TextBox 4">
+            <a:extLst>
+              <a:ext uri="{FF2B5EF4-FFF2-40B4-BE49-F238E27FC236}">
+                <a16:creationId xmlns:a16="http://schemas.microsoft.com/office/drawing/2014/main" id="{AEE86A50-5F8F-2B12-0C7C-1CBCC65F9913}"/>
+              </a:ext>
+            </a:extLst>
+          </p:cNvPr>
+          <p:cNvSpPr txBox="1"/>
+          <p:nvPr/>
+        </p:nvSpPr>
+        <p:spPr>
+          <a:xfrm>
+            <a:off x="387532" y="292038"/>
+            <a:ext cx="6165668" cy="400110"/>
+          </a:xfrm>
+          <a:prstGeom prst="rect">
+            <a:avLst/>
+          </a:prstGeom>
+          <a:noFill/>
+        </p:spPr>
+        <p:txBody>
+          <a:bodyPr wrap="square">
+            <a:spAutoFit/>
+          </a:bodyPr>
+          <a:lstStyle/>
+          <a:p>
+            <a:r>
+              <a:rPr kumimoji="1" lang="en-US" altLang="ko-KR" sz="2000" b="1" dirty="0">
+                <a:solidFill>
+                  <a:schemeClr val="bg1"/>
+                </a:solidFill>
+                <a:latin typeface="에스코어 드림 6 Bold" panose="020B0703030302020204" pitchFamily="34" charset="-127"/>
+                <a:ea typeface="에스코어 드림 6 Bold" panose="020B0703030302020204" pitchFamily="34" charset="-127"/>
+              </a:rPr>
+              <a:t>Installation</a:t>
+            </a:r>
+            <a:endParaRPr lang="ko-KR" altLang="en-US" sz="2000" b="1" dirty="0">
+              <a:solidFill>
+                <a:schemeClr val="bg1"/>
+              </a:solidFill>
+              <a:latin typeface="에스코어 드림 6 Bold" panose="020B0703030302020204" pitchFamily="34" charset="-127"/>
+              <a:ea typeface="에스코어 드림 6 Bold" panose="020B0703030302020204" pitchFamily="34" charset="-127"/>
+            </a:endParaRPr>
+          </a:p>
+        </p:txBody>
+      </p:sp>
+      <p:sp>
+        <p:nvSpPr>
+          <p:cNvPr id="10" name="TextBox 9">
+            <a:extLst>
+              <a:ext uri="{FF2B5EF4-FFF2-40B4-BE49-F238E27FC236}">
+                <a16:creationId xmlns:a16="http://schemas.microsoft.com/office/drawing/2014/main" id="{AF7FFEEC-C37D-8319-6039-8462C607966D}"/>
+              </a:ext>
+            </a:extLst>
+          </p:cNvPr>
+          <p:cNvSpPr txBox="1"/>
+          <p:nvPr/>
+        </p:nvSpPr>
+        <p:spPr>
+          <a:xfrm>
+            <a:off x="394629" y="846886"/>
+            <a:ext cx="13567177" cy="5542479"/>
+          </a:xfrm>
+          <a:prstGeom prst="rect">
+            <a:avLst/>
+          </a:prstGeom>
+          <a:noFill/>
+        </p:spPr>
+        <p:txBody>
+          <a:bodyPr wrap="square">
+            <a:spAutoFit/>
+          </a:bodyPr>
+          <a:lstStyle>
+            <a:defPPr>
+              <a:defRPr lang="ko-KR"/>
+            </a:defPPr>
+            <a:lvl1pPr marL="66675" marR="0" lvl="0" indent="-66675" fontAlgn="auto">
+              <a:lnSpc>
+                <a:spcPts val="1750"/>
+              </a:lnSpc>
+              <a:spcBef>
+                <a:spcPts val="600"/>
+              </a:spcBef>
+              <a:spcAft>
+                <a:spcPts val="0"/>
+              </a:spcAft>
+              <a:buClrTx/>
+              <a:buSzTx/>
+              <a:buFont typeface="Wingdings" panose="05000000000000000000" pitchFamily="2" charset="2"/>
+              <a:buChar char="§"/>
+              <a:tabLst/>
+              <a:defRPr kumimoji="0" sz="1400" b="0" i="0" u="none" strike="noStrike" cap="none" spc="0" normalizeH="0" baseline="0">
+                <a:ln>
+                  <a:noFill/>
+                </a:ln>
+                <a:effectLst/>
+                <a:uLnTx/>
+                <a:uFillTx/>
+                <a:latin typeface="에스코어 드림 4 Regular" panose="020B0503030302020204" pitchFamily="34" charset="-127"/>
+                <a:ea typeface="에스코어 드림 4 Regular" panose="020B0503030302020204" pitchFamily="34" charset="-127"/>
+              </a:defRPr>
+            </a:lvl1pPr>
+          </a:lstStyle>
+          <a:p>
+            <a:r>
+              <a:rPr lang="ko-KR" altLang="en-US" dirty="0"/>
+              <a:t> 패키지 설치를 위한 </a:t>
+            </a:r>
+            <a:r>
+              <a:rPr lang="en-US" altLang="ko-KR" dirty="0"/>
+              <a:t>apt </a:t>
+            </a:r>
+            <a:r>
+              <a:rPr lang="ko-KR" altLang="en-US" dirty="0"/>
+              <a:t>저장소 업데이트</a:t>
+            </a:r>
+            <a:endParaRPr lang="en-US" altLang="ko-KR" dirty="0"/>
+          </a:p>
+          <a:p>
+            <a:pPr marL="0" indent="0">
+              <a:buNone/>
+            </a:pPr>
+            <a:r>
+              <a:rPr lang="en" altLang="ko-Kore-KR" b="1" dirty="0"/>
+              <a:t> - </a:t>
+            </a:r>
+            <a:r>
+              <a:rPr lang="en" altLang="ko-Kore-KR" sz="1400" b="1" dirty="0"/>
+              <a:t> </a:t>
+            </a:r>
+            <a:r>
+              <a:rPr lang="en" altLang="ko-Kore-KR" sz="1400" b="1" dirty="0">
+                <a:solidFill>
+                  <a:srgbClr val="34BC26"/>
+                </a:solidFill>
+              </a:rPr>
+              <a:t>admin@gateway</a:t>
+            </a:r>
+            <a:r>
+              <a:rPr lang="en" altLang="ko-Kore-KR" sz="1400" dirty="0">
+                <a:solidFill>
+                  <a:srgbClr val="000000"/>
+                </a:solidFill>
+              </a:rPr>
+              <a:t>:</a:t>
+            </a:r>
+            <a:r>
+              <a:rPr lang="en" altLang="ko-Kore-KR" sz="1400" b="1" dirty="0">
+                <a:solidFill>
+                  <a:srgbClr val="5230E1"/>
+                </a:solidFill>
+              </a:rPr>
+              <a:t>~</a:t>
+            </a:r>
+            <a:r>
+              <a:rPr lang="en" altLang="ko-Kore-KR" sz="1400" dirty="0">
+                <a:solidFill>
+                  <a:srgbClr val="000000"/>
+                </a:solidFill>
+              </a:rPr>
+              <a:t>$ </a:t>
+            </a:r>
+            <a:r>
+              <a:rPr lang="en" altLang="ko-Kore-KR" sz="1400" dirty="0">
+                <a:solidFill>
+                  <a:srgbClr val="000000"/>
+                </a:solidFill>
+                <a:highlight>
+                  <a:srgbClr val="C0C0C0"/>
+                </a:highlight>
+                <a:latin typeface="Consolas" panose="020B0609020204030204" pitchFamily="49" charset="0"/>
+              </a:rPr>
+              <a:t>sudo </a:t>
+            </a:r>
+            <a:r>
+              <a:rPr lang="en-US" altLang="ko-Kore-KR" dirty="0">
+                <a:solidFill>
+                  <a:srgbClr val="000000"/>
+                </a:solidFill>
+                <a:highlight>
+                  <a:srgbClr val="C0C0C0"/>
+                </a:highlight>
+                <a:latin typeface="Consolas" panose="020B0609020204030204" pitchFamily="49" charset="0"/>
+              </a:rPr>
+              <a:t>apt-get</a:t>
+            </a:r>
+            <a:r>
+              <a:rPr lang="ko-KR" altLang="en-US" dirty="0">
+                <a:solidFill>
+                  <a:srgbClr val="000000"/>
+                </a:solidFill>
+                <a:highlight>
+                  <a:srgbClr val="C0C0C0"/>
+                </a:highlight>
+                <a:latin typeface="Consolas" panose="020B0609020204030204" pitchFamily="49" charset="0"/>
+              </a:rPr>
+              <a:t> </a:t>
+            </a:r>
+            <a:r>
+              <a:rPr lang="en-US" altLang="ko-KR" dirty="0">
+                <a:solidFill>
+                  <a:srgbClr val="000000"/>
+                </a:solidFill>
+                <a:highlight>
+                  <a:srgbClr val="C0C0C0"/>
+                </a:highlight>
+                <a:latin typeface="Consolas" panose="020B0609020204030204" pitchFamily="49" charset="0"/>
+              </a:rPr>
+              <a:t>update</a:t>
+            </a:r>
+            <a:endParaRPr lang="en-US" altLang="ko-KR" dirty="0">
+              <a:highlight>
+                <a:srgbClr val="C0C0C0"/>
+              </a:highlight>
+              <a:latin typeface="Consolas" panose="020B0609020204030204" pitchFamily="49" charset="0"/>
+            </a:endParaRPr>
+          </a:p>
+          <a:p>
+            <a:r>
+              <a:rPr lang="en-US" altLang="ko-KR" dirty="0"/>
+              <a:t> MOS Edge </a:t>
+            </a:r>
+            <a:r>
+              <a:rPr lang="ko-KR" altLang="en-US" dirty="0"/>
+              <a:t>패키지 압축 파일 다운로드</a:t>
+            </a:r>
+            <a:endParaRPr lang="en-US" altLang="ko-KR" dirty="0"/>
+          </a:p>
+          <a:p>
+            <a:pPr marL="0" indent="0">
+              <a:buNone/>
+            </a:pPr>
+            <a:r>
+              <a:rPr lang="en" altLang="ko-Kore-KR" b="1" dirty="0"/>
+              <a:t> - </a:t>
+            </a:r>
+            <a:r>
+              <a:rPr lang="en" altLang="ko-Kore-KR" sz="1400" b="1" dirty="0"/>
+              <a:t> </a:t>
+            </a:r>
+            <a:r>
+              <a:rPr lang="en" altLang="ko-Kore-KR" sz="1400" b="1" dirty="0">
+                <a:solidFill>
+                  <a:srgbClr val="34BC26"/>
+                </a:solidFill>
+              </a:rPr>
+              <a:t>admin@gateway</a:t>
+            </a:r>
+            <a:r>
+              <a:rPr lang="en" altLang="ko-Kore-KR" sz="1400" dirty="0">
+                <a:solidFill>
+                  <a:srgbClr val="000000"/>
+                </a:solidFill>
+              </a:rPr>
+              <a:t>:</a:t>
+            </a:r>
+            <a:r>
+              <a:rPr lang="en" altLang="ko-Kore-KR" sz="1400" b="1" dirty="0">
+                <a:solidFill>
+                  <a:srgbClr val="5230E1"/>
+                </a:solidFill>
+              </a:rPr>
+              <a:t>~</a:t>
+            </a:r>
+            <a:r>
+              <a:rPr lang="en" altLang="ko-Kore-KR" sz="1400" dirty="0">
+                <a:solidFill>
+                  <a:srgbClr val="000000"/>
+                </a:solidFill>
+              </a:rPr>
+              <a:t>$ </a:t>
+            </a:r>
+            <a:r>
+              <a:rPr lang="en-US" altLang="ko-KR" dirty="0">
+                <a:highlight>
+                  <a:srgbClr val="C0C0C0"/>
+                </a:highlight>
+                <a:latin typeface="Consolas" panose="020B0609020204030204" pitchFamily="49" charset="0"/>
+              </a:rPr>
+              <a:t>cd /home</a:t>
+            </a:r>
+            <a:r>
+              <a:rPr lang="en-US" altLang="ko-KR">
+                <a:highlight>
+                  <a:srgbClr val="C0C0C0"/>
+                </a:highlight>
+                <a:latin typeface="Consolas" panose="020B0609020204030204" pitchFamily="49" charset="0"/>
+              </a:rPr>
+              <a:t>/admin</a:t>
+            </a:r>
+          </a:p>
+          <a:p>
+            <a:pPr marL="0" indent="0">
+              <a:buNone/>
+            </a:pPr>
+            <a:r>
+              <a:rPr lang="en" altLang="ko-Kore-KR" b="1"/>
+              <a:t> - </a:t>
+            </a:r>
+            <a:r>
+              <a:rPr lang="en" altLang="ko-Kore-KR" sz="1400" b="1"/>
+              <a:t> </a:t>
+            </a:r>
+            <a:r>
+              <a:rPr lang="en" altLang="ko-Kore-KR" sz="1400" b="1">
+                <a:solidFill>
+                  <a:srgbClr val="34BC26"/>
+                </a:solidFill>
+              </a:rPr>
+              <a:t>admin@gateway</a:t>
+            </a:r>
+            <a:r>
+              <a:rPr lang="en" altLang="ko-Kore-KR" sz="1400">
+                <a:solidFill>
+                  <a:srgbClr val="000000"/>
+                </a:solidFill>
+              </a:rPr>
+              <a:t>:</a:t>
+            </a:r>
+            <a:r>
+              <a:rPr lang="en" altLang="ko-Kore-KR" sz="1400" b="1">
+                <a:solidFill>
+                  <a:srgbClr val="5230E1"/>
+                </a:solidFill>
+              </a:rPr>
+              <a:t>~</a:t>
+            </a:r>
+            <a:r>
+              <a:rPr lang="en" altLang="ko-Kore-KR" sz="1400">
+                <a:solidFill>
+                  <a:srgbClr val="000000"/>
+                </a:solidFill>
+              </a:rPr>
+              <a:t>$ </a:t>
+            </a:r>
+            <a:r>
+              <a:rPr lang="en" altLang="ko-Kore-KR" sz="1400">
+                <a:solidFill>
+                  <a:srgbClr val="000000"/>
+                </a:solidFill>
+                <a:highlight>
+                  <a:srgbClr val="C0C0C0"/>
+                </a:highlight>
+                <a:latin typeface="Consolas" panose="020B0609020204030204" pitchFamily="49" charset="0"/>
+              </a:rPr>
+              <a:t>sudo apt-get install curl</a:t>
+            </a:r>
+            <a:endParaRPr lang="en-US" altLang="ko-KR" dirty="0">
+              <a:highlight>
+                <a:srgbClr val="C0C0C0"/>
+              </a:highlight>
+              <a:latin typeface="Consolas" panose="020B0609020204030204" pitchFamily="49" charset="0"/>
+            </a:endParaRPr>
+          </a:p>
+          <a:p>
+            <a:pPr marL="0" indent="0">
+              <a:buNone/>
+            </a:pPr>
+            <a:r>
+              <a:rPr lang="en" altLang="ko-Kore-KR" b="1" dirty="0"/>
+              <a:t> - </a:t>
+            </a:r>
+            <a:r>
+              <a:rPr lang="en" altLang="ko-Kore-KR" sz="1400" b="1" dirty="0"/>
+              <a:t> </a:t>
+            </a:r>
+            <a:r>
+              <a:rPr lang="en" altLang="ko-Kore-KR" sz="1400" b="1" dirty="0">
+                <a:solidFill>
+                  <a:srgbClr val="34BC26"/>
+                </a:solidFill>
+              </a:rPr>
+              <a:t>admin@gateway</a:t>
+            </a:r>
+            <a:r>
+              <a:rPr lang="en" altLang="ko-Kore-KR" sz="1400" dirty="0">
+                <a:solidFill>
+                  <a:srgbClr val="000000"/>
+                </a:solidFill>
+              </a:rPr>
+              <a:t>:</a:t>
+            </a:r>
+            <a:r>
+              <a:rPr lang="en" altLang="ko-Kore-KR" sz="1400" b="1" dirty="0">
+                <a:solidFill>
+                  <a:srgbClr val="5230E1"/>
+                </a:solidFill>
+              </a:rPr>
+              <a:t>~</a:t>
+            </a:r>
+            <a:r>
+              <a:rPr lang="en" altLang="ko-Kore-KR" sz="1400" dirty="0">
+                <a:solidFill>
+                  <a:srgbClr val="000000"/>
+                </a:solidFill>
+              </a:rPr>
+              <a:t>$ </a:t>
+            </a:r>
+            <a:r>
+              <a:rPr lang="en-US" altLang="ko-KR" spc="-100">
+                <a:highlight>
+                  <a:srgbClr val="C0C0C0"/>
+                </a:highlight>
+                <a:latin typeface="Consolas" panose="020B0609020204030204" pitchFamily="49" charset="0"/>
+              </a:rPr>
+              <a:t>curl -LO </a:t>
+            </a:r>
+            <a:r>
+              <a:rPr lang="en-US" altLang="ko-KR" spc="-100" dirty="0">
+                <a:highlight>
+                  <a:srgbClr val="C0C0C0"/>
+                </a:highlight>
+                <a:latin typeface="Consolas" panose="020B0609020204030204" pitchFamily="49" charset="0"/>
+              </a:rPr>
+              <a:t>https://github.com/auto-mos/MOS-Packages/raw/main/Tiny%20Package/MOS%20Edge/edgeInstallPackage_v2</a:t>
+            </a:r>
+            <a:r>
+              <a:rPr lang="en-US" altLang="ko-KR" spc="-100">
+                <a:highlight>
+                  <a:srgbClr val="C0C0C0"/>
+                </a:highlight>
+                <a:latin typeface="Consolas" panose="020B0609020204030204" pitchFamily="49" charset="0"/>
+              </a:rPr>
+              <a:t>.tar</a:t>
+            </a:r>
+          </a:p>
+          <a:p>
+            <a:pPr marL="0" indent="0">
+              <a:buNone/>
+            </a:pPr>
+            <a:endParaRPr lang="en-US" altLang="ko-KR" spc="-100" dirty="0">
+              <a:latin typeface="Consolas" panose="020B0609020204030204" pitchFamily="49" charset="0"/>
+            </a:endParaRPr>
+          </a:p>
+          <a:p>
+            <a:r>
+              <a:rPr lang="en-US" altLang="ko-KR" dirty="0"/>
+              <a:t> </a:t>
+            </a:r>
+            <a:r>
+              <a:rPr lang="ko-KR" altLang="en-US" dirty="0"/>
+              <a:t>패키지 압축 해제</a:t>
+            </a:r>
+            <a:endParaRPr lang="en-US" altLang="ko-KR" dirty="0"/>
+          </a:p>
+          <a:p>
+            <a:pPr marL="0" indent="0">
+              <a:buNone/>
+            </a:pPr>
+            <a:r>
+              <a:rPr lang="en" altLang="ko-Kore-KR" b="1" dirty="0"/>
+              <a:t> - </a:t>
+            </a:r>
+            <a:r>
+              <a:rPr lang="en" altLang="ko-Kore-KR" sz="1400" b="1" dirty="0"/>
+              <a:t> </a:t>
+            </a:r>
+            <a:r>
+              <a:rPr lang="en" altLang="ko-Kore-KR" sz="1400" b="1" dirty="0">
+                <a:solidFill>
+                  <a:srgbClr val="34BC26"/>
+                </a:solidFill>
+              </a:rPr>
+              <a:t>admin@gateway</a:t>
+            </a:r>
+            <a:r>
+              <a:rPr lang="en" altLang="ko-Kore-KR" sz="1400" dirty="0">
+                <a:solidFill>
+                  <a:srgbClr val="000000"/>
+                </a:solidFill>
+              </a:rPr>
+              <a:t>:</a:t>
+            </a:r>
+            <a:r>
+              <a:rPr lang="en" altLang="ko-Kore-KR" sz="1400" b="1" dirty="0">
+                <a:solidFill>
+                  <a:srgbClr val="5230E1"/>
+                </a:solidFill>
+              </a:rPr>
+              <a:t>~</a:t>
+            </a:r>
+            <a:r>
+              <a:rPr lang="en" altLang="ko-Kore-KR" sz="1400" dirty="0">
+                <a:solidFill>
+                  <a:srgbClr val="000000"/>
+                </a:solidFill>
+              </a:rPr>
+              <a:t>$ </a:t>
+            </a:r>
+            <a:r>
+              <a:rPr lang="en-US" altLang="ko-KR" sz="1400">
+                <a:solidFill>
+                  <a:srgbClr val="000000"/>
+                </a:solidFill>
+                <a:highlight>
+                  <a:srgbClr val="C0C0C0"/>
+                </a:highlight>
+                <a:latin typeface="Consolas" panose="020B0609020204030204" pitchFamily="49" charset="0"/>
+              </a:rPr>
+              <a:t>tar xvf </a:t>
+            </a:r>
+            <a:r>
+              <a:rPr lang="en-US" altLang="ko-KR" sz="1400" dirty="0">
+                <a:solidFill>
+                  <a:srgbClr val="000000"/>
+                </a:solidFill>
+                <a:highlight>
+                  <a:srgbClr val="C0C0C0"/>
+                </a:highlight>
+                <a:latin typeface="Consolas" panose="020B0609020204030204" pitchFamily="49" charset="0"/>
+              </a:rPr>
+              <a:t>edgeInstallPackage_v2.tar</a:t>
+            </a:r>
+            <a:endParaRPr lang="en-US" altLang="ko-KR" dirty="0">
+              <a:highlight>
+                <a:srgbClr val="C0C0C0"/>
+              </a:highlight>
+              <a:latin typeface="Consolas" panose="020B0609020204030204" pitchFamily="49" charset="0"/>
+            </a:endParaRPr>
+          </a:p>
+          <a:p>
+            <a:r>
+              <a:rPr lang="ko-KR" altLang="en-US" dirty="0"/>
+              <a:t> 설치 작업용 스크립트 실행</a:t>
+            </a:r>
+            <a:endParaRPr lang="en-US" altLang="ko-KR" dirty="0"/>
+          </a:p>
+          <a:p>
+            <a:pPr marL="0" indent="0">
+              <a:buNone/>
+            </a:pPr>
+            <a:r>
+              <a:rPr lang="en" altLang="ko-Kore-KR" b="1" dirty="0"/>
+              <a:t> - </a:t>
+            </a:r>
+            <a:r>
+              <a:rPr lang="en" altLang="ko-Kore-KR" sz="1400" b="1" dirty="0"/>
+              <a:t> </a:t>
+            </a:r>
+            <a:r>
+              <a:rPr lang="en" altLang="ko-Kore-KR" sz="1400" b="1" dirty="0">
+                <a:solidFill>
+                  <a:srgbClr val="34BC26"/>
+                </a:solidFill>
+              </a:rPr>
+              <a:t>admin@gateway</a:t>
+            </a:r>
+            <a:r>
+              <a:rPr lang="en" altLang="ko-Kore-KR" sz="1400">
+                <a:solidFill>
+                  <a:srgbClr val="000000"/>
+                </a:solidFill>
+              </a:rPr>
+              <a:t>:</a:t>
+            </a:r>
+            <a:r>
+              <a:rPr lang="en" altLang="ko-Kore-KR" sz="1400" b="1">
+                <a:solidFill>
+                  <a:srgbClr val="5230E1"/>
+                </a:solidFill>
+              </a:rPr>
+              <a:t>~</a:t>
+            </a:r>
+            <a:r>
+              <a:rPr lang="en" altLang="ko-Kore-KR" sz="1400">
+                <a:solidFill>
+                  <a:srgbClr val="000000"/>
+                </a:solidFill>
+              </a:rPr>
+              <a:t>$ </a:t>
+            </a:r>
+            <a:r>
+              <a:rPr lang="en-US" altLang="ko-Kore-KR" sz="1400">
+                <a:solidFill>
+                  <a:srgbClr val="000000"/>
+                </a:solidFill>
+                <a:highlight>
+                  <a:srgbClr val="C0C0C0"/>
+                </a:highlight>
+                <a:latin typeface="Consolas" panose="020B0609020204030204" pitchFamily="49" charset="0"/>
+              </a:rPr>
+              <a:t>./install_</a:t>
+            </a:r>
+            <a:r>
+              <a:rPr lang="en-US" altLang="ko-Kore-KR" sz="1400" dirty="0">
+                <a:solidFill>
+                  <a:srgbClr val="000000"/>
+                </a:solidFill>
+                <a:highlight>
+                  <a:srgbClr val="C0C0C0"/>
+                </a:highlight>
+                <a:latin typeface="Consolas" panose="020B0609020204030204" pitchFamily="49" charset="0"/>
+              </a:rPr>
+              <a:t>Edge.sh</a:t>
+            </a:r>
+            <a:endParaRPr lang="en-US" altLang="ko-KR" dirty="0">
+              <a:highlight>
+                <a:srgbClr val="C0C0C0"/>
+              </a:highlight>
+              <a:latin typeface="Consolas" panose="020B0609020204030204" pitchFamily="49" charset="0"/>
+            </a:endParaRPr>
+          </a:p>
+          <a:p>
+            <a:r>
+              <a:rPr lang="ko-KR" altLang="en-US" dirty="0"/>
+              <a:t> 암호 파일 편집</a:t>
+            </a:r>
+            <a:endParaRPr lang="en-US" altLang="ko-KR" dirty="0"/>
+          </a:p>
+          <a:p>
+            <a:pPr marL="0" indent="0">
+              <a:buNone/>
+            </a:pPr>
+            <a:r>
+              <a:rPr lang="en" altLang="ko-Kore-KR" b="1" dirty="0"/>
+              <a:t> - </a:t>
+            </a:r>
+            <a:r>
+              <a:rPr lang="en" altLang="ko-Kore-KR" sz="1400" b="1" dirty="0"/>
+              <a:t> </a:t>
+            </a:r>
+            <a:r>
+              <a:rPr lang="en" altLang="ko-Kore-KR" sz="1400" b="1" dirty="0">
+                <a:solidFill>
+                  <a:srgbClr val="34BC26"/>
+                </a:solidFill>
+              </a:rPr>
+              <a:t>admin@gateway</a:t>
+            </a:r>
+            <a:r>
+              <a:rPr lang="en" altLang="ko-Kore-KR" sz="1400" dirty="0">
+                <a:solidFill>
+                  <a:srgbClr val="000000"/>
+                </a:solidFill>
+              </a:rPr>
+              <a:t>:</a:t>
+            </a:r>
+            <a:r>
+              <a:rPr lang="en" altLang="ko-Kore-KR" sz="1400" b="1" dirty="0">
+                <a:solidFill>
+                  <a:srgbClr val="5230E1"/>
+                </a:solidFill>
+              </a:rPr>
+              <a:t>~</a:t>
+            </a:r>
+            <a:r>
+              <a:rPr lang="en" altLang="ko-Kore-KR" sz="1400" dirty="0">
+                <a:solidFill>
+                  <a:srgbClr val="000000"/>
+                </a:solidFill>
+              </a:rPr>
+              <a:t>$ </a:t>
+            </a:r>
+            <a:r>
+              <a:rPr lang="en-US" altLang="ko-Kore-KR" sz="1400" dirty="0">
+                <a:solidFill>
+                  <a:srgbClr val="000000"/>
+                </a:solidFill>
+                <a:highlight>
+                  <a:srgbClr val="C0C0C0"/>
+                </a:highlight>
+                <a:latin typeface="Consolas" panose="020B0609020204030204" pitchFamily="49" charset="0"/>
+              </a:rPr>
+              <a:t>cd </a:t>
+            </a:r>
+            <a:r>
+              <a:rPr lang="en-US" altLang="ko-Kore-KR" sz="1400" dirty="0" err="1">
+                <a:solidFill>
+                  <a:srgbClr val="000000"/>
+                </a:solidFill>
+                <a:highlight>
+                  <a:srgbClr val="C0C0C0"/>
+                </a:highlight>
+                <a:latin typeface="Consolas" panose="020B0609020204030204" pitchFamily="49" charset="0"/>
+              </a:rPr>
+              <a:t>sharedFolder</a:t>
+            </a:r>
+            <a:r>
+              <a:rPr lang="en-US" altLang="ko-Kore-KR" sz="1400" dirty="0">
+                <a:solidFill>
+                  <a:srgbClr val="000000"/>
+                </a:solidFill>
+                <a:highlight>
+                  <a:srgbClr val="C0C0C0"/>
+                </a:highlight>
+                <a:latin typeface="Consolas" panose="020B0609020204030204" pitchFamily="49" charset="0"/>
+              </a:rPr>
+              <a:t>/security</a:t>
+            </a:r>
+            <a:r>
+              <a:rPr lang="en-US" altLang="ko-Kore-KR" sz="1400" dirty="0">
+                <a:solidFill>
+                  <a:srgbClr val="000000"/>
+                </a:solidFill>
+              </a:rPr>
+              <a:t> </a:t>
+            </a:r>
+            <a:r>
+              <a:rPr lang="ko-KR" altLang="en-US" sz="1400" dirty="0">
+                <a:solidFill>
+                  <a:srgbClr val="000000"/>
+                </a:solidFill>
+              </a:rPr>
+              <a:t>입력 후</a:t>
+            </a:r>
+            <a:endParaRPr lang="en-US" altLang="ko-Kore-KR" sz="1400" dirty="0">
+              <a:solidFill>
+                <a:srgbClr val="000000"/>
+              </a:solidFill>
+            </a:endParaRPr>
+          </a:p>
+          <a:p>
+            <a:pPr marL="0" indent="0">
+              <a:buNone/>
+            </a:pPr>
+            <a:r>
+              <a:rPr lang="en-US" altLang="ko-Kore-KR" sz="1400" dirty="0">
+                <a:solidFill>
+                  <a:srgbClr val="000000"/>
+                </a:solidFill>
+              </a:rPr>
+              <a:t>	</a:t>
+            </a:r>
+            <a:r>
+              <a:rPr lang="en-US" altLang="ko-Kore-KR" sz="1400" dirty="0">
+                <a:solidFill>
+                  <a:srgbClr val="000000"/>
+                </a:solidFill>
+                <a:highlight>
+                  <a:srgbClr val="C0C0C0"/>
+                </a:highlight>
+                <a:latin typeface="Consolas" panose="020B0609020204030204" pitchFamily="49" charset="0"/>
+              </a:rPr>
+              <a:t>./</a:t>
+            </a:r>
+            <a:r>
+              <a:rPr lang="en-US" altLang="ko-Kore-KR" sz="1400" dirty="0" err="1">
+                <a:solidFill>
+                  <a:srgbClr val="000000"/>
+                </a:solidFill>
+                <a:highlight>
+                  <a:srgbClr val="C0C0C0"/>
+                </a:highlight>
+                <a:latin typeface="Consolas" panose="020B0609020204030204" pitchFamily="49" charset="0"/>
+              </a:rPr>
+              <a:t>dna_encrypt</a:t>
+            </a:r>
+            <a:r>
+              <a:rPr lang="en-US" altLang="ko-Kore-KR" sz="1400" dirty="0">
+                <a:solidFill>
+                  <a:srgbClr val="000000"/>
+                </a:solidFill>
+                <a:highlight>
+                  <a:srgbClr val="C0C0C0"/>
+                </a:highlight>
+                <a:latin typeface="Consolas" panose="020B0609020204030204" pitchFamily="49" charset="0"/>
+              </a:rPr>
+              <a:t> </a:t>
+            </a:r>
+            <a:r>
+              <a:rPr lang="en-US" altLang="ko-Kore-KR" sz="1400" dirty="0" err="1">
+                <a:solidFill>
+                  <a:srgbClr val="000000"/>
+                </a:solidFill>
+                <a:highlight>
+                  <a:srgbClr val="C0C0C0"/>
+                </a:highlight>
+                <a:latin typeface="Consolas" panose="020B0609020204030204" pitchFamily="49" charset="0"/>
+              </a:rPr>
+              <a:t>admin</a:t>
+            </a:r>
+            <a:r>
+              <a:rPr lang="en-US" altLang="ko-Kore-KR" sz="1400" err="1">
+                <a:solidFill>
+                  <a:srgbClr val="000000"/>
+                </a:solidFill>
+                <a:highlight>
+                  <a:srgbClr val="C0C0C0"/>
+                </a:highlight>
+                <a:latin typeface="Consolas" panose="020B0609020204030204" pitchFamily="49" charset="0"/>
+              </a:rPr>
+              <a:t>.</a:t>
+            </a:r>
+            <a:r>
+              <a:rPr lang="en-US" altLang="ko-Kore-KR" sz="1400">
+                <a:solidFill>
+                  <a:srgbClr val="000000"/>
+                </a:solidFill>
+                <a:highlight>
+                  <a:srgbClr val="C0C0C0"/>
+                </a:highlight>
+                <a:latin typeface="Consolas" panose="020B0609020204030204" pitchFamily="49" charset="0"/>
+              </a:rPr>
+              <a:t>secured</a:t>
+            </a:r>
+            <a:r>
+              <a:rPr lang="en-US" altLang="ko-Kore-KR" sz="1400">
+                <a:solidFill>
+                  <a:srgbClr val="000000"/>
+                </a:solidFill>
+              </a:rPr>
+              <a:t> &gt; </a:t>
+            </a:r>
+            <a:r>
+              <a:rPr lang="ko-KR" altLang="en-US" sz="1400">
+                <a:solidFill>
+                  <a:srgbClr val="000000"/>
+                </a:solidFill>
+              </a:rPr>
+              <a:t>웹 </a:t>
+            </a:r>
+            <a:r>
+              <a:rPr lang="ko-KR" altLang="en-US" sz="1400" dirty="0">
+                <a:solidFill>
+                  <a:srgbClr val="000000"/>
+                </a:solidFill>
+              </a:rPr>
+              <a:t>인터페이스 </a:t>
+            </a:r>
+            <a:r>
+              <a:rPr lang="en-US" altLang="ko-KR" sz="1400" dirty="0">
+                <a:solidFill>
+                  <a:srgbClr val="000000"/>
+                </a:solidFill>
+              </a:rPr>
+              <a:t>admin </a:t>
+            </a:r>
+            <a:r>
+              <a:rPr lang="ko-KR" altLang="en-US" sz="1400">
+                <a:solidFill>
+                  <a:srgbClr val="000000"/>
+                </a:solidFill>
+              </a:rPr>
+              <a:t>계정 암호입력</a:t>
+            </a:r>
+            <a:r>
+              <a:rPr lang="en-US" altLang="ko-KR" sz="1400">
+                <a:solidFill>
+                  <a:srgbClr val="000000"/>
+                </a:solidFill>
+              </a:rPr>
+              <a:t>(</a:t>
+            </a:r>
+            <a:r>
+              <a:rPr lang="ko-KR" altLang="en-US" sz="1400">
+                <a:solidFill>
+                  <a:srgbClr val="000000"/>
+                </a:solidFill>
+              </a:rPr>
+              <a:t>임의지정</a:t>
+            </a:r>
+            <a:r>
+              <a:rPr lang="en-US" altLang="ko-KR" sz="1400">
+                <a:solidFill>
+                  <a:srgbClr val="000000"/>
+                </a:solidFill>
+              </a:rPr>
+              <a:t>)</a:t>
+            </a:r>
+            <a:endParaRPr lang="en-US" altLang="ko-Kore-KR" sz="1400" dirty="0">
+              <a:solidFill>
+                <a:srgbClr val="000000"/>
+              </a:solidFill>
+            </a:endParaRPr>
+          </a:p>
+          <a:p>
+            <a:pPr marL="0" indent="0">
+              <a:buNone/>
+            </a:pPr>
+            <a:r>
+              <a:rPr lang="en-US" altLang="ko-Kore-KR" sz="1400" dirty="0">
+                <a:solidFill>
+                  <a:srgbClr val="000000"/>
+                </a:solidFill>
+              </a:rPr>
+              <a:t>	</a:t>
+            </a:r>
+            <a:r>
+              <a:rPr lang="en-US" altLang="ko-Kore-KR" sz="1400" dirty="0">
+                <a:solidFill>
+                  <a:srgbClr val="000000"/>
+                </a:solidFill>
+                <a:highlight>
+                  <a:srgbClr val="C0C0C0"/>
+                </a:highlight>
+                <a:latin typeface="Consolas" panose="020B0609020204030204" pitchFamily="49" charset="0"/>
+              </a:rPr>
+              <a:t>./</a:t>
+            </a:r>
+            <a:r>
+              <a:rPr lang="en-US" altLang="ko-Kore-KR" sz="1400" dirty="0" err="1">
+                <a:solidFill>
+                  <a:srgbClr val="000000"/>
+                </a:solidFill>
+                <a:highlight>
+                  <a:srgbClr val="C0C0C0"/>
+                </a:highlight>
+                <a:latin typeface="Consolas" panose="020B0609020204030204" pitchFamily="49" charset="0"/>
+              </a:rPr>
+              <a:t>dna_encrypt</a:t>
+            </a:r>
+            <a:r>
+              <a:rPr lang="en-US" altLang="ko-Kore-KR" sz="1400" dirty="0">
+                <a:solidFill>
+                  <a:srgbClr val="000000"/>
+                </a:solidFill>
+                <a:highlight>
+                  <a:srgbClr val="C0C0C0"/>
+                </a:highlight>
+                <a:latin typeface="Consolas" panose="020B0609020204030204" pitchFamily="49" charset="0"/>
+              </a:rPr>
+              <a:t> </a:t>
+            </a:r>
+            <a:r>
+              <a:rPr lang="en-US" altLang="ko-Kore-KR" sz="1400" dirty="0" err="1">
+                <a:solidFill>
+                  <a:srgbClr val="000000"/>
+                </a:solidFill>
+                <a:highlight>
+                  <a:srgbClr val="C0C0C0"/>
+                </a:highlight>
+                <a:latin typeface="Consolas" panose="020B0609020204030204" pitchFamily="49" charset="0"/>
+              </a:rPr>
+              <a:t>opcua.</a:t>
+            </a:r>
+            <a:r>
+              <a:rPr lang="en-US" altLang="ko-Kore-KR" sz="1400" err="1">
+                <a:solidFill>
+                  <a:srgbClr val="000000"/>
+                </a:solidFill>
+                <a:highlight>
+                  <a:srgbClr val="C0C0C0"/>
+                </a:highlight>
+                <a:latin typeface="Consolas" panose="020B0609020204030204" pitchFamily="49" charset="0"/>
+              </a:rPr>
+              <a:t>secured</a:t>
+            </a:r>
+            <a:r>
+              <a:rPr lang="en-US" altLang="ko-Kore-KR" sz="1400">
+                <a:solidFill>
+                  <a:srgbClr val="000000"/>
+                </a:solidFill>
+              </a:rPr>
+              <a:t> &gt; OPCUA </a:t>
+            </a:r>
+            <a:r>
+              <a:rPr lang="ko-KR" altLang="en-US" sz="1400">
+                <a:solidFill>
+                  <a:srgbClr val="000000"/>
+                </a:solidFill>
+              </a:rPr>
+              <a:t>계정 암호입력</a:t>
+            </a:r>
+            <a:endParaRPr lang="en-US" altLang="ko-Kore-KR" sz="1400" dirty="0">
+              <a:solidFill>
+                <a:srgbClr val="000000"/>
+              </a:solidFill>
+            </a:endParaRPr>
+          </a:p>
+          <a:p>
+            <a:r>
+              <a:rPr lang="en-US" altLang="ko-KR"/>
+              <a:t> Web </a:t>
+            </a:r>
+            <a:r>
+              <a:rPr lang="ko-KR" altLang="en-US"/>
+              <a:t>서비스 실행</a:t>
+            </a:r>
+            <a:endParaRPr lang="en-US" altLang="ko-KR" dirty="0"/>
+          </a:p>
+          <a:p>
+            <a:pPr marL="0" indent="0">
+              <a:buNone/>
+            </a:pPr>
+            <a:r>
+              <a:rPr lang="en" altLang="ko-Kore-KR" b="1" dirty="0"/>
+              <a:t> - </a:t>
+            </a:r>
+            <a:r>
+              <a:rPr lang="en" altLang="ko-Kore-KR" sz="1400" b="1" dirty="0"/>
+              <a:t> </a:t>
+            </a:r>
+            <a:r>
+              <a:rPr lang="en" altLang="ko-Kore-KR" sz="1400" b="1" dirty="0">
+                <a:solidFill>
+                  <a:srgbClr val="34BC26"/>
+                </a:solidFill>
+              </a:rPr>
+              <a:t>admin@gateway</a:t>
+            </a:r>
+            <a:r>
+              <a:rPr lang="en" altLang="ko-Kore-KR" sz="1400" dirty="0">
+                <a:solidFill>
+                  <a:srgbClr val="000000"/>
+                </a:solidFill>
+              </a:rPr>
+              <a:t>:</a:t>
+            </a:r>
+            <a:r>
+              <a:rPr lang="en" altLang="ko-Kore-KR" sz="1400" b="1" dirty="0">
+                <a:solidFill>
+                  <a:srgbClr val="5230E1"/>
+                </a:solidFill>
+              </a:rPr>
+              <a:t>~</a:t>
+            </a:r>
+            <a:r>
+              <a:rPr lang="en" altLang="ko-Kore-KR" sz="1400" dirty="0">
+                <a:solidFill>
+                  <a:srgbClr val="000000"/>
+                </a:solidFill>
+              </a:rPr>
+              <a:t>$ </a:t>
+            </a:r>
+            <a:r>
+              <a:rPr lang="en-US" altLang="ko-Kore-KR" sz="1400" dirty="0" err="1">
+                <a:solidFill>
+                  <a:srgbClr val="000000"/>
+                </a:solidFill>
+                <a:highlight>
+                  <a:srgbClr val="C0C0C0"/>
+                </a:highlight>
+                <a:latin typeface="Consolas" panose="020B0609020204030204" pitchFamily="49" charset="0"/>
+              </a:rPr>
+              <a:t>sudo</a:t>
+            </a:r>
+            <a:r>
+              <a:rPr lang="en-US" altLang="ko-Kore-KR" sz="1400" dirty="0">
+                <a:solidFill>
+                  <a:srgbClr val="000000"/>
+                </a:solidFill>
+                <a:highlight>
+                  <a:srgbClr val="C0C0C0"/>
+                </a:highlight>
+                <a:latin typeface="Consolas" panose="020B0609020204030204" pitchFamily="49" charset="0"/>
+              </a:rPr>
+              <a:t> </a:t>
+            </a:r>
+            <a:r>
+              <a:rPr lang="en-US" altLang="ko-Kore-KR" sz="1400" dirty="0" err="1">
+                <a:solidFill>
+                  <a:srgbClr val="000000"/>
+                </a:solidFill>
+                <a:highlight>
+                  <a:srgbClr val="C0C0C0"/>
+                </a:highlight>
+                <a:latin typeface="Consolas" panose="020B0609020204030204" pitchFamily="49" charset="0"/>
+              </a:rPr>
+              <a:t>systemctl</a:t>
+            </a:r>
+            <a:r>
+              <a:rPr lang="en-US" altLang="ko-Kore-KR" sz="1400" dirty="0">
+                <a:solidFill>
+                  <a:srgbClr val="000000"/>
+                </a:solidFill>
+                <a:highlight>
+                  <a:srgbClr val="C0C0C0"/>
+                </a:highlight>
+                <a:latin typeface="Consolas" panose="020B0609020204030204" pitchFamily="49" charset="0"/>
+              </a:rPr>
+              <a:t> restart </a:t>
+            </a:r>
+            <a:r>
+              <a:rPr lang="en-US" altLang="ko-Kore-KR" sz="1400" dirty="0" err="1">
+                <a:solidFill>
+                  <a:srgbClr val="000000"/>
+                </a:solidFill>
+                <a:highlight>
+                  <a:srgbClr val="C0C0C0"/>
+                </a:highlight>
+                <a:latin typeface="Consolas" panose="020B0609020204030204" pitchFamily="49" charset="0"/>
+              </a:rPr>
+              <a:t>gatewayWeb.service</a:t>
+            </a:r>
+            <a:endParaRPr lang="en-US" altLang="ko-Kore-KR" sz="1400" dirty="0">
+              <a:solidFill>
+                <a:srgbClr val="000000"/>
+              </a:solidFill>
+              <a:highlight>
+                <a:srgbClr val="C0C0C0"/>
+              </a:highlight>
+              <a:latin typeface="Consolas" panose="020B0609020204030204" pitchFamily="49" charset="0"/>
+            </a:endParaRPr>
+          </a:p>
+          <a:p>
+            <a:pPr marL="0" indent="0">
+              <a:buNone/>
+            </a:pPr>
+            <a:endParaRPr lang="en-US" altLang="ko-KR" dirty="0"/>
+          </a:p>
+        </p:txBody>
+      </p:sp>
+      <p:pic>
+        <p:nvPicPr>
+          <p:cNvPr id="2" name="그림 1">
+            <a:extLst>
+              <a:ext uri="{FF2B5EF4-FFF2-40B4-BE49-F238E27FC236}">
+                <a16:creationId xmlns:a16="http://schemas.microsoft.com/office/drawing/2014/main" id="{055BB1AD-2C28-B2CE-52C0-4D963A755A28}"/>
+              </a:ext>
+            </a:extLst>
+          </p:cNvPr>
+          <p:cNvPicPr>
+            <a:picLocks noChangeAspect="1"/>
+          </p:cNvPicPr>
+          <p:nvPr/>
+        </p:nvPicPr>
+        <p:blipFill rotWithShape="1">
+          <a:blip r:embed="rId3"/>
+          <a:srcRect t="3940"/>
+          <a:stretch/>
+        </p:blipFill>
+        <p:spPr>
+          <a:xfrm>
+            <a:off x="8464742" y="3536191"/>
+            <a:ext cx="2948686" cy="2241820"/>
+          </a:xfrm>
+          <a:prstGeom prst="rect">
+            <a:avLst/>
+          </a:prstGeom>
+          <a:ln w="25400" cmpd="dbl">
+            <a:solidFill>
+              <a:srgbClr val="FF0000"/>
+            </a:solidFill>
+          </a:ln>
+        </p:spPr>
+      </p:pic>
+      <p:sp>
+        <p:nvSpPr>
+          <p:cNvPr id="3" name="직사각형 2">
+            <a:extLst>
+              <a:ext uri="{FF2B5EF4-FFF2-40B4-BE49-F238E27FC236}">
+                <a16:creationId xmlns:a16="http://schemas.microsoft.com/office/drawing/2014/main" id="{E386B1B6-DD62-6F84-3455-05E293C60270}"/>
+              </a:ext>
+            </a:extLst>
+          </p:cNvPr>
+          <p:cNvSpPr/>
+          <p:nvPr/>
+        </p:nvSpPr>
+        <p:spPr>
+          <a:xfrm>
+            <a:off x="9263838" y="4438650"/>
+            <a:ext cx="1575612" cy="226429"/>
+          </a:xfrm>
+          <a:prstGeom prst="rect">
+            <a:avLst/>
+          </a:prstGeom>
+          <a:noFill/>
+          <a:ln w="28575">
+            <a:solidFill>
+              <a:srgbClr val="FF0000"/>
+            </a:solidFill>
+          </a:ln>
+        </p:spPr>
+        <p:style>
+          <a:lnRef idx="2">
+            <a:schemeClr val="accent1">
+              <a:shade val="15000"/>
+            </a:schemeClr>
+          </a:lnRef>
+          <a:fillRef idx="1">
+            <a:schemeClr val="accent1"/>
+          </a:fillRef>
+          <a:effectRef idx="0">
+            <a:schemeClr val="accent1"/>
+          </a:effectRef>
+          <a:fontRef idx="minor">
+            <a:schemeClr val="lt1"/>
+          </a:fontRef>
+        </p:style>
+        <p:txBody>
+          <a:bodyPr rtlCol="0" anchor="ctr"/>
+          <a:lstStyle/>
+          <a:p>
+            <a:pPr algn="ctr"/>
+            <a:endParaRPr lang="ko-KR" altLang="en-US"/>
+          </a:p>
+        </p:txBody>
+      </p:sp>
+      <p:cxnSp>
+        <p:nvCxnSpPr>
+          <p:cNvPr id="6" name="연결선: 꺾임 5">
+            <a:extLst>
+              <a:ext uri="{FF2B5EF4-FFF2-40B4-BE49-F238E27FC236}">
+                <a16:creationId xmlns:a16="http://schemas.microsoft.com/office/drawing/2014/main" id="{0B86053F-19C3-A51C-909B-2C488B3E28D3}"/>
+              </a:ext>
+            </a:extLst>
+          </p:cNvPr>
+          <p:cNvCxnSpPr>
+            <a:cxnSpLocks/>
+            <a:endCxn id="3" idx="1"/>
+          </p:cNvCxnSpPr>
+          <p:nvPr/>
+        </p:nvCxnSpPr>
+        <p:spPr>
+          <a:xfrm flipV="1">
+            <a:off x="6096000" y="4551865"/>
+            <a:ext cx="3167838" cy="712285"/>
+          </a:xfrm>
+          <a:prstGeom prst="bentConnector3">
+            <a:avLst>
+              <a:gd name="adj1" fmla="val 62829"/>
+            </a:avLst>
+          </a:prstGeom>
+          <a:ln w="28575">
+            <a:solidFill>
+              <a:srgbClr val="FF0000"/>
+            </a:solidFill>
+            <a:tailEnd type="triangle"/>
+          </a:ln>
+        </p:spPr>
+        <p:style>
+          <a:lnRef idx="1">
+            <a:schemeClr val="accent1"/>
+          </a:lnRef>
+          <a:fillRef idx="0">
+            <a:schemeClr val="accent1"/>
+          </a:fillRef>
+          <a:effectRef idx="0">
+            <a:schemeClr val="accent1"/>
+          </a:effectRef>
+          <a:fontRef idx="minor">
+            <a:schemeClr val="tx1"/>
+          </a:fontRef>
+        </p:style>
+      </p:cxnSp>
+      <p:sp>
+        <p:nvSpPr>
+          <p:cNvPr id="7" name="TextBox 6">
+            <a:extLst>
+              <a:ext uri="{FF2B5EF4-FFF2-40B4-BE49-F238E27FC236}">
+                <a16:creationId xmlns:a16="http://schemas.microsoft.com/office/drawing/2014/main" id="{B00EBFB1-2155-0CA7-0768-8D654FC10F08}"/>
+              </a:ext>
+            </a:extLst>
+          </p:cNvPr>
+          <p:cNvSpPr txBox="1"/>
+          <p:nvPr/>
+        </p:nvSpPr>
+        <p:spPr>
+          <a:xfrm>
+            <a:off x="7007487" y="5889554"/>
+            <a:ext cx="5292749" cy="400110"/>
+          </a:xfrm>
+          <a:prstGeom prst="rect">
+            <a:avLst/>
+          </a:prstGeom>
+          <a:noFill/>
+        </p:spPr>
+        <p:txBody>
+          <a:bodyPr wrap="square" rtlCol="0">
+            <a:spAutoFit/>
+          </a:bodyPr>
+          <a:lstStyle/>
+          <a:p>
+            <a:pPr algn="ctr"/>
+            <a:r>
+              <a:rPr lang="en-US" altLang="ko-KR" sz="1000">
+                <a:latin typeface="에스코어 드림 4 Regular" panose="020B0503030302020204" pitchFamily="34" charset="-127"/>
+                <a:ea typeface="에스코어 드림 4 Regular" panose="020B0503030302020204" pitchFamily="34" charset="-127"/>
+              </a:rPr>
+              <a:t>MOS Cloud</a:t>
+            </a:r>
+            <a:r>
+              <a:rPr lang="ko-KR" altLang="en-US" sz="1000">
+                <a:latin typeface="에스코어 드림 4 Regular" panose="020B0503030302020204" pitchFamily="34" charset="-127"/>
+                <a:ea typeface="에스코어 드림 4 Regular" panose="020B0503030302020204" pitchFamily="34" charset="-127"/>
+              </a:rPr>
+              <a:t> </a:t>
+            </a:r>
+            <a:r>
+              <a:rPr lang="en-US" altLang="ko-KR" sz="1000">
+                <a:latin typeface="에스코어 드림 4 Regular" panose="020B0503030302020204" pitchFamily="34" charset="-127"/>
+                <a:ea typeface="에스코어 드림 4 Regular" panose="020B0503030302020204" pitchFamily="34" charset="-127"/>
+              </a:rPr>
+              <a:t>-</a:t>
+            </a:r>
+            <a:r>
+              <a:rPr lang="ko-KR" altLang="en-US" sz="1000">
+                <a:latin typeface="에스코어 드림 4 Regular" panose="020B0503030302020204" pitchFamily="34" charset="-127"/>
+                <a:ea typeface="에스코어 드림 4 Regular" panose="020B0503030302020204" pitchFamily="34" charset="-127"/>
+              </a:rPr>
+              <a:t> </a:t>
+            </a:r>
+            <a:r>
+              <a:rPr lang="en-US" altLang="ko-KR" sz="1000">
+                <a:latin typeface="에스코어 드림 4 Regular" panose="020B0503030302020204" pitchFamily="34" charset="-127"/>
+                <a:ea typeface="에스코어 드림 4 Regular" panose="020B0503030302020204" pitchFamily="34" charset="-127"/>
+              </a:rPr>
+              <a:t>/usr/lib/systemd/system/gather.service </a:t>
+            </a:r>
+            <a:r>
+              <a:rPr lang="ko-KR" altLang="en-US" sz="1000">
+                <a:latin typeface="에스코어 드림 4 Regular" panose="020B0503030302020204" pitchFamily="34" charset="-127"/>
+                <a:ea typeface="에스코어 드림 4 Regular" panose="020B0503030302020204" pitchFamily="34" charset="-127"/>
+              </a:rPr>
+              <a:t>파일의 </a:t>
+            </a:r>
+            <a:r>
+              <a:rPr lang="en-US" altLang="ko-KR" sz="1000">
+                <a:latin typeface="에스코어 드림 4 Regular" panose="020B0503030302020204" pitchFamily="34" charset="-127"/>
+                <a:ea typeface="에스코어 드림 4 Regular" panose="020B0503030302020204" pitchFamily="34" charset="-127"/>
+              </a:rPr>
+              <a:t>OPCUA_PWD</a:t>
+            </a:r>
+            <a:r>
+              <a:rPr lang="ko-KR" altLang="en-US" sz="1000">
+                <a:latin typeface="에스코어 드림 4 Regular" panose="020B0503030302020204" pitchFamily="34" charset="-127"/>
+                <a:ea typeface="에스코어 드림 4 Regular" panose="020B0503030302020204" pitchFamily="34" charset="-127"/>
+              </a:rPr>
+              <a:t>와 동기화</a:t>
+            </a:r>
+            <a:endParaRPr lang="en-US" altLang="ko-KR" sz="1000">
+              <a:latin typeface="에스코어 드림 4 Regular" panose="020B0503030302020204" pitchFamily="34" charset="-127"/>
+              <a:ea typeface="에스코어 드림 4 Regular" panose="020B0503030302020204" pitchFamily="34" charset="-127"/>
+            </a:endParaRPr>
+          </a:p>
+          <a:p>
+            <a:pPr algn="ctr"/>
+            <a:r>
+              <a:rPr lang="en-US" altLang="ko-KR" sz="1000">
+                <a:latin typeface="에스코어 드림 4 Regular" panose="020B0503030302020204" pitchFamily="34" charset="-127"/>
+                <a:ea typeface="에스코어 드림 4 Regular" panose="020B0503030302020204" pitchFamily="34" charset="-127"/>
+              </a:rPr>
+              <a:t>(</a:t>
+            </a:r>
+            <a:r>
+              <a:rPr lang="ko-KR" altLang="en-US" sz="1000">
+                <a:latin typeface="에스코어 드림 4 Regular" panose="020B0503030302020204" pitchFamily="34" charset="-127"/>
+                <a:ea typeface="에스코어 드림 4 Regular" panose="020B0503030302020204" pitchFamily="34" charset="-127"/>
+              </a:rPr>
+              <a:t>따로 수정하지 않았다면 </a:t>
+            </a:r>
+            <a:r>
+              <a:rPr lang="en-US" altLang="ko-KR" sz="1000">
+                <a:latin typeface="에스코어 드림 4 Regular" panose="020B0503030302020204" pitchFamily="34" charset="-127"/>
+                <a:ea typeface="에스코어 드림 4 Regular" panose="020B0503030302020204" pitchFamily="34" charset="-127"/>
+              </a:rPr>
+              <a:t>mos_opcua </a:t>
+            </a:r>
+            <a:r>
+              <a:rPr lang="ko-KR" altLang="en-US" sz="1000">
+                <a:latin typeface="에스코어 드림 4 Regular" panose="020B0503030302020204" pitchFamily="34" charset="-127"/>
+                <a:ea typeface="에스코어 드림 4 Regular" panose="020B0503030302020204" pitchFamily="34" charset="-127"/>
+              </a:rPr>
+              <a:t>입력하시면 됩니다</a:t>
+            </a:r>
+            <a:r>
+              <a:rPr lang="en-US" altLang="ko-KR" sz="1000">
+                <a:latin typeface="에스코어 드림 4 Regular" panose="020B0503030302020204" pitchFamily="34" charset="-127"/>
+                <a:ea typeface="에스코어 드림 4 Regular" panose="020B0503030302020204" pitchFamily="34" charset="-127"/>
+              </a:rPr>
+              <a:t>.)</a:t>
+            </a:r>
+            <a:endParaRPr lang="ko-KR" altLang="en-US" sz="1000">
+              <a:latin typeface="에스코어 드림 4 Regular" panose="020B0503030302020204" pitchFamily="34" charset="-127"/>
+              <a:ea typeface="에스코어 드림 4 Regular" panose="020B0503030302020204" pitchFamily="34" charset="-127"/>
+            </a:endParaRPr>
+          </a:p>
+        </p:txBody>
+      </p:sp>
+    </p:spTree>
+    <p:extLst>
+      <p:ext uri="{BB962C8B-B14F-4D97-AF65-F5344CB8AC3E}">
+        <p14:creationId xmlns:p14="http://schemas.microsoft.com/office/powerpoint/2010/main" val="1807702060"/>
+      </p:ext>
+    </p:extLst>
+  </p:cSld>
+  <p:clrMapOvr>
+    <a:masterClrMapping/>
+  </p:clrMapOvr>
+</p:sld>
+</file>
+
+<file path=ppt/slides/slide9.xml><?xml version="1.0" encoding="utf-8"?>
+<p:sld xmlns:a="http://schemas.openxmlformats.org/drawingml/2006/main" xmlns:r="http://schemas.openxmlformats.org/officeDocument/2006/relationships" xmlns:p="http://schemas.openxmlformats.org/presentationml/2006/main">
+  <p:cSld>
+    <p:spTree>
+      <p:nvGrpSpPr>
+        <p:cNvPr id="1" name=""/>
+        <p:cNvGrpSpPr/>
+        <p:nvPr/>
+      </p:nvGrpSpPr>
+      <p:grpSpPr>
+        <a:xfrm>
+          <a:off x="0" y="0"/>
+          <a:ext cx="0" cy="0"/>
+          <a:chOff x="0" y="0"/>
+          <a:chExt cx="0" cy="0"/>
+        </a:xfrm>
+      </p:grpSpPr>
+      <p:sp>
+        <p:nvSpPr>
+          <p:cNvPr id="5" name="TextBox 4">
+            <a:extLst>
+              <a:ext uri="{FF2B5EF4-FFF2-40B4-BE49-F238E27FC236}">
+                <a16:creationId xmlns:a16="http://schemas.microsoft.com/office/drawing/2014/main" id="{AEE86A50-5F8F-2B12-0C7C-1CBCC65F9913}"/>
+              </a:ext>
+            </a:extLst>
+          </p:cNvPr>
+          <p:cNvSpPr txBox="1"/>
+          <p:nvPr/>
+        </p:nvSpPr>
+        <p:spPr>
+          <a:xfrm>
+            <a:off x="387532" y="292038"/>
+            <a:ext cx="6165668" cy="400110"/>
+          </a:xfrm>
+          <a:prstGeom prst="rect">
+            <a:avLst/>
+          </a:prstGeom>
+          <a:noFill/>
+        </p:spPr>
+        <p:txBody>
+          <a:bodyPr wrap="square">
+            <a:spAutoFit/>
+          </a:bodyPr>
+          <a:lstStyle/>
+          <a:p>
+            <a:r>
+              <a:rPr kumimoji="1" lang="en-US" altLang="ko-KR" sz="2000" b="1" dirty="0">
+                <a:solidFill>
+                  <a:schemeClr val="bg1"/>
+                </a:solidFill>
+                <a:latin typeface="에스코어 드림 6 Bold" panose="020B0703030302020204" pitchFamily="34" charset="-127"/>
+                <a:ea typeface="에스코어 드림 6 Bold" panose="020B0703030302020204" pitchFamily="34" charset="-127"/>
+              </a:rPr>
+              <a:t>Package Version</a:t>
+            </a:r>
+            <a:endParaRPr lang="ko-KR" altLang="en-US" sz="2000" b="1" dirty="0">
+              <a:solidFill>
+                <a:schemeClr val="bg1"/>
+              </a:solidFill>
+              <a:latin typeface="에스코어 드림 6 Bold" panose="020B0703030302020204" pitchFamily="34" charset="-127"/>
+              <a:ea typeface="에스코어 드림 6 Bold" panose="020B0703030302020204" pitchFamily="34" charset="-127"/>
+            </a:endParaRPr>
+          </a:p>
+        </p:txBody>
+      </p:sp>
+      <p:sp>
+        <p:nvSpPr>
+          <p:cNvPr id="10" name="TextBox 9">
+            <a:extLst>
+              <a:ext uri="{FF2B5EF4-FFF2-40B4-BE49-F238E27FC236}">
+                <a16:creationId xmlns:a16="http://schemas.microsoft.com/office/drawing/2014/main" id="{AF7FFEEC-C37D-8319-6039-8462C607966D}"/>
+              </a:ext>
+            </a:extLst>
+          </p:cNvPr>
+          <p:cNvSpPr txBox="1"/>
+          <p:nvPr/>
+        </p:nvSpPr>
+        <p:spPr>
+          <a:xfrm>
+            <a:off x="394629" y="846886"/>
+            <a:ext cx="11402741" cy="754053"/>
+          </a:xfrm>
+          <a:prstGeom prst="rect">
+            <a:avLst/>
+          </a:prstGeom>
+          <a:noFill/>
+        </p:spPr>
+        <p:txBody>
+          <a:bodyPr wrap="square">
+            <a:spAutoFit/>
+          </a:bodyPr>
+          <a:lstStyle>
+            <a:defPPr>
+              <a:defRPr lang="ko-KR"/>
+            </a:defPPr>
+            <a:lvl1pPr marL="66675" marR="0" lvl="0" indent="-66675" fontAlgn="auto">
+              <a:lnSpc>
+                <a:spcPts val="1750"/>
+              </a:lnSpc>
+              <a:spcBef>
+                <a:spcPts val="600"/>
+              </a:spcBef>
+              <a:spcAft>
+                <a:spcPts val="0"/>
+              </a:spcAft>
+              <a:buClrTx/>
+              <a:buSzTx/>
+              <a:buFont typeface="Wingdings" panose="05000000000000000000" pitchFamily="2" charset="2"/>
+              <a:buChar char="§"/>
+              <a:tabLst/>
+              <a:defRPr kumimoji="0" sz="1400" b="0" i="0" u="none" strike="noStrike" cap="none" spc="0" normalizeH="0" baseline="0">
+                <a:ln>
+                  <a:noFill/>
+                </a:ln>
+                <a:effectLst/>
+                <a:uLnTx/>
+                <a:uFillTx/>
+                <a:latin typeface="에스코어 드림 4 Regular" panose="020B0503030302020204" pitchFamily="34" charset="-127"/>
+                <a:ea typeface="에스코어 드림 4 Regular" panose="020B0503030302020204" pitchFamily="34" charset="-127"/>
+              </a:defRPr>
+            </a:lvl1pPr>
+          </a:lstStyle>
+          <a:p>
+            <a:r>
+              <a:rPr lang="ko-KR" altLang="en-US" dirty="0"/>
+              <a:t> 주요 패키지 버전 확인</a:t>
+            </a:r>
+            <a:endParaRPr lang="en-US" altLang="ko-KR" dirty="0"/>
+          </a:p>
+          <a:p>
+            <a:pPr marL="742950" lvl="1" indent="-285750">
+              <a:buFontTx/>
+              <a:buChar char="-"/>
+            </a:pPr>
+            <a:r>
+              <a:rPr lang="en-US" altLang="ko-KR" sz="1400" dirty="0">
+                <a:latin typeface="에스코어 드림 4 Regular" panose="020B0503030302020204" pitchFamily="34" charset="-127"/>
+                <a:ea typeface="에스코어 드림 4 Regular" panose="020B0503030302020204" pitchFamily="34" charset="-127"/>
+              </a:rPr>
+              <a:t>Python </a:t>
+            </a:r>
+            <a:r>
+              <a:rPr lang="ko-KR" altLang="en-US" sz="1400" dirty="0">
+                <a:latin typeface="에스코어 드림 4 Regular" panose="020B0503030302020204" pitchFamily="34" charset="-127"/>
+                <a:ea typeface="에스코어 드림 4 Regular" panose="020B0503030302020204" pitchFamily="34" charset="-127"/>
+              </a:rPr>
+              <a:t>패키지</a:t>
+            </a:r>
+            <a:r>
+              <a:rPr lang="en-US" altLang="ko-KR" sz="1400" dirty="0">
+                <a:latin typeface="에스코어 드림 4 Regular" panose="020B0503030302020204" pitchFamily="34" charset="-127"/>
+                <a:ea typeface="에스코어 드림 4 Regular" panose="020B0503030302020204" pitchFamily="34" charset="-127"/>
+              </a:rPr>
+              <a:t>, Docker</a:t>
+            </a:r>
+            <a:r>
+              <a:rPr lang="ko-KR" altLang="en-US" sz="1400" dirty="0">
+                <a:latin typeface="에스코어 드림 4 Regular" panose="020B0503030302020204" pitchFamily="34" charset="-127"/>
+                <a:ea typeface="에스코어 드림 4 Regular" panose="020B0503030302020204" pitchFamily="34" charset="-127"/>
+              </a:rPr>
+              <a:t> 버전 확인</a:t>
+            </a:r>
+            <a:endParaRPr lang="en-US" altLang="ko-KR" sz="1400" dirty="0">
+              <a:latin typeface="에스코어 드림 4 Regular" panose="020B0503030302020204" pitchFamily="34" charset="-127"/>
+              <a:ea typeface="에스코어 드림 4 Regular" panose="020B0503030302020204" pitchFamily="34" charset="-127"/>
+            </a:endParaRPr>
+          </a:p>
+          <a:p>
+            <a:pPr marL="742950" lvl="1" indent="-285750">
+              <a:buFontTx/>
+              <a:buChar char="-"/>
+            </a:pPr>
+            <a:endParaRPr lang="en-US" altLang="ko-KR" sz="1400" dirty="0">
+              <a:latin typeface="에스코어 드림 4 Regular" panose="020B0503030302020204" pitchFamily="34" charset="-127"/>
+              <a:ea typeface="에스코어 드림 4 Regular" panose="020B0503030302020204" pitchFamily="34" charset="-127"/>
+            </a:endParaRPr>
+          </a:p>
+        </p:txBody>
+      </p:sp>
+      <p:pic>
+        <p:nvPicPr>
+          <p:cNvPr id="4" name="그림 3">
+            <a:extLst>
+              <a:ext uri="{FF2B5EF4-FFF2-40B4-BE49-F238E27FC236}">
+                <a16:creationId xmlns:a16="http://schemas.microsoft.com/office/drawing/2014/main" id="{4281DE2E-721D-69D8-8320-18B250993451}"/>
+              </a:ext>
+            </a:extLst>
+          </p:cNvPr>
+          <p:cNvPicPr>
+            <a:picLocks noChangeAspect="1"/>
+          </p:cNvPicPr>
+          <p:nvPr/>
+        </p:nvPicPr>
+        <p:blipFill>
+          <a:blip r:embed="rId2"/>
+          <a:stretch>
+            <a:fillRect/>
+          </a:stretch>
+        </p:blipFill>
+        <p:spPr>
+          <a:xfrm>
+            <a:off x="1147811" y="1474837"/>
+            <a:ext cx="6403302" cy="4670323"/>
+          </a:xfrm>
+          <a:prstGeom prst="rect">
+            <a:avLst/>
+          </a:prstGeom>
+        </p:spPr>
+      </p:pic>
+      <p:pic>
+        <p:nvPicPr>
+          <p:cNvPr id="8" name="그림 7">
+            <a:extLst>
+              <a:ext uri="{FF2B5EF4-FFF2-40B4-BE49-F238E27FC236}">
+                <a16:creationId xmlns:a16="http://schemas.microsoft.com/office/drawing/2014/main" id="{E69BC011-6AF7-1853-B599-AFDA94D54281}"/>
+              </a:ext>
+            </a:extLst>
+          </p:cNvPr>
+          <p:cNvPicPr>
+            <a:picLocks noChangeAspect="1"/>
+          </p:cNvPicPr>
+          <p:nvPr/>
+        </p:nvPicPr>
+        <p:blipFill>
+          <a:blip r:embed="rId3"/>
+          <a:stretch>
+            <a:fillRect/>
+          </a:stretch>
+        </p:blipFill>
+        <p:spPr>
+          <a:xfrm>
+            <a:off x="1147811" y="6247756"/>
+            <a:ext cx="3610479" cy="419158"/>
+          </a:xfrm>
+          <a:prstGeom prst="rect">
+            <a:avLst/>
+          </a:prstGeom>
+        </p:spPr>
+      </p:pic>
+    </p:spTree>
+    <p:extLst>
+      <p:ext uri="{BB962C8B-B14F-4D97-AF65-F5344CB8AC3E}">
+        <p14:creationId xmlns:p14="http://schemas.microsoft.com/office/powerpoint/2010/main" val="3973896104"/>
       </p:ext>
     </p:extLst>
   </p:cSld>

--- a/Tiny Package/MOS Edge/MOS Edge Manual.pptx
+++ b/Tiny Package/MOS Edge/MOS Edge Manual.pptx
@@ -5392,7 +5392,7 @@
           <a:p>
             <a:fld id="{116A6C1D-3507-446A-A044-82BB28480E38}" type="datetimeFigureOut">
               <a:rPr lang="ko-KR" altLang="en-US" smtClean="0"/>
-              <a:t>2023-09-12</a:t>
+              <a:t>2024-04-03</a:t>
             </a:fld>
             <a:endParaRPr lang="ko-KR" altLang="en-US"/>
           </a:p>
@@ -6058,7 +6058,7 @@
           <a:p>
             <a:fld id="{69B43524-BEFA-488C-BC05-69222E5CFA9D}" type="datetime1">
               <a:rPr lang="ko-KR" altLang="en-US" smtClean="0"/>
-              <a:t>2023-09-12</a:t>
+              <a:t>2024-04-03</a:t>
             </a:fld>
             <a:endParaRPr lang="ko-KR" altLang="en-US"/>
           </a:p>
@@ -6256,7 +6256,7 @@
           <a:p>
             <a:fld id="{1A6A7683-8D67-43F2-9710-48F6BAA9E150}" type="datetime1">
               <a:rPr lang="ko-KR" altLang="en-US" smtClean="0"/>
-              <a:t>2023-09-12</a:t>
+              <a:t>2024-04-03</a:t>
             </a:fld>
             <a:endParaRPr lang="ko-KR" altLang="en-US"/>
           </a:p>
@@ -6464,7 +6464,7 @@
           <a:p>
             <a:fld id="{063EE130-85DB-4C9D-8DB6-AF11FA2D20B0}" type="datetime1">
               <a:rPr lang="ko-KR" altLang="en-US" smtClean="0"/>
-              <a:t>2023-09-12</a:t>
+              <a:t>2024-04-03</a:t>
             </a:fld>
             <a:endParaRPr lang="ko-KR" altLang="en-US"/>
           </a:p>
@@ -6751,7 +6751,7 @@
           <a:p>
             <a:fld id="{E391AB19-BDFC-4D04-81EB-1143E3C084CC}" type="datetime1">
               <a:rPr lang="ko-KR" altLang="en-US" smtClean="0"/>
-              <a:t>2023-09-12</a:t>
+              <a:t>2024-04-03</a:t>
             </a:fld>
             <a:endParaRPr lang="ko-KR" altLang="en-US"/>
           </a:p>
@@ -7026,7 +7026,7 @@
           <a:p>
             <a:fld id="{BB9C80D9-7FC2-421F-A72A-01794B91D6C9}" type="datetime1">
               <a:rPr lang="ko-KR" altLang="en-US" smtClean="0"/>
-              <a:t>2023-09-12</a:t>
+              <a:t>2024-04-03</a:t>
             </a:fld>
             <a:endParaRPr lang="ko-KR" altLang="en-US"/>
           </a:p>
@@ -7291,7 +7291,7 @@
           <a:p>
             <a:fld id="{EF981FE9-F83A-4675-BAE2-DB3D8C4739C6}" type="datetime1">
               <a:rPr lang="ko-KR" altLang="en-US" smtClean="0"/>
-              <a:t>2023-09-12</a:t>
+              <a:t>2024-04-03</a:t>
             </a:fld>
             <a:endParaRPr lang="ko-KR" altLang="en-US"/>
           </a:p>
@@ -7703,7 +7703,7 @@
           <a:p>
             <a:fld id="{9CA449A2-2CCB-4A63-8426-8EBDA18360F8}" type="datetime1">
               <a:rPr lang="ko-KR" altLang="en-US" smtClean="0"/>
-              <a:t>2023-09-12</a:t>
+              <a:t>2024-04-03</a:t>
             </a:fld>
             <a:endParaRPr lang="ko-KR" altLang="en-US"/>
           </a:p>
@@ -8236,7 +8236,7 @@
           <a:p>
             <a:fld id="{06C5C5E9-02C4-4F49-BDCF-497A97F23B5C}" type="datetime1">
               <a:rPr lang="ko-KR" altLang="en-US" smtClean="0"/>
-              <a:t>2023-09-12</a:t>
+              <a:t>2024-04-03</a:t>
             </a:fld>
             <a:endParaRPr lang="ko-KR" altLang="en-US"/>
           </a:p>
@@ -8524,7 +8524,7 @@
           <a:p>
             <a:fld id="{ECE0EF8B-2319-43DC-A4D8-567609C80A1B}" type="datetime1">
               <a:rPr lang="ko-KR" altLang="en-US" smtClean="0"/>
-              <a:t>2023-09-12</a:t>
+              <a:t>2024-04-03</a:t>
             </a:fld>
             <a:endParaRPr lang="ko-KR" altLang="en-US"/>
           </a:p>
@@ -8765,7 +8765,7 @@
           <a:p>
             <a:fld id="{F977298A-8F51-4C66-941B-5A66725A87B4}" type="datetime1">
               <a:rPr lang="ko-KR" altLang="en-US" smtClean="0"/>
-              <a:t>2023-09-12</a:t>
+              <a:t>2024-04-03</a:t>
             </a:fld>
             <a:endParaRPr lang="ko-KR" altLang="en-US"/>
           </a:p>
@@ -15447,7 +15447,7 @@
         <p:spPr>
           <a:xfrm>
             <a:off x="394629" y="846886"/>
-            <a:ext cx="11402741" cy="754053"/>
+            <a:ext cx="11402741" cy="2262158"/>
           </a:xfrm>
           <a:prstGeom prst="rect">
             <a:avLst/>
@@ -15539,6 +15539,336 @@
               <a:buFontTx/>
               <a:buChar char="-"/>
             </a:pPr>
+            <a:r>
+              <a:rPr lang="en-US" altLang="ko-KR" sz="1400" dirty="0">
+                <a:latin typeface="에스코어 드림 4 Regular" panose="020B0503030302020204" pitchFamily="34" charset="-127"/>
+                <a:ea typeface="에스코어 드림 4 Regular" panose="020B0503030302020204" pitchFamily="34" charset="-127"/>
+              </a:rPr>
+              <a:t>Docker </a:t>
+            </a:r>
+            <a:r>
+              <a:rPr lang="ko-KR" altLang="en-US" sz="1400" dirty="0">
+                <a:latin typeface="에스코어 드림 4 Regular" panose="020B0503030302020204" pitchFamily="34" charset="-127"/>
+                <a:ea typeface="에스코어 드림 4 Regular" panose="020B0503030302020204" pitchFamily="34" charset="-127"/>
+              </a:rPr>
+              <a:t>설치가 제대로 되지 않았다면</a:t>
+            </a:r>
+            <a:r>
+              <a:rPr lang="en-US" altLang="ko-KR" sz="1400" dirty="0">
+                <a:latin typeface="에스코어 드림 4 Regular" panose="020B0503030302020204" pitchFamily="34" charset="-127"/>
+                <a:ea typeface="에스코어 드림 4 Regular" panose="020B0503030302020204" pitchFamily="34" charset="-127"/>
+              </a:rPr>
+              <a:t>, </a:t>
+            </a:r>
+            <a:r>
+              <a:rPr lang="ko-KR" altLang="en-US" sz="1400" dirty="0">
+                <a:latin typeface="에스코어 드림 4 Regular" panose="020B0503030302020204" pitchFamily="34" charset="-127"/>
+                <a:ea typeface="에스코어 드림 4 Regular" panose="020B0503030302020204" pitchFamily="34" charset="-127"/>
+              </a:rPr>
+              <a:t>아래 명령어 순차적으로 입력 후 </a:t>
+            </a:r>
+            <a:r>
+              <a:rPr lang="en-US" altLang="ko-KR" sz="1400" dirty="0">
+                <a:latin typeface="에스코어 드림 4 Regular" panose="020B0503030302020204" pitchFamily="34" charset="-127"/>
+                <a:ea typeface="에스코어 드림 4 Regular" panose="020B0503030302020204" pitchFamily="34" charset="-127"/>
+              </a:rPr>
+              <a:t>./install_Edge.sh </a:t>
+            </a:r>
+            <a:r>
+              <a:rPr lang="ko-KR" altLang="en-US" sz="1400" dirty="0">
+                <a:latin typeface="에스코어 드림 4 Regular" panose="020B0503030302020204" pitchFamily="34" charset="-127"/>
+                <a:ea typeface="에스코어 드림 4 Regular" panose="020B0503030302020204" pitchFamily="34" charset="-127"/>
+              </a:rPr>
+              <a:t>재실행</a:t>
+            </a:r>
+            <a:endParaRPr lang="en-US" altLang="ko-KR" sz="1400" dirty="0">
+              <a:latin typeface="에스코어 드림 4 Regular" panose="020B0503030302020204" pitchFamily="34" charset="-127"/>
+              <a:ea typeface="에스코어 드림 4 Regular" panose="020B0503030302020204" pitchFamily="34" charset="-127"/>
+            </a:endParaRPr>
+          </a:p>
+          <a:p>
+            <a:pPr lvl="1"/>
+            <a:r>
+              <a:rPr lang="en-US" altLang="ko-KR" sz="1400" dirty="0">
+                <a:latin typeface="에스코어 드림 4 Regular" panose="020B0503030302020204" pitchFamily="34" charset="-127"/>
+                <a:ea typeface="에스코어 드림 4 Regular" panose="020B0503030302020204" pitchFamily="34" charset="-127"/>
+              </a:rPr>
+              <a:t>	</a:t>
+            </a:r>
+            <a:r>
+              <a:rPr lang="en-US" altLang="ko-KR" sz="1400" dirty="0" err="1">
+                <a:latin typeface="에스코어 드림 4 Regular" panose="020B0503030302020204" pitchFamily="34" charset="-127"/>
+                <a:ea typeface="에스코어 드림 4 Regular" panose="020B0503030302020204" pitchFamily="34" charset="-127"/>
+              </a:rPr>
+              <a:t>sudo</a:t>
+            </a:r>
+            <a:r>
+              <a:rPr lang="en-US" altLang="ko-KR" sz="1400" dirty="0">
+                <a:latin typeface="에스코어 드림 4 Regular" panose="020B0503030302020204" pitchFamily="34" charset="-127"/>
+                <a:ea typeface="에스코어 드림 4 Regular" panose="020B0503030302020204" pitchFamily="34" charset="-127"/>
+              </a:rPr>
+              <a:t> mv /</a:t>
+            </a:r>
+            <a:r>
+              <a:rPr lang="en-US" altLang="ko-KR" sz="1400" dirty="0" err="1">
+                <a:latin typeface="에스코어 드림 4 Regular" panose="020B0503030302020204" pitchFamily="34" charset="-127"/>
+                <a:ea typeface="에스코어 드림 4 Regular" panose="020B0503030302020204" pitchFamily="34" charset="-127"/>
+              </a:rPr>
+              <a:t>etc</a:t>
+            </a:r>
+            <a:r>
+              <a:rPr lang="en-US" altLang="ko-KR" sz="1400" dirty="0">
+                <a:latin typeface="에스코어 드림 4 Regular" panose="020B0503030302020204" pitchFamily="34" charset="-127"/>
+                <a:ea typeface="에스코어 드림 4 Regular" panose="020B0503030302020204" pitchFamily="34" charset="-127"/>
+              </a:rPr>
+              <a:t>/apt/</a:t>
+            </a:r>
+            <a:r>
+              <a:rPr lang="en-US" altLang="ko-KR" sz="1400" dirty="0" err="1">
+                <a:latin typeface="에스코어 드림 4 Regular" panose="020B0503030302020204" pitchFamily="34" charset="-127"/>
+                <a:ea typeface="에스코어 드림 4 Regular" panose="020B0503030302020204" pitchFamily="34" charset="-127"/>
+              </a:rPr>
+              <a:t>sources.list</a:t>
+            </a:r>
+            <a:r>
+              <a:rPr lang="en-US" altLang="ko-KR" sz="1400" dirty="0">
+                <a:latin typeface="에스코어 드림 4 Regular" panose="020B0503030302020204" pitchFamily="34" charset="-127"/>
+                <a:ea typeface="에스코어 드림 4 Regular" panose="020B0503030302020204" pitchFamily="34" charset="-127"/>
+              </a:rPr>
+              <a:t>{,.backup}</a:t>
+            </a:r>
+          </a:p>
+          <a:p>
+            <a:pPr lvl="1"/>
+            <a:r>
+              <a:rPr lang="en-US" altLang="ko-KR" sz="1400" dirty="0">
+                <a:latin typeface="에스코어 드림 4 Regular" panose="020B0503030302020204" pitchFamily="34" charset="-127"/>
+                <a:ea typeface="에스코어 드림 4 Regular" panose="020B0503030302020204" pitchFamily="34" charset="-127"/>
+              </a:rPr>
+              <a:t>	</a:t>
+            </a:r>
+            <a:r>
+              <a:rPr lang="en-US" altLang="ko-KR" sz="1400" dirty="0" err="1">
+                <a:latin typeface="에스코어 드림 4 Regular" panose="020B0503030302020204" pitchFamily="34" charset="-127"/>
+                <a:ea typeface="에스코어 드림 4 Regular" panose="020B0503030302020204" pitchFamily="34" charset="-127"/>
+              </a:rPr>
+              <a:t>sudo</a:t>
+            </a:r>
+            <a:r>
+              <a:rPr lang="en-US" altLang="ko-KR" sz="1400" dirty="0">
+                <a:latin typeface="에스코어 드림 4 Regular" panose="020B0503030302020204" pitchFamily="34" charset="-127"/>
+                <a:ea typeface="에스코어 드림 4 Regular" panose="020B0503030302020204" pitchFamily="34" charset="-127"/>
+              </a:rPr>
+              <a:t> mv /</a:t>
+            </a:r>
+            <a:r>
+              <a:rPr lang="en-US" altLang="ko-KR" sz="1400" dirty="0" err="1">
+                <a:latin typeface="에스코어 드림 4 Regular" panose="020B0503030302020204" pitchFamily="34" charset="-127"/>
+                <a:ea typeface="에스코어 드림 4 Regular" panose="020B0503030302020204" pitchFamily="34" charset="-127"/>
+              </a:rPr>
+              <a:t>etc</a:t>
+            </a:r>
+            <a:r>
+              <a:rPr lang="en-US" altLang="ko-KR" sz="1400" dirty="0">
+                <a:latin typeface="에스코어 드림 4 Regular" panose="020B0503030302020204" pitchFamily="34" charset="-127"/>
+                <a:ea typeface="에스코어 드림 4 Regular" panose="020B0503030302020204" pitchFamily="34" charset="-127"/>
+              </a:rPr>
+              <a:t>/apt/</a:t>
+            </a:r>
+            <a:r>
+              <a:rPr lang="en-US" altLang="ko-KR" sz="1400" dirty="0" err="1">
+                <a:latin typeface="에스코어 드림 4 Regular" panose="020B0503030302020204" pitchFamily="34" charset="-127"/>
+                <a:ea typeface="에스코어 드림 4 Regular" panose="020B0503030302020204" pitchFamily="34" charset="-127"/>
+              </a:rPr>
+              <a:t>sources.list.d</a:t>
+            </a:r>
+            <a:r>
+              <a:rPr lang="en-US" altLang="ko-KR" sz="1400" dirty="0">
+                <a:latin typeface="에스코어 드림 4 Regular" panose="020B0503030302020204" pitchFamily="34" charset="-127"/>
+                <a:ea typeface="에스코어 드림 4 Regular" panose="020B0503030302020204" pitchFamily="34" charset="-127"/>
+              </a:rPr>
+              <a:t>{,.backup}</a:t>
+            </a:r>
+          </a:p>
+          <a:p>
+            <a:pPr lvl="1"/>
+            <a:r>
+              <a:rPr lang="en-US" altLang="ko-KR" sz="1400" dirty="0">
+                <a:latin typeface="에스코어 드림 4 Regular" panose="020B0503030302020204" pitchFamily="34" charset="-127"/>
+                <a:ea typeface="에스코어 드림 4 Regular" panose="020B0503030302020204" pitchFamily="34" charset="-127"/>
+              </a:rPr>
+              <a:t>	</a:t>
+            </a:r>
+            <a:r>
+              <a:rPr lang="en-US" altLang="ko-KR" sz="1400" dirty="0" err="1">
+                <a:latin typeface="에스코어 드림 4 Regular" panose="020B0503030302020204" pitchFamily="34" charset="-127"/>
+                <a:ea typeface="에스코어 드림 4 Regular" panose="020B0503030302020204" pitchFamily="34" charset="-127"/>
+              </a:rPr>
+              <a:t>sudo</a:t>
+            </a:r>
+            <a:r>
+              <a:rPr lang="en-US" altLang="ko-KR" sz="1400" dirty="0">
+                <a:latin typeface="에스코어 드림 4 Regular" panose="020B0503030302020204" pitchFamily="34" charset="-127"/>
+                <a:ea typeface="에스코어 드림 4 Regular" panose="020B0503030302020204" pitchFamily="34" charset="-127"/>
+              </a:rPr>
+              <a:t> </a:t>
+            </a:r>
+            <a:r>
+              <a:rPr lang="en-US" altLang="ko-KR" sz="1400" dirty="0" err="1">
+                <a:latin typeface="에스코어 드림 4 Regular" panose="020B0503030302020204" pitchFamily="34" charset="-127"/>
+                <a:ea typeface="에스코어 드림 4 Regular" panose="020B0503030302020204" pitchFamily="34" charset="-127"/>
+              </a:rPr>
+              <a:t>mkdir</a:t>
+            </a:r>
+            <a:r>
+              <a:rPr lang="en-US" altLang="ko-KR" sz="1400" dirty="0">
+                <a:latin typeface="에스코어 드림 4 Regular" panose="020B0503030302020204" pitchFamily="34" charset="-127"/>
+                <a:ea typeface="에스코어 드림 4 Regular" panose="020B0503030302020204" pitchFamily="34" charset="-127"/>
+              </a:rPr>
+              <a:t> /</a:t>
+            </a:r>
+            <a:r>
+              <a:rPr lang="en-US" altLang="ko-KR" sz="1400" dirty="0" err="1">
+                <a:latin typeface="에스코어 드림 4 Regular" panose="020B0503030302020204" pitchFamily="34" charset="-127"/>
+                <a:ea typeface="에스코어 드림 4 Regular" panose="020B0503030302020204" pitchFamily="34" charset="-127"/>
+              </a:rPr>
+              <a:t>etc</a:t>
+            </a:r>
+            <a:r>
+              <a:rPr lang="en-US" altLang="ko-KR" sz="1400" dirty="0">
+                <a:latin typeface="에스코어 드림 4 Regular" panose="020B0503030302020204" pitchFamily="34" charset="-127"/>
+                <a:ea typeface="에스코어 드림 4 Regular" panose="020B0503030302020204" pitchFamily="34" charset="-127"/>
+              </a:rPr>
+              <a:t>/apt/</a:t>
+            </a:r>
+            <a:r>
+              <a:rPr lang="en-US" altLang="ko-KR" sz="1400" dirty="0" err="1">
+                <a:latin typeface="에스코어 드림 4 Regular" panose="020B0503030302020204" pitchFamily="34" charset="-127"/>
+                <a:ea typeface="에스코어 드림 4 Regular" panose="020B0503030302020204" pitchFamily="34" charset="-127"/>
+              </a:rPr>
+              <a:t>sources.list.d</a:t>
+            </a:r>
+            <a:endParaRPr lang="en-US" altLang="ko-KR" sz="1400" dirty="0">
+              <a:latin typeface="에스코어 드림 4 Regular" panose="020B0503030302020204" pitchFamily="34" charset="-127"/>
+              <a:ea typeface="에스코어 드림 4 Regular" panose="020B0503030302020204" pitchFamily="34" charset="-127"/>
+            </a:endParaRPr>
+          </a:p>
+          <a:p>
+            <a:pPr lvl="1"/>
+            <a:r>
+              <a:rPr lang="en-US" altLang="ko-KR" sz="1400" dirty="0">
+                <a:latin typeface="에스코어 드림 4 Regular" panose="020B0503030302020204" pitchFamily="34" charset="-127"/>
+                <a:ea typeface="에스코어 드림 4 Regular" panose="020B0503030302020204" pitchFamily="34" charset="-127"/>
+              </a:rPr>
+              <a:t>	</a:t>
+            </a:r>
+            <a:r>
+              <a:rPr lang="en-US" altLang="ko-KR" sz="1400" dirty="0" err="1">
+                <a:latin typeface="에스코어 드림 4 Regular" panose="020B0503030302020204" pitchFamily="34" charset="-127"/>
+                <a:ea typeface="에스코어 드림 4 Regular" panose="020B0503030302020204" pitchFamily="34" charset="-127"/>
+              </a:rPr>
+              <a:t>sudo</a:t>
+            </a:r>
+            <a:r>
+              <a:rPr lang="en-US" altLang="ko-KR" sz="1400" dirty="0">
+                <a:latin typeface="에스코어 드림 4 Regular" panose="020B0503030302020204" pitchFamily="34" charset="-127"/>
+                <a:ea typeface="에스코어 드림 4 Regular" panose="020B0503030302020204" pitchFamily="34" charset="-127"/>
+              </a:rPr>
+              <a:t> cp /</a:t>
+            </a:r>
+            <a:r>
+              <a:rPr lang="en-US" altLang="ko-KR" sz="1400" dirty="0" err="1">
+                <a:latin typeface="에스코어 드림 4 Regular" panose="020B0503030302020204" pitchFamily="34" charset="-127"/>
+                <a:ea typeface="에스코어 드림 4 Regular" panose="020B0503030302020204" pitchFamily="34" charset="-127"/>
+              </a:rPr>
+              <a:t>usr</a:t>
+            </a:r>
+            <a:r>
+              <a:rPr lang="en-US" altLang="ko-KR" sz="1400" dirty="0">
+                <a:latin typeface="에스코어 드림 4 Regular" panose="020B0503030302020204" pitchFamily="34" charset="-127"/>
+                <a:ea typeface="에스코어 드림 4 Regular" panose="020B0503030302020204" pitchFamily="34" charset="-127"/>
+              </a:rPr>
+              <a:t>/share/doc/apt/examples/</a:t>
+            </a:r>
+            <a:r>
+              <a:rPr lang="en-US" altLang="ko-KR" sz="1400" dirty="0" err="1">
+                <a:latin typeface="에스코어 드림 4 Regular" panose="020B0503030302020204" pitchFamily="34" charset="-127"/>
+                <a:ea typeface="에스코어 드림 4 Regular" panose="020B0503030302020204" pitchFamily="34" charset="-127"/>
+              </a:rPr>
+              <a:t>sources.list</a:t>
+            </a:r>
+            <a:r>
+              <a:rPr lang="en-US" altLang="ko-KR" sz="1400" dirty="0">
+                <a:latin typeface="에스코어 드림 4 Regular" panose="020B0503030302020204" pitchFamily="34" charset="-127"/>
+                <a:ea typeface="에스코어 드림 4 Regular" panose="020B0503030302020204" pitchFamily="34" charset="-127"/>
+              </a:rPr>
+              <a:t> /</a:t>
+            </a:r>
+            <a:r>
+              <a:rPr lang="en-US" altLang="ko-KR" sz="1400" dirty="0" err="1">
+                <a:latin typeface="에스코어 드림 4 Regular" panose="020B0503030302020204" pitchFamily="34" charset="-127"/>
+                <a:ea typeface="에스코어 드림 4 Regular" panose="020B0503030302020204" pitchFamily="34" charset="-127"/>
+              </a:rPr>
+              <a:t>etc</a:t>
+            </a:r>
+            <a:r>
+              <a:rPr lang="en-US" altLang="ko-KR" sz="1400" dirty="0">
+                <a:latin typeface="에스코어 드림 4 Regular" panose="020B0503030302020204" pitchFamily="34" charset="-127"/>
+                <a:ea typeface="에스코어 드림 4 Regular" panose="020B0503030302020204" pitchFamily="34" charset="-127"/>
+              </a:rPr>
+              <a:t>/apt/</a:t>
+            </a:r>
+            <a:r>
+              <a:rPr lang="en-US" altLang="ko-KR" sz="1400" dirty="0" err="1">
+                <a:latin typeface="에스코어 드림 4 Regular" panose="020B0503030302020204" pitchFamily="34" charset="-127"/>
+                <a:ea typeface="에스코어 드림 4 Regular" panose="020B0503030302020204" pitchFamily="34" charset="-127"/>
+              </a:rPr>
+              <a:t>sources.list</a:t>
+            </a:r>
+            <a:endParaRPr lang="en-US" altLang="ko-KR" sz="1400" dirty="0">
+              <a:latin typeface="에스코어 드림 4 Regular" panose="020B0503030302020204" pitchFamily="34" charset="-127"/>
+              <a:ea typeface="에스코어 드림 4 Regular" panose="020B0503030302020204" pitchFamily="34" charset="-127"/>
+            </a:endParaRPr>
+          </a:p>
+          <a:p>
+            <a:pPr lvl="1"/>
+            <a:r>
+              <a:rPr lang="en-US" altLang="ko-KR" sz="1400" dirty="0">
+                <a:latin typeface="에스코어 드림 4 Regular" panose="020B0503030302020204" pitchFamily="34" charset="-127"/>
+                <a:ea typeface="에스코어 드림 4 Regular" panose="020B0503030302020204" pitchFamily="34" charset="-127"/>
+              </a:rPr>
+              <a:t>	</a:t>
+            </a:r>
+            <a:r>
+              <a:rPr lang="en-US" altLang="ko-KR" sz="1400" dirty="0" err="1">
+                <a:latin typeface="에스코어 드림 4 Regular" panose="020B0503030302020204" pitchFamily="34" charset="-127"/>
+                <a:ea typeface="에스코어 드림 4 Regular" panose="020B0503030302020204" pitchFamily="34" charset="-127"/>
+              </a:rPr>
+              <a:t>sudo</a:t>
+            </a:r>
+            <a:r>
+              <a:rPr lang="en-US" altLang="ko-KR" sz="1400" dirty="0">
+                <a:latin typeface="에스코어 드림 4 Regular" panose="020B0503030302020204" pitchFamily="34" charset="-127"/>
+                <a:ea typeface="에스코어 드림 4 Regular" panose="020B0503030302020204" pitchFamily="34" charset="-127"/>
+              </a:rPr>
+              <a:t> apt-get update</a:t>
+            </a:r>
+          </a:p>
+          <a:p>
+            <a:pPr marL="742950" lvl="1" indent="-285750">
+              <a:buFontTx/>
+              <a:buChar char="-"/>
+            </a:pPr>
+            <a:endParaRPr lang="en-US" altLang="ko-KR" sz="1400" dirty="0">
+              <a:latin typeface="에스코어 드림 4 Regular" panose="020B0503030302020204" pitchFamily="34" charset="-127"/>
+              <a:ea typeface="에스코어 드림 4 Regular" panose="020B0503030302020204" pitchFamily="34" charset="-127"/>
+            </a:endParaRPr>
+          </a:p>
+          <a:p>
+            <a:pPr marL="742950" lvl="1" indent="-285750">
+              <a:buFontTx/>
+              <a:buChar char="-"/>
+            </a:pPr>
             <a:endParaRPr lang="en-US" altLang="ko-KR" sz="1400" dirty="0">
               <a:latin typeface="에스코어 드림 4 Regular" panose="020B0503030302020204" pitchFamily="34" charset="-127"/>
               <a:ea typeface="에스코어 드림 4 Regular" panose="020B0503030302020204" pitchFamily="34" charset="-127"/>
@@ -15568,8 +15898,8 @@
         </p:blipFill>
         <p:spPr>
           <a:xfrm>
-            <a:off x="1147811" y="1474837"/>
-            <a:ext cx="6403302" cy="4670323"/>
+            <a:off x="963592" y="2840113"/>
+            <a:ext cx="5318303" cy="3878966"/>
           </a:xfrm>
           <a:prstGeom prst="rect">
             <a:avLst/>
@@ -15598,7 +15928,7 @@
         </p:blipFill>
         <p:spPr>
           <a:xfrm>
-            <a:off x="1147811" y="6247756"/>
+            <a:off x="6378397" y="2844624"/>
             <a:ext cx="3610479" cy="419158"/>
           </a:xfrm>
           <a:prstGeom prst="rect">
